--- a/src/main/resources/nn.pptx
+++ b/src/main/resources/nn.pptx
@@ -5,10 +5,10 @@
     <p:sldMasterId id="2147483648" r:id="rId1"/>
   </p:sldMasterIdLst>
   <p:notesMasterIdLst>
-    <p:notesMasterId r:id="rId55"/>
+    <p:notesMasterId r:id="rId58"/>
   </p:notesMasterIdLst>
   <p:handoutMasterIdLst>
-    <p:handoutMasterId r:id="rId56"/>
+    <p:handoutMasterId r:id="rId59"/>
   </p:handoutMasterIdLst>
   <p:sldIdLst>
     <p:sldId id="271" r:id="rId2"/>
@@ -17,53 +17,56 @@
     <p:sldId id="373" r:id="rId5"/>
     <p:sldId id="375" r:id="rId6"/>
     <p:sldId id="374" r:id="rId7"/>
-    <p:sldId id="381" r:id="rId8"/>
-    <p:sldId id="377" r:id="rId9"/>
-    <p:sldId id="383" r:id="rId10"/>
-    <p:sldId id="382" r:id="rId11"/>
-    <p:sldId id="385" r:id="rId12"/>
-    <p:sldId id="386" r:id="rId13"/>
-    <p:sldId id="384" r:id="rId14"/>
-    <p:sldId id="380" r:id="rId15"/>
-    <p:sldId id="387" r:id="rId16"/>
-    <p:sldId id="378" r:id="rId17"/>
-    <p:sldId id="388" r:id="rId18"/>
-    <p:sldId id="389" r:id="rId19"/>
-    <p:sldId id="327" r:id="rId20"/>
-    <p:sldId id="329" r:id="rId21"/>
-    <p:sldId id="328" r:id="rId22"/>
-    <p:sldId id="331" r:id="rId23"/>
-    <p:sldId id="330" r:id="rId24"/>
-    <p:sldId id="333" r:id="rId25"/>
-    <p:sldId id="334" r:id="rId26"/>
-    <p:sldId id="335" r:id="rId27"/>
-    <p:sldId id="336" r:id="rId28"/>
-    <p:sldId id="339" r:id="rId29"/>
-    <p:sldId id="337" r:id="rId30"/>
-    <p:sldId id="354" r:id="rId31"/>
-    <p:sldId id="355" r:id="rId32"/>
-    <p:sldId id="356" r:id="rId33"/>
-    <p:sldId id="358" r:id="rId34"/>
-    <p:sldId id="360" r:id="rId35"/>
-    <p:sldId id="361" r:id="rId36"/>
-    <p:sldId id="362" r:id="rId37"/>
-    <p:sldId id="364" r:id="rId38"/>
-    <p:sldId id="344" r:id="rId39"/>
-    <p:sldId id="346" r:id="rId40"/>
-    <p:sldId id="366" r:id="rId41"/>
-    <p:sldId id="365" r:id="rId42"/>
-    <p:sldId id="341" r:id="rId43"/>
-    <p:sldId id="340" r:id="rId44"/>
-    <p:sldId id="369" r:id="rId45"/>
-    <p:sldId id="348" r:id="rId46"/>
-    <p:sldId id="370" r:id="rId47"/>
-    <p:sldId id="353" r:id="rId48"/>
-    <p:sldId id="372" r:id="rId49"/>
-    <p:sldId id="352" r:id="rId50"/>
-    <p:sldId id="347" r:id="rId51"/>
-    <p:sldId id="368" r:id="rId52"/>
-    <p:sldId id="367" r:id="rId53"/>
-    <p:sldId id="371" r:id="rId54"/>
+    <p:sldId id="390" r:id="rId8"/>
+    <p:sldId id="393" r:id="rId9"/>
+    <p:sldId id="391" r:id="rId10"/>
+    <p:sldId id="392" r:id="rId11"/>
+    <p:sldId id="377" r:id="rId12"/>
+    <p:sldId id="383" r:id="rId13"/>
+    <p:sldId id="382" r:id="rId14"/>
+    <p:sldId id="385" r:id="rId15"/>
+    <p:sldId id="386" r:id="rId16"/>
+    <p:sldId id="384" r:id="rId17"/>
+    <p:sldId id="380" r:id="rId18"/>
+    <p:sldId id="387" r:id="rId19"/>
+    <p:sldId id="378" r:id="rId20"/>
+    <p:sldId id="388" r:id="rId21"/>
+    <p:sldId id="389" r:id="rId22"/>
+    <p:sldId id="327" r:id="rId23"/>
+    <p:sldId id="329" r:id="rId24"/>
+    <p:sldId id="328" r:id="rId25"/>
+    <p:sldId id="331" r:id="rId26"/>
+    <p:sldId id="330" r:id="rId27"/>
+    <p:sldId id="333" r:id="rId28"/>
+    <p:sldId id="334" r:id="rId29"/>
+    <p:sldId id="335" r:id="rId30"/>
+    <p:sldId id="336" r:id="rId31"/>
+    <p:sldId id="339" r:id="rId32"/>
+    <p:sldId id="337" r:id="rId33"/>
+    <p:sldId id="354" r:id="rId34"/>
+    <p:sldId id="355" r:id="rId35"/>
+    <p:sldId id="356" r:id="rId36"/>
+    <p:sldId id="358" r:id="rId37"/>
+    <p:sldId id="360" r:id="rId38"/>
+    <p:sldId id="361" r:id="rId39"/>
+    <p:sldId id="362" r:id="rId40"/>
+    <p:sldId id="364" r:id="rId41"/>
+    <p:sldId id="344" r:id="rId42"/>
+    <p:sldId id="346" r:id="rId43"/>
+    <p:sldId id="366" r:id="rId44"/>
+    <p:sldId id="365" r:id="rId45"/>
+    <p:sldId id="341" r:id="rId46"/>
+    <p:sldId id="340" r:id="rId47"/>
+    <p:sldId id="369" r:id="rId48"/>
+    <p:sldId id="348" r:id="rId49"/>
+    <p:sldId id="370" r:id="rId50"/>
+    <p:sldId id="353" r:id="rId51"/>
+    <p:sldId id="372" r:id="rId52"/>
+    <p:sldId id="352" r:id="rId53"/>
+    <p:sldId id="347" r:id="rId54"/>
+    <p:sldId id="368" r:id="rId55"/>
+    <p:sldId id="367" r:id="rId56"/>
+    <p:sldId id="371" r:id="rId57"/>
   </p:sldIdLst>
   <p:sldSz cx="9144000" cy="6858000" type="screen4x3"/>
   <p:notesSz cx="6858000" cy="9144000"/>
@@ -207,7 +210,10 @@
             <p14:sldId id="373"/>
             <p14:sldId id="375"/>
             <p14:sldId id="374"/>
-            <p14:sldId id="381"/>
+            <p14:sldId id="390"/>
+            <p14:sldId id="393"/>
+            <p14:sldId id="391"/>
+            <p14:sldId id="392"/>
             <p14:sldId id="377"/>
             <p14:sldId id="383"/>
             <p14:sldId id="382"/>
@@ -401,7 +407,7 @@
               <a:pPr>
                 <a:defRPr/>
               </a:pPr>
-              <a:t>4/19/2018</a:t>
+              <a:t>6/8/2018</a:t>
             </a:fld>
             <a:endParaRPr lang="en-US"/>
           </a:p>
@@ -621,7 +627,7 @@
               <a:pPr>
                 <a:defRPr/>
               </a:pPr>
-              <a:t>4/19/2018</a:t>
+              <a:t>6/8/2018</a:t>
             </a:fld>
             <a:endParaRPr lang="en-US"/>
           </a:p>
@@ -1082,7 +1088,7 @@
     </p:spTree>
     <p:extLst>
       <p:ext uri="{BB962C8B-B14F-4D97-AF65-F5344CB8AC3E}">
-        <p14:creationId xmlns:p14="http://schemas.microsoft.com/office/powerpoint/2010/main" val="3511293442"/>
+        <p14:creationId xmlns:p14="http://schemas.microsoft.com/office/powerpoint/2010/main" val="1605462067"/>
       </p:ext>
     </p:extLst>
   </p:cSld>
@@ -1143,7 +1149,7 @@
     </p:spTree>
     <p:extLst>
       <p:ext uri="{BB962C8B-B14F-4D97-AF65-F5344CB8AC3E}">
-        <p14:creationId xmlns:p14="http://schemas.microsoft.com/office/powerpoint/2010/main" val="4155149575"/>
+        <p14:creationId xmlns:p14="http://schemas.microsoft.com/office/powerpoint/2010/main" val="2047136570"/>
       </p:ext>
     </p:extLst>
   </p:cSld>
@@ -1204,7 +1210,7 @@
     </p:spTree>
     <p:extLst>
       <p:ext uri="{BB962C8B-B14F-4D97-AF65-F5344CB8AC3E}">
-        <p14:creationId xmlns:p14="http://schemas.microsoft.com/office/powerpoint/2010/main" val="775448324"/>
+        <p14:creationId xmlns:p14="http://schemas.microsoft.com/office/powerpoint/2010/main" val="4022952275"/>
       </p:ext>
     </p:extLst>
   </p:cSld>
@@ -1265,7 +1271,7 @@
     </p:spTree>
     <p:extLst>
       <p:ext uri="{BB962C8B-B14F-4D97-AF65-F5344CB8AC3E}">
-        <p14:creationId xmlns:p14="http://schemas.microsoft.com/office/powerpoint/2010/main" val="3873751248"/>
+        <p14:creationId xmlns:p14="http://schemas.microsoft.com/office/powerpoint/2010/main" val="3511293442"/>
       </p:ext>
     </p:extLst>
   </p:cSld>
@@ -1326,7 +1332,7 @@
     </p:spTree>
     <p:extLst>
       <p:ext uri="{BB962C8B-B14F-4D97-AF65-F5344CB8AC3E}">
-        <p14:creationId xmlns:p14="http://schemas.microsoft.com/office/powerpoint/2010/main" val="769676099"/>
+        <p14:creationId xmlns:p14="http://schemas.microsoft.com/office/powerpoint/2010/main" val="4155149575"/>
       </p:ext>
     </p:extLst>
   </p:cSld>
@@ -1387,7 +1393,7 @@
     </p:spTree>
     <p:extLst>
       <p:ext uri="{BB962C8B-B14F-4D97-AF65-F5344CB8AC3E}">
-        <p14:creationId xmlns:p14="http://schemas.microsoft.com/office/powerpoint/2010/main" val="3156647861"/>
+        <p14:creationId xmlns:p14="http://schemas.microsoft.com/office/powerpoint/2010/main" val="775448324"/>
       </p:ext>
     </p:extLst>
   </p:cSld>
@@ -1448,7 +1454,7 @@
     </p:spTree>
     <p:extLst>
       <p:ext uri="{BB962C8B-B14F-4D97-AF65-F5344CB8AC3E}">
-        <p14:creationId xmlns:p14="http://schemas.microsoft.com/office/powerpoint/2010/main" val="2862081802"/>
+        <p14:creationId xmlns:p14="http://schemas.microsoft.com/office/powerpoint/2010/main" val="3873751248"/>
       </p:ext>
     </p:extLst>
   </p:cSld>
@@ -1509,7 +1515,7 @@
     </p:spTree>
     <p:extLst>
       <p:ext uri="{BB962C8B-B14F-4D97-AF65-F5344CB8AC3E}">
-        <p14:creationId xmlns:p14="http://schemas.microsoft.com/office/powerpoint/2010/main" val="4199838056"/>
+        <p14:creationId xmlns:p14="http://schemas.microsoft.com/office/powerpoint/2010/main" val="769676099"/>
       </p:ext>
     </p:extLst>
   </p:cSld>
@@ -1570,7 +1576,7 @@
     </p:spTree>
     <p:extLst>
       <p:ext uri="{BB962C8B-B14F-4D97-AF65-F5344CB8AC3E}">
-        <p14:creationId xmlns:p14="http://schemas.microsoft.com/office/powerpoint/2010/main" val="1923953388"/>
+        <p14:creationId xmlns:p14="http://schemas.microsoft.com/office/powerpoint/2010/main" val="3156647861"/>
       </p:ext>
     </p:extLst>
   </p:cSld>
@@ -1624,24 +1630,6 @@
           <a:bodyPr/>
           <a:lstStyle/>
           <a:p>
-            <a:r>
-              <a:rPr lang="en-US" dirty="0"/>
-              <a:t>When we</a:t>
-            </a:r>
-            <a:r>
-              <a:rPr lang="en-US" baseline="0" dirty="0"/>
-              <a:t> see an image of a pet, we are able to see a pattern.</a:t>
-            </a:r>
-          </a:p>
-          <a:p>
-            <a:r>
-              <a:rPr lang="en-US" dirty="0"/>
-              <a:t>We have seen</a:t>
-            </a:r>
-            <a:r>
-              <a:rPr lang="en-US" baseline="0" dirty="0"/>
-              <a:t> fair share of pets from an early age, knowledge gained by this experience formed our neural connections and so we are able to recognize a pet pattern.</a:t>
-            </a:r>
             <a:endParaRPr lang="hr-HR" dirty="0"/>
           </a:p>
         </p:txBody>
@@ -1649,7 +1637,7 @@
     </p:spTree>
     <p:extLst>
       <p:ext uri="{BB962C8B-B14F-4D97-AF65-F5344CB8AC3E}">
-        <p14:creationId xmlns:p14="http://schemas.microsoft.com/office/powerpoint/2010/main" val="2433263102"/>
+        <p14:creationId xmlns:p14="http://schemas.microsoft.com/office/powerpoint/2010/main" val="2862081802"/>
       </p:ext>
     </p:extLst>
   </p:cSld>
@@ -1764,20 +1752,6 @@
           <a:bodyPr/>
           <a:lstStyle/>
           <a:p>
-            <a:r>
-              <a:rPr lang="en-US" dirty="0"/>
-              <a:t>Initially,</a:t>
-            </a:r>
-            <a:r>
-              <a:rPr lang="en-US" baseline="0" dirty="0"/>
-              <a:t> small child might have a bunch of green toys, of which none is ‘pointy’. When it first encounters cacti, it might decide to play with it since it green, just like other toys, ignoring the pointy property al together.</a:t>
-            </a:r>
-          </a:p>
-          <a:p>
-            <a:r>
-              <a:rPr lang="en-US" baseline="0" dirty="0"/>
-              <a:t>After a couple of painful experiences, the child learns that the color might not be so important for the future toys and that he should chose ones which are not pointy.</a:t>
-            </a:r>
             <a:endParaRPr lang="hr-HR" dirty="0"/>
           </a:p>
         </p:txBody>
@@ -1785,7 +1759,7 @@
     </p:spTree>
     <p:extLst>
       <p:ext uri="{BB962C8B-B14F-4D97-AF65-F5344CB8AC3E}">
-        <p14:creationId xmlns:p14="http://schemas.microsoft.com/office/powerpoint/2010/main" val="2617474416"/>
+        <p14:creationId xmlns:p14="http://schemas.microsoft.com/office/powerpoint/2010/main" val="4199838056"/>
       </p:ext>
     </p:extLst>
   </p:cSld>
@@ -1839,14 +1813,6 @@
           <a:bodyPr/>
           <a:lstStyle/>
           <a:p>
-            <a:r>
-              <a:rPr lang="en-US" dirty="0"/>
-              <a:t>Neurons accumulate</a:t>
-            </a:r>
-            <a:r>
-              <a:rPr lang="en-US" baseline="0" dirty="0"/>
-              <a:t> charge from other neurons continuously until the charge passes a threshold, this will cause neurons to activate.</a:t>
-            </a:r>
             <a:endParaRPr lang="hr-HR" dirty="0"/>
           </a:p>
         </p:txBody>
@@ -1854,7 +1820,7 @@
     </p:spTree>
     <p:extLst>
       <p:ext uri="{BB962C8B-B14F-4D97-AF65-F5344CB8AC3E}">
-        <p14:creationId xmlns:p14="http://schemas.microsoft.com/office/powerpoint/2010/main" val="1036909889"/>
+        <p14:creationId xmlns:p14="http://schemas.microsoft.com/office/powerpoint/2010/main" val="1923953388"/>
       </p:ext>
     </p:extLst>
   </p:cSld>
@@ -1908,6 +1874,24 @@
           <a:bodyPr/>
           <a:lstStyle/>
           <a:p>
+            <a:r>
+              <a:rPr lang="en-US" dirty="0"/>
+              <a:t>When we</a:t>
+            </a:r>
+            <a:r>
+              <a:rPr lang="en-US" baseline="0" dirty="0"/>
+              <a:t> see an image of a pet, we are able to see a pattern.</a:t>
+            </a:r>
+          </a:p>
+          <a:p>
+            <a:r>
+              <a:rPr lang="en-US" dirty="0"/>
+              <a:t>We have seen</a:t>
+            </a:r>
+            <a:r>
+              <a:rPr lang="en-US" baseline="0" dirty="0"/>
+              <a:t> fair share of pets from an early age, knowledge gained by this experience formed our neural connections and so we are able to recognize a pet pattern.</a:t>
+            </a:r>
             <a:endParaRPr lang="hr-HR" dirty="0"/>
           </a:p>
         </p:txBody>
@@ -1915,7 +1899,7 @@
     </p:spTree>
     <p:extLst>
       <p:ext uri="{BB962C8B-B14F-4D97-AF65-F5344CB8AC3E}">
-        <p14:creationId xmlns:p14="http://schemas.microsoft.com/office/powerpoint/2010/main" val="2843035520"/>
+        <p14:creationId xmlns:p14="http://schemas.microsoft.com/office/powerpoint/2010/main" val="2433263102"/>
       </p:ext>
     </p:extLst>
   </p:cSld>
@@ -1971,11 +1955,17 @@
           <a:p>
             <a:r>
               <a:rPr lang="en-US" dirty="0"/>
-              <a:t>If</a:t>
+              <a:t>Initially,</a:t>
             </a:r>
             <a:r>
               <a:rPr lang="en-US" baseline="0" dirty="0"/>
-              <a:t> the sum of neurons is say 5, and threshold is -2, we can simply replace threshold with always active X0 neuron with weight -2. The sum remains same, but we can dynamically adjust this weight -2.</a:t>
+              <a:t> small child might have a bunch of green toys, of which none is ‘pointy’. When it first encounters cacti, it might decide to play with it since it green, just like other toys, ignoring the pointy property al together.</a:t>
+            </a:r>
+          </a:p>
+          <a:p>
+            <a:r>
+              <a:rPr lang="en-US" baseline="0" dirty="0"/>
+              <a:t>After a couple of painful experiences, the child learns that the color might not be so important for the future toys and that he should chose ones which are not pointy.</a:t>
             </a:r>
             <a:endParaRPr lang="hr-HR" dirty="0"/>
           </a:p>
@@ -1984,7 +1974,7 @@
     </p:spTree>
     <p:extLst>
       <p:ext uri="{BB962C8B-B14F-4D97-AF65-F5344CB8AC3E}">
-        <p14:creationId xmlns:p14="http://schemas.microsoft.com/office/powerpoint/2010/main" val="2796733879"/>
+        <p14:creationId xmlns:p14="http://schemas.microsoft.com/office/powerpoint/2010/main" val="2617474416"/>
       </p:ext>
     </p:extLst>
   </p:cSld>
@@ -2039,16 +2029,21 @@
           <a:lstStyle/>
           <a:p>
             <a:r>
+              <a:rPr lang="en-US" dirty="0"/>
+              <a:t>Neurons accumulate</a:t>
+            </a:r>
+            <a:r>
               <a:rPr lang="en-US" baseline="0" dirty="0"/>
-              <a:t>Consider ELU and PRELU</a:t>
-            </a:r>
+              <a:t> charge from other neurons continuously until the charge passes a threshold, this will cause neurons to activate.</a:t>
+            </a:r>
+            <a:endParaRPr lang="hr-HR" dirty="0"/>
           </a:p>
         </p:txBody>
       </p:sp>
     </p:spTree>
     <p:extLst>
       <p:ext uri="{BB962C8B-B14F-4D97-AF65-F5344CB8AC3E}">
-        <p14:creationId xmlns:p14="http://schemas.microsoft.com/office/powerpoint/2010/main" val="2056288039"/>
+        <p14:creationId xmlns:p14="http://schemas.microsoft.com/office/powerpoint/2010/main" val="1036909889"/>
       </p:ext>
     </p:extLst>
   </p:cSld>
@@ -2109,7 +2104,7 @@
     </p:spTree>
     <p:extLst>
       <p:ext uri="{BB962C8B-B14F-4D97-AF65-F5344CB8AC3E}">
-        <p14:creationId xmlns:p14="http://schemas.microsoft.com/office/powerpoint/2010/main" val="3477218919"/>
+        <p14:creationId xmlns:p14="http://schemas.microsoft.com/office/powerpoint/2010/main" val="2843035520"/>
       </p:ext>
     </p:extLst>
   </p:cSld>
@@ -2163,6 +2158,14 @@
           <a:bodyPr/>
           <a:lstStyle/>
           <a:p>
+            <a:r>
+              <a:rPr lang="en-US" dirty="0"/>
+              <a:t>If</a:t>
+            </a:r>
+            <a:r>
+              <a:rPr lang="en-US" baseline="0" dirty="0"/>
+              <a:t> the sum of neurons is say 5, and threshold is -2, we can simply replace threshold with always active X0 neuron with weight -2. The sum remains same, but we can dynamically adjust this weight -2.</a:t>
+            </a:r>
             <a:endParaRPr lang="hr-HR" dirty="0"/>
           </a:p>
         </p:txBody>
@@ -2170,7 +2173,7 @@
     </p:spTree>
     <p:extLst>
       <p:ext uri="{BB962C8B-B14F-4D97-AF65-F5344CB8AC3E}">
-        <p14:creationId xmlns:p14="http://schemas.microsoft.com/office/powerpoint/2010/main" val="1456180756"/>
+        <p14:creationId xmlns:p14="http://schemas.microsoft.com/office/powerpoint/2010/main" val="2796733879"/>
       </p:ext>
     </p:extLst>
   </p:cSld>
@@ -2224,14 +2227,17 @@
           <a:bodyPr/>
           <a:lstStyle/>
           <a:p>
-            <a:endParaRPr lang="hr-HR" dirty="0"/>
+            <a:r>
+              <a:rPr lang="en-US" baseline="0" dirty="0"/>
+              <a:t>Consider ELU and PRELU</a:t>
+            </a:r>
           </a:p>
         </p:txBody>
       </p:sp>
     </p:spTree>
     <p:extLst>
       <p:ext uri="{BB962C8B-B14F-4D97-AF65-F5344CB8AC3E}">
-        <p14:creationId xmlns:p14="http://schemas.microsoft.com/office/powerpoint/2010/main" val="3204426231"/>
+        <p14:creationId xmlns:p14="http://schemas.microsoft.com/office/powerpoint/2010/main" val="2056288039"/>
       </p:ext>
     </p:extLst>
   </p:cSld>
@@ -2292,7 +2298,7 @@
     </p:spTree>
     <p:extLst>
       <p:ext uri="{BB962C8B-B14F-4D97-AF65-F5344CB8AC3E}">
-        <p14:creationId xmlns:p14="http://schemas.microsoft.com/office/powerpoint/2010/main" val="3724857274"/>
+        <p14:creationId xmlns:p14="http://schemas.microsoft.com/office/powerpoint/2010/main" val="3477218919"/>
       </p:ext>
     </p:extLst>
   </p:cSld>
@@ -2353,7 +2359,7 @@
     </p:spTree>
     <p:extLst>
       <p:ext uri="{BB962C8B-B14F-4D97-AF65-F5344CB8AC3E}">
-        <p14:creationId xmlns:p14="http://schemas.microsoft.com/office/powerpoint/2010/main" val="2372541462"/>
+        <p14:creationId xmlns:p14="http://schemas.microsoft.com/office/powerpoint/2010/main" val="1456180756"/>
       </p:ext>
     </p:extLst>
   </p:cSld>
@@ -2475,7 +2481,7 @@
     </p:spTree>
     <p:extLst>
       <p:ext uri="{BB962C8B-B14F-4D97-AF65-F5344CB8AC3E}">
-        <p14:creationId xmlns:p14="http://schemas.microsoft.com/office/powerpoint/2010/main" val="973504301"/>
+        <p14:creationId xmlns:p14="http://schemas.microsoft.com/office/powerpoint/2010/main" val="3204426231"/>
       </p:ext>
     </p:extLst>
   </p:cSld>
@@ -2536,7 +2542,7 @@
     </p:spTree>
     <p:extLst>
       <p:ext uri="{BB962C8B-B14F-4D97-AF65-F5344CB8AC3E}">
-        <p14:creationId xmlns:p14="http://schemas.microsoft.com/office/powerpoint/2010/main" val="4270349681"/>
+        <p14:creationId xmlns:p14="http://schemas.microsoft.com/office/powerpoint/2010/main" val="3724857274"/>
       </p:ext>
     </p:extLst>
   </p:cSld>
@@ -2597,7 +2603,7 @@
     </p:spTree>
     <p:extLst>
       <p:ext uri="{BB962C8B-B14F-4D97-AF65-F5344CB8AC3E}">
-        <p14:creationId xmlns:p14="http://schemas.microsoft.com/office/powerpoint/2010/main" val="1661450298"/>
+        <p14:creationId xmlns:p14="http://schemas.microsoft.com/office/powerpoint/2010/main" val="2372541462"/>
       </p:ext>
     </p:extLst>
   </p:cSld>
@@ -2658,7 +2664,7 @@
     </p:spTree>
     <p:extLst>
       <p:ext uri="{BB962C8B-B14F-4D97-AF65-F5344CB8AC3E}">
-        <p14:creationId xmlns:p14="http://schemas.microsoft.com/office/powerpoint/2010/main" val="59482424"/>
+        <p14:creationId xmlns:p14="http://schemas.microsoft.com/office/powerpoint/2010/main" val="973504301"/>
       </p:ext>
     </p:extLst>
   </p:cSld>
@@ -2712,14 +2718,14 @@
           <a:bodyPr/>
           <a:lstStyle/>
           <a:p>
-            <a:endParaRPr lang="en-US" dirty="0"/>
+            <a:endParaRPr lang="hr-HR" dirty="0"/>
           </a:p>
         </p:txBody>
       </p:sp>
     </p:spTree>
     <p:extLst>
       <p:ext uri="{BB962C8B-B14F-4D97-AF65-F5344CB8AC3E}">
-        <p14:creationId xmlns:p14="http://schemas.microsoft.com/office/powerpoint/2010/main" val="4064727088"/>
+        <p14:creationId xmlns:p14="http://schemas.microsoft.com/office/powerpoint/2010/main" val="4270349681"/>
       </p:ext>
     </p:extLst>
   </p:cSld>
@@ -2780,7 +2786,7 @@
     </p:spTree>
     <p:extLst>
       <p:ext uri="{BB962C8B-B14F-4D97-AF65-F5344CB8AC3E}">
-        <p14:creationId xmlns:p14="http://schemas.microsoft.com/office/powerpoint/2010/main" val="1724004156"/>
+        <p14:creationId xmlns:p14="http://schemas.microsoft.com/office/powerpoint/2010/main" val="1661450298"/>
       </p:ext>
     </p:extLst>
   </p:cSld>
@@ -2841,7 +2847,7 @@
     </p:spTree>
     <p:extLst>
       <p:ext uri="{BB962C8B-B14F-4D97-AF65-F5344CB8AC3E}">
-        <p14:creationId xmlns:p14="http://schemas.microsoft.com/office/powerpoint/2010/main" val="3073801589"/>
+        <p14:creationId xmlns:p14="http://schemas.microsoft.com/office/powerpoint/2010/main" val="59482424"/>
       </p:ext>
     </p:extLst>
   </p:cSld>
@@ -2895,14 +2901,14 @@
           <a:bodyPr/>
           <a:lstStyle/>
           <a:p>
-            <a:endParaRPr lang="hr-HR" dirty="0"/>
+            <a:endParaRPr lang="en-US" dirty="0"/>
           </a:p>
         </p:txBody>
       </p:sp>
     </p:spTree>
     <p:extLst>
       <p:ext uri="{BB962C8B-B14F-4D97-AF65-F5344CB8AC3E}">
-        <p14:creationId xmlns:p14="http://schemas.microsoft.com/office/powerpoint/2010/main" val="2809889704"/>
+        <p14:creationId xmlns:p14="http://schemas.microsoft.com/office/powerpoint/2010/main" val="4064727088"/>
       </p:ext>
     </p:extLst>
   </p:cSld>
@@ -2963,7 +2969,7 @@
     </p:spTree>
     <p:extLst>
       <p:ext uri="{BB962C8B-B14F-4D97-AF65-F5344CB8AC3E}">
-        <p14:creationId xmlns:p14="http://schemas.microsoft.com/office/powerpoint/2010/main" val="2638958660"/>
+        <p14:creationId xmlns:p14="http://schemas.microsoft.com/office/powerpoint/2010/main" val="1724004156"/>
       </p:ext>
     </p:extLst>
   </p:cSld>
@@ -3024,7 +3030,7 @@
     </p:spTree>
     <p:extLst>
       <p:ext uri="{BB962C8B-B14F-4D97-AF65-F5344CB8AC3E}">
-        <p14:creationId xmlns:p14="http://schemas.microsoft.com/office/powerpoint/2010/main" val="1305071474"/>
+        <p14:creationId xmlns:p14="http://schemas.microsoft.com/office/powerpoint/2010/main" val="3073801589"/>
       </p:ext>
     </p:extLst>
   </p:cSld>
@@ -3139,22 +3145,14 @@
           <a:bodyPr/>
           <a:lstStyle/>
           <a:p>
-            <a:endParaRPr lang="en-US" sz="1000" b="0" i="0" kern="1200" dirty="0">
-              <a:solidFill>
-                <a:schemeClr val="tx1"/>
-              </a:solidFill>
-              <a:effectLst/>
-              <a:latin typeface="+mn-lt"/>
-              <a:ea typeface="+mn-ea"/>
-              <a:cs typeface="+mn-cs"/>
-            </a:endParaRPr>
+            <a:endParaRPr lang="hr-HR" dirty="0"/>
           </a:p>
         </p:txBody>
       </p:sp>
     </p:spTree>
     <p:extLst>
       <p:ext uri="{BB962C8B-B14F-4D97-AF65-F5344CB8AC3E}">
-        <p14:creationId xmlns:p14="http://schemas.microsoft.com/office/powerpoint/2010/main" val="4017352246"/>
+        <p14:creationId xmlns:p14="http://schemas.microsoft.com/office/powerpoint/2010/main" val="2809889704"/>
       </p:ext>
     </p:extLst>
   </p:cSld>
@@ -3208,23 +3206,6 @@
           <a:bodyPr/>
           <a:lstStyle/>
           <a:p>
-            <a:pPr marL="0" marR="0" lvl="0" indent="0" algn="l" defTabSz="777875" rtl="0" eaLnBrk="0" fontAlgn="base" latinLnBrk="0" hangingPunct="0">
-              <a:lnSpc>
-                <a:spcPct val="100000"/>
-              </a:lnSpc>
-              <a:spcBef>
-                <a:spcPct val="30000"/>
-              </a:spcBef>
-              <a:spcAft>
-                <a:spcPct val="0"/>
-              </a:spcAft>
-              <a:buClrTx/>
-              <a:buSzTx/>
-              <a:buFontTx/>
-              <a:buNone/>
-              <a:tabLst/>
-              <a:defRPr/>
-            </a:pPr>
             <a:endParaRPr lang="hr-HR" dirty="0"/>
           </a:p>
         </p:txBody>
@@ -3232,7 +3213,7 @@
     </p:spTree>
     <p:extLst>
       <p:ext uri="{BB962C8B-B14F-4D97-AF65-F5344CB8AC3E}">
-        <p14:creationId xmlns:p14="http://schemas.microsoft.com/office/powerpoint/2010/main" val="2961484045"/>
+        <p14:creationId xmlns:p14="http://schemas.microsoft.com/office/powerpoint/2010/main" val="2638958660"/>
       </p:ext>
     </p:extLst>
   </p:cSld>
@@ -3286,42 +3267,6 @@
           <a:bodyPr/>
           <a:lstStyle/>
           <a:p>
-            <a:r>
-              <a:rPr lang="en-US" sz="1000" b="0" i="0" kern="1200" dirty="0">
-                <a:solidFill>
-                  <a:schemeClr val="tx1"/>
-                </a:solidFill>
-                <a:effectLst/>
-                <a:latin typeface="+mn-lt"/>
-                <a:ea typeface="+mn-ea"/>
-                <a:cs typeface="+mn-cs"/>
-              </a:rPr>
-              <a:t>The gradient at any location points in the direction of </a:t>
-            </a:r>
-            <a:r>
-              <a:rPr lang="en-US" sz="1000" b="1" i="0" kern="1200" dirty="0">
-                <a:solidFill>
-                  <a:schemeClr val="tx1"/>
-                </a:solidFill>
-                <a:effectLst/>
-                <a:latin typeface="+mn-lt"/>
-                <a:ea typeface="+mn-ea"/>
-                <a:cs typeface="+mn-cs"/>
-              </a:rPr>
-              <a:t>greatest increase</a:t>
-            </a:r>
-            <a:r>
-              <a:rPr lang="en-US" sz="1000" b="0" i="0" kern="1200" dirty="0">
-                <a:solidFill>
-                  <a:schemeClr val="tx1"/>
-                </a:solidFill>
-                <a:effectLst/>
-                <a:latin typeface="+mn-lt"/>
-                <a:ea typeface="+mn-ea"/>
-                <a:cs typeface="+mn-cs"/>
-              </a:rPr>
-              <a:t> of a function.  </a:t>
-            </a:r>
             <a:endParaRPr lang="hr-HR" dirty="0"/>
           </a:p>
         </p:txBody>
@@ -3329,7 +3274,7 @@
     </p:spTree>
     <p:extLst>
       <p:ext uri="{BB962C8B-B14F-4D97-AF65-F5344CB8AC3E}">
-        <p14:creationId xmlns:p14="http://schemas.microsoft.com/office/powerpoint/2010/main" val="2654509603"/>
+        <p14:creationId xmlns:p14="http://schemas.microsoft.com/office/powerpoint/2010/main" val="1305071474"/>
       </p:ext>
     </p:extLst>
   </p:cSld>
@@ -3383,14 +3328,22 @@
           <a:bodyPr/>
           <a:lstStyle/>
           <a:p>
-            <a:endParaRPr lang="hr-HR" dirty="0"/>
+            <a:endParaRPr lang="en-US" sz="1000" b="0" i="0" kern="1200" dirty="0">
+              <a:solidFill>
+                <a:schemeClr val="tx1"/>
+              </a:solidFill>
+              <a:effectLst/>
+              <a:latin typeface="+mn-lt"/>
+              <a:ea typeface="+mn-ea"/>
+              <a:cs typeface="+mn-cs"/>
+            </a:endParaRPr>
           </a:p>
         </p:txBody>
       </p:sp>
     </p:spTree>
     <p:extLst>
       <p:ext uri="{BB962C8B-B14F-4D97-AF65-F5344CB8AC3E}">
-        <p14:creationId xmlns:p14="http://schemas.microsoft.com/office/powerpoint/2010/main" val="1701097455"/>
+        <p14:creationId xmlns:p14="http://schemas.microsoft.com/office/powerpoint/2010/main" val="4017352246"/>
       </p:ext>
     </p:extLst>
   </p:cSld>
@@ -3444,6 +3397,23 @@
           <a:bodyPr/>
           <a:lstStyle/>
           <a:p>
+            <a:pPr marL="0" marR="0" lvl="0" indent="0" algn="l" defTabSz="777875" rtl="0" eaLnBrk="0" fontAlgn="base" latinLnBrk="0" hangingPunct="0">
+              <a:lnSpc>
+                <a:spcPct val="100000"/>
+              </a:lnSpc>
+              <a:spcBef>
+                <a:spcPct val="30000"/>
+              </a:spcBef>
+              <a:spcAft>
+                <a:spcPct val="0"/>
+              </a:spcAft>
+              <a:buClrTx/>
+              <a:buSzTx/>
+              <a:buFontTx/>
+              <a:buNone/>
+              <a:tabLst/>
+              <a:defRPr/>
+            </a:pPr>
             <a:endParaRPr lang="hr-HR" dirty="0"/>
           </a:p>
         </p:txBody>
@@ -3451,7 +3421,7 @@
     </p:spTree>
     <p:extLst>
       <p:ext uri="{BB962C8B-B14F-4D97-AF65-F5344CB8AC3E}">
-        <p14:creationId xmlns:p14="http://schemas.microsoft.com/office/powerpoint/2010/main" val="2488180712"/>
+        <p14:creationId xmlns:p14="http://schemas.microsoft.com/office/powerpoint/2010/main" val="2961484045"/>
       </p:ext>
     </p:extLst>
   </p:cSld>
@@ -3505,23 +3475,42 @@
           <a:bodyPr/>
           <a:lstStyle/>
           <a:p>
-            <a:pPr marL="0" marR="0" lvl="0" indent="0" algn="l" defTabSz="777875" rtl="0" eaLnBrk="0" fontAlgn="base" latinLnBrk="0" hangingPunct="0">
-              <a:lnSpc>
-                <a:spcPct val="100000"/>
-              </a:lnSpc>
-              <a:spcBef>
-                <a:spcPct val="30000"/>
-              </a:spcBef>
-              <a:spcAft>
-                <a:spcPct val="0"/>
-              </a:spcAft>
-              <a:buClrTx/>
-              <a:buSzTx/>
-              <a:buFontTx/>
-              <a:buNone/>
-              <a:tabLst/>
-              <a:defRPr/>
-            </a:pPr>
+            <a:r>
+              <a:rPr lang="en-US" sz="1000" b="0" i="0" kern="1200" dirty="0">
+                <a:solidFill>
+                  <a:schemeClr val="tx1"/>
+                </a:solidFill>
+                <a:effectLst/>
+                <a:latin typeface="+mn-lt"/>
+                <a:ea typeface="+mn-ea"/>
+                <a:cs typeface="+mn-cs"/>
+              </a:rPr>
+              <a:t>The gradient at any location points in the direction of </a:t>
+            </a:r>
+            <a:r>
+              <a:rPr lang="en-US" sz="1000" b="1" i="0" kern="1200" dirty="0">
+                <a:solidFill>
+                  <a:schemeClr val="tx1"/>
+                </a:solidFill>
+                <a:effectLst/>
+                <a:latin typeface="+mn-lt"/>
+                <a:ea typeface="+mn-ea"/>
+                <a:cs typeface="+mn-cs"/>
+              </a:rPr>
+              <a:t>greatest increase</a:t>
+            </a:r>
+            <a:r>
+              <a:rPr lang="en-US" sz="1000" b="0" i="0" kern="1200" dirty="0">
+                <a:solidFill>
+                  <a:schemeClr val="tx1"/>
+                </a:solidFill>
+                <a:effectLst/>
+                <a:latin typeface="+mn-lt"/>
+                <a:ea typeface="+mn-ea"/>
+                <a:cs typeface="+mn-cs"/>
+              </a:rPr>
+              <a:t> of a function.  </a:t>
+            </a:r>
             <a:endParaRPr lang="hr-HR" dirty="0"/>
           </a:p>
         </p:txBody>
@@ -3529,7 +3518,7 @@
     </p:spTree>
     <p:extLst>
       <p:ext uri="{BB962C8B-B14F-4D97-AF65-F5344CB8AC3E}">
-        <p14:creationId xmlns:p14="http://schemas.microsoft.com/office/powerpoint/2010/main" val="4120606570"/>
+        <p14:creationId xmlns:p14="http://schemas.microsoft.com/office/powerpoint/2010/main" val="2654509603"/>
       </p:ext>
     </p:extLst>
   </p:cSld>
@@ -3583,23 +3572,6 @@
           <a:bodyPr/>
           <a:lstStyle/>
           <a:p>
-            <a:pPr marL="0" marR="0" lvl="0" indent="0" algn="l" defTabSz="777875" rtl="0" eaLnBrk="0" fontAlgn="base" latinLnBrk="0" hangingPunct="0">
-              <a:lnSpc>
-                <a:spcPct val="100000"/>
-              </a:lnSpc>
-              <a:spcBef>
-                <a:spcPct val="30000"/>
-              </a:spcBef>
-              <a:spcAft>
-                <a:spcPct val="0"/>
-              </a:spcAft>
-              <a:buClrTx/>
-              <a:buSzTx/>
-              <a:buFontTx/>
-              <a:buNone/>
-              <a:tabLst/>
-              <a:defRPr/>
-            </a:pPr>
             <a:endParaRPr lang="hr-HR" dirty="0"/>
           </a:p>
         </p:txBody>
@@ -3607,7 +3579,7 @@
     </p:spTree>
     <p:extLst>
       <p:ext uri="{BB962C8B-B14F-4D97-AF65-F5344CB8AC3E}">
-        <p14:creationId xmlns:p14="http://schemas.microsoft.com/office/powerpoint/2010/main" val="2303629728"/>
+        <p14:creationId xmlns:p14="http://schemas.microsoft.com/office/powerpoint/2010/main" val="1701097455"/>
       </p:ext>
     </p:extLst>
   </p:cSld>
@@ -3658,28 +3630,9 @@
         </p:nvSpPr>
         <p:spPr/>
         <p:txBody>
-          <a:bodyPr>
-            <a:normAutofit/>
-          </a:bodyPr>
+          <a:bodyPr/>
           <a:lstStyle/>
           <a:p>
-            <a:pPr marL="0" marR="0" lvl="0" indent="0" algn="l" defTabSz="777875" rtl="0" eaLnBrk="0" fontAlgn="base" latinLnBrk="0" hangingPunct="0">
-              <a:lnSpc>
-                <a:spcPct val="100000"/>
-              </a:lnSpc>
-              <a:spcBef>
-                <a:spcPct val="30000"/>
-              </a:spcBef>
-              <a:spcAft>
-                <a:spcPct val="0"/>
-              </a:spcAft>
-              <a:buClrTx/>
-              <a:buSzTx/>
-              <a:buFontTx/>
-              <a:buNone/>
-              <a:tabLst/>
-              <a:defRPr/>
-            </a:pPr>
             <a:endParaRPr lang="hr-HR" dirty="0"/>
           </a:p>
         </p:txBody>
@@ -3687,7 +3640,7 @@
     </p:spTree>
     <p:extLst>
       <p:ext uri="{BB962C8B-B14F-4D97-AF65-F5344CB8AC3E}">
-        <p14:creationId xmlns:p14="http://schemas.microsoft.com/office/powerpoint/2010/main" val="461251805"/>
+        <p14:creationId xmlns:p14="http://schemas.microsoft.com/office/powerpoint/2010/main" val="2488180712"/>
       </p:ext>
     </p:extLst>
   </p:cSld>
@@ -3741,6 +3694,23 @@
           <a:bodyPr/>
           <a:lstStyle/>
           <a:p>
+            <a:pPr marL="0" marR="0" lvl="0" indent="0" algn="l" defTabSz="777875" rtl="0" eaLnBrk="0" fontAlgn="base" latinLnBrk="0" hangingPunct="0">
+              <a:lnSpc>
+                <a:spcPct val="100000"/>
+              </a:lnSpc>
+              <a:spcBef>
+                <a:spcPct val="30000"/>
+              </a:spcBef>
+              <a:spcAft>
+                <a:spcPct val="0"/>
+              </a:spcAft>
+              <a:buClrTx/>
+              <a:buSzTx/>
+              <a:buFontTx/>
+              <a:buNone/>
+              <a:tabLst/>
+              <a:defRPr/>
+            </a:pPr>
             <a:endParaRPr lang="hr-HR" dirty="0"/>
           </a:p>
         </p:txBody>
@@ -3748,7 +3718,7 @@
     </p:spTree>
     <p:extLst>
       <p:ext uri="{BB962C8B-B14F-4D97-AF65-F5344CB8AC3E}">
-        <p14:creationId xmlns:p14="http://schemas.microsoft.com/office/powerpoint/2010/main" val="467874003"/>
+        <p14:creationId xmlns:p14="http://schemas.microsoft.com/office/powerpoint/2010/main" val="4120606570"/>
       </p:ext>
     </p:extLst>
   </p:cSld>
@@ -3802,6 +3772,23 @@
           <a:bodyPr/>
           <a:lstStyle/>
           <a:p>
+            <a:pPr marL="0" marR="0" lvl="0" indent="0" algn="l" defTabSz="777875" rtl="0" eaLnBrk="0" fontAlgn="base" latinLnBrk="0" hangingPunct="0">
+              <a:lnSpc>
+                <a:spcPct val="100000"/>
+              </a:lnSpc>
+              <a:spcBef>
+                <a:spcPct val="30000"/>
+              </a:spcBef>
+              <a:spcAft>
+                <a:spcPct val="0"/>
+              </a:spcAft>
+              <a:buClrTx/>
+              <a:buSzTx/>
+              <a:buFontTx/>
+              <a:buNone/>
+              <a:tabLst/>
+              <a:defRPr/>
+            </a:pPr>
             <a:endParaRPr lang="hr-HR" dirty="0"/>
           </a:p>
         </p:txBody>
@@ -3809,7 +3796,7 @@
     </p:spTree>
     <p:extLst>
       <p:ext uri="{BB962C8B-B14F-4D97-AF65-F5344CB8AC3E}">
-        <p14:creationId xmlns:p14="http://schemas.microsoft.com/office/powerpoint/2010/main" val="1502465416"/>
+        <p14:creationId xmlns:p14="http://schemas.microsoft.com/office/powerpoint/2010/main" val="2303629728"/>
       </p:ext>
     </p:extLst>
   </p:cSld>
@@ -3921,6 +3908,208 @@
         </p:nvSpPr>
         <p:spPr/>
         <p:txBody>
+          <a:bodyPr>
+            <a:normAutofit/>
+          </a:bodyPr>
+          <a:lstStyle/>
+          <a:p>
+            <a:pPr marL="0" marR="0" lvl="0" indent="0" algn="l" defTabSz="777875" rtl="0" eaLnBrk="0" fontAlgn="base" latinLnBrk="0" hangingPunct="0">
+              <a:lnSpc>
+                <a:spcPct val="100000"/>
+              </a:lnSpc>
+              <a:spcBef>
+                <a:spcPct val="30000"/>
+              </a:spcBef>
+              <a:spcAft>
+                <a:spcPct val="0"/>
+              </a:spcAft>
+              <a:buClrTx/>
+              <a:buSzTx/>
+              <a:buFontTx/>
+              <a:buNone/>
+              <a:tabLst/>
+              <a:defRPr/>
+            </a:pPr>
+            <a:endParaRPr lang="hr-HR" dirty="0"/>
+          </a:p>
+        </p:txBody>
+      </p:sp>
+    </p:spTree>
+    <p:extLst>
+      <p:ext uri="{BB962C8B-B14F-4D97-AF65-F5344CB8AC3E}">
+        <p14:creationId xmlns:p14="http://schemas.microsoft.com/office/powerpoint/2010/main" val="461251805"/>
+      </p:ext>
+    </p:extLst>
+  </p:cSld>
+  <p:clrMapOvr>
+    <a:masterClrMapping/>
+  </p:clrMapOvr>
+</p:notes>
+</file>
+
+<file path=ppt/notesSlides/notesSlide51.xml><?xml version="1.0" encoding="utf-8"?>
+<p:notes xmlns:a="http://schemas.openxmlformats.org/drawingml/2006/main" xmlns:r="http://schemas.openxmlformats.org/officeDocument/2006/relationships" xmlns:p="http://schemas.openxmlformats.org/presentationml/2006/main">
+  <p:cSld>
+    <p:spTree>
+      <p:nvGrpSpPr>
+        <p:cNvPr id="1" name=""/>
+        <p:cNvGrpSpPr/>
+        <p:nvPr/>
+      </p:nvGrpSpPr>
+      <p:grpSpPr>
+        <a:xfrm>
+          <a:off x="0" y="0"/>
+          <a:ext cx="0" cy="0"/>
+          <a:chOff x="0" y="0"/>
+          <a:chExt cx="0" cy="0"/>
+        </a:xfrm>
+      </p:grpSpPr>
+      <p:sp>
+        <p:nvSpPr>
+          <p:cNvPr id="2" name="Slide Image Placeholder 1"/>
+          <p:cNvSpPr>
+            <a:spLocks noGrp="1" noRot="1" noChangeAspect="1"/>
+          </p:cNvSpPr>
+          <p:nvPr>
+            <p:ph type="sldImg"/>
+          </p:nvPr>
+        </p:nvSpPr>
+        <p:spPr/>
+      </p:sp>
+      <p:sp>
+        <p:nvSpPr>
+          <p:cNvPr id="3" name="Notes Placeholder 2"/>
+          <p:cNvSpPr>
+            <a:spLocks noGrp="1"/>
+          </p:cNvSpPr>
+          <p:nvPr>
+            <p:ph type="body" idx="1"/>
+          </p:nvPr>
+        </p:nvSpPr>
+        <p:spPr/>
+        <p:txBody>
+          <a:bodyPr/>
+          <a:lstStyle/>
+          <a:p>
+            <a:endParaRPr lang="hr-HR" dirty="0"/>
+          </a:p>
+        </p:txBody>
+      </p:sp>
+    </p:spTree>
+    <p:extLst>
+      <p:ext uri="{BB962C8B-B14F-4D97-AF65-F5344CB8AC3E}">
+        <p14:creationId xmlns:p14="http://schemas.microsoft.com/office/powerpoint/2010/main" val="467874003"/>
+      </p:ext>
+    </p:extLst>
+  </p:cSld>
+  <p:clrMapOvr>
+    <a:masterClrMapping/>
+  </p:clrMapOvr>
+</p:notes>
+</file>
+
+<file path=ppt/notesSlides/notesSlide52.xml><?xml version="1.0" encoding="utf-8"?>
+<p:notes xmlns:a="http://schemas.openxmlformats.org/drawingml/2006/main" xmlns:r="http://schemas.openxmlformats.org/officeDocument/2006/relationships" xmlns:p="http://schemas.openxmlformats.org/presentationml/2006/main">
+  <p:cSld>
+    <p:spTree>
+      <p:nvGrpSpPr>
+        <p:cNvPr id="1" name=""/>
+        <p:cNvGrpSpPr/>
+        <p:nvPr/>
+      </p:nvGrpSpPr>
+      <p:grpSpPr>
+        <a:xfrm>
+          <a:off x="0" y="0"/>
+          <a:ext cx="0" cy="0"/>
+          <a:chOff x="0" y="0"/>
+          <a:chExt cx="0" cy="0"/>
+        </a:xfrm>
+      </p:grpSpPr>
+      <p:sp>
+        <p:nvSpPr>
+          <p:cNvPr id="2" name="Slide Image Placeholder 1"/>
+          <p:cNvSpPr>
+            <a:spLocks noGrp="1" noRot="1" noChangeAspect="1"/>
+          </p:cNvSpPr>
+          <p:nvPr>
+            <p:ph type="sldImg"/>
+          </p:nvPr>
+        </p:nvSpPr>
+        <p:spPr/>
+      </p:sp>
+      <p:sp>
+        <p:nvSpPr>
+          <p:cNvPr id="3" name="Notes Placeholder 2"/>
+          <p:cNvSpPr>
+            <a:spLocks noGrp="1"/>
+          </p:cNvSpPr>
+          <p:nvPr>
+            <p:ph type="body" idx="1"/>
+          </p:nvPr>
+        </p:nvSpPr>
+        <p:spPr/>
+        <p:txBody>
+          <a:bodyPr/>
+          <a:lstStyle/>
+          <a:p>
+            <a:endParaRPr lang="hr-HR" dirty="0"/>
+          </a:p>
+        </p:txBody>
+      </p:sp>
+    </p:spTree>
+    <p:extLst>
+      <p:ext uri="{BB962C8B-B14F-4D97-AF65-F5344CB8AC3E}">
+        <p14:creationId xmlns:p14="http://schemas.microsoft.com/office/powerpoint/2010/main" val="1502465416"/>
+      </p:ext>
+    </p:extLst>
+  </p:cSld>
+  <p:clrMapOvr>
+    <a:masterClrMapping/>
+  </p:clrMapOvr>
+</p:notes>
+</file>
+
+<file path=ppt/notesSlides/notesSlide53.xml><?xml version="1.0" encoding="utf-8"?>
+<p:notes xmlns:a="http://schemas.openxmlformats.org/drawingml/2006/main" xmlns:r="http://schemas.openxmlformats.org/officeDocument/2006/relationships" xmlns:p="http://schemas.openxmlformats.org/presentationml/2006/main">
+  <p:cSld>
+    <p:spTree>
+      <p:nvGrpSpPr>
+        <p:cNvPr id="1" name=""/>
+        <p:cNvGrpSpPr/>
+        <p:nvPr/>
+      </p:nvGrpSpPr>
+      <p:grpSpPr>
+        <a:xfrm>
+          <a:off x="0" y="0"/>
+          <a:ext cx="0" cy="0"/>
+          <a:chOff x="0" y="0"/>
+          <a:chExt cx="0" cy="0"/>
+        </a:xfrm>
+      </p:grpSpPr>
+      <p:sp>
+        <p:nvSpPr>
+          <p:cNvPr id="2" name="Slide Image Placeholder 1"/>
+          <p:cNvSpPr>
+            <a:spLocks noGrp="1" noRot="1" noChangeAspect="1"/>
+          </p:cNvSpPr>
+          <p:nvPr>
+            <p:ph type="sldImg"/>
+          </p:nvPr>
+        </p:nvSpPr>
+        <p:spPr/>
+      </p:sp>
+      <p:sp>
+        <p:nvSpPr>
+          <p:cNvPr id="3" name="Notes Placeholder 2"/>
+          <p:cNvSpPr>
+            <a:spLocks noGrp="1"/>
+          </p:cNvSpPr>
+          <p:nvPr>
+            <p:ph type="body" idx="1"/>
+          </p:nvPr>
+        </p:nvSpPr>
+        <p:spPr/>
+        <p:txBody>
           <a:bodyPr/>
           <a:lstStyle/>
           <a:p>
@@ -3941,7 +4130,7 @@
 </p:notes>
 </file>
 
-<file path=ppt/notesSlides/notesSlide51.xml><?xml version="1.0" encoding="utf-8"?>
+<file path=ppt/notesSlides/notesSlide54.xml><?xml version="1.0" encoding="utf-8"?>
 <p:notes xmlns:a="http://schemas.openxmlformats.org/drawingml/2006/main" xmlns:r="http://schemas.openxmlformats.org/officeDocument/2006/relationships" xmlns:p="http://schemas.openxmlformats.org/presentationml/2006/main">
   <p:cSld>
     <p:spTree>
@@ -4117,7 +4306,7 @@
     </p:spTree>
     <p:extLst>
       <p:ext uri="{BB962C8B-B14F-4D97-AF65-F5344CB8AC3E}">
-        <p14:creationId xmlns:p14="http://schemas.microsoft.com/office/powerpoint/2010/main" val="3802465295"/>
+        <p14:creationId xmlns:p14="http://schemas.microsoft.com/office/powerpoint/2010/main" val="2114946799"/>
       </p:ext>
     </p:extLst>
   </p:cSld>
@@ -4144,41 +4333,10 @@
           <a:chExt cx="0" cy="0"/>
         </a:xfrm>
       </p:grpSpPr>
-      <p:sp>
-        <p:nvSpPr>
-          <p:cNvPr id="2" name="Slide Image Placeholder 1"/>
-          <p:cNvSpPr>
-            <a:spLocks noGrp="1" noRot="1" noChangeAspect="1"/>
-          </p:cNvSpPr>
-          <p:nvPr>
-            <p:ph type="sldImg"/>
-          </p:nvPr>
-        </p:nvSpPr>
-        <p:spPr/>
-      </p:sp>
-      <p:sp>
-        <p:nvSpPr>
-          <p:cNvPr id="3" name="Notes Placeholder 2"/>
-          <p:cNvSpPr>
-            <a:spLocks noGrp="1"/>
-          </p:cNvSpPr>
-          <p:nvPr>
-            <p:ph type="body" idx="1"/>
-          </p:nvPr>
-        </p:nvSpPr>
-        <p:spPr/>
-        <p:txBody>
-          <a:bodyPr/>
-          <a:lstStyle/>
-          <a:p>
-            <a:endParaRPr lang="hr-HR" dirty="0"/>
-          </a:p>
-        </p:txBody>
-      </p:sp>
     </p:spTree>
     <p:extLst>
       <p:ext uri="{BB962C8B-B14F-4D97-AF65-F5344CB8AC3E}">
-        <p14:creationId xmlns:p14="http://schemas.microsoft.com/office/powerpoint/2010/main" val="1605462067"/>
+        <p14:creationId xmlns:p14="http://schemas.microsoft.com/office/powerpoint/2010/main" val="3451646876"/>
       </p:ext>
     </p:extLst>
   </p:cSld>
@@ -4239,7 +4397,7 @@
     </p:spTree>
     <p:extLst>
       <p:ext uri="{BB962C8B-B14F-4D97-AF65-F5344CB8AC3E}">
-        <p14:creationId xmlns:p14="http://schemas.microsoft.com/office/powerpoint/2010/main" val="2047136570"/>
+        <p14:creationId xmlns:p14="http://schemas.microsoft.com/office/powerpoint/2010/main" val="2334924184"/>
       </p:ext>
     </p:extLst>
   </p:cSld>
@@ -4300,7 +4458,7 @@
     </p:spTree>
     <p:extLst>
       <p:ext uri="{BB962C8B-B14F-4D97-AF65-F5344CB8AC3E}">
-        <p14:creationId xmlns:p14="http://schemas.microsoft.com/office/powerpoint/2010/main" val="4022952275"/>
+        <p14:creationId xmlns:p14="http://schemas.microsoft.com/office/powerpoint/2010/main" val="3531782634"/>
       </p:ext>
     </p:extLst>
   </p:cSld>
@@ -4499,7 +4657,7 @@
               <a:pPr>
                 <a:defRPr/>
               </a:pPr>
-              <a:t>Thursday, April 19, 2018</a:t>
+              <a:t>Friday, June 8, 2018</a:t>
             </a:fld>
             <a:endParaRPr lang="en-US"/>
           </a:p>
@@ -4692,7 +4850,7 @@
               <a:pPr>
                 <a:defRPr/>
               </a:pPr>
-              <a:t>Thursday, April 19, 2018</a:t>
+              <a:t>Friday, June 8, 2018</a:t>
             </a:fld>
             <a:endParaRPr lang="en-US"/>
           </a:p>
@@ -4895,7 +5053,7 @@
               <a:pPr>
                 <a:defRPr/>
               </a:pPr>
-              <a:t>Thursday, April 19, 2018</a:t>
+              <a:t>Friday, June 8, 2018</a:t>
             </a:fld>
             <a:endParaRPr lang="en-US"/>
           </a:p>
@@ -5088,7 +5246,7 @@
               <a:pPr>
                 <a:defRPr/>
               </a:pPr>
-              <a:t>Thursday, April 19, 2018</a:t>
+              <a:t>Friday, June 8, 2018</a:t>
             </a:fld>
             <a:endParaRPr lang="en-US"/>
           </a:p>
@@ -5358,7 +5516,7 @@
               <a:pPr>
                 <a:defRPr/>
               </a:pPr>
-              <a:t>Thursday, April 19, 2018</a:t>
+              <a:t>Friday, June 8, 2018</a:t>
             </a:fld>
             <a:endParaRPr lang="en-US"/>
           </a:p>
@@ -5668,7 +5826,7 @@
               <a:pPr>
                 <a:defRPr/>
               </a:pPr>
-              <a:t>Thursday, April 19, 2018</a:t>
+              <a:t>Friday, June 8, 2018</a:t>
             </a:fld>
             <a:endParaRPr lang="en-US"/>
           </a:p>
@@ -6112,7 +6270,7 @@
               <a:pPr>
                 <a:defRPr/>
               </a:pPr>
-              <a:t>Thursday, April 19, 2018</a:t>
+              <a:t>Friday, June 8, 2018</a:t>
             </a:fld>
             <a:endParaRPr lang="en-US"/>
           </a:p>
@@ -6254,7 +6412,7 @@
               <a:pPr>
                 <a:defRPr/>
               </a:pPr>
-              <a:t>Thursday, April 19, 2018</a:t>
+              <a:t>Friday, June 8, 2018</a:t>
             </a:fld>
             <a:endParaRPr lang="en-US"/>
           </a:p>
@@ -6374,7 +6532,7 @@
               <a:pPr>
                 <a:defRPr/>
               </a:pPr>
-              <a:t>Thursday, April 19, 2018</a:t>
+              <a:t>Friday, June 8, 2018</a:t>
             </a:fld>
             <a:endParaRPr lang="en-US"/>
           </a:p>
@@ -6674,7 +6832,7 @@
               <a:pPr>
                 <a:defRPr/>
               </a:pPr>
-              <a:t>Thursday, April 19, 2018</a:t>
+              <a:t>Friday, June 8, 2018</a:t>
             </a:fld>
             <a:endParaRPr lang="en-US"/>
           </a:p>
@@ -6954,7 +7112,7 @@
               <a:pPr>
                 <a:defRPr/>
               </a:pPr>
-              <a:t>Thursday, April 19, 2018</a:t>
+              <a:t>Friday, June 8, 2018</a:t>
             </a:fld>
             <a:endParaRPr lang="en-US"/>
           </a:p>
@@ -7220,7 +7378,7 @@
               <a:pPr>
                 <a:defRPr/>
               </a:pPr>
-              <a:t>Thursday, April 19, 2018</a:t>
+              <a:t>Friday, June 8, 2018</a:t>
             </a:fld>
             <a:endParaRPr lang="en-US"/>
           </a:p>
@@ -8024,6 +8182,1781 @@
           <a:p>
             <a:r>
               <a:rPr lang="en-US" dirty="0"/>
+              <a:t>Bayes theorem</a:t>
+            </a:r>
+          </a:p>
+        </p:txBody>
+      </p:sp>
+      <mc:AlternateContent xmlns:mc="http://schemas.openxmlformats.org/markup-compatibility/2006" xmlns:a14="http://schemas.microsoft.com/office/drawing/2010/main">
+        <mc:Choice Requires="a14">
+          <p:sp>
+            <p:nvSpPr>
+              <p:cNvPr id="3" name="Content Placeholder 2"/>
+              <p:cNvSpPr>
+                <a:spLocks noGrp="1"/>
+              </p:cNvSpPr>
+              <p:nvPr>
+                <p:ph idx="1"/>
+              </p:nvPr>
+            </p:nvSpPr>
+            <p:spPr>
+              <a:xfrm>
+                <a:off x="457200" y="1600200"/>
+                <a:ext cx="8229600" cy="4781128"/>
+              </a:xfrm>
+            </p:spPr>
+            <p:txBody>
+              <a:bodyPr/>
+              <a:lstStyle/>
+              <a:p>
+                <a14:m>
+                  <m:oMath xmlns:m="http://schemas.openxmlformats.org/officeDocument/2006/math">
+                    <m:r>
+                      <a:rPr lang="en-US" sz="2800" i="1" smtClean="0">
+                        <a:latin typeface="Cambria Math" panose="02040503050406030204" pitchFamily="18" charset="0"/>
+                      </a:rPr>
+                      <m:t>𝑃</m:t>
+                    </m:r>
+                    <m:d>
+                      <m:dPr>
+                        <m:ctrlPr>
+                          <a:rPr lang="en-US" sz="2800" i="1">
+                            <a:latin typeface="Cambria Math" panose="02040503050406030204" pitchFamily="18" charset="0"/>
+                          </a:rPr>
+                        </m:ctrlPr>
+                      </m:dPr>
+                      <m:e>
+                        <m:r>
+                          <a:rPr lang="en-US" sz="2800" i="1">
+                            <a:latin typeface="Cambria Math" panose="02040503050406030204" pitchFamily="18" charset="0"/>
+                          </a:rPr>
+                          <m:t>𝐶𝑎𝑛𝑐𝑒𝑟</m:t>
+                        </m:r>
+                      </m:e>
+                      <m:e>
+                        <m:r>
+                          <a:rPr lang="en-US" sz="2800" i="1">
+                            <a:latin typeface="Cambria Math" panose="02040503050406030204" pitchFamily="18" charset="0"/>
+                          </a:rPr>
+                          <m:t>𝑀𝑎𝑚</m:t>
+                        </m:r>
+                        <m:r>
+                          <a:rPr lang="en-US" sz="2800" i="1">
+                            <a:latin typeface="Cambria Math" panose="02040503050406030204" pitchFamily="18" charset="0"/>
+                          </a:rPr>
+                          <m:t>.</m:t>
+                        </m:r>
+                      </m:e>
+                    </m:d>
+                    <m:r>
+                      <a:rPr lang="en-US" sz="2800" i="1">
+                        <a:latin typeface="Cambria Math" panose="02040503050406030204" pitchFamily="18" charset="0"/>
+                      </a:rPr>
+                      <m:t>=</m:t>
+                    </m:r>
+                    <m:box>
+                      <m:boxPr>
+                        <m:ctrlPr>
+                          <a:rPr lang="en-US" sz="2800" i="1">
+                            <a:latin typeface="Cambria Math" panose="02040503050406030204" pitchFamily="18" charset="0"/>
+                          </a:rPr>
+                        </m:ctrlPr>
+                      </m:boxPr>
+                      <m:e>
+                        <m:argPr>
+                          <m:argSz m:val="-1"/>
+                        </m:argPr>
+                        <m:f>
+                          <m:fPr>
+                            <m:ctrlPr>
+                              <a:rPr lang="en-US" sz="2800" i="1">
+                                <a:latin typeface="Cambria Math" panose="02040503050406030204" pitchFamily="18" charset="0"/>
+                              </a:rPr>
+                            </m:ctrlPr>
+                          </m:fPr>
+                          <m:num>
+                            <m:r>
+                              <a:rPr lang="en-US" sz="2800" i="1">
+                                <a:latin typeface="Cambria Math" panose="02040503050406030204" pitchFamily="18" charset="0"/>
+                              </a:rPr>
+                              <m:t>𝑃</m:t>
+                            </m:r>
+                            <m:r>
+                              <a:rPr lang="en-US" sz="2800" i="1">
+                                <a:latin typeface="Cambria Math" panose="02040503050406030204" pitchFamily="18" charset="0"/>
+                              </a:rPr>
+                              <m:t>(</m:t>
+                            </m:r>
+                            <m:r>
+                              <a:rPr lang="en-US" sz="2800" i="1">
+                                <a:latin typeface="Cambria Math" panose="02040503050406030204" pitchFamily="18" charset="0"/>
+                              </a:rPr>
+                              <m:t>𝑀𝑎𝑚</m:t>
+                            </m:r>
+                            <m:r>
+                              <a:rPr lang="en-US" sz="2800" i="1">
+                                <a:latin typeface="Cambria Math" panose="02040503050406030204" pitchFamily="18" charset="0"/>
+                              </a:rPr>
+                              <m:t>.|</m:t>
+                            </m:r>
+                            <m:r>
+                              <a:rPr lang="en-US" sz="2800" i="1">
+                                <a:latin typeface="Cambria Math" panose="02040503050406030204" pitchFamily="18" charset="0"/>
+                              </a:rPr>
+                              <m:t>𝐶𝑎𝑛𝑐𝑒𝑟</m:t>
+                            </m:r>
+                            <m:r>
+                              <a:rPr lang="en-US" sz="2800" i="1">
+                                <a:latin typeface="Cambria Math" panose="02040503050406030204" pitchFamily="18" charset="0"/>
+                              </a:rPr>
+                              <m:t>) ∗</m:t>
+                            </m:r>
+                            <m:r>
+                              <a:rPr lang="en-US" sz="2800" i="1">
+                                <a:latin typeface="Cambria Math" panose="02040503050406030204" pitchFamily="18" charset="0"/>
+                              </a:rPr>
+                              <m:t>𝑃</m:t>
+                            </m:r>
+                            <m:r>
+                              <a:rPr lang="en-US" sz="2800" i="1">
+                                <a:latin typeface="Cambria Math" panose="02040503050406030204" pitchFamily="18" charset="0"/>
+                              </a:rPr>
+                              <m:t>(</m:t>
+                            </m:r>
+                            <m:r>
+                              <a:rPr lang="en-US" sz="2800" i="1">
+                                <a:latin typeface="Cambria Math" panose="02040503050406030204" pitchFamily="18" charset="0"/>
+                              </a:rPr>
+                              <m:t>𝐶𝑎𝑛𝑐𝑒𝑟</m:t>
+                            </m:r>
+                            <m:r>
+                              <a:rPr lang="en-US" sz="2800" i="1">
+                                <a:latin typeface="Cambria Math" panose="02040503050406030204" pitchFamily="18" charset="0"/>
+                              </a:rPr>
+                              <m:t>)</m:t>
+                            </m:r>
+                          </m:num>
+                          <m:den>
+                            <m:r>
+                              <a:rPr lang="en-US" sz="2800" i="1">
+                                <a:latin typeface="Cambria Math" panose="02040503050406030204" pitchFamily="18" charset="0"/>
+                              </a:rPr>
+                              <m:t>𝑃</m:t>
+                            </m:r>
+                            <m:d>
+                              <m:dPr>
+                                <m:ctrlPr>
+                                  <a:rPr lang="en-US" sz="2800" i="1">
+                                    <a:latin typeface="Cambria Math" panose="02040503050406030204" pitchFamily="18" charset="0"/>
+                                  </a:rPr>
+                                </m:ctrlPr>
+                              </m:dPr>
+                              <m:e>
+                                <m:r>
+                                  <a:rPr lang="en-US" sz="2800" i="1">
+                                    <a:latin typeface="Cambria Math" panose="02040503050406030204" pitchFamily="18" charset="0"/>
+                                  </a:rPr>
+                                  <m:t>𝑀𝑎𝑚</m:t>
+                                </m:r>
+                                <m:r>
+                                  <a:rPr lang="en-US" sz="2800" i="1">
+                                    <a:latin typeface="Cambria Math" panose="02040503050406030204" pitchFamily="18" charset="0"/>
+                                  </a:rPr>
+                                  <m:t>.</m:t>
+                                </m:r>
+                              </m:e>
+                            </m:d>
+                          </m:den>
+                        </m:f>
+                      </m:e>
+                    </m:box>
+                  </m:oMath>
+                </a14:m>
+                <a:endParaRPr lang="en-US" i="1" dirty="0">
+                  <a:latin typeface="Cambria Math" panose="02040503050406030204" pitchFamily="18" charset="0"/>
+                </a:endParaRPr>
+              </a:p>
+              <a:p>
+                <a14:m>
+                  <m:oMath xmlns:m="http://schemas.openxmlformats.org/officeDocument/2006/math">
+                    <m:r>
+                      <a:rPr lang="en-US" sz="2400" i="1">
+                        <a:latin typeface="Cambria Math" panose="02040503050406030204" pitchFamily="18" charset="0"/>
+                      </a:rPr>
+                      <m:t>𝑃</m:t>
+                    </m:r>
+                    <m:d>
+                      <m:dPr>
+                        <m:ctrlPr>
+                          <a:rPr lang="en-US" sz="2400" i="1">
+                            <a:latin typeface="Cambria Math" panose="02040503050406030204" pitchFamily="18" charset="0"/>
+                          </a:rPr>
+                        </m:ctrlPr>
+                      </m:dPr>
+                      <m:e>
+                        <m:r>
+                          <a:rPr lang="en-US" sz="2400" i="1">
+                            <a:latin typeface="Cambria Math" panose="02040503050406030204" pitchFamily="18" charset="0"/>
+                          </a:rPr>
+                          <m:t>𝑀𝑎𝑚</m:t>
+                        </m:r>
+                        <m:r>
+                          <a:rPr lang="en-US" sz="2400" b="0" i="1" smtClean="0">
+                            <a:latin typeface="Cambria Math" panose="02040503050406030204" pitchFamily="18" charset="0"/>
+                          </a:rPr>
+                          <m:t>𝑚𝑜𝑔𝑟𝑎𝑝h𝑦</m:t>
+                        </m:r>
+                      </m:e>
+                    </m:d>
+                    <m:r>
+                      <a:rPr lang="en-US" sz="2400" b="0" i="1" smtClean="0">
+                        <a:latin typeface="Cambria Math" panose="02040503050406030204" pitchFamily="18" charset="0"/>
+                      </a:rPr>
+                      <m:t>=</m:t>
+                    </m:r>
+                    <m:r>
+                      <a:rPr lang="en-US" sz="2400" b="0" i="1" smtClean="0">
+                        <a:latin typeface="Cambria Math" panose="02040503050406030204" pitchFamily="18" charset="0"/>
+                      </a:rPr>
+                      <m:t>𝑃</m:t>
+                    </m:r>
+                    <m:d>
+                      <m:dPr>
+                        <m:ctrlPr>
+                          <a:rPr lang="en-US" sz="2400" b="0" i="1" smtClean="0">
+                            <a:latin typeface="Cambria Math" panose="02040503050406030204" pitchFamily="18" charset="0"/>
+                          </a:rPr>
+                        </m:ctrlPr>
+                      </m:dPr>
+                      <m:e>
+                        <m:r>
+                          <a:rPr lang="en-US" sz="2400" b="0" i="1" smtClean="0">
+                            <a:latin typeface="Cambria Math" panose="02040503050406030204" pitchFamily="18" charset="0"/>
+                          </a:rPr>
+                          <m:t>𝑇𝑃</m:t>
+                        </m:r>
+                      </m:e>
+                    </m:d>
+                    <m:r>
+                      <a:rPr lang="en-US" sz="2400" b="0" i="1" smtClean="0">
+                        <a:latin typeface="Cambria Math" panose="02040503050406030204" pitchFamily="18" charset="0"/>
+                      </a:rPr>
+                      <m:t>+</m:t>
+                    </m:r>
+                    <m:r>
+                      <a:rPr lang="en-US" sz="2400" b="0" i="1" smtClean="0">
+                        <a:latin typeface="Cambria Math" panose="02040503050406030204" pitchFamily="18" charset="0"/>
+                      </a:rPr>
+                      <m:t>𝑃</m:t>
+                    </m:r>
+                    <m:d>
+                      <m:dPr>
+                        <m:ctrlPr>
+                          <a:rPr lang="en-US" sz="2400" b="0" i="1" smtClean="0">
+                            <a:latin typeface="Cambria Math" panose="02040503050406030204" pitchFamily="18" charset="0"/>
+                          </a:rPr>
+                        </m:ctrlPr>
+                      </m:dPr>
+                      <m:e>
+                        <m:r>
+                          <a:rPr lang="en-US" sz="2400" b="0" i="1" smtClean="0">
+                            <a:latin typeface="Cambria Math" panose="02040503050406030204" pitchFamily="18" charset="0"/>
+                          </a:rPr>
+                          <m:t>𝐹𝑃</m:t>
+                        </m:r>
+                      </m:e>
+                    </m:d>
+                  </m:oMath>
+                </a14:m>
+                <a:endParaRPr lang="en-US" sz="2400" b="0" dirty="0"/>
+              </a:p>
+              <a:p>
+                <a:pPr lvl="1"/>
+                <a:r>
+                  <a:rPr lang="en-US" dirty="0"/>
+                  <a:t>every possible </a:t>
+                </a:r>
+                <a:r>
+                  <a:rPr lang="en-US" b="1" dirty="0"/>
+                  <a:t>positive</a:t>
+                </a:r>
+                <a:r>
+                  <a:rPr lang="en-US" dirty="0"/>
+                  <a:t> outcome</a:t>
+                </a:r>
+              </a:p>
+              <a:p>
+                <a:pPr lvl="1"/>
+                <a14:m>
+                  <m:oMath xmlns:m="http://schemas.openxmlformats.org/officeDocument/2006/math">
+                    <m:r>
+                      <a:rPr lang="en-US" sz="2100" i="1">
+                        <a:latin typeface="Cambria Math" panose="02040503050406030204" pitchFamily="18" charset="0"/>
+                      </a:rPr>
+                      <m:t>𝑃</m:t>
+                    </m:r>
+                    <m:d>
+                      <m:dPr>
+                        <m:ctrlPr>
+                          <a:rPr lang="en-US" sz="2100" i="1">
+                            <a:latin typeface="Cambria Math" panose="02040503050406030204" pitchFamily="18" charset="0"/>
+                          </a:rPr>
+                        </m:ctrlPr>
+                      </m:dPr>
+                      <m:e>
+                        <m:r>
+                          <a:rPr lang="en-US" sz="2100" i="1">
+                            <a:latin typeface="Cambria Math" panose="02040503050406030204" pitchFamily="18" charset="0"/>
+                          </a:rPr>
+                          <m:t>𝑀𝑎𝑚</m:t>
+                        </m:r>
+                        <m:r>
+                          <a:rPr lang="en-US" sz="2100" b="0" i="1" smtClean="0">
+                            <a:latin typeface="Cambria Math" panose="02040503050406030204" pitchFamily="18" charset="0"/>
+                          </a:rPr>
+                          <m:t>.</m:t>
+                        </m:r>
+                        <m:r>
+                          <m:rPr>
+                            <m:nor/>
+                          </m:rPr>
+                          <a:rPr lang="hr-HR" sz="2100"/>
+                          <m:t>∩</m:t>
+                        </m:r>
+                        <m:r>
+                          <a:rPr lang="en-US" sz="2100" b="0" i="1" smtClean="0">
+                            <a:latin typeface="Cambria Math" panose="02040503050406030204" pitchFamily="18" charset="0"/>
+                          </a:rPr>
+                          <m:t>𝐶𝑎𝑛𝑐𝑒𝑟</m:t>
+                        </m:r>
+                      </m:e>
+                    </m:d>
+                    <m:r>
+                      <a:rPr lang="en-US" sz="2100" b="0" i="1" smtClean="0">
+                        <a:latin typeface="Cambria Math" panose="02040503050406030204" pitchFamily="18" charset="0"/>
+                      </a:rPr>
+                      <m:t>+</m:t>
+                    </m:r>
+                  </m:oMath>
+                </a14:m>
+                <a:r>
+                  <a:rPr lang="en-US" dirty="0"/>
+                  <a:t> </a:t>
+                </a:r>
+                <a14:m>
+                  <m:oMath xmlns:m="http://schemas.openxmlformats.org/officeDocument/2006/math">
+                    <m:r>
+                      <a:rPr lang="en-US" sz="2500" i="1">
+                        <a:latin typeface="Cambria Math" panose="02040503050406030204" pitchFamily="18" charset="0"/>
+                      </a:rPr>
+                      <m:t>𝑃</m:t>
+                    </m:r>
+                    <m:d>
+                      <m:dPr>
+                        <m:ctrlPr>
+                          <a:rPr lang="en-US" sz="2500" i="1">
+                            <a:latin typeface="Cambria Math" panose="02040503050406030204" pitchFamily="18" charset="0"/>
+                          </a:rPr>
+                        </m:ctrlPr>
+                      </m:dPr>
+                      <m:e>
+                        <m:r>
+                          <a:rPr lang="en-US" sz="2500" i="1">
+                            <a:latin typeface="Cambria Math" panose="02040503050406030204" pitchFamily="18" charset="0"/>
+                          </a:rPr>
+                          <m:t>𝑀𝑎𝑚</m:t>
+                        </m:r>
+                        <m:r>
+                          <a:rPr lang="en-US" sz="2500" i="1">
+                            <a:latin typeface="Cambria Math" panose="02040503050406030204" pitchFamily="18" charset="0"/>
+                          </a:rPr>
+                          <m:t>.</m:t>
+                        </m:r>
+                        <m:r>
+                          <m:rPr>
+                            <m:nor/>
+                          </m:rPr>
+                          <a:rPr lang="hr-HR" sz="2500"/>
+                          <m:t>∩</m:t>
+                        </m:r>
+                        <m:r>
+                          <m:rPr>
+                            <m:nor/>
+                          </m:rPr>
+                          <a:rPr lang="en-US" sz="2500" b="0" i="0" smtClean="0"/>
+                          <m:t> </m:t>
+                        </m:r>
+                        <m:r>
+                          <a:rPr lang="en-US" sz="2500" b="0" i="1" smtClean="0">
+                            <a:latin typeface="Cambria Math" panose="02040503050406030204" pitchFamily="18" charset="0"/>
+                          </a:rPr>
+                          <m:t>!</m:t>
+                        </m:r>
+                        <m:r>
+                          <a:rPr lang="en-US" sz="2500" i="1">
+                            <a:latin typeface="Cambria Math" panose="02040503050406030204" pitchFamily="18" charset="0"/>
+                          </a:rPr>
+                          <m:t>𝐶𝑎𝑛𝑐𝑒𝑟</m:t>
+                        </m:r>
+                      </m:e>
+                    </m:d>
+                  </m:oMath>
+                </a14:m>
+                <a:endParaRPr lang="en-US" sz="2500" dirty="0"/>
+              </a:p>
+              <a:p>
+                <a:pPr lvl="1"/>
+                <a14:m>
+                  <m:oMath xmlns:m="http://schemas.openxmlformats.org/officeDocument/2006/math">
+                    <m:r>
+                      <a:rPr lang="en-US" sz="1800" i="1">
+                        <a:latin typeface="Cambria Math" panose="02040503050406030204" pitchFamily="18" charset="0"/>
+                      </a:rPr>
+                      <m:t>𝑃</m:t>
+                    </m:r>
+                    <m:d>
+                      <m:dPr>
+                        <m:ctrlPr>
+                          <a:rPr lang="en-US" sz="1800" i="1">
+                            <a:latin typeface="Cambria Math" panose="02040503050406030204" pitchFamily="18" charset="0"/>
+                          </a:rPr>
+                        </m:ctrlPr>
+                      </m:dPr>
+                      <m:e>
+                        <m:r>
+                          <a:rPr lang="en-US" sz="1800" i="1">
+                            <a:latin typeface="Cambria Math" panose="02040503050406030204" pitchFamily="18" charset="0"/>
+                          </a:rPr>
+                          <m:t>𝐶𝑎𝑛𝑐𝑒𝑟</m:t>
+                        </m:r>
+                      </m:e>
+                    </m:d>
+                    <m:r>
+                      <a:rPr lang="en-US" sz="1800" b="0" i="1" smtClean="0">
+                        <a:latin typeface="Cambria Math" panose="02040503050406030204" pitchFamily="18" charset="0"/>
+                      </a:rPr>
+                      <m:t>∗</m:t>
+                    </m:r>
+                    <m:r>
+                      <a:rPr lang="en-US" sz="1800" b="0" i="1" smtClean="0">
+                        <a:latin typeface="Cambria Math" panose="02040503050406030204" pitchFamily="18" charset="0"/>
+                      </a:rPr>
+                      <m:t>𝑃</m:t>
+                    </m:r>
+                    <m:d>
+                      <m:dPr>
+                        <m:ctrlPr>
+                          <a:rPr lang="en-US" sz="1800" b="0" i="1" smtClean="0">
+                            <a:latin typeface="Cambria Math" panose="02040503050406030204" pitchFamily="18" charset="0"/>
+                          </a:rPr>
+                        </m:ctrlPr>
+                      </m:dPr>
+                      <m:e>
+                        <m:r>
+                          <a:rPr lang="en-US" sz="1800" b="0" i="1" smtClean="0">
+                            <a:latin typeface="Cambria Math" panose="02040503050406030204" pitchFamily="18" charset="0"/>
+                          </a:rPr>
+                          <m:t>𝑀𝑎𝑚</m:t>
+                        </m:r>
+                        <m:r>
+                          <a:rPr lang="en-US" sz="1800" b="0" i="1" smtClean="0">
+                            <a:latin typeface="Cambria Math" panose="02040503050406030204" pitchFamily="18" charset="0"/>
+                          </a:rPr>
+                          <m:t>.</m:t>
+                        </m:r>
+                      </m:e>
+                      <m:e>
+                        <m:r>
+                          <a:rPr lang="en-US" sz="1800" b="0" i="1" smtClean="0">
+                            <a:latin typeface="Cambria Math" panose="02040503050406030204" pitchFamily="18" charset="0"/>
+                          </a:rPr>
+                          <m:t>𝐶𝑎𝑛𝑐𝑒𝑟</m:t>
+                        </m:r>
+                      </m:e>
+                    </m:d>
+                    <m:r>
+                      <a:rPr lang="en-US" sz="1800" b="0" i="1" smtClean="0">
+                        <a:latin typeface="Cambria Math" panose="02040503050406030204" pitchFamily="18" charset="0"/>
+                      </a:rPr>
+                      <m:t>+</m:t>
+                    </m:r>
+                    <m:r>
+                      <a:rPr lang="en-US" sz="1800" b="0" i="1" smtClean="0">
+                        <a:latin typeface="Cambria Math" panose="02040503050406030204" pitchFamily="18" charset="0"/>
+                      </a:rPr>
+                      <m:t>𝑃</m:t>
+                    </m:r>
+                    <m:d>
+                      <m:dPr>
+                        <m:ctrlPr>
+                          <a:rPr lang="en-US" sz="1800" i="1">
+                            <a:latin typeface="Cambria Math" panose="02040503050406030204" pitchFamily="18" charset="0"/>
+                          </a:rPr>
+                        </m:ctrlPr>
+                      </m:dPr>
+                      <m:e>
+                        <m:r>
+                          <a:rPr lang="en-US" sz="1800" b="0" i="1" smtClean="0">
+                            <a:latin typeface="Cambria Math" panose="02040503050406030204" pitchFamily="18" charset="0"/>
+                          </a:rPr>
+                          <m:t>!</m:t>
+                        </m:r>
+                        <m:r>
+                          <a:rPr lang="en-US" sz="1800" b="0" i="1" smtClean="0">
+                            <a:latin typeface="Cambria Math" panose="02040503050406030204" pitchFamily="18" charset="0"/>
+                          </a:rPr>
+                          <m:t>𝐶𝑎𝑛𝑐𝑒𝑟</m:t>
+                        </m:r>
+                      </m:e>
+                    </m:d>
+                    <m:r>
+                      <a:rPr lang="en-US" sz="1800" i="1">
+                        <a:latin typeface="Cambria Math" panose="02040503050406030204" pitchFamily="18" charset="0"/>
+                      </a:rPr>
+                      <m:t>∗</m:t>
+                    </m:r>
+                    <m:r>
+                      <a:rPr lang="en-US" sz="1800" i="1">
+                        <a:latin typeface="Cambria Math" panose="02040503050406030204" pitchFamily="18" charset="0"/>
+                      </a:rPr>
+                      <m:t>𝑃</m:t>
+                    </m:r>
+                    <m:d>
+                      <m:dPr>
+                        <m:ctrlPr>
+                          <a:rPr lang="en-US" sz="1800" i="1">
+                            <a:latin typeface="Cambria Math" panose="02040503050406030204" pitchFamily="18" charset="0"/>
+                          </a:rPr>
+                        </m:ctrlPr>
+                      </m:dPr>
+                      <m:e>
+                        <m:r>
+                          <a:rPr lang="en-US" sz="1800" i="1">
+                            <a:latin typeface="Cambria Math" panose="02040503050406030204" pitchFamily="18" charset="0"/>
+                          </a:rPr>
+                          <m:t>𝑀𝑎𝑚</m:t>
+                        </m:r>
+                        <m:r>
+                          <a:rPr lang="en-US" sz="1800" i="1">
+                            <a:latin typeface="Cambria Math" panose="02040503050406030204" pitchFamily="18" charset="0"/>
+                          </a:rPr>
+                          <m:t>.</m:t>
+                        </m:r>
+                      </m:e>
+                      <m:e>
+                        <m:r>
+                          <a:rPr lang="en-US" sz="1800" b="0" i="1" smtClean="0">
+                            <a:latin typeface="Cambria Math" panose="02040503050406030204" pitchFamily="18" charset="0"/>
+                          </a:rPr>
+                          <m:t> !</m:t>
+                        </m:r>
+                        <m:r>
+                          <a:rPr lang="en-US" sz="1800" i="1">
+                            <a:latin typeface="Cambria Math" panose="02040503050406030204" pitchFamily="18" charset="0"/>
+                          </a:rPr>
+                          <m:t>𝐶𝑎𝑛𝑐𝑒𝑟</m:t>
+                        </m:r>
+                      </m:e>
+                    </m:d>
+                  </m:oMath>
+                </a14:m>
+                <a:endParaRPr lang="en-US" sz="2500" dirty="0"/>
+              </a:p>
+              <a:p>
+                <a:r>
+                  <a:rPr lang="en-US" dirty="0"/>
+                  <a:t> </a:t>
+                </a:r>
+                <a14:m>
+                  <m:oMath xmlns:m="http://schemas.openxmlformats.org/officeDocument/2006/math">
+                    <m:f>
+                      <m:fPr>
+                        <m:ctrlPr>
+                          <a:rPr lang="en-US" sz="2400" i="1">
+                            <a:latin typeface="Cambria Math" panose="02040503050406030204" pitchFamily="18" charset="0"/>
+                          </a:rPr>
+                        </m:ctrlPr>
+                      </m:fPr>
+                      <m:num>
+                        <m:r>
+                          <a:rPr lang="en-US" sz="2400" b="0" i="1" smtClean="0">
+                            <a:latin typeface="Cambria Math" panose="02040503050406030204" pitchFamily="18" charset="0"/>
+                          </a:rPr>
+                          <m:t>0.8 ∗0.01</m:t>
+                        </m:r>
+                      </m:num>
+                      <m:den>
+                        <m:r>
+                          <a:rPr lang="en-US" sz="2400" b="0" i="1" smtClean="0">
+                            <a:latin typeface="Cambria Math" panose="02040503050406030204" pitchFamily="18" charset="0"/>
+                          </a:rPr>
+                          <m:t>0.8∗0.01+0.99 ∗0.096</m:t>
+                        </m:r>
+                      </m:den>
+                    </m:f>
+                    <m:r>
+                      <a:rPr lang="en-US" sz="2400" b="0" i="1" smtClean="0">
+                        <a:latin typeface="Cambria Math" panose="02040503050406030204" pitchFamily="18" charset="0"/>
+                      </a:rPr>
+                      <m:t>=7.76 %</m:t>
+                    </m:r>
+                  </m:oMath>
+                </a14:m>
+                <a:endParaRPr lang="en-US" dirty="0"/>
+              </a:p>
+              <a:p>
+                <a:pPr marL="0" indent="0">
+                  <a:buNone/>
+                </a:pPr>
+                <a:endParaRPr lang="en-US" dirty="0"/>
+              </a:p>
+              <a:p>
+                <a:endParaRPr lang="en-US" dirty="0"/>
+              </a:p>
+              <a:p>
+                <a:pPr marL="388937" lvl="1" indent="0">
+                  <a:buNone/>
+                </a:pPr>
+                <a:endParaRPr lang="en-US" dirty="0"/>
+              </a:p>
+              <a:p>
+                <a:endParaRPr lang="en-US" dirty="0"/>
+              </a:p>
+            </p:txBody>
+          </p:sp>
+        </mc:Choice>
+        <mc:Fallback xmlns="">
+          <p:sp>
+            <p:nvSpPr>
+              <p:cNvPr id="3" name="Content Placeholder 2"/>
+              <p:cNvSpPr>
+                <a:spLocks noGrp="1" noRot="1" noChangeAspect="1" noMove="1" noResize="1" noEditPoints="1" noAdjustHandles="1" noChangeArrowheads="1" noChangeShapeType="1" noTextEdit="1"/>
+              </p:cNvSpPr>
+              <p:nvPr>
+                <p:ph idx="1"/>
+              </p:nvPr>
+            </p:nvSpPr>
+            <p:spPr>
+              <a:xfrm>
+                <a:off x="457200" y="1600200"/>
+                <a:ext cx="8229600" cy="4781128"/>
+              </a:xfrm>
+              <a:blipFill>
+                <a:blip r:embed="rId3"/>
+                <a:stretch>
+                  <a:fillRect l="-1407"/>
+                </a:stretch>
+              </a:blipFill>
+            </p:spPr>
+            <p:txBody>
+              <a:bodyPr/>
+              <a:lstStyle/>
+              <a:p>
+                <a:r>
+                  <a:rPr lang="hr-HR">
+                    <a:noFill/>
+                  </a:rPr>
+                  <a:t> </a:t>
+                </a:r>
+              </a:p>
+            </p:txBody>
+          </p:sp>
+        </mc:Fallback>
+      </mc:AlternateContent>
+    </p:spTree>
+    <p:extLst>
+      <p:ext uri="{BB962C8B-B14F-4D97-AF65-F5344CB8AC3E}">
+        <p14:creationId xmlns:p14="http://schemas.microsoft.com/office/powerpoint/2010/main" val="1678143804"/>
+      </p:ext>
+    </p:extLst>
+  </p:cSld>
+  <p:clrMapOvr>
+    <a:masterClrMapping/>
+  </p:clrMapOvr>
+  <p:transition>
+    <p:fade thruBlk="1"/>
+  </p:transition>
+</p:sld>
+</file>
+
+<file path=ppt/slides/slide11.xml><?xml version="1.0" encoding="utf-8"?>
+<p:sld xmlns:a="http://schemas.openxmlformats.org/drawingml/2006/main" xmlns:r="http://schemas.openxmlformats.org/officeDocument/2006/relationships" xmlns:p="http://schemas.openxmlformats.org/presentationml/2006/main">
+  <p:cSld>
+    <p:spTree>
+      <p:nvGrpSpPr>
+        <p:cNvPr id="1" name=""/>
+        <p:cNvGrpSpPr/>
+        <p:nvPr/>
+      </p:nvGrpSpPr>
+      <p:grpSpPr>
+        <a:xfrm>
+          <a:off x="0" y="0"/>
+          <a:ext cx="0" cy="0"/>
+          <a:chOff x="0" y="0"/>
+          <a:chExt cx="0" cy="0"/>
+        </a:xfrm>
+      </p:grpSpPr>
+      <p:sp>
+        <p:nvSpPr>
+          <p:cNvPr id="2" name="Title 1"/>
+          <p:cNvSpPr>
+            <a:spLocks noGrp="1"/>
+          </p:cNvSpPr>
+          <p:nvPr>
+            <p:ph type="title"/>
+          </p:nvPr>
+        </p:nvSpPr>
+        <p:spPr/>
+        <p:txBody>
+          <a:bodyPr/>
+          <a:lstStyle/>
+          <a:p>
+            <a:r>
+              <a:rPr lang="en-US" dirty="0"/>
+              <a:t>Bayes theorem</a:t>
+            </a:r>
+          </a:p>
+        </p:txBody>
+      </p:sp>
+      <mc:AlternateContent xmlns:mc="http://schemas.openxmlformats.org/markup-compatibility/2006" xmlns:a14="http://schemas.microsoft.com/office/drawing/2010/main">
+        <mc:Choice Requires="a14">
+          <p:sp>
+            <p:nvSpPr>
+              <p:cNvPr id="3" name="Content Placeholder 2"/>
+              <p:cNvSpPr>
+                <a:spLocks noGrp="1"/>
+              </p:cNvSpPr>
+              <p:nvPr>
+                <p:ph idx="1"/>
+              </p:nvPr>
+            </p:nvSpPr>
+            <p:spPr>
+              <a:xfrm>
+                <a:off x="457200" y="1600200"/>
+                <a:ext cx="8229600" cy="4781128"/>
+              </a:xfrm>
+            </p:spPr>
+            <p:txBody>
+              <a:bodyPr/>
+              <a:lstStyle/>
+              <a:p>
+                <a:r>
+                  <a:rPr lang="en-US" dirty="0"/>
+                  <a:t>Back to our animal example:</a:t>
+                </a:r>
+              </a:p>
+              <a:p>
+                <a:pPr lvl="1">
+                  <a:buFont typeface="Arial" panose="020B0604020202020204" pitchFamily="34" charset="0"/>
+                  <a:buChar char="•"/>
+                </a:pPr>
+                <a14:m>
+                  <m:oMath xmlns:m="http://schemas.openxmlformats.org/officeDocument/2006/math">
+                    <m:r>
+                      <a:rPr lang="en-US" sz="1800" b="0" i="1" smtClean="0">
+                        <a:latin typeface="Cambria Math" panose="02040503050406030204" pitchFamily="18" charset="0"/>
+                      </a:rPr>
+                      <m:t>𝑃</m:t>
+                    </m:r>
+                    <m:d>
+                      <m:dPr>
+                        <m:ctrlPr>
+                          <a:rPr lang="en-US" sz="1800" b="0" i="1" smtClean="0">
+                            <a:latin typeface="Cambria Math" panose="02040503050406030204" pitchFamily="18" charset="0"/>
+                          </a:rPr>
+                        </m:ctrlPr>
+                      </m:dPr>
+                      <m:e>
+                        <m:r>
+                          <a:rPr lang="en-US" sz="1800" b="0" i="1" smtClean="0">
+                            <a:latin typeface="Cambria Math" panose="02040503050406030204" pitchFamily="18" charset="0"/>
+                          </a:rPr>
+                          <m:t>𝑐𝑎𝑡</m:t>
+                        </m:r>
+                      </m:e>
+                      <m:e>
+                        <m:r>
+                          <a:rPr lang="en-US" sz="1800" b="0" i="1" smtClean="0">
+                            <a:latin typeface="Cambria Math" panose="02040503050406030204" pitchFamily="18" charset="0"/>
+                          </a:rPr>
+                          <m:t>𝑐h𝑒𝑒𝑟𝑓𝑢𝑙</m:t>
+                        </m:r>
+                        <m:r>
+                          <a:rPr lang="en-US" sz="1800" b="0" i="1" smtClean="0">
+                            <a:latin typeface="Cambria Math" panose="02040503050406030204" pitchFamily="18" charset="0"/>
+                          </a:rPr>
+                          <m:t>, </m:t>
+                        </m:r>
+                        <m:r>
+                          <a:rPr lang="en-US" sz="1800" b="0" i="1" smtClean="0">
+                            <a:latin typeface="Cambria Math" panose="02040503050406030204" pitchFamily="18" charset="0"/>
+                          </a:rPr>
+                          <m:t>𝑤𝑒𝑖𝑔h𝑡</m:t>
+                        </m:r>
+                        <m:r>
+                          <a:rPr lang="en-US" sz="1800" b="0" i="1" smtClean="0">
+                            <a:latin typeface="Cambria Math" panose="02040503050406030204" pitchFamily="18" charset="0"/>
+                          </a:rPr>
+                          <m:t>, </m:t>
+                        </m:r>
+                        <m:r>
+                          <a:rPr lang="en-US" sz="1800" b="0" i="1" smtClean="0">
+                            <a:latin typeface="Cambria Math" panose="02040503050406030204" pitchFamily="18" charset="0"/>
+                          </a:rPr>
+                          <m:t>𝑙𝑜𝑦𝑎𝑙</m:t>
+                        </m:r>
+                      </m:e>
+                    </m:d>
+                    <m:r>
+                      <a:rPr lang="en-US" sz="1800" b="0" i="1" smtClean="0">
+                        <a:latin typeface="Cambria Math" panose="02040503050406030204" pitchFamily="18" charset="0"/>
+                      </a:rPr>
+                      <m:t>= </m:t>
+                    </m:r>
+                    <m:f>
+                      <m:fPr>
+                        <m:ctrlPr>
+                          <a:rPr lang="en-US" sz="1800" b="0" i="1" smtClean="0">
+                            <a:latin typeface="Cambria Math" panose="02040503050406030204" pitchFamily="18" charset="0"/>
+                          </a:rPr>
+                        </m:ctrlPr>
+                      </m:fPr>
+                      <m:num>
+                        <m:r>
+                          <m:rPr>
+                            <m:nor/>
+                          </m:rPr>
+                          <a:rPr lang="en-US" sz="1800" b="0" i="0" smtClean="0">
+                            <a:latin typeface="Cambria Math" panose="02040503050406030204" pitchFamily="18" charset="0"/>
+                          </a:rPr>
+                          <m:t>P</m:t>
+                        </m:r>
+                        <m:r>
+                          <m:rPr>
+                            <m:nor/>
+                          </m:rPr>
+                          <a:rPr lang="en-US" sz="1800" b="0" i="0" smtClean="0">
+                            <a:latin typeface="Cambria Math" panose="02040503050406030204" pitchFamily="18" charset="0"/>
+                          </a:rPr>
+                          <m:t>(</m:t>
+                        </m:r>
+                        <m:r>
+                          <m:rPr>
+                            <m:nor/>
+                          </m:rPr>
+                          <a:rPr lang="en-US" sz="1800" b="0" i="0" smtClean="0">
+                            <a:latin typeface="Cambria Math" panose="02040503050406030204" pitchFamily="18" charset="0"/>
+                          </a:rPr>
+                          <m:t>cheerful</m:t>
+                        </m:r>
+                        <m:r>
+                          <m:rPr>
+                            <m:nor/>
+                          </m:rPr>
+                          <a:rPr lang="en-US" sz="1800" b="0" i="0" smtClean="0">
+                            <a:latin typeface="Cambria Math" panose="02040503050406030204" pitchFamily="18" charset="0"/>
+                          </a:rPr>
+                          <m:t>, </m:t>
+                        </m:r>
+                        <m:r>
+                          <m:rPr>
+                            <m:nor/>
+                          </m:rPr>
+                          <a:rPr lang="en-US" sz="1800" b="0" i="0" smtClean="0">
+                            <a:latin typeface="Cambria Math" panose="02040503050406030204" pitchFamily="18" charset="0"/>
+                          </a:rPr>
+                          <m:t>weight</m:t>
+                        </m:r>
+                        <m:r>
+                          <m:rPr>
+                            <m:nor/>
+                          </m:rPr>
+                          <a:rPr lang="en-US" sz="1800" b="0" i="0" smtClean="0">
+                            <a:latin typeface="Cambria Math" panose="02040503050406030204" pitchFamily="18" charset="0"/>
+                          </a:rPr>
+                          <m:t>, </m:t>
+                        </m:r>
+                        <m:r>
+                          <m:rPr>
+                            <m:nor/>
+                          </m:rPr>
+                          <a:rPr lang="en-US" sz="1800" b="0" i="0" smtClean="0">
+                            <a:latin typeface="Cambria Math" panose="02040503050406030204" pitchFamily="18" charset="0"/>
+                          </a:rPr>
+                          <m:t>loyal</m:t>
+                        </m:r>
+                        <m:r>
+                          <m:rPr>
+                            <m:nor/>
+                          </m:rPr>
+                          <a:rPr lang="en-US" sz="1800" b="0" i="0" smtClean="0">
+                            <a:latin typeface="Cambria Math" panose="02040503050406030204" pitchFamily="18" charset="0"/>
+                          </a:rPr>
+                          <m:t>|</m:t>
+                        </m:r>
+                        <m:r>
+                          <m:rPr>
+                            <m:nor/>
+                          </m:rPr>
+                          <a:rPr lang="en-US" sz="1800" b="0" i="0" smtClean="0">
+                            <a:latin typeface="Cambria Math" panose="02040503050406030204" pitchFamily="18" charset="0"/>
+                          </a:rPr>
+                          <m:t>cat</m:t>
+                        </m:r>
+                        <m:r>
+                          <m:rPr>
+                            <m:nor/>
+                          </m:rPr>
+                          <a:rPr lang="en-US" sz="1800" b="0" i="0" smtClean="0">
+                            <a:latin typeface="Cambria Math" panose="02040503050406030204" pitchFamily="18" charset="0"/>
+                          </a:rPr>
+                          <m:t>) ∗ </m:t>
+                        </m:r>
+                        <m:r>
+                          <m:rPr>
+                            <m:nor/>
+                          </m:rPr>
+                          <a:rPr lang="en-US" sz="1800" b="0" i="0" smtClean="0">
+                            <a:latin typeface="Cambria Math" panose="02040503050406030204" pitchFamily="18" charset="0"/>
+                          </a:rPr>
+                          <m:t>P</m:t>
+                        </m:r>
+                        <m:r>
+                          <m:rPr>
+                            <m:nor/>
+                          </m:rPr>
+                          <a:rPr lang="en-US" sz="1800" b="0" i="0" smtClean="0">
+                            <a:latin typeface="Cambria Math" panose="02040503050406030204" pitchFamily="18" charset="0"/>
+                          </a:rPr>
+                          <m:t>(</m:t>
+                        </m:r>
+                        <m:r>
+                          <m:rPr>
+                            <m:nor/>
+                          </m:rPr>
+                          <a:rPr lang="en-US" sz="1800" b="0" i="0" smtClean="0">
+                            <a:latin typeface="Cambria Math" panose="02040503050406030204" pitchFamily="18" charset="0"/>
+                          </a:rPr>
+                          <m:t>cat</m:t>
+                        </m:r>
+                        <m:r>
+                          <m:rPr>
+                            <m:nor/>
+                          </m:rPr>
+                          <a:rPr lang="en-US" sz="1800" b="0" i="0" smtClean="0">
+                            <a:latin typeface="Cambria Math" panose="02040503050406030204" pitchFamily="18" charset="0"/>
+                          </a:rPr>
+                          <m:t>)</m:t>
+                        </m:r>
+                        <m:r>
+                          <m:rPr>
+                            <m:nor/>
+                          </m:rPr>
+                          <a:rPr lang="en-US" sz="1800" dirty="0"/>
+                          <m:t> </m:t>
+                        </m:r>
+                      </m:num>
+                      <m:den>
+                        <m:r>
+                          <a:rPr lang="en-US" sz="1800" b="0" i="1" smtClean="0">
+                            <a:latin typeface="Cambria Math" panose="02040503050406030204" pitchFamily="18" charset="0"/>
+                          </a:rPr>
+                          <m:t>𝑃</m:t>
+                        </m:r>
+                        <m:d>
+                          <m:dPr>
+                            <m:ctrlPr>
+                              <a:rPr lang="en-US" sz="1800" b="0" i="1" smtClean="0">
+                                <a:latin typeface="Cambria Math" panose="02040503050406030204" pitchFamily="18" charset="0"/>
+                              </a:rPr>
+                            </m:ctrlPr>
+                          </m:dPr>
+                          <m:e>
+                            <m:r>
+                              <a:rPr lang="en-US" sz="1800" b="0" i="1" smtClean="0">
+                                <a:latin typeface="Cambria Math" panose="02040503050406030204" pitchFamily="18" charset="0"/>
+                              </a:rPr>
+                              <m:t>𝑓𝑒𝑎𝑡𝑢𝑟𝑒𝑠</m:t>
+                            </m:r>
+                            <m:r>
+                              <a:rPr lang="en-US" sz="1800" b="0" i="1" smtClean="0">
+                                <a:latin typeface="Cambria Math" panose="02040503050406030204" pitchFamily="18" charset="0"/>
+                              </a:rPr>
+                              <m:t> </m:t>
+                            </m:r>
+                            <m:r>
+                              <a:rPr lang="en-US" sz="1800" i="1">
+                                <a:latin typeface="Cambria Math" panose="02040503050406030204" pitchFamily="18" charset="0"/>
+                              </a:rPr>
+                              <m:t>𝑖𝑛𝑑𝑒𝑝𝑒𝑛𝑑𝑒𝑛𝑡</m:t>
+                            </m:r>
+                            <m:r>
+                              <a:rPr lang="en-US" sz="1800" b="0" i="1" smtClean="0">
+                                <a:latin typeface="Cambria Math" panose="02040503050406030204" pitchFamily="18" charset="0"/>
+                              </a:rPr>
+                              <m:t> </m:t>
+                            </m:r>
+                            <m:r>
+                              <a:rPr lang="en-US" sz="1800" b="0" i="1" smtClean="0">
+                                <a:latin typeface="Cambria Math" panose="02040503050406030204" pitchFamily="18" charset="0"/>
+                              </a:rPr>
+                              <m:t>𝑜𝑓</m:t>
+                            </m:r>
+                            <m:r>
+                              <a:rPr lang="en-US" sz="1800" b="0" i="1" smtClean="0">
+                                <a:latin typeface="Cambria Math" panose="02040503050406030204" pitchFamily="18" charset="0"/>
+                              </a:rPr>
+                              <m:t> </m:t>
+                            </m:r>
+                            <m:r>
+                              <a:rPr lang="en-US" sz="1800" b="0" i="1" smtClean="0">
+                                <a:latin typeface="Cambria Math" panose="02040503050406030204" pitchFamily="18" charset="0"/>
+                              </a:rPr>
+                              <m:t>𝑐𝑙𝑎𝑠𝑠</m:t>
+                            </m:r>
+                          </m:e>
+                        </m:d>
+                        <m:r>
+                          <a:rPr lang="en-US" sz="1800" b="0" i="1" smtClean="0">
+                            <a:latin typeface="Cambria Math" panose="02040503050406030204" pitchFamily="18" charset="0"/>
+                          </a:rPr>
+                          <m:t> </m:t>
+                        </m:r>
+                      </m:den>
+                    </m:f>
+                  </m:oMath>
+                </a14:m>
+                <a:endParaRPr lang="en-US" sz="1800" dirty="0"/>
+              </a:p>
+              <a:p>
+                <a:pPr lvl="1">
+                  <a:buFont typeface="Arial" panose="020B0604020202020204" pitchFamily="34" charset="0"/>
+                  <a:buChar char="•"/>
+                </a:pPr>
+                <a14:m>
+                  <m:oMath xmlns:m="http://schemas.openxmlformats.org/officeDocument/2006/math">
+                    <m:r>
+                      <m:rPr>
+                        <m:nor/>
+                      </m:rPr>
+                      <a:rPr lang="en-US" smtClean="0">
+                        <a:latin typeface="Cambria Math" panose="02040503050406030204" pitchFamily="18" charset="0"/>
+                      </a:rPr>
+                      <m:t>P</m:t>
+                    </m:r>
+                    <m:r>
+                      <m:rPr>
+                        <m:nor/>
+                      </m:rPr>
+                      <a:rPr lang="en-US" smtClean="0">
+                        <a:latin typeface="Cambria Math" panose="02040503050406030204" pitchFamily="18" charset="0"/>
+                      </a:rPr>
+                      <m:t>(</m:t>
+                    </m:r>
+                    <m:r>
+                      <m:rPr>
+                        <m:nor/>
+                      </m:rPr>
+                      <a:rPr lang="en-US" b="0" i="0" smtClean="0">
+                        <a:latin typeface="Cambria Math" panose="02040503050406030204" pitchFamily="18" charset="0"/>
+                      </a:rPr>
+                      <m:t>c</m:t>
+                    </m:r>
+                    <m:r>
+                      <m:rPr>
+                        <m:nor/>
+                      </m:rPr>
+                      <a:rPr lang="en-US" smtClean="0">
+                        <a:latin typeface="Cambria Math" panose="02040503050406030204" pitchFamily="18" charset="0"/>
+                      </a:rPr>
+                      <m:t>heerful</m:t>
+                    </m:r>
+                    <m:r>
+                      <m:rPr>
+                        <m:nor/>
+                      </m:rPr>
+                      <a:rPr lang="en-US" smtClean="0">
+                        <a:latin typeface="Cambria Math" panose="02040503050406030204" pitchFamily="18" charset="0"/>
+                      </a:rPr>
+                      <m:t>, </m:t>
+                    </m:r>
+                    <m:r>
+                      <m:rPr>
+                        <m:nor/>
+                      </m:rPr>
+                      <a:rPr lang="en-US" smtClean="0">
+                        <a:latin typeface="Cambria Math" panose="02040503050406030204" pitchFamily="18" charset="0"/>
+                      </a:rPr>
+                      <m:t>weight</m:t>
+                    </m:r>
+                    <m:r>
+                      <m:rPr>
+                        <m:nor/>
+                      </m:rPr>
+                      <a:rPr lang="en-US" smtClean="0">
+                        <a:latin typeface="Cambria Math" panose="02040503050406030204" pitchFamily="18" charset="0"/>
+                      </a:rPr>
+                      <m:t>, </m:t>
+                    </m:r>
+                    <m:r>
+                      <m:rPr>
+                        <m:nor/>
+                      </m:rPr>
+                      <a:rPr lang="en-US" smtClean="0">
+                        <a:latin typeface="Cambria Math" panose="02040503050406030204" pitchFamily="18" charset="0"/>
+                      </a:rPr>
+                      <m:t>loyal</m:t>
+                    </m:r>
+                    <m:r>
+                      <m:rPr>
+                        <m:nor/>
+                      </m:rPr>
+                      <a:rPr lang="en-US" smtClean="0">
+                        <a:latin typeface="Cambria Math" panose="02040503050406030204" pitchFamily="18" charset="0"/>
+                      </a:rPr>
+                      <m:t>|</m:t>
+                    </m:r>
+                    <m:r>
+                      <m:rPr>
+                        <m:nor/>
+                      </m:rPr>
+                      <a:rPr lang="en-US" b="0" i="0" smtClean="0">
+                        <a:latin typeface="Cambria Math" panose="02040503050406030204" pitchFamily="18" charset="0"/>
+                      </a:rPr>
+                      <m:t>c</m:t>
+                    </m:r>
+                    <m:r>
+                      <m:rPr>
+                        <m:nor/>
+                      </m:rPr>
+                      <a:rPr lang="en-US" smtClean="0">
+                        <a:latin typeface="Cambria Math" panose="02040503050406030204" pitchFamily="18" charset="0"/>
+                      </a:rPr>
+                      <m:t>at</m:t>
+                    </m:r>
+                    <m:r>
+                      <m:rPr>
+                        <m:nor/>
+                      </m:rPr>
+                      <a:rPr lang="en-US" smtClean="0">
+                        <a:latin typeface="Cambria Math" panose="02040503050406030204" pitchFamily="18" charset="0"/>
+                      </a:rPr>
+                      <m:t>) </m:t>
+                    </m:r>
+                  </m:oMath>
+                </a14:m>
+                <a:endParaRPr lang="en-US" dirty="0"/>
+              </a:p>
+              <a:p>
+                <a:pPr lvl="2">
+                  <a:buFont typeface="Arial" panose="020B0604020202020204" pitchFamily="34" charset="0"/>
+                  <a:buChar char="•"/>
+                </a:pPr>
+                <a:r>
+                  <a:rPr lang="en-US" dirty="0"/>
+                  <a:t>this is what we calculated, sort of, in animals example</a:t>
+                </a:r>
+              </a:p>
+              <a:p>
+                <a:pPr lvl="1">
+                  <a:buFont typeface="Arial" panose="020B0604020202020204" pitchFamily="34" charset="0"/>
+                  <a:buChar char="•"/>
+                </a:pPr>
+                <a14:m>
+                  <m:oMath xmlns:m="http://schemas.openxmlformats.org/officeDocument/2006/math">
+                    <m:r>
+                      <a:rPr lang="en-US" i="1" dirty="0" smtClean="0">
+                        <a:latin typeface="Cambria Math" panose="02040503050406030204" pitchFamily="18" charset="0"/>
+                      </a:rPr>
+                      <m:t>𝑃</m:t>
+                    </m:r>
+                    <m:r>
+                      <a:rPr lang="en-US" i="1" dirty="0" smtClean="0">
+                        <a:latin typeface="Cambria Math" panose="02040503050406030204" pitchFamily="18" charset="0"/>
+                      </a:rPr>
+                      <m:t>(</m:t>
+                    </m:r>
+                    <m:r>
+                      <a:rPr lang="en-US" i="1" dirty="0" smtClean="0">
+                        <a:latin typeface="Cambria Math" panose="02040503050406030204" pitchFamily="18" charset="0"/>
+                      </a:rPr>
+                      <m:t>𝑐𝑎𝑡</m:t>
+                    </m:r>
+                    <m:r>
+                      <a:rPr lang="en-US" i="1" dirty="0" smtClean="0">
+                        <a:latin typeface="Cambria Math" panose="02040503050406030204" pitchFamily="18" charset="0"/>
+                      </a:rPr>
+                      <m:t>) </m:t>
+                    </m:r>
+                  </m:oMath>
+                </a14:m>
+                <a:r>
+                  <a:rPr lang="en-US" dirty="0"/>
+                  <a:t> </a:t>
+                </a:r>
+              </a:p>
+              <a:p>
+                <a:pPr lvl="2">
+                  <a:buFont typeface="Arial" panose="020B0604020202020204" pitchFamily="34" charset="0"/>
+                  <a:buChar char="•"/>
+                </a:pPr>
+                <a:r>
+                  <a:rPr lang="en-US" dirty="0"/>
+                  <a:t>what percentage of all animals are cats</a:t>
+                </a:r>
+              </a:p>
+              <a:p>
+                <a:pPr lvl="1">
+                  <a:buFont typeface="Arial" panose="020B0604020202020204" pitchFamily="34" charset="0"/>
+                  <a:buChar char="•"/>
+                </a:pPr>
+                <a14:m>
+                  <m:oMath xmlns:m="http://schemas.openxmlformats.org/officeDocument/2006/math">
+                    <m:r>
+                      <a:rPr lang="en-US" i="1" dirty="0" smtClean="0">
+                        <a:latin typeface="Cambria Math" panose="02040503050406030204" pitchFamily="18" charset="0"/>
+                      </a:rPr>
+                      <m:t>𝑃</m:t>
+                    </m:r>
+                    <m:r>
+                      <a:rPr lang="en-US" i="1" dirty="0" smtClean="0">
+                        <a:latin typeface="Cambria Math" panose="02040503050406030204" pitchFamily="18" charset="0"/>
+                      </a:rPr>
+                      <m:t>(</m:t>
+                    </m:r>
+                    <m:r>
+                      <a:rPr lang="en-US" i="1" dirty="0" smtClean="0">
+                        <a:latin typeface="Cambria Math" panose="02040503050406030204" pitchFamily="18" charset="0"/>
+                      </a:rPr>
+                      <m:t>𝑓𝑒𝑎𝑡𝑢𝑟𝑒𝑠</m:t>
+                    </m:r>
+                    <m:r>
+                      <a:rPr lang="en-US" b="0" i="1" dirty="0" smtClean="0">
+                        <a:latin typeface="Cambria Math" panose="02040503050406030204" pitchFamily="18" charset="0"/>
+                      </a:rPr>
+                      <m:t> </m:t>
+                    </m:r>
+                    <m:r>
+                      <a:rPr lang="en-US" i="1" dirty="0">
+                        <a:latin typeface="Cambria Math" panose="02040503050406030204" pitchFamily="18" charset="0"/>
+                      </a:rPr>
+                      <m:t>𝑖𝑛𝑑𝑒𝑝𝑒𝑛𝑑𝑒𝑛𝑡</m:t>
+                    </m:r>
+                    <m:r>
+                      <a:rPr lang="en-US" b="0" i="1" dirty="0" smtClean="0">
+                        <a:latin typeface="Cambria Math" panose="02040503050406030204" pitchFamily="18" charset="0"/>
+                      </a:rPr>
+                      <m:t> </m:t>
+                    </m:r>
+                    <m:r>
+                      <a:rPr lang="en-US" b="0" i="1" dirty="0" smtClean="0">
+                        <a:latin typeface="Cambria Math" panose="02040503050406030204" pitchFamily="18" charset="0"/>
+                      </a:rPr>
+                      <m:t>𝑜𝑓</m:t>
+                    </m:r>
+                    <m:r>
+                      <a:rPr lang="en-US" b="0" i="1" dirty="0" smtClean="0">
+                        <a:latin typeface="Cambria Math" panose="02040503050406030204" pitchFamily="18" charset="0"/>
+                      </a:rPr>
+                      <m:t> </m:t>
+                    </m:r>
+                    <m:r>
+                      <a:rPr lang="en-US" b="0" i="1" dirty="0" smtClean="0">
+                        <a:latin typeface="Cambria Math" panose="02040503050406030204" pitchFamily="18" charset="0"/>
+                      </a:rPr>
+                      <m:t>𝑐𝑙𝑎𝑠𝑠</m:t>
+                    </m:r>
+                    <m:r>
+                      <a:rPr lang="en-US" i="1" dirty="0" smtClean="0">
+                        <a:latin typeface="Cambria Math" panose="02040503050406030204" pitchFamily="18" charset="0"/>
+                      </a:rPr>
+                      <m:t>) </m:t>
+                    </m:r>
+                  </m:oMath>
+                </a14:m>
+                <a:r>
+                  <a:rPr lang="en-US" dirty="0"/>
+                  <a:t> </a:t>
+                </a:r>
+              </a:p>
+              <a:p>
+                <a:pPr lvl="2">
+                  <a:buFont typeface="Arial" panose="020B0604020202020204" pitchFamily="34" charset="0"/>
+                  <a:buChar char="•"/>
+                </a:pPr>
+                <a:r>
+                  <a:rPr lang="en-US" dirty="0"/>
+                  <a:t>hard, but we won’t need to calculate this since all classes will be divided by this (constant)factor</a:t>
+                </a:r>
+              </a:p>
+              <a:p>
+                <a:pPr lvl="1">
+                  <a:buFont typeface="Arial" panose="020B0604020202020204" pitchFamily="34" charset="0"/>
+                  <a:buChar char="•"/>
+                </a:pPr>
+                <a:endParaRPr lang="en-US" dirty="0"/>
+              </a:p>
+              <a:p>
+                <a:pPr lvl="2">
+                  <a:buFont typeface="Arial" panose="020B0604020202020204" pitchFamily="34" charset="0"/>
+                  <a:buChar char="•"/>
+                </a:pPr>
+                <a:endParaRPr lang="en-US" dirty="0"/>
+              </a:p>
+            </p:txBody>
+          </p:sp>
+        </mc:Choice>
+        <mc:Fallback xmlns="">
+          <p:sp>
+            <p:nvSpPr>
+              <p:cNvPr id="3" name="Content Placeholder 2"/>
+              <p:cNvSpPr>
+                <a:spLocks noGrp="1" noRot="1" noChangeAspect="1" noMove="1" noResize="1" noEditPoints="1" noAdjustHandles="1" noChangeArrowheads="1" noChangeShapeType="1" noTextEdit="1"/>
+              </p:cNvSpPr>
+              <p:nvPr>
+                <p:ph idx="1"/>
+              </p:nvPr>
+            </p:nvSpPr>
+            <p:spPr>
+              <a:xfrm>
+                <a:off x="457200" y="1600200"/>
+                <a:ext cx="8229600" cy="4781128"/>
+              </a:xfrm>
+              <a:blipFill>
+                <a:blip r:embed="rId3"/>
+                <a:stretch>
+                  <a:fillRect l="-1407" t="-1276"/>
+                </a:stretch>
+              </a:blipFill>
+            </p:spPr>
+            <p:txBody>
+              <a:bodyPr/>
+              <a:lstStyle/>
+              <a:p>
+                <a:r>
+                  <a:rPr lang="hr-HR">
+                    <a:noFill/>
+                  </a:rPr>
+                  <a:t> </a:t>
+                </a:r>
+              </a:p>
+            </p:txBody>
+          </p:sp>
+        </mc:Fallback>
+      </mc:AlternateContent>
+    </p:spTree>
+    <p:extLst>
+      <p:ext uri="{BB962C8B-B14F-4D97-AF65-F5344CB8AC3E}">
+        <p14:creationId xmlns:p14="http://schemas.microsoft.com/office/powerpoint/2010/main" val="2676498437"/>
+      </p:ext>
+    </p:extLst>
+  </p:cSld>
+  <p:clrMapOvr>
+    <a:masterClrMapping/>
+  </p:clrMapOvr>
+  <p:transition>
+    <p:fade thruBlk="1"/>
+  </p:transition>
+</p:sld>
+</file>
+
+<file path=ppt/slides/slide12.xml><?xml version="1.0" encoding="utf-8"?>
+<p:sld xmlns:a="http://schemas.openxmlformats.org/drawingml/2006/main" xmlns:r="http://schemas.openxmlformats.org/officeDocument/2006/relationships" xmlns:p="http://schemas.openxmlformats.org/presentationml/2006/main">
+  <p:cSld>
+    <p:spTree>
+      <p:nvGrpSpPr>
+        <p:cNvPr id="1" name=""/>
+        <p:cNvGrpSpPr/>
+        <p:nvPr/>
+      </p:nvGrpSpPr>
+      <p:grpSpPr>
+        <a:xfrm>
+          <a:off x="0" y="0"/>
+          <a:ext cx="0" cy="0"/>
+          <a:chOff x="0" y="0"/>
+          <a:chExt cx="0" cy="0"/>
+        </a:xfrm>
+      </p:grpSpPr>
+      <p:sp>
+        <p:nvSpPr>
+          <p:cNvPr id="2" name="Title 1"/>
+          <p:cNvSpPr>
+            <a:spLocks noGrp="1"/>
+          </p:cNvSpPr>
+          <p:nvPr>
+            <p:ph type="title"/>
+          </p:nvPr>
+        </p:nvSpPr>
+        <p:spPr/>
+        <p:txBody>
+          <a:bodyPr/>
+          <a:lstStyle/>
+          <a:p>
+            <a:r>
+              <a:rPr lang="en-US" dirty="0"/>
+              <a:t>Naïve Bayes</a:t>
+            </a:r>
+          </a:p>
+        </p:txBody>
+      </p:sp>
+      <mc:AlternateContent xmlns:mc="http://schemas.openxmlformats.org/markup-compatibility/2006" xmlns:a14="http://schemas.microsoft.com/office/drawing/2010/main">
+        <mc:Choice Requires="a14">
+          <p:sp>
+            <p:nvSpPr>
+              <p:cNvPr id="3" name="Content Placeholder 2"/>
+              <p:cNvSpPr>
+                <a:spLocks noGrp="1"/>
+              </p:cNvSpPr>
+              <p:nvPr>
+                <p:ph idx="1"/>
+              </p:nvPr>
+            </p:nvSpPr>
+            <p:spPr>
+              <a:xfrm>
+                <a:off x="457200" y="1600200"/>
+                <a:ext cx="8229600" cy="4781128"/>
+              </a:xfrm>
+            </p:spPr>
+            <p:txBody>
+              <a:bodyPr/>
+              <a:lstStyle/>
+              <a:p>
+                <a:r>
+                  <a:rPr lang="en-US" dirty="0">
+                    <a:latin typeface="Cambria Math" panose="02040503050406030204" pitchFamily="18" charset="0"/>
+                  </a:rPr>
+                  <a:t>Calculate product of probabilities for </a:t>
+                </a:r>
+                <a:r>
+                  <a:rPr lang="en-US" b="1" dirty="0">
+                    <a:latin typeface="Cambria Math" panose="02040503050406030204" pitchFamily="18" charset="0"/>
+                  </a:rPr>
+                  <a:t>independently</a:t>
+                </a:r>
+                <a:r>
+                  <a:rPr lang="en-US" dirty="0">
+                    <a:latin typeface="Cambria Math" panose="02040503050406030204" pitchFamily="18" charset="0"/>
+                  </a:rPr>
+                  <a:t>(hence naïve) distributed features and multiply by class probability</a:t>
+                </a:r>
+              </a:p>
+              <a:p>
+                <a:r>
+                  <a:rPr lang="en-US" dirty="0">
+                    <a:latin typeface="Cambria Math" panose="02040503050406030204" pitchFamily="18" charset="0"/>
+                  </a:rPr>
+                  <a:t>Do this for all classes and chose label associated with class of a maximal probability</a:t>
+                </a:r>
+              </a:p>
+              <a:p>
+                <a14:m>
+                  <m:oMath xmlns:m="http://schemas.openxmlformats.org/officeDocument/2006/math">
+                    <m:r>
+                      <a:rPr lang="en-US" b="0" i="1" smtClean="0">
+                        <a:latin typeface="Cambria Math" panose="02040503050406030204" pitchFamily="18" charset="0"/>
+                      </a:rPr>
+                      <m:t>𝑦</m:t>
+                    </m:r>
+                    <m:r>
+                      <a:rPr lang="en-US" b="0" i="1" smtClean="0">
+                        <a:latin typeface="Cambria Math" panose="02040503050406030204" pitchFamily="18" charset="0"/>
+                      </a:rPr>
+                      <m:t>=</m:t>
+                    </m:r>
+                    <m:r>
+                      <a:rPr lang="en-US" b="0" i="1" smtClean="0">
+                        <a:latin typeface="Cambria Math" panose="02040503050406030204" pitchFamily="18" charset="0"/>
+                      </a:rPr>
+                      <m:t>𝑎𝑟𝑔𝑚𝑎𝑥</m:t>
+                    </m:r>
+                    <m:r>
+                      <a:rPr lang="en-US" b="0" i="1" smtClean="0">
+                        <a:latin typeface="Cambria Math" panose="02040503050406030204" pitchFamily="18" charset="0"/>
+                      </a:rPr>
+                      <m:t> </m:t>
+                    </m:r>
+                    <m:r>
+                      <a:rPr lang="en-US" b="0" i="1" smtClean="0">
+                        <a:latin typeface="Cambria Math" panose="02040503050406030204" pitchFamily="18" charset="0"/>
+                      </a:rPr>
+                      <m:t>𝑃</m:t>
+                    </m:r>
+                    <m:r>
+                      <a:rPr lang="en-US" b="0" i="1" smtClean="0">
+                        <a:latin typeface="Cambria Math" panose="02040503050406030204" pitchFamily="18" charset="0"/>
+                      </a:rPr>
+                      <m:t>(</m:t>
+                    </m:r>
+                    <m:r>
+                      <a:rPr lang="en-US" b="0" i="1" smtClean="0">
+                        <a:latin typeface="Cambria Math" panose="02040503050406030204" pitchFamily="18" charset="0"/>
+                      </a:rPr>
+                      <m:t>𝐶𝑘</m:t>
+                    </m:r>
+                    <m:r>
+                      <a:rPr lang="en-US" b="0" i="1" smtClean="0">
+                        <a:latin typeface="Cambria Math" panose="02040503050406030204" pitchFamily="18" charset="0"/>
+                      </a:rPr>
+                      <m:t>)</m:t>
+                    </m:r>
+                    <m:nary>
+                      <m:naryPr>
+                        <m:chr m:val="∏"/>
+                        <m:ctrlPr>
+                          <a:rPr lang="en-US" b="0" i="1" smtClean="0">
+                            <a:latin typeface="Cambria Math" panose="02040503050406030204" pitchFamily="18" charset="0"/>
+                          </a:rPr>
+                        </m:ctrlPr>
+                      </m:naryPr>
+                      <m:sub>
+                        <m:r>
+                          <m:rPr>
+                            <m:brk m:alnAt="23"/>
+                          </m:rPr>
+                          <a:rPr lang="en-US" b="0" i="1" smtClean="0">
+                            <a:latin typeface="Cambria Math" panose="02040503050406030204" pitchFamily="18" charset="0"/>
+                          </a:rPr>
+                          <m:t>𝑖</m:t>
+                        </m:r>
+                        <m:r>
+                          <a:rPr lang="en-US" b="0" i="1" smtClean="0">
+                            <a:latin typeface="Cambria Math" panose="02040503050406030204" pitchFamily="18" charset="0"/>
+                          </a:rPr>
+                          <m:t>=1</m:t>
+                        </m:r>
+                      </m:sub>
+                      <m:sup>
+                        <m:r>
+                          <a:rPr lang="en-US" b="0" i="1" smtClean="0">
+                            <a:latin typeface="Cambria Math" panose="02040503050406030204" pitchFamily="18" charset="0"/>
+                          </a:rPr>
+                          <m:t>𝑛</m:t>
+                        </m:r>
+                      </m:sup>
+                      <m:e>
+                        <m:r>
+                          <a:rPr lang="en-US" b="0" i="1" smtClean="0">
+                            <a:latin typeface="Cambria Math" panose="02040503050406030204" pitchFamily="18" charset="0"/>
+                          </a:rPr>
+                          <m:t>𝑃</m:t>
+                        </m:r>
+                        <m:r>
+                          <a:rPr lang="en-US" b="0" i="1" smtClean="0">
+                            <a:latin typeface="Cambria Math" panose="02040503050406030204" pitchFamily="18" charset="0"/>
+                          </a:rPr>
+                          <m:t>(</m:t>
+                        </m:r>
+                        <m:r>
+                          <a:rPr lang="en-US" b="0" i="1" smtClean="0">
+                            <a:latin typeface="Cambria Math" panose="02040503050406030204" pitchFamily="18" charset="0"/>
+                          </a:rPr>
+                          <m:t>𝑋𝑖</m:t>
+                        </m:r>
+                        <m:r>
+                          <a:rPr lang="en-US" b="0" i="1" smtClean="0">
+                            <a:latin typeface="Cambria Math" panose="02040503050406030204" pitchFamily="18" charset="0"/>
+                          </a:rPr>
+                          <m:t>|</m:t>
+                        </m:r>
+                        <m:r>
+                          <a:rPr lang="en-US" b="0" i="1" smtClean="0">
+                            <a:latin typeface="Cambria Math" panose="02040503050406030204" pitchFamily="18" charset="0"/>
+                          </a:rPr>
+                          <m:t>𝐶𝑘</m:t>
+                        </m:r>
+                        <m:r>
+                          <a:rPr lang="en-US" b="0" i="1" smtClean="0">
+                            <a:latin typeface="Cambria Math" panose="02040503050406030204" pitchFamily="18" charset="0"/>
+                          </a:rPr>
+                          <m:t>)</m:t>
+                        </m:r>
+                      </m:e>
+                    </m:nary>
+                  </m:oMath>
+                </a14:m>
+                <a:endParaRPr lang="en-US" dirty="0"/>
+              </a:p>
+              <a:p>
+                <a:pPr lvl="1">
+                  <a:buFont typeface="Arial" panose="020B0604020202020204" pitchFamily="34" charset="0"/>
+                  <a:buChar char="•"/>
+                </a:pPr>
+                <a:r>
+                  <a:rPr lang="en-US" dirty="0"/>
+                  <a:t>Y class label</a:t>
+                </a:r>
+              </a:p>
+              <a:p>
+                <a:pPr lvl="1">
+                  <a:buFont typeface="Arial" panose="020B0604020202020204" pitchFamily="34" charset="0"/>
+                  <a:buChar char="•"/>
+                </a:pPr>
+                <a:r>
+                  <a:rPr lang="en-US" dirty="0" err="1"/>
+                  <a:t>C</a:t>
+                </a:r>
+                <a:r>
+                  <a:rPr lang="en-US" baseline="-25000" dirty="0" err="1"/>
+                  <a:t>k</a:t>
+                </a:r>
+                <a:r>
+                  <a:rPr lang="en-US" dirty="0"/>
+                  <a:t> class k</a:t>
+                </a:r>
+              </a:p>
+              <a:p>
+                <a:pPr lvl="1">
+                  <a:buFont typeface="Arial" panose="020B0604020202020204" pitchFamily="34" charset="0"/>
+                  <a:buChar char="•"/>
+                </a:pPr>
+                <a:r>
+                  <a:rPr lang="en-US" dirty="0"/>
+                  <a:t>X</a:t>
+                </a:r>
+                <a:r>
+                  <a:rPr lang="en-US" baseline="-25000" dirty="0"/>
+                  <a:t>i</a:t>
+                </a:r>
+                <a:r>
+                  <a:rPr lang="en-US" dirty="0"/>
+                  <a:t> feature </a:t>
+                </a:r>
+                <a:r>
+                  <a:rPr lang="en-US" dirty="0" err="1"/>
+                  <a:t>i</a:t>
+                </a:r>
+                <a:endParaRPr lang="en-US" dirty="0"/>
+              </a:p>
+              <a:p>
+                <a:pPr>
+                  <a:buFont typeface="Arial" panose="020B0604020202020204" pitchFamily="34" charset="0"/>
+                  <a:buChar char="•"/>
+                </a:pPr>
+                <a:r>
+                  <a:rPr lang="en-US" dirty="0"/>
+                  <a:t>This is what we did in our animals example, without </a:t>
+                </a:r>
+                <a14:m>
+                  <m:oMath xmlns:m="http://schemas.openxmlformats.org/officeDocument/2006/math">
+                    <m:r>
+                      <a:rPr lang="en-US" i="1">
+                        <a:latin typeface="Cambria Math" panose="02040503050406030204" pitchFamily="18" charset="0"/>
+                      </a:rPr>
+                      <m:t>𝑃</m:t>
+                    </m:r>
+                    <m:r>
+                      <a:rPr lang="en-US" i="1">
+                        <a:latin typeface="Cambria Math" panose="02040503050406030204" pitchFamily="18" charset="0"/>
+                      </a:rPr>
+                      <m:t>(</m:t>
+                    </m:r>
+                    <m:r>
+                      <a:rPr lang="en-US" i="1">
+                        <a:latin typeface="Cambria Math" panose="02040503050406030204" pitchFamily="18" charset="0"/>
+                      </a:rPr>
+                      <m:t>𝐶𝑘</m:t>
+                    </m:r>
+                    <m:r>
+                      <a:rPr lang="en-US" i="1">
+                        <a:latin typeface="Cambria Math" panose="02040503050406030204" pitchFamily="18" charset="0"/>
+                      </a:rPr>
+                      <m:t>)</m:t>
+                    </m:r>
+                  </m:oMath>
+                </a14:m>
+                <a:endParaRPr lang="en-US" dirty="0"/>
+              </a:p>
+            </p:txBody>
+          </p:sp>
+        </mc:Choice>
+        <mc:Fallback xmlns="">
+          <p:sp>
+            <p:nvSpPr>
+              <p:cNvPr id="3" name="Content Placeholder 2"/>
+              <p:cNvSpPr>
+                <a:spLocks noGrp="1" noRot="1" noChangeAspect="1" noMove="1" noResize="1" noEditPoints="1" noAdjustHandles="1" noChangeArrowheads="1" noChangeShapeType="1" noTextEdit="1"/>
+              </p:cNvSpPr>
+              <p:nvPr>
+                <p:ph idx="1"/>
+              </p:nvPr>
+            </p:nvSpPr>
+            <p:spPr>
+              <a:xfrm>
+                <a:off x="457200" y="1600200"/>
+                <a:ext cx="8229600" cy="4781128"/>
+              </a:xfrm>
+              <a:blipFill>
+                <a:blip r:embed="rId3"/>
+                <a:stretch>
+                  <a:fillRect l="-1407" t="-1403" r="-1852" b="-2168"/>
+                </a:stretch>
+              </a:blipFill>
+            </p:spPr>
+            <p:txBody>
+              <a:bodyPr/>
+              <a:lstStyle/>
+              <a:p>
+                <a:r>
+                  <a:rPr lang="hr-HR">
+                    <a:noFill/>
+                  </a:rPr>
+                  <a:t> </a:t>
+                </a:r>
+              </a:p>
+            </p:txBody>
+          </p:sp>
+        </mc:Fallback>
+      </mc:AlternateContent>
+    </p:spTree>
+    <p:extLst>
+      <p:ext uri="{BB962C8B-B14F-4D97-AF65-F5344CB8AC3E}">
+        <p14:creationId xmlns:p14="http://schemas.microsoft.com/office/powerpoint/2010/main" val="96132736"/>
+      </p:ext>
+    </p:extLst>
+  </p:cSld>
+  <p:clrMapOvr>
+    <a:masterClrMapping/>
+  </p:clrMapOvr>
+  <p:transition>
+    <p:fade thruBlk="1"/>
+  </p:transition>
+</p:sld>
+</file>
+
+<file path=ppt/slides/slide13.xml><?xml version="1.0" encoding="utf-8"?>
+<p:sld xmlns:a="http://schemas.openxmlformats.org/drawingml/2006/main" xmlns:r="http://schemas.openxmlformats.org/officeDocument/2006/relationships" xmlns:p="http://schemas.openxmlformats.org/presentationml/2006/main">
+  <p:cSld>
+    <p:spTree>
+      <p:nvGrpSpPr>
+        <p:cNvPr id="1" name=""/>
+        <p:cNvGrpSpPr/>
+        <p:nvPr/>
+      </p:nvGrpSpPr>
+      <p:grpSpPr>
+        <a:xfrm>
+          <a:off x="0" y="0"/>
+          <a:ext cx="0" cy="0"/>
+          <a:chOff x="0" y="0"/>
+          <a:chExt cx="0" cy="0"/>
+        </a:xfrm>
+      </p:grpSpPr>
+      <p:sp>
+        <p:nvSpPr>
+          <p:cNvPr id="2" name="Title 1"/>
+          <p:cNvSpPr>
+            <a:spLocks noGrp="1"/>
+          </p:cNvSpPr>
+          <p:nvPr>
+            <p:ph type="title"/>
+          </p:nvPr>
+        </p:nvSpPr>
+        <p:spPr/>
+        <p:txBody>
+          <a:bodyPr/>
+          <a:lstStyle/>
+          <a:p>
+            <a:r>
+              <a:rPr lang="en-US" dirty="0"/>
               <a:t>Naïve Bayes</a:t>
             </a:r>
           </a:p>
@@ -8133,7 +10066,7 @@
 </p:sld>
 </file>
 
-<file path=ppt/slides/slide11.xml><?xml version="1.0" encoding="utf-8"?>
+<file path=ppt/slides/slide14.xml><?xml version="1.0" encoding="utf-8"?>
 <p:sld xmlns:a="http://schemas.openxmlformats.org/drawingml/2006/main" xmlns:r="http://schemas.openxmlformats.org/officeDocument/2006/relationships" xmlns:p="http://schemas.openxmlformats.org/presentationml/2006/main">
   <p:cSld>
     <p:spTree>
@@ -9153,7 +11086,7 @@
 </p:sld>
 </file>
 
-<file path=ppt/slides/slide12.xml><?xml version="1.0" encoding="utf-8"?>
+<file path=ppt/slides/slide15.xml><?xml version="1.0" encoding="utf-8"?>
 <p:sld xmlns:a="http://schemas.openxmlformats.org/drawingml/2006/main" xmlns:r="http://schemas.openxmlformats.org/officeDocument/2006/relationships" xmlns:p="http://schemas.openxmlformats.org/presentationml/2006/main">
   <p:cSld>
     <p:spTree>
@@ -11160,7 +13093,7 @@
 </p:sld>
 </file>
 
-<file path=ppt/slides/slide13.xml><?xml version="1.0" encoding="utf-8"?>
+<file path=ppt/slides/slide16.xml><?xml version="1.0" encoding="utf-8"?>
 <p:sld xmlns:a="http://schemas.openxmlformats.org/drawingml/2006/main" xmlns:r="http://schemas.openxmlformats.org/officeDocument/2006/relationships" xmlns:p="http://schemas.openxmlformats.org/presentationml/2006/main">
   <p:cSld>
     <p:spTree>
@@ -11951,7 +13884,7 @@
 </p:sld>
 </file>
 
-<file path=ppt/slides/slide14.xml><?xml version="1.0" encoding="utf-8"?>
+<file path=ppt/slides/slide17.xml><?xml version="1.0" encoding="utf-8"?>
 <p:sld xmlns:a="http://schemas.openxmlformats.org/drawingml/2006/main" xmlns:r="http://schemas.openxmlformats.org/officeDocument/2006/relationships" xmlns:p="http://schemas.openxmlformats.org/presentationml/2006/main">
   <p:cSld>
     <p:spTree>
@@ -12526,7 +14459,7 @@
 </p:sld>
 </file>
 
-<file path=ppt/slides/slide15.xml><?xml version="1.0" encoding="utf-8"?>
+<file path=ppt/slides/slide18.xml><?xml version="1.0" encoding="utf-8"?>
 <p:sld xmlns:a="http://schemas.openxmlformats.org/drawingml/2006/main" xmlns:r="http://schemas.openxmlformats.org/officeDocument/2006/relationships" xmlns:p="http://schemas.openxmlformats.org/presentationml/2006/main">
   <p:cSld>
     <p:spTree>
@@ -12693,7 +14626,7 @@
 </p:sld>
 </file>
 
-<file path=ppt/slides/slide16.xml><?xml version="1.0" encoding="utf-8"?>
+<file path=ppt/slides/slide19.xml><?xml version="1.0" encoding="utf-8"?>
 <p:sld xmlns:a="http://schemas.openxmlformats.org/drawingml/2006/main" xmlns:r="http://schemas.openxmlformats.org/officeDocument/2006/relationships" xmlns:p="http://schemas.openxmlformats.org/presentationml/2006/main">
   <p:cSld>
     <p:spTree>
@@ -13067,395 +15000,6 @@
 </p:sld>
 </file>
 
-<file path=ppt/slides/slide17.xml><?xml version="1.0" encoding="utf-8"?>
-<p:sld xmlns:a="http://schemas.openxmlformats.org/drawingml/2006/main" xmlns:r="http://schemas.openxmlformats.org/officeDocument/2006/relationships" xmlns:p="http://schemas.openxmlformats.org/presentationml/2006/main">
-  <p:cSld>
-    <p:spTree>
-      <p:nvGrpSpPr>
-        <p:cNvPr id="1" name=""/>
-        <p:cNvGrpSpPr/>
-        <p:nvPr/>
-      </p:nvGrpSpPr>
-      <p:grpSpPr>
-        <a:xfrm>
-          <a:off x="0" y="0"/>
-          <a:ext cx="0" cy="0"/>
-          <a:chOff x="0" y="0"/>
-          <a:chExt cx="0" cy="0"/>
-        </a:xfrm>
-      </p:grpSpPr>
-      <p:sp>
-        <p:nvSpPr>
-          <p:cNvPr id="2" name="Title 1"/>
-          <p:cNvSpPr>
-            <a:spLocks noGrp="1"/>
-          </p:cNvSpPr>
-          <p:nvPr>
-            <p:ph type="title"/>
-          </p:nvPr>
-        </p:nvSpPr>
-        <p:spPr/>
-        <p:txBody>
-          <a:bodyPr/>
-          <a:lstStyle/>
-          <a:p>
-            <a:r>
-              <a:rPr lang="en-US" dirty="0"/>
-              <a:t>Alternative solutions</a:t>
-            </a:r>
-          </a:p>
-        </p:txBody>
-      </p:sp>
-      <p:sp>
-        <p:nvSpPr>
-          <p:cNvPr id="3" name="Content Placeholder 2"/>
-          <p:cNvSpPr>
-            <a:spLocks noGrp="1"/>
-          </p:cNvSpPr>
-          <p:nvPr>
-            <p:ph idx="1"/>
-          </p:nvPr>
-        </p:nvSpPr>
-        <p:spPr>
-          <a:xfrm>
-            <a:off x="457200" y="1600200"/>
-            <a:ext cx="8229600" cy="4781128"/>
-          </a:xfrm>
-        </p:spPr>
-        <p:txBody>
-          <a:bodyPr/>
-          <a:lstStyle/>
-          <a:p>
-            <a:r>
-              <a:rPr lang="en-US" dirty="0"/>
-              <a:t>Naïve Bayes is a linear classifier and therefore will give poor results for </a:t>
-            </a:r>
-            <a:r>
-              <a:rPr lang="en-US" i="1" dirty="0"/>
-              <a:t>non-linearly separable </a:t>
-            </a:r>
-            <a:r>
-              <a:rPr lang="en-US" dirty="0"/>
-              <a:t>problems</a:t>
-            </a:r>
-          </a:p>
-          <a:p>
-            <a:pPr lvl="1">
-              <a:buFont typeface="Arial" panose="020B0604020202020204" pitchFamily="34" charset="0"/>
-              <a:buChar char="•"/>
-            </a:pPr>
-            <a:r>
-              <a:rPr lang="en-US" dirty="0"/>
-              <a:t>stay tuned for </a:t>
-            </a:r>
-            <a:r>
-              <a:rPr lang="en-US" b="1" dirty="0"/>
-              <a:t>linearly separable </a:t>
-            </a:r>
-            <a:r>
-              <a:rPr lang="en-US" dirty="0"/>
-              <a:t>problems</a:t>
-            </a:r>
-          </a:p>
-          <a:p>
-            <a:pPr lvl="1">
-              <a:buFont typeface="Arial" panose="020B0604020202020204" pitchFamily="34" charset="0"/>
-              <a:buChar char="•"/>
-            </a:pPr>
-            <a:r>
-              <a:rPr lang="en-US" dirty="0"/>
-              <a:t>text classification is largely linearly separable problem, although we cannot prove this</a:t>
-            </a:r>
-          </a:p>
-          <a:p>
-            <a:pPr>
-              <a:buFont typeface="Arial" panose="020B0604020202020204" pitchFamily="34" charset="0"/>
-              <a:buChar char="•"/>
-            </a:pPr>
-            <a:r>
-              <a:rPr lang="en-US" dirty="0"/>
-              <a:t>Fast and easy to implement, gives really good results</a:t>
-            </a:r>
-          </a:p>
-          <a:p>
-            <a:pPr>
-              <a:buFont typeface="Arial" panose="020B0604020202020204" pitchFamily="34" charset="0"/>
-              <a:buChar char="•"/>
-            </a:pPr>
-            <a:r>
-              <a:rPr lang="en-US" b="1" dirty="0"/>
-              <a:t>Generative</a:t>
-            </a:r>
-            <a:r>
-              <a:rPr lang="en-US" dirty="0"/>
-              <a:t> model </a:t>
-            </a:r>
-          </a:p>
-          <a:p>
-            <a:pPr>
-              <a:buFont typeface="Arial" panose="020B0604020202020204" pitchFamily="34" charset="0"/>
-              <a:buChar char="•"/>
-            </a:pPr>
-            <a:r>
-              <a:rPr lang="en-US" dirty="0"/>
-              <a:t>For non-linearly separable problems consider Random forest, KNN,</a:t>
-            </a:r>
-            <a:r>
-              <a:rPr lang="en-US" b="1" dirty="0"/>
-              <a:t> </a:t>
-            </a:r>
-            <a:r>
-              <a:rPr lang="en-US" dirty="0"/>
-              <a:t>SVM and </a:t>
-            </a:r>
-            <a:r>
-              <a:rPr lang="en-US" b="1" dirty="0"/>
-              <a:t>Neural networks</a:t>
-            </a:r>
-            <a:endParaRPr lang="en-US" dirty="0"/>
-          </a:p>
-          <a:p>
-            <a:pPr lvl="1"/>
-            <a:r>
-              <a:rPr lang="en-US" dirty="0"/>
-              <a:t>by the order of headache these will give you </a:t>
-            </a:r>
-            <a:r>
-              <a:rPr lang="en-US" dirty="0">
-                <a:sym typeface="Wingdings" panose="05000000000000000000" pitchFamily="2" charset="2"/>
-              </a:rPr>
-              <a:t></a:t>
-            </a:r>
-            <a:endParaRPr lang="en-US" dirty="0"/>
-          </a:p>
-          <a:p>
-            <a:endParaRPr lang="en-US" dirty="0"/>
-          </a:p>
-          <a:p>
-            <a:endParaRPr lang="en-US" dirty="0"/>
-          </a:p>
-        </p:txBody>
-      </p:sp>
-    </p:spTree>
-    <p:extLst>
-      <p:ext uri="{BB962C8B-B14F-4D97-AF65-F5344CB8AC3E}">
-        <p14:creationId xmlns:p14="http://schemas.microsoft.com/office/powerpoint/2010/main" val="2872328556"/>
-      </p:ext>
-    </p:extLst>
-  </p:cSld>
-  <p:clrMapOvr>
-    <a:masterClrMapping/>
-  </p:clrMapOvr>
-  <p:transition>
-    <p:fade thruBlk="1"/>
-  </p:transition>
-</p:sld>
-</file>
-
-<file path=ppt/slides/slide18.xml><?xml version="1.0" encoding="utf-8"?>
-<p:sld xmlns:a="http://schemas.openxmlformats.org/drawingml/2006/main" xmlns:r="http://schemas.openxmlformats.org/officeDocument/2006/relationships" xmlns:p="http://schemas.openxmlformats.org/presentationml/2006/main">
-  <p:cSld>
-    <p:spTree>
-      <p:nvGrpSpPr>
-        <p:cNvPr id="1" name=""/>
-        <p:cNvGrpSpPr/>
-        <p:nvPr/>
-      </p:nvGrpSpPr>
-      <p:grpSpPr>
-        <a:xfrm>
-          <a:off x="0" y="0"/>
-          <a:ext cx="0" cy="0"/>
-          <a:chOff x="0" y="0"/>
-          <a:chExt cx="0" cy="0"/>
-        </a:xfrm>
-      </p:grpSpPr>
-      <p:sp>
-        <p:nvSpPr>
-          <p:cNvPr id="5" name="Title 4"/>
-          <p:cNvSpPr>
-            <a:spLocks noGrp="1"/>
-          </p:cNvSpPr>
-          <p:nvPr>
-            <p:ph type="title"/>
-          </p:nvPr>
-        </p:nvSpPr>
-        <p:spPr>
-          <a:xfrm>
-            <a:off x="539552" y="2348880"/>
-            <a:ext cx="8229600" cy="3096344"/>
-          </a:xfrm>
-        </p:spPr>
-        <p:txBody>
-          <a:bodyPr/>
-          <a:lstStyle/>
-          <a:p>
-            <a:r>
-              <a:rPr lang="en-US" dirty="0"/>
-              <a:t>Introduction to neural networks</a:t>
-            </a:r>
-            <a:br>
-              <a:rPr lang="en-US" dirty="0"/>
-            </a:br>
-            <a:br>
-              <a:rPr lang="en-US" dirty="0"/>
-            </a:br>
-            <a:br>
-              <a:rPr lang="en-US" dirty="0"/>
-            </a:br>
-            <a:br>
-              <a:rPr lang="en-US" dirty="0"/>
-            </a:br>
-            <a:br>
-              <a:rPr lang="en-US" dirty="0"/>
-            </a:br>
-            <a:endParaRPr lang="en-US" sz="1800" dirty="0"/>
-          </a:p>
-        </p:txBody>
-      </p:sp>
-    </p:spTree>
-    <p:extLst>
-      <p:ext uri="{BB962C8B-B14F-4D97-AF65-F5344CB8AC3E}">
-        <p14:creationId xmlns:p14="http://schemas.microsoft.com/office/powerpoint/2010/main" val="3276578476"/>
-      </p:ext>
-    </p:extLst>
-  </p:cSld>
-  <p:clrMapOvr>
-    <a:masterClrMapping/>
-  </p:clrMapOvr>
-  <p:transition>
-    <p:fade thruBlk="1"/>
-  </p:transition>
-</p:sld>
-</file>
-
-<file path=ppt/slides/slide19.xml><?xml version="1.0" encoding="utf-8"?>
-<p:sld xmlns:a="http://schemas.openxmlformats.org/drawingml/2006/main" xmlns:r="http://schemas.openxmlformats.org/officeDocument/2006/relationships" xmlns:p="http://schemas.openxmlformats.org/presentationml/2006/main">
-  <p:cSld>
-    <p:spTree>
-      <p:nvGrpSpPr>
-        <p:cNvPr id="1" name=""/>
-        <p:cNvGrpSpPr/>
-        <p:nvPr/>
-      </p:nvGrpSpPr>
-      <p:grpSpPr>
-        <a:xfrm>
-          <a:off x="0" y="0"/>
-          <a:ext cx="0" cy="0"/>
-          <a:chOff x="0" y="0"/>
-          <a:chExt cx="0" cy="0"/>
-        </a:xfrm>
-      </p:grpSpPr>
-      <p:sp>
-        <p:nvSpPr>
-          <p:cNvPr id="2" name="Title 1"/>
-          <p:cNvSpPr>
-            <a:spLocks noGrp="1"/>
-          </p:cNvSpPr>
-          <p:nvPr>
-            <p:ph type="title"/>
-          </p:nvPr>
-        </p:nvSpPr>
-        <p:spPr/>
-        <p:txBody>
-          <a:bodyPr/>
-          <a:lstStyle/>
-          <a:p>
-            <a:r>
-              <a:rPr lang="en-US" dirty="0"/>
-              <a:t>Motivational Example</a:t>
-            </a:r>
-          </a:p>
-        </p:txBody>
-      </p:sp>
-      <p:sp>
-        <p:nvSpPr>
-          <p:cNvPr id="3" name="Content Placeholder 2"/>
-          <p:cNvSpPr>
-            <a:spLocks noGrp="1"/>
-          </p:cNvSpPr>
-          <p:nvPr>
-            <p:ph idx="1"/>
-          </p:nvPr>
-        </p:nvSpPr>
-        <p:spPr>
-          <a:xfrm>
-            <a:off x="457200" y="1600200"/>
-            <a:ext cx="8229600" cy="4781128"/>
-          </a:xfrm>
-        </p:spPr>
-        <p:txBody>
-          <a:bodyPr/>
-          <a:lstStyle/>
-          <a:p>
-            <a:r>
-              <a:rPr lang="en-US" dirty="0"/>
-              <a:t>Application that recognizes if an image contains a pet</a:t>
-            </a:r>
-          </a:p>
-          <a:p>
-            <a:endParaRPr lang="en-US" dirty="0"/>
-          </a:p>
-          <a:p>
-            <a:pPr lvl="8"/>
-            <a:endParaRPr lang="en-US" dirty="0"/>
-          </a:p>
-          <a:p>
-            <a:pPr marL="0" indent="0">
-              <a:buNone/>
-            </a:pPr>
-            <a:endParaRPr lang="en-US" dirty="0"/>
-          </a:p>
-          <a:p>
-            <a:endParaRPr lang="en-US" dirty="0"/>
-          </a:p>
-        </p:txBody>
-      </p:sp>
-      <p:pic>
-        <p:nvPicPr>
-          <p:cNvPr id="6" name="Picture 5"/>
-          <p:cNvPicPr>
-            <a:picLocks noChangeAspect="1"/>
-          </p:cNvPicPr>
-          <p:nvPr/>
-        </p:nvPicPr>
-        <p:blipFill>
-          <a:blip r:embed="rId3" cstate="print">
-            <a:extLst>
-              <a:ext uri="{28A0092B-C50C-407E-A947-70E740481C1C}">
-                <a14:useLocalDpi xmlns:a14="http://schemas.microsoft.com/office/drawing/2010/main" val="0"/>
-              </a:ext>
-            </a:extLst>
-          </a:blip>
-          <a:stretch>
-            <a:fillRect/>
-          </a:stretch>
-        </p:blipFill>
-        <p:spPr>
-          <a:xfrm>
-            <a:off x="755576" y="2211387"/>
-            <a:ext cx="3228604" cy="4149080"/>
-          </a:xfrm>
-          <a:prstGeom prst="rect">
-            <a:avLst/>
-          </a:prstGeom>
-        </p:spPr>
-      </p:pic>
-    </p:spTree>
-    <p:extLst>
-      <p:ext uri="{BB962C8B-B14F-4D97-AF65-F5344CB8AC3E}">
-        <p14:creationId xmlns:p14="http://schemas.microsoft.com/office/powerpoint/2010/main" val="2178924616"/>
-      </p:ext>
-    </p:extLst>
-  </p:cSld>
-  <p:clrMapOvr>
-    <a:masterClrMapping/>
-  </p:clrMapOvr>
-  <p:transition>
-    <p:fade thruBlk="1"/>
-  </p:transition>
-</p:sld>
-</file>
-
 <file path=ppt/slides/slide2.xml><?xml version="1.0" encoding="utf-8"?>
 <p:sld xmlns:a="http://schemas.openxmlformats.org/drawingml/2006/main" xmlns:r="http://schemas.openxmlformats.org/officeDocument/2006/relationships" xmlns:p="http://schemas.openxmlformats.org/presentationml/2006/main">
   <p:cSld>
@@ -13570,6 +15114,395 @@
           <a:p>
             <a:r>
               <a:rPr lang="en-US" dirty="0"/>
+              <a:t>Alternative solutions</a:t>
+            </a:r>
+          </a:p>
+        </p:txBody>
+      </p:sp>
+      <p:sp>
+        <p:nvSpPr>
+          <p:cNvPr id="3" name="Content Placeholder 2"/>
+          <p:cNvSpPr>
+            <a:spLocks noGrp="1"/>
+          </p:cNvSpPr>
+          <p:nvPr>
+            <p:ph idx="1"/>
+          </p:nvPr>
+        </p:nvSpPr>
+        <p:spPr>
+          <a:xfrm>
+            <a:off x="457200" y="1600200"/>
+            <a:ext cx="8229600" cy="4781128"/>
+          </a:xfrm>
+        </p:spPr>
+        <p:txBody>
+          <a:bodyPr/>
+          <a:lstStyle/>
+          <a:p>
+            <a:r>
+              <a:rPr lang="en-US" dirty="0"/>
+              <a:t>Naïve Bayes is a linear classifier and therefore will give poor results for </a:t>
+            </a:r>
+            <a:r>
+              <a:rPr lang="en-US" i="1" dirty="0"/>
+              <a:t>non-linearly separable </a:t>
+            </a:r>
+            <a:r>
+              <a:rPr lang="en-US" dirty="0"/>
+              <a:t>problems</a:t>
+            </a:r>
+          </a:p>
+          <a:p>
+            <a:pPr lvl="1">
+              <a:buFont typeface="Arial" panose="020B0604020202020204" pitchFamily="34" charset="0"/>
+              <a:buChar char="•"/>
+            </a:pPr>
+            <a:r>
+              <a:rPr lang="en-US" dirty="0"/>
+              <a:t>stay tuned for </a:t>
+            </a:r>
+            <a:r>
+              <a:rPr lang="en-US" b="1" dirty="0"/>
+              <a:t>linearly separable </a:t>
+            </a:r>
+            <a:r>
+              <a:rPr lang="en-US" dirty="0"/>
+              <a:t>problems</a:t>
+            </a:r>
+          </a:p>
+          <a:p>
+            <a:pPr lvl="1">
+              <a:buFont typeface="Arial" panose="020B0604020202020204" pitchFamily="34" charset="0"/>
+              <a:buChar char="•"/>
+            </a:pPr>
+            <a:r>
+              <a:rPr lang="en-US" dirty="0"/>
+              <a:t>text classification is largely linearly separable problem, although we cannot prove this</a:t>
+            </a:r>
+          </a:p>
+          <a:p>
+            <a:pPr>
+              <a:buFont typeface="Arial" panose="020B0604020202020204" pitchFamily="34" charset="0"/>
+              <a:buChar char="•"/>
+            </a:pPr>
+            <a:r>
+              <a:rPr lang="en-US" dirty="0"/>
+              <a:t>Fast and easy to implement, gives really good results</a:t>
+            </a:r>
+          </a:p>
+          <a:p>
+            <a:pPr>
+              <a:buFont typeface="Arial" panose="020B0604020202020204" pitchFamily="34" charset="0"/>
+              <a:buChar char="•"/>
+            </a:pPr>
+            <a:r>
+              <a:rPr lang="en-US" b="1" dirty="0"/>
+              <a:t>Generative</a:t>
+            </a:r>
+            <a:r>
+              <a:rPr lang="en-US" dirty="0"/>
+              <a:t> model </a:t>
+            </a:r>
+          </a:p>
+          <a:p>
+            <a:pPr>
+              <a:buFont typeface="Arial" panose="020B0604020202020204" pitchFamily="34" charset="0"/>
+              <a:buChar char="•"/>
+            </a:pPr>
+            <a:r>
+              <a:rPr lang="en-US" dirty="0"/>
+              <a:t>For non-linearly separable problems consider Random forest, KNN,</a:t>
+            </a:r>
+            <a:r>
+              <a:rPr lang="en-US" b="1" dirty="0"/>
+              <a:t> </a:t>
+            </a:r>
+            <a:r>
+              <a:rPr lang="en-US" dirty="0"/>
+              <a:t>SVM and </a:t>
+            </a:r>
+            <a:r>
+              <a:rPr lang="en-US" b="1" dirty="0"/>
+              <a:t>Neural networks</a:t>
+            </a:r>
+            <a:endParaRPr lang="en-US" dirty="0"/>
+          </a:p>
+          <a:p>
+            <a:pPr lvl="1"/>
+            <a:r>
+              <a:rPr lang="en-US" dirty="0"/>
+              <a:t>by the order of headache these will give you </a:t>
+            </a:r>
+            <a:r>
+              <a:rPr lang="en-US" dirty="0">
+                <a:sym typeface="Wingdings" panose="05000000000000000000" pitchFamily="2" charset="2"/>
+              </a:rPr>
+              <a:t></a:t>
+            </a:r>
+            <a:endParaRPr lang="en-US" dirty="0"/>
+          </a:p>
+          <a:p>
+            <a:endParaRPr lang="en-US" dirty="0"/>
+          </a:p>
+          <a:p>
+            <a:endParaRPr lang="en-US" dirty="0"/>
+          </a:p>
+        </p:txBody>
+      </p:sp>
+    </p:spTree>
+    <p:extLst>
+      <p:ext uri="{BB962C8B-B14F-4D97-AF65-F5344CB8AC3E}">
+        <p14:creationId xmlns:p14="http://schemas.microsoft.com/office/powerpoint/2010/main" val="2872328556"/>
+      </p:ext>
+    </p:extLst>
+  </p:cSld>
+  <p:clrMapOvr>
+    <a:masterClrMapping/>
+  </p:clrMapOvr>
+  <p:transition>
+    <p:fade thruBlk="1"/>
+  </p:transition>
+</p:sld>
+</file>
+
+<file path=ppt/slides/slide21.xml><?xml version="1.0" encoding="utf-8"?>
+<p:sld xmlns:a="http://schemas.openxmlformats.org/drawingml/2006/main" xmlns:r="http://schemas.openxmlformats.org/officeDocument/2006/relationships" xmlns:p="http://schemas.openxmlformats.org/presentationml/2006/main">
+  <p:cSld>
+    <p:spTree>
+      <p:nvGrpSpPr>
+        <p:cNvPr id="1" name=""/>
+        <p:cNvGrpSpPr/>
+        <p:nvPr/>
+      </p:nvGrpSpPr>
+      <p:grpSpPr>
+        <a:xfrm>
+          <a:off x="0" y="0"/>
+          <a:ext cx="0" cy="0"/>
+          <a:chOff x="0" y="0"/>
+          <a:chExt cx="0" cy="0"/>
+        </a:xfrm>
+      </p:grpSpPr>
+      <p:sp>
+        <p:nvSpPr>
+          <p:cNvPr id="5" name="Title 4"/>
+          <p:cNvSpPr>
+            <a:spLocks noGrp="1"/>
+          </p:cNvSpPr>
+          <p:nvPr>
+            <p:ph type="title"/>
+          </p:nvPr>
+        </p:nvSpPr>
+        <p:spPr>
+          <a:xfrm>
+            <a:off x="539552" y="2348880"/>
+            <a:ext cx="8229600" cy="3096344"/>
+          </a:xfrm>
+        </p:spPr>
+        <p:txBody>
+          <a:bodyPr/>
+          <a:lstStyle/>
+          <a:p>
+            <a:r>
+              <a:rPr lang="en-US" dirty="0"/>
+              <a:t>Introduction to neural networks</a:t>
+            </a:r>
+            <a:br>
+              <a:rPr lang="en-US" dirty="0"/>
+            </a:br>
+            <a:br>
+              <a:rPr lang="en-US" dirty="0"/>
+            </a:br>
+            <a:br>
+              <a:rPr lang="en-US" dirty="0"/>
+            </a:br>
+            <a:br>
+              <a:rPr lang="en-US" dirty="0"/>
+            </a:br>
+            <a:br>
+              <a:rPr lang="en-US" dirty="0"/>
+            </a:br>
+            <a:endParaRPr lang="en-US" sz="1800" dirty="0"/>
+          </a:p>
+        </p:txBody>
+      </p:sp>
+    </p:spTree>
+    <p:extLst>
+      <p:ext uri="{BB962C8B-B14F-4D97-AF65-F5344CB8AC3E}">
+        <p14:creationId xmlns:p14="http://schemas.microsoft.com/office/powerpoint/2010/main" val="3276578476"/>
+      </p:ext>
+    </p:extLst>
+  </p:cSld>
+  <p:clrMapOvr>
+    <a:masterClrMapping/>
+  </p:clrMapOvr>
+  <p:transition>
+    <p:fade thruBlk="1"/>
+  </p:transition>
+</p:sld>
+</file>
+
+<file path=ppt/slides/slide22.xml><?xml version="1.0" encoding="utf-8"?>
+<p:sld xmlns:a="http://schemas.openxmlformats.org/drawingml/2006/main" xmlns:r="http://schemas.openxmlformats.org/officeDocument/2006/relationships" xmlns:p="http://schemas.openxmlformats.org/presentationml/2006/main">
+  <p:cSld>
+    <p:spTree>
+      <p:nvGrpSpPr>
+        <p:cNvPr id="1" name=""/>
+        <p:cNvGrpSpPr/>
+        <p:nvPr/>
+      </p:nvGrpSpPr>
+      <p:grpSpPr>
+        <a:xfrm>
+          <a:off x="0" y="0"/>
+          <a:ext cx="0" cy="0"/>
+          <a:chOff x="0" y="0"/>
+          <a:chExt cx="0" cy="0"/>
+        </a:xfrm>
+      </p:grpSpPr>
+      <p:sp>
+        <p:nvSpPr>
+          <p:cNvPr id="2" name="Title 1"/>
+          <p:cNvSpPr>
+            <a:spLocks noGrp="1"/>
+          </p:cNvSpPr>
+          <p:nvPr>
+            <p:ph type="title"/>
+          </p:nvPr>
+        </p:nvSpPr>
+        <p:spPr/>
+        <p:txBody>
+          <a:bodyPr/>
+          <a:lstStyle/>
+          <a:p>
+            <a:r>
+              <a:rPr lang="en-US" dirty="0"/>
+              <a:t>Motivational Example</a:t>
+            </a:r>
+          </a:p>
+        </p:txBody>
+      </p:sp>
+      <p:sp>
+        <p:nvSpPr>
+          <p:cNvPr id="3" name="Content Placeholder 2"/>
+          <p:cNvSpPr>
+            <a:spLocks noGrp="1"/>
+          </p:cNvSpPr>
+          <p:nvPr>
+            <p:ph idx="1"/>
+          </p:nvPr>
+        </p:nvSpPr>
+        <p:spPr>
+          <a:xfrm>
+            <a:off x="457200" y="1600200"/>
+            <a:ext cx="8229600" cy="4781128"/>
+          </a:xfrm>
+        </p:spPr>
+        <p:txBody>
+          <a:bodyPr/>
+          <a:lstStyle/>
+          <a:p>
+            <a:r>
+              <a:rPr lang="en-US" dirty="0"/>
+              <a:t>Application that recognizes if an image contains a pet</a:t>
+            </a:r>
+          </a:p>
+          <a:p>
+            <a:endParaRPr lang="en-US" dirty="0"/>
+          </a:p>
+          <a:p>
+            <a:pPr lvl="8"/>
+            <a:endParaRPr lang="en-US" dirty="0"/>
+          </a:p>
+          <a:p>
+            <a:pPr marL="0" indent="0">
+              <a:buNone/>
+            </a:pPr>
+            <a:endParaRPr lang="en-US" dirty="0"/>
+          </a:p>
+          <a:p>
+            <a:endParaRPr lang="en-US" dirty="0"/>
+          </a:p>
+        </p:txBody>
+      </p:sp>
+      <p:pic>
+        <p:nvPicPr>
+          <p:cNvPr id="6" name="Picture 5"/>
+          <p:cNvPicPr>
+            <a:picLocks noChangeAspect="1"/>
+          </p:cNvPicPr>
+          <p:nvPr/>
+        </p:nvPicPr>
+        <p:blipFill>
+          <a:blip r:embed="rId3" cstate="print">
+            <a:extLst>
+              <a:ext uri="{28A0092B-C50C-407E-A947-70E740481C1C}">
+                <a14:useLocalDpi xmlns:a14="http://schemas.microsoft.com/office/drawing/2010/main" val="0"/>
+              </a:ext>
+            </a:extLst>
+          </a:blip>
+          <a:stretch>
+            <a:fillRect/>
+          </a:stretch>
+        </p:blipFill>
+        <p:spPr>
+          <a:xfrm>
+            <a:off x="755576" y="2211387"/>
+            <a:ext cx="3228604" cy="4149080"/>
+          </a:xfrm>
+          <a:prstGeom prst="rect">
+            <a:avLst/>
+          </a:prstGeom>
+        </p:spPr>
+      </p:pic>
+    </p:spTree>
+    <p:extLst>
+      <p:ext uri="{BB962C8B-B14F-4D97-AF65-F5344CB8AC3E}">
+        <p14:creationId xmlns:p14="http://schemas.microsoft.com/office/powerpoint/2010/main" val="2178924616"/>
+      </p:ext>
+    </p:extLst>
+  </p:cSld>
+  <p:clrMapOvr>
+    <a:masterClrMapping/>
+  </p:clrMapOvr>
+  <p:transition>
+    <p:fade thruBlk="1"/>
+  </p:transition>
+</p:sld>
+</file>
+
+<file path=ppt/slides/slide23.xml><?xml version="1.0" encoding="utf-8"?>
+<p:sld xmlns:a="http://schemas.openxmlformats.org/drawingml/2006/main" xmlns:r="http://schemas.openxmlformats.org/officeDocument/2006/relationships" xmlns:p="http://schemas.openxmlformats.org/presentationml/2006/main">
+  <p:cSld>
+    <p:spTree>
+      <p:nvGrpSpPr>
+        <p:cNvPr id="1" name=""/>
+        <p:cNvGrpSpPr/>
+        <p:nvPr/>
+      </p:nvGrpSpPr>
+      <p:grpSpPr>
+        <a:xfrm>
+          <a:off x="0" y="0"/>
+          <a:ext cx="0" cy="0"/>
+          <a:chOff x="0" y="0"/>
+          <a:chExt cx="0" cy="0"/>
+        </a:xfrm>
+      </p:grpSpPr>
+      <p:sp>
+        <p:nvSpPr>
+          <p:cNvPr id="2" name="Title 1"/>
+          <p:cNvSpPr>
+            <a:spLocks noGrp="1"/>
+          </p:cNvSpPr>
+          <p:nvPr>
+            <p:ph type="title"/>
+          </p:nvPr>
+        </p:nvSpPr>
+        <p:spPr/>
+        <p:txBody>
+          <a:bodyPr/>
+          <a:lstStyle/>
+          <a:p>
+            <a:r>
+              <a:rPr lang="en-US" dirty="0"/>
               <a:t>Motivational example</a:t>
             </a:r>
           </a:p>
@@ -13660,7 +15593,7 @@
 </p:sld>
 </file>
 
-<file path=ppt/slides/slide21.xml><?xml version="1.0" encoding="utf-8"?>
+<file path=ppt/slides/slide24.xml><?xml version="1.0" encoding="utf-8"?>
 <p:sld xmlns:a="http://schemas.openxmlformats.org/drawingml/2006/main" xmlns:r="http://schemas.openxmlformats.org/officeDocument/2006/relationships" xmlns:p="http://schemas.openxmlformats.org/presentationml/2006/main">
   <p:cSld>
     <p:spTree>
@@ -14045,7 +15978,7 @@
 </p:sld>
 </file>
 
-<file path=ppt/slides/slide22.xml><?xml version="1.0" encoding="utf-8"?>
+<file path=ppt/slides/slide25.xml><?xml version="1.0" encoding="utf-8"?>
 <p:sld xmlns:a="http://schemas.openxmlformats.org/drawingml/2006/main" xmlns:r="http://schemas.openxmlformats.org/officeDocument/2006/relationships" xmlns:p="http://schemas.openxmlformats.org/presentationml/2006/main">
   <p:cSld>
     <p:spTree>
@@ -14129,7 +16062,7 @@
 </p:sld>
 </file>
 
-<file path=ppt/slides/slide23.xml><?xml version="1.0" encoding="utf-8"?>
+<file path=ppt/slides/slide26.xml><?xml version="1.0" encoding="utf-8"?>
 <p:sld xmlns:a="http://schemas.openxmlformats.org/drawingml/2006/main" xmlns:r="http://schemas.openxmlformats.org/officeDocument/2006/relationships" xmlns:p="http://schemas.openxmlformats.org/presentationml/2006/main">
   <p:cSld>
     <p:spTree>
@@ -14315,7 +16248,7 @@
 </p:sld>
 </file>
 
-<file path=ppt/slides/slide24.xml><?xml version="1.0" encoding="utf-8"?>
+<file path=ppt/slides/slide27.xml><?xml version="1.0" encoding="utf-8"?>
 <p:sld xmlns:a="http://schemas.openxmlformats.org/drawingml/2006/main" xmlns:r="http://schemas.openxmlformats.org/officeDocument/2006/relationships" xmlns:p="http://schemas.openxmlformats.org/presentationml/2006/main">
   <p:cSld>
     <p:spTree>
@@ -14662,7 +16595,7 @@
 </p:sld>
 </file>
 
-<file path=ppt/slides/slide25.xml><?xml version="1.0" encoding="utf-8"?>
+<file path=ppt/slides/slide28.xml><?xml version="1.0" encoding="utf-8"?>
 <p:sld xmlns:a="http://schemas.openxmlformats.org/drawingml/2006/main" xmlns:r="http://schemas.openxmlformats.org/officeDocument/2006/relationships" xmlns:p="http://schemas.openxmlformats.org/presentationml/2006/main">
   <p:cSld>
     <p:spTree>
@@ -14868,7 +16801,7 @@
 </p:sld>
 </file>
 
-<file path=ppt/slides/slide26.xml><?xml version="1.0" encoding="utf-8"?>
+<file path=ppt/slides/slide29.xml><?xml version="1.0" encoding="utf-8"?>
 <p:sld xmlns:a="http://schemas.openxmlformats.org/drawingml/2006/main" xmlns:r="http://schemas.openxmlformats.org/officeDocument/2006/relationships" xmlns:p="http://schemas.openxmlformats.org/presentationml/2006/main">
   <p:cSld>
     <p:spTree>
@@ -15228,7 +17161,7 @@
 </p:sld>
 </file>
 
-<file path=ppt/slides/slide27.xml><?xml version="1.0" encoding="utf-8"?>
+<file path=ppt/slides/slide3.xml><?xml version="1.0" encoding="utf-8"?>
 <p:sld xmlns:a="http://schemas.openxmlformats.org/drawingml/2006/main" xmlns:r="http://schemas.openxmlformats.org/officeDocument/2006/relationships" xmlns:p="http://schemas.openxmlformats.org/presentationml/2006/main">
   <p:cSld>
     <p:spTree>
@@ -15262,7 +17195,7 @@
           <a:p>
             <a:r>
               <a:rPr lang="en-US" dirty="0"/>
-              <a:t>Learning – adjusting weights </a:t>
+              <a:t>Agenda – part one</a:t>
             </a:r>
           </a:p>
         </p:txBody>
@@ -15287,6 +17220,121 @@
           <a:bodyPr/>
           <a:lstStyle/>
           <a:p>
+            <a:r>
+              <a:rPr lang="en-US" dirty="0"/>
+              <a:t>Quick start example</a:t>
+            </a:r>
+          </a:p>
+          <a:p>
+            <a:r>
+              <a:rPr lang="en-US" dirty="0"/>
+              <a:t>Bayes theorem</a:t>
+            </a:r>
+          </a:p>
+          <a:p>
+            <a:r>
+              <a:rPr lang="en-US" dirty="0"/>
+              <a:t>Naive Bayes classifier</a:t>
+            </a:r>
+          </a:p>
+          <a:p>
+            <a:r>
+              <a:rPr lang="en-US" dirty="0"/>
+              <a:t>Text classification</a:t>
+            </a:r>
+          </a:p>
+          <a:p>
+            <a:r>
+              <a:rPr lang="en-US" dirty="0"/>
+              <a:t>Case study SMS spam filter</a:t>
+            </a:r>
+          </a:p>
+          <a:p>
+            <a:r>
+              <a:rPr lang="en-US" dirty="0"/>
+              <a:t>Alternative solutions</a:t>
+            </a:r>
+          </a:p>
+          <a:p>
+            <a:endParaRPr lang="en-US" dirty="0"/>
+          </a:p>
+        </p:txBody>
+      </p:sp>
+    </p:spTree>
+    <p:extLst>
+      <p:ext uri="{BB962C8B-B14F-4D97-AF65-F5344CB8AC3E}">
+        <p14:creationId xmlns:p14="http://schemas.microsoft.com/office/powerpoint/2010/main" val="2577401352"/>
+      </p:ext>
+    </p:extLst>
+  </p:cSld>
+  <p:clrMapOvr>
+    <a:masterClrMapping/>
+  </p:clrMapOvr>
+  <p:transition>
+    <p:fade thruBlk="1"/>
+  </p:transition>
+</p:sld>
+</file>
+
+<file path=ppt/slides/slide30.xml><?xml version="1.0" encoding="utf-8"?>
+<p:sld xmlns:a="http://schemas.openxmlformats.org/drawingml/2006/main" xmlns:r="http://schemas.openxmlformats.org/officeDocument/2006/relationships" xmlns:p="http://schemas.openxmlformats.org/presentationml/2006/main">
+  <p:cSld>
+    <p:spTree>
+      <p:nvGrpSpPr>
+        <p:cNvPr id="1" name=""/>
+        <p:cNvGrpSpPr/>
+        <p:nvPr/>
+      </p:nvGrpSpPr>
+      <p:grpSpPr>
+        <a:xfrm>
+          <a:off x="0" y="0"/>
+          <a:ext cx="0" cy="0"/>
+          <a:chOff x="0" y="0"/>
+          <a:chExt cx="0" cy="0"/>
+        </a:xfrm>
+      </p:grpSpPr>
+      <p:sp>
+        <p:nvSpPr>
+          <p:cNvPr id="2" name="Title 1"/>
+          <p:cNvSpPr>
+            <a:spLocks noGrp="1"/>
+          </p:cNvSpPr>
+          <p:nvPr>
+            <p:ph type="title"/>
+          </p:nvPr>
+        </p:nvSpPr>
+        <p:spPr/>
+        <p:txBody>
+          <a:bodyPr/>
+          <a:lstStyle/>
+          <a:p>
+            <a:r>
+              <a:rPr lang="en-US" dirty="0"/>
+              <a:t>Learning – adjusting weights </a:t>
+            </a:r>
+          </a:p>
+        </p:txBody>
+      </p:sp>
+      <p:sp>
+        <p:nvSpPr>
+          <p:cNvPr id="3" name="Content Placeholder 2"/>
+          <p:cNvSpPr>
+            <a:spLocks noGrp="1"/>
+          </p:cNvSpPr>
+          <p:nvPr>
+            <p:ph idx="1"/>
+          </p:nvPr>
+        </p:nvSpPr>
+        <p:spPr>
+          <a:xfrm>
+            <a:off x="457200" y="1600200"/>
+            <a:ext cx="8229600" cy="4781128"/>
+          </a:xfrm>
+        </p:spPr>
+        <p:txBody>
+          <a:bodyPr/>
+          <a:lstStyle/>
+          <a:p>
             <a:pPr>
               <a:buFont typeface="Arial" panose="020B0604020202020204" pitchFamily="34" charset="0"/>
               <a:buChar char="•"/>
@@ -15485,7 +17533,7 @@
 </p:sld>
 </file>
 
-<file path=ppt/slides/slide28.xml><?xml version="1.0" encoding="utf-8"?>
+<file path=ppt/slides/slide31.xml><?xml version="1.0" encoding="utf-8"?>
 <p:sld xmlns:a="http://schemas.openxmlformats.org/drawingml/2006/main" xmlns:r="http://schemas.openxmlformats.org/officeDocument/2006/relationships" xmlns:p="http://schemas.openxmlformats.org/presentationml/2006/main">
   <p:cSld>
     <p:spTree>
@@ -15691,7 +17739,7 @@
 </p:sld>
 </file>
 
-<file path=ppt/slides/slide29.xml><?xml version="1.0" encoding="utf-8"?>
+<file path=ppt/slides/slide32.xml><?xml version="1.0" encoding="utf-8"?>
 <p:sld xmlns:a="http://schemas.openxmlformats.org/drawingml/2006/main" xmlns:r="http://schemas.openxmlformats.org/officeDocument/2006/relationships" xmlns:p="http://schemas.openxmlformats.org/presentationml/2006/main">
   <p:cSld>
     <p:spTree>
@@ -15863,122 +17911,7 @@
 </p:sld>
 </file>
 
-<file path=ppt/slides/slide3.xml><?xml version="1.0" encoding="utf-8"?>
-<p:sld xmlns:a="http://schemas.openxmlformats.org/drawingml/2006/main" xmlns:r="http://schemas.openxmlformats.org/officeDocument/2006/relationships" xmlns:p="http://schemas.openxmlformats.org/presentationml/2006/main">
-  <p:cSld>
-    <p:spTree>
-      <p:nvGrpSpPr>
-        <p:cNvPr id="1" name=""/>
-        <p:cNvGrpSpPr/>
-        <p:nvPr/>
-      </p:nvGrpSpPr>
-      <p:grpSpPr>
-        <a:xfrm>
-          <a:off x="0" y="0"/>
-          <a:ext cx="0" cy="0"/>
-          <a:chOff x="0" y="0"/>
-          <a:chExt cx="0" cy="0"/>
-        </a:xfrm>
-      </p:grpSpPr>
-      <p:sp>
-        <p:nvSpPr>
-          <p:cNvPr id="2" name="Title 1"/>
-          <p:cNvSpPr>
-            <a:spLocks noGrp="1"/>
-          </p:cNvSpPr>
-          <p:nvPr>
-            <p:ph type="title"/>
-          </p:nvPr>
-        </p:nvSpPr>
-        <p:spPr/>
-        <p:txBody>
-          <a:bodyPr/>
-          <a:lstStyle/>
-          <a:p>
-            <a:r>
-              <a:rPr lang="en-US" dirty="0"/>
-              <a:t>Agenda – part one</a:t>
-            </a:r>
-          </a:p>
-        </p:txBody>
-      </p:sp>
-      <p:sp>
-        <p:nvSpPr>
-          <p:cNvPr id="3" name="Content Placeholder 2"/>
-          <p:cNvSpPr>
-            <a:spLocks noGrp="1"/>
-          </p:cNvSpPr>
-          <p:nvPr>
-            <p:ph idx="1"/>
-          </p:nvPr>
-        </p:nvSpPr>
-        <p:spPr>
-          <a:xfrm>
-            <a:off x="457200" y="1600200"/>
-            <a:ext cx="8229600" cy="4781128"/>
-          </a:xfrm>
-        </p:spPr>
-        <p:txBody>
-          <a:bodyPr/>
-          <a:lstStyle/>
-          <a:p>
-            <a:r>
-              <a:rPr lang="en-US" dirty="0"/>
-              <a:t>Quick start example</a:t>
-            </a:r>
-          </a:p>
-          <a:p>
-            <a:r>
-              <a:rPr lang="en-US" dirty="0"/>
-              <a:t>Bayes theorem</a:t>
-            </a:r>
-          </a:p>
-          <a:p>
-            <a:r>
-              <a:rPr lang="en-US" dirty="0"/>
-              <a:t>Naive Bayes classifier</a:t>
-            </a:r>
-          </a:p>
-          <a:p>
-            <a:r>
-              <a:rPr lang="en-US" dirty="0"/>
-              <a:t>Text classification</a:t>
-            </a:r>
-          </a:p>
-          <a:p>
-            <a:r>
-              <a:rPr lang="en-US" dirty="0"/>
-              <a:t>Case study SMS spam filter</a:t>
-            </a:r>
-          </a:p>
-          <a:p>
-            <a:r>
-              <a:rPr lang="en-US" dirty="0"/>
-              <a:t>Alternative solutions</a:t>
-            </a:r>
-          </a:p>
-          <a:p>
-            <a:endParaRPr lang="en-US" dirty="0"/>
-          </a:p>
-        </p:txBody>
-      </p:sp>
-    </p:spTree>
-    <p:extLst>
-      <p:ext uri="{BB962C8B-B14F-4D97-AF65-F5344CB8AC3E}">
-        <p14:creationId xmlns:p14="http://schemas.microsoft.com/office/powerpoint/2010/main" val="2577401352"/>
-      </p:ext>
-    </p:extLst>
-  </p:cSld>
-  <p:clrMapOvr>
-    <a:masterClrMapping/>
-  </p:clrMapOvr>
-  <p:transition>
-    <p:fade thruBlk="1"/>
-  </p:transition>
-</p:sld>
-</file>
-
-<file path=ppt/slides/slide30.xml><?xml version="1.0" encoding="utf-8"?>
+<file path=ppt/slides/slide33.xml><?xml version="1.0" encoding="utf-8"?>
 <p:sld xmlns:a="http://schemas.openxmlformats.org/drawingml/2006/main" xmlns:r="http://schemas.openxmlformats.org/officeDocument/2006/relationships" xmlns:p="http://schemas.openxmlformats.org/presentationml/2006/main">
   <p:cSld>
     <p:spTree>
@@ -16759,7 +18692,7 @@
 </p:sld>
 </file>
 
-<file path=ppt/slides/slide31.xml><?xml version="1.0" encoding="utf-8"?>
+<file path=ppt/slides/slide34.xml><?xml version="1.0" encoding="utf-8"?>
 <p:sld xmlns:a="http://schemas.openxmlformats.org/drawingml/2006/main" xmlns:r="http://schemas.openxmlformats.org/officeDocument/2006/relationships" xmlns:p="http://schemas.openxmlformats.org/presentationml/2006/main">
   <p:cSld>
     <p:spTree>
@@ -17149,7 +19082,7 @@
 </p:sld>
 </file>
 
-<file path=ppt/slides/slide32.xml><?xml version="1.0" encoding="utf-8"?>
+<file path=ppt/slides/slide35.xml><?xml version="1.0" encoding="utf-8"?>
 <p:sld xmlns:a="http://schemas.openxmlformats.org/drawingml/2006/main" xmlns:r="http://schemas.openxmlformats.org/officeDocument/2006/relationships" xmlns:p="http://schemas.openxmlformats.org/presentationml/2006/main">
   <p:cSld>
     <p:spTree>
@@ -17833,7 +19766,7 @@
 </p:sld>
 </file>
 
-<file path=ppt/slides/slide33.xml><?xml version="1.0" encoding="utf-8"?>
+<file path=ppt/slides/slide36.xml><?xml version="1.0" encoding="utf-8"?>
 <p:sld xmlns:a="http://schemas.openxmlformats.org/drawingml/2006/main" xmlns:r="http://schemas.openxmlformats.org/officeDocument/2006/relationships" xmlns:p="http://schemas.openxmlformats.org/presentationml/2006/main">
   <p:cSld>
     <p:spTree>
@@ -18528,7 +20461,7 @@
 </p:sld>
 </file>
 
-<file path=ppt/slides/slide34.xml><?xml version="1.0" encoding="utf-8"?>
+<file path=ppt/slides/slide37.xml><?xml version="1.0" encoding="utf-8"?>
 <p:sld xmlns:a="http://schemas.openxmlformats.org/drawingml/2006/main" xmlns:r="http://schemas.openxmlformats.org/officeDocument/2006/relationships" xmlns:p="http://schemas.openxmlformats.org/presentationml/2006/main">
   <p:cSld>
     <p:spTree>
@@ -18868,7 +20801,7 @@
 </p:sld>
 </file>
 
-<file path=ppt/slides/slide35.xml><?xml version="1.0" encoding="utf-8"?>
+<file path=ppt/slides/slide38.xml><?xml version="1.0" encoding="utf-8"?>
 <p:sld xmlns:a="http://schemas.openxmlformats.org/drawingml/2006/main" xmlns:r="http://schemas.openxmlformats.org/officeDocument/2006/relationships" xmlns:p="http://schemas.openxmlformats.org/presentationml/2006/main">
   <p:cSld>
     <p:spTree>
@@ -19102,7 +21035,7 @@
 </p:sld>
 </file>
 
-<file path=ppt/slides/slide36.xml><?xml version="1.0" encoding="utf-8"?>
+<file path=ppt/slides/slide39.xml><?xml version="1.0" encoding="utf-8"?>
 <p:sld xmlns:a="http://schemas.openxmlformats.org/drawingml/2006/main" xmlns:r="http://schemas.openxmlformats.org/officeDocument/2006/relationships" xmlns:p="http://schemas.openxmlformats.org/presentationml/2006/main">
   <p:cSld>
     <p:spTree>
@@ -19687,7 +21620,146 @@
 </p:sld>
 </file>
 
-<file path=ppt/slides/slide37.xml><?xml version="1.0" encoding="utf-8"?>
+<file path=ppt/slides/slide4.xml><?xml version="1.0" encoding="utf-8"?>
+<p:sld xmlns:a="http://schemas.openxmlformats.org/drawingml/2006/main" xmlns:r="http://schemas.openxmlformats.org/officeDocument/2006/relationships" xmlns:p="http://schemas.openxmlformats.org/presentationml/2006/main">
+  <p:cSld>
+    <p:spTree>
+      <p:nvGrpSpPr>
+        <p:cNvPr id="1" name=""/>
+        <p:cNvGrpSpPr/>
+        <p:nvPr/>
+      </p:nvGrpSpPr>
+      <p:grpSpPr>
+        <a:xfrm>
+          <a:off x="0" y="0"/>
+          <a:ext cx="0" cy="0"/>
+          <a:chOff x="0" y="0"/>
+          <a:chExt cx="0" cy="0"/>
+        </a:xfrm>
+      </p:grpSpPr>
+      <p:sp>
+        <p:nvSpPr>
+          <p:cNvPr id="2" name="Title 1"/>
+          <p:cNvSpPr>
+            <a:spLocks noGrp="1"/>
+          </p:cNvSpPr>
+          <p:nvPr>
+            <p:ph type="title"/>
+          </p:nvPr>
+        </p:nvSpPr>
+        <p:spPr/>
+        <p:txBody>
+          <a:bodyPr/>
+          <a:lstStyle/>
+          <a:p>
+            <a:r>
+              <a:rPr lang="en-US" dirty="0"/>
+              <a:t>Agenda – part two</a:t>
+            </a:r>
+          </a:p>
+        </p:txBody>
+      </p:sp>
+      <p:sp>
+        <p:nvSpPr>
+          <p:cNvPr id="3" name="Content Placeholder 2"/>
+          <p:cNvSpPr>
+            <a:spLocks noGrp="1"/>
+          </p:cNvSpPr>
+          <p:nvPr>
+            <p:ph idx="1"/>
+          </p:nvPr>
+        </p:nvSpPr>
+        <p:spPr>
+          <a:xfrm>
+            <a:off x="457200" y="1600200"/>
+            <a:ext cx="8229600" cy="4781128"/>
+          </a:xfrm>
+        </p:spPr>
+        <p:txBody>
+          <a:bodyPr/>
+          <a:lstStyle/>
+          <a:p>
+            <a:r>
+              <a:rPr lang="en-US" dirty="0"/>
+              <a:t>Motivational example</a:t>
+            </a:r>
+          </a:p>
+          <a:p>
+            <a:r>
+              <a:rPr lang="en-US" dirty="0"/>
+              <a:t>Neuron model</a:t>
+            </a:r>
+          </a:p>
+          <a:p>
+            <a:r>
+              <a:rPr lang="en-US" dirty="0"/>
+              <a:t>Supervised learning</a:t>
+            </a:r>
+          </a:p>
+          <a:p>
+            <a:r>
+              <a:rPr lang="hr-HR" dirty="0"/>
+              <a:t>Linear separability</a:t>
+            </a:r>
+            <a:endParaRPr lang="en-US" dirty="0"/>
+          </a:p>
+          <a:p>
+            <a:r>
+              <a:rPr lang="en-US" dirty="0"/>
+              <a:t>Perceptron</a:t>
+            </a:r>
+            <a:endParaRPr lang="hr-HR" dirty="0"/>
+          </a:p>
+          <a:p>
+            <a:pPr lvl="1"/>
+            <a:r>
+              <a:rPr lang="en-US" dirty="0"/>
+              <a:t>AND, OR, NAND, XOR</a:t>
+            </a:r>
+          </a:p>
+          <a:p>
+            <a:r>
+              <a:rPr lang="en-US" dirty="0"/>
+              <a:t>Delta rule</a:t>
+            </a:r>
+          </a:p>
+          <a:p>
+            <a:r>
+              <a:rPr lang="en-US" dirty="0"/>
+              <a:t>Unsupervised learning</a:t>
+            </a:r>
+          </a:p>
+          <a:p>
+            <a:r>
+              <a:rPr lang="en-US" dirty="0"/>
+              <a:t>Feed forward networks</a:t>
+            </a:r>
+          </a:p>
+          <a:p>
+            <a:r>
+              <a:rPr lang="en-US" dirty="0"/>
+              <a:t>Backpropagation </a:t>
+            </a:r>
+          </a:p>
+        </p:txBody>
+      </p:sp>
+    </p:spTree>
+    <p:extLst>
+      <p:ext uri="{BB962C8B-B14F-4D97-AF65-F5344CB8AC3E}">
+        <p14:creationId xmlns:p14="http://schemas.microsoft.com/office/powerpoint/2010/main" val="1084645650"/>
+      </p:ext>
+    </p:extLst>
+  </p:cSld>
+  <p:clrMapOvr>
+    <a:masterClrMapping/>
+  </p:clrMapOvr>
+  <p:transition>
+    <p:fade thruBlk="1"/>
+  </p:transition>
+</p:sld>
+</file>
+
+<file path=ppt/slides/slide40.xml><?xml version="1.0" encoding="utf-8"?>
 <p:sld xmlns:a="http://schemas.openxmlformats.org/drawingml/2006/main" xmlns:r="http://schemas.openxmlformats.org/officeDocument/2006/relationships" xmlns:p="http://schemas.openxmlformats.org/presentationml/2006/main">
   <p:cSld>
     <p:spTree>
@@ -20253,7 +22325,7 @@
 </p:sld>
 </file>
 
-<file path=ppt/slides/slide38.xml><?xml version="1.0" encoding="utf-8"?>
+<file path=ppt/slides/slide41.xml><?xml version="1.0" encoding="utf-8"?>
 <p:sld xmlns:a="http://schemas.openxmlformats.org/drawingml/2006/main" xmlns:r="http://schemas.openxmlformats.org/officeDocument/2006/relationships" xmlns:p="http://schemas.openxmlformats.org/presentationml/2006/main">
   <p:cSld>
     <p:spTree>
@@ -21270,7 +23342,7 @@
 </p:sld>
 </file>
 
-<file path=ppt/slides/slide39.xml><?xml version="1.0" encoding="utf-8"?>
+<file path=ppt/slides/slide42.xml><?xml version="1.0" encoding="utf-8"?>
 <p:sld xmlns:a="http://schemas.openxmlformats.org/drawingml/2006/main" xmlns:r="http://schemas.openxmlformats.org/officeDocument/2006/relationships" xmlns:p="http://schemas.openxmlformats.org/presentationml/2006/main">
   <p:cSld>
     <p:spTree>
@@ -21892,146 +23964,7 @@
 </p:sld>
 </file>
 
-<file path=ppt/slides/slide4.xml><?xml version="1.0" encoding="utf-8"?>
-<p:sld xmlns:a="http://schemas.openxmlformats.org/drawingml/2006/main" xmlns:r="http://schemas.openxmlformats.org/officeDocument/2006/relationships" xmlns:p="http://schemas.openxmlformats.org/presentationml/2006/main">
-  <p:cSld>
-    <p:spTree>
-      <p:nvGrpSpPr>
-        <p:cNvPr id="1" name=""/>
-        <p:cNvGrpSpPr/>
-        <p:nvPr/>
-      </p:nvGrpSpPr>
-      <p:grpSpPr>
-        <a:xfrm>
-          <a:off x="0" y="0"/>
-          <a:ext cx="0" cy="0"/>
-          <a:chOff x="0" y="0"/>
-          <a:chExt cx="0" cy="0"/>
-        </a:xfrm>
-      </p:grpSpPr>
-      <p:sp>
-        <p:nvSpPr>
-          <p:cNvPr id="2" name="Title 1"/>
-          <p:cNvSpPr>
-            <a:spLocks noGrp="1"/>
-          </p:cNvSpPr>
-          <p:nvPr>
-            <p:ph type="title"/>
-          </p:nvPr>
-        </p:nvSpPr>
-        <p:spPr/>
-        <p:txBody>
-          <a:bodyPr/>
-          <a:lstStyle/>
-          <a:p>
-            <a:r>
-              <a:rPr lang="en-US" dirty="0"/>
-              <a:t>Agenda – part two</a:t>
-            </a:r>
-          </a:p>
-        </p:txBody>
-      </p:sp>
-      <p:sp>
-        <p:nvSpPr>
-          <p:cNvPr id="3" name="Content Placeholder 2"/>
-          <p:cNvSpPr>
-            <a:spLocks noGrp="1"/>
-          </p:cNvSpPr>
-          <p:nvPr>
-            <p:ph idx="1"/>
-          </p:nvPr>
-        </p:nvSpPr>
-        <p:spPr>
-          <a:xfrm>
-            <a:off x="457200" y="1600200"/>
-            <a:ext cx="8229600" cy="4781128"/>
-          </a:xfrm>
-        </p:spPr>
-        <p:txBody>
-          <a:bodyPr/>
-          <a:lstStyle/>
-          <a:p>
-            <a:r>
-              <a:rPr lang="en-US" dirty="0"/>
-              <a:t>Motivational example</a:t>
-            </a:r>
-          </a:p>
-          <a:p>
-            <a:r>
-              <a:rPr lang="en-US" dirty="0"/>
-              <a:t>Neuron model</a:t>
-            </a:r>
-          </a:p>
-          <a:p>
-            <a:r>
-              <a:rPr lang="en-US" dirty="0"/>
-              <a:t>Supervised learning</a:t>
-            </a:r>
-          </a:p>
-          <a:p>
-            <a:r>
-              <a:rPr lang="hr-HR" dirty="0"/>
-              <a:t>Linear separability</a:t>
-            </a:r>
-            <a:endParaRPr lang="en-US" dirty="0"/>
-          </a:p>
-          <a:p>
-            <a:r>
-              <a:rPr lang="en-US" dirty="0"/>
-              <a:t>Perceptron</a:t>
-            </a:r>
-            <a:endParaRPr lang="hr-HR" dirty="0"/>
-          </a:p>
-          <a:p>
-            <a:pPr lvl="1"/>
-            <a:r>
-              <a:rPr lang="en-US" dirty="0"/>
-              <a:t>AND, OR, NAND, XOR</a:t>
-            </a:r>
-          </a:p>
-          <a:p>
-            <a:r>
-              <a:rPr lang="en-US" dirty="0"/>
-              <a:t>Delta rule</a:t>
-            </a:r>
-          </a:p>
-          <a:p>
-            <a:r>
-              <a:rPr lang="en-US" dirty="0"/>
-              <a:t>Unsupervised learning</a:t>
-            </a:r>
-          </a:p>
-          <a:p>
-            <a:r>
-              <a:rPr lang="en-US" dirty="0"/>
-              <a:t>Feed forward networks</a:t>
-            </a:r>
-          </a:p>
-          <a:p>
-            <a:r>
-              <a:rPr lang="en-US" dirty="0"/>
-              <a:t>Backpropagation </a:t>
-            </a:r>
-          </a:p>
-        </p:txBody>
-      </p:sp>
-    </p:spTree>
-    <p:extLst>
-      <p:ext uri="{BB962C8B-B14F-4D97-AF65-F5344CB8AC3E}">
-        <p14:creationId xmlns:p14="http://schemas.microsoft.com/office/powerpoint/2010/main" val="1084645650"/>
-      </p:ext>
-    </p:extLst>
-  </p:cSld>
-  <p:clrMapOvr>
-    <a:masterClrMapping/>
-  </p:clrMapOvr>
-  <p:transition>
-    <p:fade thruBlk="1"/>
-  </p:transition>
-</p:sld>
-</file>
-
-<file path=ppt/slides/slide40.xml><?xml version="1.0" encoding="utf-8"?>
+<file path=ppt/slides/slide43.xml><?xml version="1.0" encoding="utf-8"?>
 <p:sld xmlns:a="http://schemas.openxmlformats.org/drawingml/2006/main" xmlns:r="http://schemas.openxmlformats.org/officeDocument/2006/relationships" xmlns:p="http://schemas.openxmlformats.org/presentationml/2006/main">
   <p:cSld>
     <p:spTree>
@@ -22347,7 +24280,7 @@
 </p:sld>
 </file>
 
-<file path=ppt/slides/slide41.xml><?xml version="1.0" encoding="utf-8"?>
+<file path=ppt/slides/slide44.xml><?xml version="1.0" encoding="utf-8"?>
 <p:sld xmlns:a="http://schemas.openxmlformats.org/drawingml/2006/main" xmlns:r="http://schemas.openxmlformats.org/officeDocument/2006/relationships" xmlns:p="http://schemas.openxmlformats.org/presentationml/2006/main">
   <p:cSld>
     <p:spTree>
@@ -23907,7 +25840,7 @@
 </p:sld>
 </file>
 
-<file path=ppt/slides/slide42.xml><?xml version="1.0" encoding="utf-8"?>
+<file path=ppt/slides/slide45.xml><?xml version="1.0" encoding="utf-8"?>
 <p:sld xmlns:a="http://schemas.openxmlformats.org/drawingml/2006/main" xmlns:r="http://schemas.openxmlformats.org/officeDocument/2006/relationships" xmlns:p="http://schemas.openxmlformats.org/presentationml/2006/main">
   <p:cSld>
     <p:spTree>
@@ -23946,8 +25879,8 @@
           </a:p>
         </p:txBody>
       </p:sp>
-      <mc:AlternateContent xmlns:mc="http://schemas.openxmlformats.org/markup-compatibility/2006">
-        <mc:Choice xmlns:a14="http://schemas.microsoft.com/office/drawing/2010/main" Requires="a14">
+      <mc:AlternateContent xmlns:mc="http://schemas.openxmlformats.org/markup-compatibility/2006" xmlns:a14="http://schemas.microsoft.com/office/drawing/2010/main">
+        <mc:Choice Requires="a14">
           <p:sp>
             <p:nvSpPr>
               <p:cNvPr id="3" name="Content Placeholder 2"/>
@@ -24531,7 +26464,7 @@
             </p:txBody>
           </p:sp>
         </mc:Choice>
-        <mc:Fallback>
+        <mc:Fallback xmlns="">
           <p:sp>
             <p:nvSpPr>
               <p:cNvPr id="3" name="Content Placeholder 2"/>
@@ -24585,7 +26518,7 @@
 </p:sld>
 </file>
 
-<file path=ppt/slides/slide43.xml><?xml version="1.0" encoding="utf-8"?>
+<file path=ppt/slides/slide46.xml><?xml version="1.0" encoding="utf-8"?>
 <p:sld xmlns:a="http://schemas.openxmlformats.org/drawingml/2006/main" xmlns:r="http://schemas.openxmlformats.org/officeDocument/2006/relationships" xmlns:p="http://schemas.openxmlformats.org/presentationml/2006/main">
   <p:cSld>
     <p:spTree>
@@ -24828,14 +26761,14 @@
                       <m:rPr>
                         <m:nor/>
                       </m:rPr>
-                      <a:rPr lang="el-GR" dirty="0"/>
+                      <a:rPr lang="el-GR" dirty="0" smtClean="0"/>
                       <m:t>η</m:t>
                     </m:r>
                   </m:oMath>
                 </a14:m>
                 <a:r>
                   <a:rPr lang="en-US" dirty="0"/>
-                  <a:t>: learning rate factor</a:t>
+                  <a:t>: learning rate factor - in general</a:t>
                 </a:r>
               </a:p>
               <a:p>
@@ -24989,7 +26922,7 @@
 </p:sld>
 </file>
 
-<file path=ppt/slides/slide44.xml><?xml version="1.0" encoding="utf-8"?>
+<file path=ppt/slides/slide47.xml><?xml version="1.0" encoding="utf-8"?>
 <p:sld xmlns:a="http://schemas.openxmlformats.org/drawingml/2006/main" xmlns:r="http://schemas.openxmlformats.org/officeDocument/2006/relationships" xmlns:p="http://schemas.openxmlformats.org/presentationml/2006/main">
   <p:cSld>
     <p:spTree>
@@ -25129,7 +27062,7 @@
 </p:sld>
 </file>
 
-<file path=ppt/slides/slide45.xml><?xml version="1.0" encoding="utf-8"?>
+<file path=ppt/slides/slide48.xml><?xml version="1.0" encoding="utf-8"?>
 <p:sld xmlns:a="http://schemas.openxmlformats.org/drawingml/2006/main" xmlns:r="http://schemas.openxmlformats.org/officeDocument/2006/relationships" xmlns:p="http://schemas.openxmlformats.org/presentationml/2006/main">
   <p:cSld>
     <p:spTree>
@@ -25677,7 +27610,7 @@
 </p:sld>
 </file>
 
-<file path=ppt/slides/slide46.xml><?xml version="1.0" encoding="utf-8"?>
+<file path=ppt/slides/slide49.xml><?xml version="1.0" encoding="utf-8"?>
 <p:sld xmlns:a="http://schemas.openxmlformats.org/drawingml/2006/main" xmlns:r="http://schemas.openxmlformats.org/officeDocument/2006/relationships" xmlns:p="http://schemas.openxmlformats.org/presentationml/2006/main">
   <p:cSld>
     <p:spTree>
@@ -25888,1143 +27821,6 @@
     <p:extLst>
       <p:ext uri="{BB962C8B-B14F-4D97-AF65-F5344CB8AC3E}">
         <p14:creationId xmlns:p14="http://schemas.microsoft.com/office/powerpoint/2010/main" val="3454918851"/>
-      </p:ext>
-    </p:extLst>
-  </p:cSld>
-  <p:clrMapOvr>
-    <a:masterClrMapping/>
-  </p:clrMapOvr>
-  <p:transition>
-    <p:fade thruBlk="1"/>
-  </p:transition>
-</p:sld>
-</file>
-
-<file path=ppt/slides/slide47.xml><?xml version="1.0" encoding="utf-8"?>
-<p:sld xmlns:a="http://schemas.openxmlformats.org/drawingml/2006/main" xmlns:r="http://schemas.openxmlformats.org/officeDocument/2006/relationships" xmlns:p="http://schemas.openxmlformats.org/presentationml/2006/main">
-  <p:cSld>
-    <p:spTree>
-      <p:nvGrpSpPr>
-        <p:cNvPr id="1" name=""/>
-        <p:cNvGrpSpPr/>
-        <p:nvPr/>
-      </p:nvGrpSpPr>
-      <p:grpSpPr>
-        <a:xfrm>
-          <a:off x="0" y="0"/>
-          <a:ext cx="0" cy="0"/>
-          <a:chOff x="0" y="0"/>
-          <a:chExt cx="0" cy="0"/>
-        </a:xfrm>
-      </p:grpSpPr>
-      <p:sp>
-        <p:nvSpPr>
-          <p:cNvPr id="2" name="Title 1"/>
-          <p:cNvSpPr>
-            <a:spLocks noGrp="1"/>
-          </p:cNvSpPr>
-          <p:nvPr>
-            <p:ph type="title"/>
-          </p:nvPr>
-        </p:nvSpPr>
-        <p:spPr/>
-        <p:txBody>
-          <a:bodyPr/>
-          <a:lstStyle/>
-          <a:p>
-            <a:r>
-              <a:rPr lang="en-US" dirty="0"/>
-              <a:t>Error surface</a:t>
-            </a:r>
-          </a:p>
-        </p:txBody>
-      </p:sp>
-      <mc:AlternateContent xmlns:mc="http://schemas.openxmlformats.org/markup-compatibility/2006" xmlns:a14="http://schemas.microsoft.com/office/drawing/2010/main">
-        <mc:Choice Requires="a14">
-          <p:sp>
-            <p:nvSpPr>
-              <p:cNvPr id="3" name="Content Placeholder 2"/>
-              <p:cNvSpPr>
-                <a:spLocks noGrp="1"/>
-              </p:cNvSpPr>
-              <p:nvPr>
-                <p:ph idx="1"/>
-              </p:nvPr>
-            </p:nvSpPr>
-            <p:spPr>
-              <a:xfrm>
-                <a:off x="457200" y="1600200"/>
-                <a:ext cx="8229600" cy="4781128"/>
-              </a:xfrm>
-            </p:spPr>
-            <p:txBody>
-              <a:bodyPr/>
-              <a:lstStyle/>
-              <a:p>
-                <a:pPr>
-                  <a:buFont typeface="Arial" panose="020B0604020202020204" pitchFamily="34" charset="0"/>
-                  <a:buChar char="•"/>
-                </a:pPr>
-                <a:endParaRPr lang="en-US" dirty="0">
-                  <a:solidFill>
-                    <a:srgbClr val="000000"/>
-                  </a:solidFill>
-                </a:endParaRPr>
-              </a:p>
-              <a:p>
-                <a:pPr>
-                  <a:buFont typeface="Arial" panose="020B0604020202020204" pitchFamily="34" charset="0"/>
-                  <a:buChar char="•"/>
-                </a:pPr>
-                <a:endParaRPr lang="en-US" dirty="0">
-                  <a:solidFill>
-                    <a:srgbClr val="000000"/>
-                  </a:solidFill>
-                </a:endParaRPr>
-              </a:p>
-              <a:p>
-                <a:pPr>
-                  <a:buFont typeface="Arial" panose="020B0604020202020204" pitchFamily="34" charset="0"/>
-                  <a:buChar char="•"/>
-                </a:pPr>
-                <a:endParaRPr lang="en-US" dirty="0">
-                  <a:solidFill>
-                    <a:srgbClr val="000000"/>
-                  </a:solidFill>
-                </a:endParaRPr>
-              </a:p>
-              <a:p>
-                <a:pPr>
-                  <a:buFont typeface="Arial" panose="020B0604020202020204" pitchFamily="34" charset="0"/>
-                  <a:buChar char="•"/>
-                </a:pPr>
-                <a:endParaRPr lang="en-US" dirty="0">
-                  <a:solidFill>
-                    <a:srgbClr val="000000"/>
-                  </a:solidFill>
-                </a:endParaRPr>
-              </a:p>
-              <a:p>
-                <a:pPr>
-                  <a:buFont typeface="Arial" panose="020B0604020202020204" pitchFamily="34" charset="0"/>
-                  <a:buChar char="•"/>
-                </a:pPr>
-                <a:endParaRPr lang="en-US" dirty="0">
-                  <a:solidFill>
-                    <a:srgbClr val="000000"/>
-                  </a:solidFill>
-                </a:endParaRPr>
-              </a:p>
-              <a:p>
-                <a:pPr marL="0" indent="0">
-                  <a:buNone/>
-                </a:pPr>
-                <a:endParaRPr lang="en-US" dirty="0">
-                  <a:solidFill>
-                    <a:srgbClr val="000000"/>
-                  </a:solidFill>
-                </a:endParaRPr>
-              </a:p>
-              <a:p>
-                <a:pPr lvl="1">
-                  <a:buFont typeface="Arial" panose="020B0604020202020204" pitchFamily="34" charset="0"/>
-                  <a:buChar char="•"/>
-                </a:pPr>
-                <a:r>
-                  <a:rPr lang="en-US" sz="1600" dirty="0">
-                    <a:solidFill>
-                      <a:srgbClr val="000000"/>
-                    </a:solidFill>
-                    <a:hlinkClick r:id="rId3"/>
-                  </a:rPr>
-                  <a:t>https://qph.ec.quoracdn.net/main-qimg-abfbe698dd41306dc2691e8d0c3182a0.webp</a:t>
-                </a:r>
-                <a:endParaRPr lang="en-US" sz="1600" dirty="0">
-                  <a:solidFill>
-                    <a:srgbClr val="000000"/>
-                  </a:solidFill>
-                </a:endParaRPr>
-              </a:p>
-              <a:p>
-                <a:pPr>
-                  <a:buFont typeface="Arial" panose="020B0604020202020204" pitchFamily="34" charset="0"/>
-                  <a:buChar char="•"/>
-                </a:pPr>
-                <a:r>
-                  <a:rPr lang="en-US" dirty="0"/>
-                  <a:t>Local vs Global minima</a:t>
-                </a:r>
-              </a:p>
-              <a:p>
-                <a:pPr lvl="1">
-                  <a:buFont typeface="Arial" panose="020B0604020202020204" pitchFamily="34" charset="0"/>
-                  <a:buChar char="•"/>
-                </a:pPr>
-                <a14:m>
-                  <m:oMath xmlns:m="http://schemas.openxmlformats.org/officeDocument/2006/math">
-                    <m:r>
-                      <m:rPr>
-                        <m:nor/>
-                      </m:rPr>
-                      <a:rPr lang="el-GR" sz="2000" dirty="0"/>
-                      <m:t>η</m:t>
-                    </m:r>
-                  </m:oMath>
-                </a14:m>
-                <a:r>
-                  <a:rPr lang="en-US" sz="2000" dirty="0"/>
-                  <a:t>: learning rate factor</a:t>
-                </a:r>
-                <a:endParaRPr lang="en-US" sz="1600" dirty="0">
-                  <a:solidFill>
-                    <a:srgbClr val="000000"/>
-                  </a:solidFill>
-                </a:endParaRPr>
-              </a:p>
-              <a:p>
-                <a:pPr lvl="1">
-                  <a:buFont typeface="Arial" panose="020B0604020202020204" pitchFamily="34" charset="0"/>
-                  <a:buChar char="•"/>
-                </a:pPr>
-                <a:endParaRPr lang="en-US" sz="1600" dirty="0">
-                  <a:solidFill>
-                    <a:srgbClr val="000000"/>
-                  </a:solidFill>
-                </a:endParaRPr>
-              </a:p>
-              <a:p>
-                <a:pPr>
-                  <a:buFont typeface="Arial" panose="020B0604020202020204" pitchFamily="34" charset="0"/>
-                  <a:buChar char="•"/>
-                </a:pPr>
-                <a:endParaRPr lang="en-US" sz="1900" dirty="0">
-                  <a:solidFill>
-                    <a:srgbClr val="000000"/>
-                  </a:solidFill>
-                </a:endParaRPr>
-              </a:p>
-            </p:txBody>
-          </p:sp>
-        </mc:Choice>
-        <mc:Fallback xmlns="">
-          <p:sp>
-            <p:nvSpPr>
-              <p:cNvPr id="3" name="Content Placeholder 2"/>
-              <p:cNvSpPr>
-                <a:spLocks noGrp="1" noRot="1" noChangeAspect="1" noMove="1" noResize="1" noEditPoints="1" noAdjustHandles="1" noChangeArrowheads="1" noChangeShapeType="1" noTextEdit="1"/>
-              </p:cNvSpPr>
-              <p:nvPr>
-                <p:ph idx="1"/>
-              </p:nvPr>
-            </p:nvSpPr>
-            <p:spPr>
-              <a:xfrm>
-                <a:off x="457200" y="1600200"/>
-                <a:ext cx="8229600" cy="4781128"/>
-              </a:xfrm>
-              <a:blipFill>
-                <a:blip r:embed="rId4"/>
-                <a:stretch>
-                  <a:fillRect l="-1407"/>
-                </a:stretch>
-              </a:blipFill>
-            </p:spPr>
-            <p:txBody>
-              <a:bodyPr/>
-              <a:lstStyle/>
-              <a:p>
-                <a:r>
-                  <a:rPr lang="hr-HR">
-                    <a:noFill/>
-                  </a:rPr>
-                  <a:t> </a:t>
-                </a:r>
-              </a:p>
-            </p:txBody>
-          </p:sp>
-        </mc:Fallback>
-      </mc:AlternateContent>
-      <p:pic>
-        <p:nvPicPr>
-          <p:cNvPr id="5" name="Picture 4"/>
-          <p:cNvPicPr>
-            <a:picLocks noChangeAspect="1"/>
-          </p:cNvPicPr>
-          <p:nvPr/>
-        </p:nvPicPr>
-        <p:blipFill>
-          <a:blip r:embed="rId5">
-            <a:extLst>
-              <a:ext uri="{28A0092B-C50C-407E-A947-70E740481C1C}">
-                <a14:useLocalDpi xmlns:a14="http://schemas.microsoft.com/office/drawing/2010/main" val="0"/>
-              </a:ext>
-            </a:extLst>
-          </a:blip>
-          <a:stretch>
-            <a:fillRect/>
-          </a:stretch>
-        </p:blipFill>
-        <p:spPr>
-          <a:xfrm>
-            <a:off x="971600" y="1844824"/>
-            <a:ext cx="4896544" cy="2664296"/>
-          </a:xfrm>
-          <a:prstGeom prst="rect">
-            <a:avLst/>
-          </a:prstGeom>
-        </p:spPr>
-      </p:pic>
-    </p:spTree>
-    <p:extLst>
-      <p:ext uri="{BB962C8B-B14F-4D97-AF65-F5344CB8AC3E}">
-        <p14:creationId xmlns:p14="http://schemas.microsoft.com/office/powerpoint/2010/main" val="130177745"/>
-      </p:ext>
-    </p:extLst>
-  </p:cSld>
-  <p:clrMapOvr>
-    <a:masterClrMapping/>
-  </p:clrMapOvr>
-  <p:transition>
-    <p:fade thruBlk="1"/>
-  </p:transition>
-</p:sld>
-</file>
-
-<file path=ppt/slides/slide48.xml><?xml version="1.0" encoding="utf-8"?>
-<p:sld xmlns:a="http://schemas.openxmlformats.org/drawingml/2006/main" xmlns:r="http://schemas.openxmlformats.org/officeDocument/2006/relationships" xmlns:p="http://schemas.openxmlformats.org/presentationml/2006/main">
-  <p:cSld>
-    <p:spTree>
-      <p:nvGrpSpPr>
-        <p:cNvPr id="1" name=""/>
-        <p:cNvGrpSpPr/>
-        <p:nvPr/>
-      </p:nvGrpSpPr>
-      <p:grpSpPr>
-        <a:xfrm>
-          <a:off x="0" y="0"/>
-          <a:ext cx="0" cy="0"/>
-          <a:chOff x="0" y="0"/>
-          <a:chExt cx="0" cy="0"/>
-        </a:xfrm>
-      </p:grpSpPr>
-      <p:sp>
-        <p:nvSpPr>
-          <p:cNvPr id="2" name="Title 1"/>
-          <p:cNvSpPr>
-            <a:spLocks noGrp="1"/>
-          </p:cNvSpPr>
-          <p:nvPr>
-            <p:ph type="title"/>
-          </p:nvPr>
-        </p:nvSpPr>
-        <p:spPr/>
-        <p:txBody>
-          <a:bodyPr/>
-          <a:lstStyle/>
-          <a:p>
-            <a:r>
-              <a:rPr lang="en-US" dirty="0"/>
-              <a:t>Stopping criteria</a:t>
-            </a:r>
-          </a:p>
-        </p:txBody>
-      </p:sp>
-      <mc:AlternateContent xmlns:mc="http://schemas.openxmlformats.org/markup-compatibility/2006" xmlns:a14="http://schemas.microsoft.com/office/drawing/2010/main">
-        <mc:Choice Requires="a14">
-          <p:sp>
-            <p:nvSpPr>
-              <p:cNvPr id="3" name="Content Placeholder 2"/>
-              <p:cNvSpPr>
-                <a:spLocks noGrp="1"/>
-              </p:cNvSpPr>
-              <p:nvPr>
-                <p:ph idx="1"/>
-              </p:nvPr>
-            </p:nvSpPr>
-            <p:spPr>
-              <a:xfrm>
-                <a:off x="457200" y="1600200"/>
-                <a:ext cx="8229600" cy="4781128"/>
-              </a:xfrm>
-            </p:spPr>
-            <p:txBody>
-              <a:bodyPr/>
-              <a:lstStyle/>
-              <a:p>
-                <a:pPr>
-                  <a:buFont typeface="Arial" panose="020B0604020202020204" pitchFamily="34" charset="0"/>
-                  <a:buChar char="•"/>
-                </a:pPr>
-                <a:r>
-                  <a:rPr lang="en-US" dirty="0"/>
-                  <a:t>Total squared error: E(n) =  </a:t>
-                </a:r>
-                <a14:m>
-                  <m:oMath xmlns:m="http://schemas.openxmlformats.org/officeDocument/2006/math">
-                    <m:f>
-                      <m:fPr>
-                        <m:ctrlPr>
-                          <a:rPr lang="en-US" i="1">
-                            <a:latin typeface="Cambria Math" panose="02040503050406030204" pitchFamily="18" charset="0"/>
-                          </a:rPr>
-                        </m:ctrlPr>
-                      </m:fPr>
-                      <m:num>
-                        <m:r>
-                          <a:rPr lang="en-US" i="1">
-                            <a:latin typeface="Cambria Math" panose="02040503050406030204" pitchFamily="18" charset="0"/>
-                          </a:rPr>
-                          <m:t>1</m:t>
-                        </m:r>
-                      </m:num>
-                      <m:den>
-                        <m:r>
-                          <a:rPr lang="en-US" i="1">
-                            <a:latin typeface="Cambria Math" panose="02040503050406030204" pitchFamily="18" charset="0"/>
-                          </a:rPr>
-                          <m:t>2</m:t>
-                        </m:r>
-                      </m:den>
-                    </m:f>
-                    <m:nary>
-                      <m:naryPr>
-                        <m:chr m:val="∑"/>
-                        <m:supHide m:val="on"/>
-                        <m:ctrlPr>
-                          <a:rPr lang="en-US" i="1">
-                            <a:latin typeface="Cambria Math" panose="02040503050406030204" pitchFamily="18" charset="0"/>
-                          </a:rPr>
-                        </m:ctrlPr>
-                      </m:naryPr>
-                      <m:sub>
-                        <m:r>
-                          <m:rPr>
-                            <m:brk m:alnAt="7"/>
-                          </m:rPr>
-                          <a:rPr lang="en-US" i="1">
-                            <a:latin typeface="Cambria Math" panose="02040503050406030204" pitchFamily="18" charset="0"/>
-                          </a:rPr>
-                          <m:t>𝑘</m:t>
-                        </m:r>
-                      </m:sub>
-                      <m:sup/>
-                      <m:e>
-                        <m:r>
-                          <a:rPr lang="en-US" i="1">
-                            <a:latin typeface="Cambria Math" panose="02040503050406030204" pitchFamily="18" charset="0"/>
-                          </a:rPr>
-                          <m:t>𝑒</m:t>
-                        </m:r>
-                        <m:r>
-                          <a:rPr lang="en-US" i="1" baseline="30000">
-                            <a:latin typeface="Cambria Math" panose="02040503050406030204" pitchFamily="18" charset="0"/>
-                          </a:rPr>
-                          <m:t>2</m:t>
-                        </m:r>
-                        <m:r>
-                          <a:rPr lang="en-US" i="1" baseline="-25000">
-                            <a:latin typeface="Cambria Math" panose="02040503050406030204" pitchFamily="18" charset="0"/>
-                          </a:rPr>
-                          <m:t>𝑘</m:t>
-                        </m:r>
-                        <m:r>
-                          <a:rPr lang="en-US" i="1">
-                            <a:latin typeface="Cambria Math" panose="02040503050406030204" pitchFamily="18" charset="0"/>
-                          </a:rPr>
-                          <m:t>(</m:t>
-                        </m:r>
-                        <m:r>
-                          <a:rPr lang="en-US" i="1">
-                            <a:latin typeface="Cambria Math" panose="02040503050406030204" pitchFamily="18" charset="0"/>
-                          </a:rPr>
-                          <m:t>𝑛</m:t>
-                        </m:r>
-                        <m:r>
-                          <a:rPr lang="en-US" i="1">
-                            <a:latin typeface="Cambria Math" panose="02040503050406030204" pitchFamily="18" charset="0"/>
-                          </a:rPr>
-                          <m:t>)</m:t>
-                        </m:r>
-                      </m:e>
-                    </m:nary>
-                  </m:oMath>
-                </a14:m>
-                <a:endParaRPr lang="en-US" dirty="0"/>
-              </a:p>
-              <a:p>
-                <a:pPr lvl="1">
-                  <a:buFont typeface="Arial" panose="020B0604020202020204" pitchFamily="34" charset="0"/>
-                  <a:buChar char="•"/>
-                </a:pPr>
-                <a:r>
-                  <a:rPr lang="en-US" dirty="0"/>
-                  <a:t>stopping condition: E(n) &lt;= </a:t>
-                </a:r>
-                <a:r>
-                  <a:rPr lang="el-GR" dirty="0">
-                    <a:solidFill>
-                      <a:srgbClr val="000000"/>
-                    </a:solidFill>
-                    <a:latin typeface="Arial" panose="020B0604020202020204" pitchFamily="34" charset="0"/>
-                  </a:rPr>
-                  <a:t>ε</a:t>
-                </a:r>
-                <a:r>
-                  <a:rPr lang="en-US" dirty="0">
-                    <a:solidFill>
-                      <a:srgbClr val="000000"/>
-                    </a:solidFill>
-                    <a:latin typeface="Arial" panose="020B0604020202020204" pitchFamily="34" charset="0"/>
-                  </a:rPr>
-                  <a:t> </a:t>
-                </a:r>
-                <a:r>
-                  <a:rPr lang="en-US" dirty="0"/>
-                  <a:t>for all input samples </a:t>
-                </a:r>
-              </a:p>
-              <a:p>
-                <a:pPr lvl="1">
-                  <a:buFont typeface="Arial" panose="020B0604020202020204" pitchFamily="34" charset="0"/>
-                  <a:buChar char="•"/>
-                </a:pPr>
-                <a:r>
-                  <a:rPr lang="en-US" b="1" dirty="0"/>
-                  <a:t>overall</a:t>
-                </a:r>
-                <a:r>
-                  <a:rPr lang="en-US" dirty="0"/>
-                  <a:t> activation of output layer neurons should converge to desired activation</a:t>
-                </a:r>
-              </a:p>
-              <a:p>
-                <a:pPr lvl="1">
-                  <a:buFont typeface="Arial" panose="020B0604020202020204" pitchFamily="34" charset="0"/>
-                  <a:buChar char="•"/>
-                </a:pPr>
-                <a:r>
-                  <a:rPr lang="en-US" dirty="0"/>
-                  <a:t>network may learn to recognize some samples really well and some not at all</a:t>
-                </a:r>
-              </a:p>
-              <a:p>
-                <a:pPr>
-                  <a:buFont typeface="Arial" panose="020B0604020202020204" pitchFamily="34" charset="0"/>
-                  <a:buChar char="•"/>
-                </a:pPr>
-                <a:r>
-                  <a:rPr lang="en-US" dirty="0"/>
-                  <a:t>Max error per sample: e</a:t>
-                </a:r>
-                <a:r>
-                  <a:rPr lang="en-US" baseline="-25000" dirty="0"/>
-                  <a:t>k</a:t>
-                </a:r>
-                <a:r>
-                  <a:rPr lang="en-US" dirty="0"/>
-                  <a:t>(n) &lt;= </a:t>
-                </a:r>
-                <a:r>
-                  <a:rPr lang="el-GR" dirty="0">
-                    <a:solidFill>
-                      <a:srgbClr val="000000"/>
-                    </a:solidFill>
-                    <a:latin typeface="Arial" panose="020B0604020202020204" pitchFamily="34" charset="0"/>
-                  </a:rPr>
-                  <a:t>ε</a:t>
-                </a:r>
-                <a:endParaRPr lang="en-US" dirty="0"/>
-              </a:p>
-              <a:p>
-                <a:pPr>
-                  <a:buFont typeface="Arial" panose="020B0604020202020204" pitchFamily="34" charset="0"/>
-                  <a:buChar char="•"/>
-                </a:pPr>
-                <a:r>
-                  <a:rPr lang="en-US" dirty="0"/>
-                  <a:t>Fixed number of iterations</a:t>
-                </a:r>
-              </a:p>
-              <a:p>
-                <a:pPr>
-                  <a:buFont typeface="Arial" panose="020B0604020202020204" pitchFamily="34" charset="0"/>
-                  <a:buChar char="•"/>
-                </a:pPr>
-                <a:r>
-                  <a:rPr lang="en-US" dirty="0"/>
-                  <a:t>Cross validation</a:t>
-                </a:r>
-              </a:p>
-              <a:p>
-                <a:pPr lvl="1">
-                  <a:buFont typeface="Arial" panose="020B0604020202020204" pitchFamily="34" charset="0"/>
-                  <a:buChar char="•"/>
-                </a:pPr>
-                <a:r>
-                  <a:rPr lang="en-US" dirty="0"/>
-                  <a:t>70/30 rule</a:t>
-                </a:r>
-              </a:p>
-              <a:p>
-                <a:pPr marL="388937" lvl="1" indent="0">
-                  <a:buNone/>
-                </a:pPr>
-                <a:endParaRPr lang="en-US" dirty="0"/>
-              </a:p>
-              <a:p>
-                <a:pPr marL="388937" lvl="1" indent="0">
-                  <a:buNone/>
-                </a:pPr>
-                <a:endParaRPr lang="en-US" dirty="0"/>
-              </a:p>
-              <a:p>
-                <a:pPr>
-                  <a:buFont typeface="Arial" panose="020B0604020202020204" pitchFamily="34" charset="0"/>
-                  <a:buChar char="•"/>
-                </a:pPr>
-                <a:endParaRPr lang="en-US" dirty="0">
-                  <a:solidFill>
-                    <a:srgbClr val="000000"/>
-                  </a:solidFill>
-                </a:endParaRPr>
-              </a:p>
-              <a:p>
-                <a:pPr>
-                  <a:buFont typeface="Arial" panose="020B0604020202020204" pitchFamily="34" charset="0"/>
-                  <a:buChar char="•"/>
-                </a:pPr>
-                <a:endParaRPr lang="en-US" dirty="0"/>
-              </a:p>
-            </p:txBody>
-          </p:sp>
-        </mc:Choice>
-        <mc:Fallback xmlns="">
-          <p:sp>
-            <p:nvSpPr>
-              <p:cNvPr id="3" name="Content Placeholder 2"/>
-              <p:cNvSpPr>
-                <a:spLocks noGrp="1" noRot="1" noChangeAspect="1" noMove="1" noResize="1" noEditPoints="1" noAdjustHandles="1" noChangeArrowheads="1" noChangeShapeType="1" noTextEdit="1"/>
-              </p:cNvSpPr>
-              <p:nvPr>
-                <p:ph idx="1"/>
-              </p:nvPr>
-            </p:nvSpPr>
-            <p:spPr>
-              <a:xfrm>
-                <a:off x="457200" y="1600200"/>
-                <a:ext cx="8229600" cy="4781128"/>
-              </a:xfrm>
-              <a:blipFill>
-                <a:blip r:embed="rId3"/>
-                <a:stretch>
-                  <a:fillRect l="-1407"/>
-                </a:stretch>
-              </a:blipFill>
-            </p:spPr>
-            <p:txBody>
-              <a:bodyPr/>
-              <a:lstStyle/>
-              <a:p>
-                <a:r>
-                  <a:rPr lang="hr-HR">
-                    <a:noFill/>
-                  </a:rPr>
-                  <a:t> </a:t>
-                </a:r>
-              </a:p>
-            </p:txBody>
-          </p:sp>
-        </mc:Fallback>
-      </mc:AlternateContent>
-    </p:spTree>
-    <p:extLst>
-      <p:ext uri="{BB962C8B-B14F-4D97-AF65-F5344CB8AC3E}">
-        <p14:creationId xmlns:p14="http://schemas.microsoft.com/office/powerpoint/2010/main" val="1496173640"/>
-      </p:ext>
-    </p:extLst>
-  </p:cSld>
-  <p:clrMapOvr>
-    <a:masterClrMapping/>
-  </p:clrMapOvr>
-  <p:transition>
-    <p:fade thruBlk="1"/>
-  </p:transition>
-</p:sld>
-</file>
-
-<file path=ppt/slides/slide49.xml><?xml version="1.0" encoding="utf-8"?>
-<p:sld xmlns:a="http://schemas.openxmlformats.org/drawingml/2006/main" xmlns:r="http://schemas.openxmlformats.org/officeDocument/2006/relationships" xmlns:p="http://schemas.openxmlformats.org/presentationml/2006/main">
-  <p:cSld>
-    <p:spTree>
-      <p:nvGrpSpPr>
-        <p:cNvPr id="1" name=""/>
-        <p:cNvGrpSpPr/>
-        <p:nvPr/>
-      </p:nvGrpSpPr>
-      <p:grpSpPr>
-        <a:xfrm>
-          <a:off x="0" y="0"/>
-          <a:ext cx="0" cy="0"/>
-          <a:chOff x="0" y="0"/>
-          <a:chExt cx="0" cy="0"/>
-        </a:xfrm>
-      </p:grpSpPr>
-      <p:sp>
-        <p:nvSpPr>
-          <p:cNvPr id="2" name="Title 1"/>
-          <p:cNvSpPr>
-            <a:spLocks noGrp="1"/>
-          </p:cNvSpPr>
-          <p:nvPr>
-            <p:ph type="title"/>
-          </p:nvPr>
-        </p:nvSpPr>
-        <p:spPr/>
-        <p:txBody>
-          <a:bodyPr/>
-          <a:lstStyle/>
-          <a:p>
-            <a:r>
-              <a:rPr lang="en-US" dirty="0"/>
-              <a:t>Hebb learning</a:t>
-            </a:r>
-          </a:p>
-        </p:txBody>
-      </p:sp>
-      <mc:AlternateContent xmlns:mc="http://schemas.openxmlformats.org/markup-compatibility/2006" xmlns:a14="http://schemas.microsoft.com/office/drawing/2010/main">
-        <mc:Choice Requires="a14">
-          <p:sp>
-            <p:nvSpPr>
-              <p:cNvPr id="3" name="Content Placeholder 2"/>
-              <p:cNvSpPr>
-                <a:spLocks noGrp="1"/>
-              </p:cNvSpPr>
-              <p:nvPr>
-                <p:ph idx="1"/>
-              </p:nvPr>
-            </p:nvSpPr>
-            <p:spPr>
-              <a:xfrm>
-                <a:off x="457200" y="1600200"/>
-                <a:ext cx="8229600" cy="4781128"/>
-              </a:xfrm>
-            </p:spPr>
-            <p:txBody>
-              <a:bodyPr/>
-              <a:lstStyle/>
-              <a:p>
-                <a:pPr>
-                  <a:buFont typeface="Arial" panose="020B0604020202020204" pitchFamily="34" charset="0"/>
-                  <a:buChar char="•"/>
-                </a:pPr>
-                <a:r>
-                  <a:rPr lang="en-US" dirty="0"/>
-                  <a:t>Recall Hebb’s observation:</a:t>
-                </a:r>
-              </a:p>
-              <a:p>
-                <a:pPr lvl="1">
-                  <a:buFont typeface="Arial" panose="020B0604020202020204" pitchFamily="34" charset="0"/>
-                  <a:buChar char="•"/>
-                </a:pPr>
-                <a:r>
-                  <a:rPr lang="en-US" dirty="0"/>
-                  <a:t>If two neurons on either side of a synapse (connection) are activated simultaneously then the strength of that synapse is increased.</a:t>
-                </a:r>
-              </a:p>
-              <a:p>
-                <a:pPr lvl="1">
-                  <a:buFont typeface="Arial" panose="020B0604020202020204" pitchFamily="34" charset="0"/>
-                  <a:buChar char="•"/>
-                </a:pPr>
-                <a:r>
-                  <a:rPr lang="en-US" b="1" dirty="0"/>
-                  <a:t>Unsupervised</a:t>
-                </a:r>
-                <a:r>
-                  <a:rPr lang="en-US" dirty="0"/>
-                  <a:t> learning – unlabeled examples</a:t>
-                </a:r>
-                <a:endParaRPr lang="en-US" i="1" dirty="0"/>
-              </a:p>
-              <a:p>
-                <a:pPr>
-                  <a:buFont typeface="Arial" panose="020B0604020202020204" pitchFamily="34" charset="0"/>
-                  <a:buChar char="•"/>
-                </a:pPr>
-                <a:r>
-                  <a:rPr lang="el-GR" b="1" dirty="0">
-                    <a:latin typeface="times new roman" panose="02020603050405020304" pitchFamily="18" charset="0"/>
-                  </a:rPr>
-                  <a:t>Δ</a:t>
-                </a:r>
-                <a:r>
-                  <a:rPr lang="en-US" b="1" dirty="0">
-                    <a:latin typeface="times new roman" panose="02020603050405020304" pitchFamily="18" charset="0"/>
-                  </a:rPr>
-                  <a:t> </a:t>
-                </a:r>
-                <a:r>
-                  <a:rPr lang="en-US" b="1" dirty="0" err="1"/>
-                  <a:t>Wk</a:t>
-                </a:r>
-                <a:r>
-                  <a:rPr lang="en-US" b="1" dirty="0"/>
-                  <a:t>(n) </a:t>
-                </a:r>
-                <a:r>
-                  <a:rPr lang="en-US" dirty="0"/>
-                  <a:t>= </a:t>
-                </a:r>
-                <a:r>
-                  <a:rPr lang="el-GR" dirty="0"/>
-                  <a:t> </a:t>
-                </a:r>
-                <a14:m>
-                  <m:oMath xmlns:m="http://schemas.openxmlformats.org/officeDocument/2006/math">
-                    <m:r>
-                      <m:rPr>
-                        <m:nor/>
-                      </m:rPr>
-                      <a:rPr lang="en-US" dirty="0">
-                        <a:latin typeface="Cambria Math" panose="02040503050406030204" pitchFamily="18" charset="0"/>
-                      </a:rPr>
-                      <m:t>F</m:t>
-                    </m:r>
-                    <m:r>
-                      <m:rPr>
-                        <m:nor/>
-                      </m:rPr>
-                      <a:rPr lang="en-US" b="0" i="0" dirty="0" smtClean="0">
-                        <a:latin typeface="Cambria Math" panose="02040503050406030204" pitchFamily="18" charset="0"/>
-                      </a:rPr>
-                      <m:t>(</m:t>
-                    </m:r>
-                    <m:r>
-                      <a:rPr lang="en-US" b="0" i="1" dirty="0" smtClean="0">
-                        <a:latin typeface="Cambria Math" panose="02040503050406030204" pitchFamily="18" charset="0"/>
-                      </a:rPr>
-                      <m:t>𝑦</m:t>
-                    </m:r>
-                    <m:d>
-                      <m:dPr>
-                        <m:ctrlPr>
-                          <a:rPr lang="en-US" i="1">
-                            <a:latin typeface="Cambria Math" panose="02040503050406030204" pitchFamily="18" charset="0"/>
-                          </a:rPr>
-                        </m:ctrlPr>
-                      </m:dPr>
-                      <m:e>
-                        <m:r>
-                          <a:rPr lang="en-US" i="1">
-                            <a:latin typeface="Cambria Math" panose="02040503050406030204" pitchFamily="18" charset="0"/>
-                          </a:rPr>
-                          <m:t>𝑛</m:t>
-                        </m:r>
-                      </m:e>
-                    </m:d>
-                    <m:r>
-                      <a:rPr lang="en-US" b="0" i="1" smtClean="0">
-                        <a:latin typeface="Cambria Math" panose="02040503050406030204" pitchFamily="18" charset="0"/>
-                      </a:rPr>
-                      <m:t>,</m:t>
-                    </m:r>
-                    <m:r>
-                      <a:rPr lang="en-US" b="0" i="1" smtClean="0">
-                        <a:latin typeface="Cambria Math" panose="02040503050406030204" pitchFamily="18" charset="0"/>
-                      </a:rPr>
-                      <m:t>𝑥</m:t>
-                    </m:r>
-                    <m:d>
-                      <m:dPr>
-                        <m:ctrlPr>
-                          <a:rPr lang="en-US" b="0" i="1" smtClean="0">
-                            <a:latin typeface="Cambria Math" panose="02040503050406030204" pitchFamily="18" charset="0"/>
-                          </a:rPr>
-                        </m:ctrlPr>
-                      </m:dPr>
-                      <m:e>
-                        <m:r>
-                          <a:rPr lang="en-US" b="0" i="1" smtClean="0">
-                            <a:latin typeface="Cambria Math" panose="02040503050406030204" pitchFamily="18" charset="0"/>
-                          </a:rPr>
-                          <m:t>𝑛</m:t>
-                        </m:r>
-                      </m:e>
-                    </m:d>
-                    <m:r>
-                      <a:rPr lang="en-US" b="0" i="1" smtClean="0">
-                        <a:latin typeface="Cambria Math" panose="02040503050406030204" pitchFamily="18" charset="0"/>
-                      </a:rPr>
-                      <m:t>)</m:t>
-                    </m:r>
-                  </m:oMath>
-                </a14:m>
-                <a:endParaRPr lang="en-US" dirty="0"/>
-              </a:p>
-              <a:p>
-                <a:pPr lvl="1">
-                  <a:buFont typeface="Arial" panose="020B0604020202020204" pitchFamily="34" charset="0"/>
-                  <a:buChar char="•"/>
-                </a:pPr>
-                <a:r>
-                  <a:rPr lang="en-US" dirty="0"/>
-                  <a:t>Special case: </a:t>
-                </a:r>
-                <a14:m>
-                  <m:oMath xmlns:m="http://schemas.openxmlformats.org/officeDocument/2006/math">
-                    <m:r>
-                      <m:rPr>
-                        <m:nor/>
-                      </m:rPr>
-                      <a:rPr lang="en-US" dirty="0">
-                        <a:latin typeface="Cambria Math" panose="02040503050406030204" pitchFamily="18" charset="0"/>
-                      </a:rPr>
-                      <m:t>F</m:t>
-                    </m:r>
-                    <m:r>
-                      <m:rPr>
-                        <m:nor/>
-                      </m:rPr>
-                      <a:rPr lang="en-US" dirty="0">
-                        <a:latin typeface="Cambria Math" panose="02040503050406030204" pitchFamily="18" charset="0"/>
-                      </a:rPr>
-                      <m:t>(</m:t>
-                    </m:r>
-                    <m:r>
-                      <a:rPr lang="en-US" i="1" dirty="0">
-                        <a:latin typeface="Cambria Math" panose="02040503050406030204" pitchFamily="18" charset="0"/>
-                      </a:rPr>
-                      <m:t>𝑦</m:t>
-                    </m:r>
-                    <m:d>
-                      <m:dPr>
-                        <m:ctrlPr>
-                          <a:rPr lang="en-US" i="1">
-                            <a:latin typeface="Cambria Math" panose="02040503050406030204" pitchFamily="18" charset="0"/>
-                          </a:rPr>
-                        </m:ctrlPr>
-                      </m:dPr>
-                      <m:e>
-                        <m:r>
-                          <a:rPr lang="en-US" i="1">
-                            <a:latin typeface="Cambria Math" panose="02040503050406030204" pitchFamily="18" charset="0"/>
-                          </a:rPr>
-                          <m:t>𝑛</m:t>
-                        </m:r>
-                      </m:e>
-                    </m:d>
-                    <m:r>
-                      <a:rPr lang="en-US" i="1">
-                        <a:latin typeface="Cambria Math" panose="02040503050406030204" pitchFamily="18" charset="0"/>
-                      </a:rPr>
-                      <m:t>,</m:t>
-                    </m:r>
-                    <m:r>
-                      <a:rPr lang="en-US" i="1">
-                        <a:latin typeface="Cambria Math" panose="02040503050406030204" pitchFamily="18" charset="0"/>
-                      </a:rPr>
-                      <m:t>𝑥</m:t>
-                    </m:r>
-                    <m:d>
-                      <m:dPr>
-                        <m:ctrlPr>
-                          <a:rPr lang="en-US" i="1">
-                            <a:latin typeface="Cambria Math" panose="02040503050406030204" pitchFamily="18" charset="0"/>
-                          </a:rPr>
-                        </m:ctrlPr>
-                      </m:dPr>
-                      <m:e>
-                        <m:r>
-                          <a:rPr lang="en-US" i="1">
-                            <a:latin typeface="Cambria Math" panose="02040503050406030204" pitchFamily="18" charset="0"/>
-                          </a:rPr>
-                          <m:t>𝑛</m:t>
-                        </m:r>
-                      </m:e>
-                    </m:d>
-                    <m:r>
-                      <a:rPr lang="en-US" i="1">
-                        <a:latin typeface="Cambria Math" panose="02040503050406030204" pitchFamily="18" charset="0"/>
-                      </a:rPr>
-                      <m:t>)</m:t>
-                    </m:r>
-                    <m:r>
-                      <a:rPr lang="en-US" b="0" i="0" smtClean="0">
-                        <a:latin typeface="Cambria Math" panose="02040503050406030204" pitchFamily="18" charset="0"/>
-                      </a:rPr>
-                      <m:t>=</m:t>
-                    </m:r>
-                  </m:oMath>
-                </a14:m>
-                <a:r>
-                  <a:rPr lang="en-US" dirty="0"/>
-                  <a:t> </a:t>
-                </a:r>
-                <a14:m>
-                  <m:oMath xmlns:m="http://schemas.openxmlformats.org/officeDocument/2006/math">
-                    <m:r>
-                      <m:rPr>
-                        <m:nor/>
-                      </m:rPr>
-                      <a:rPr lang="el-GR" dirty="0"/>
-                      <m:t>η</m:t>
-                    </m:r>
-                    <m:r>
-                      <a:rPr lang="en-US" i="1">
-                        <a:latin typeface="Cambria Math" panose="02040503050406030204" pitchFamily="18" charset="0"/>
-                      </a:rPr>
-                      <m:t>∗</m:t>
-                    </m:r>
-                    <m:r>
-                      <a:rPr lang="en-US" b="0" i="1" smtClean="0">
-                        <a:latin typeface="Cambria Math" panose="02040503050406030204" pitchFamily="18" charset="0"/>
-                      </a:rPr>
-                      <m:t>𝑦</m:t>
-                    </m:r>
-                    <m:d>
-                      <m:dPr>
-                        <m:ctrlPr>
-                          <a:rPr lang="en-US" i="1">
-                            <a:latin typeface="Cambria Math" panose="02040503050406030204" pitchFamily="18" charset="0"/>
-                          </a:rPr>
-                        </m:ctrlPr>
-                      </m:dPr>
-                      <m:e>
-                        <m:r>
-                          <a:rPr lang="en-US" i="1">
-                            <a:latin typeface="Cambria Math" panose="02040503050406030204" pitchFamily="18" charset="0"/>
-                          </a:rPr>
-                          <m:t>𝑛</m:t>
-                        </m:r>
-                      </m:e>
-                    </m:d>
-                    <m:r>
-                      <a:rPr lang="en-US" i="1">
-                        <a:latin typeface="Cambria Math" panose="02040503050406030204" pitchFamily="18" charset="0"/>
-                      </a:rPr>
-                      <m:t>∗</m:t>
-                    </m:r>
-                    <m:r>
-                      <a:rPr lang="en-US" i="1">
-                        <a:latin typeface="Cambria Math" panose="02040503050406030204" pitchFamily="18" charset="0"/>
-                      </a:rPr>
-                      <m:t>𝑥</m:t>
-                    </m:r>
-                    <m:d>
-                      <m:dPr>
-                        <m:ctrlPr>
-                          <a:rPr lang="en-US" i="1">
-                            <a:latin typeface="Cambria Math" panose="02040503050406030204" pitchFamily="18" charset="0"/>
-                          </a:rPr>
-                        </m:ctrlPr>
-                      </m:dPr>
-                      <m:e>
-                        <m:r>
-                          <a:rPr lang="en-US" i="1">
-                            <a:latin typeface="Cambria Math" panose="02040503050406030204" pitchFamily="18" charset="0"/>
-                          </a:rPr>
-                          <m:t>𝑛</m:t>
-                        </m:r>
-                      </m:e>
-                    </m:d>
-                  </m:oMath>
-                </a14:m>
-                <a:endParaRPr lang="en-US" dirty="0"/>
-              </a:p>
-              <a:p>
-                <a:pPr>
-                  <a:buFont typeface="Arial" panose="020B0604020202020204" pitchFamily="34" charset="0"/>
-                  <a:buChar char="•"/>
-                </a:pPr>
-                <a:r>
-                  <a:rPr lang="en-US" dirty="0"/>
-                  <a:t>Unstable - may indefinitely increase weights</a:t>
-                </a:r>
-              </a:p>
-              <a:p>
-                <a:pPr lvl="1">
-                  <a:buFont typeface="Arial" panose="020B0604020202020204" pitchFamily="34" charset="0"/>
-                  <a:buChar char="•"/>
-                </a:pPr>
-                <a:r>
-                  <a:rPr lang="en-US" dirty="0"/>
-                  <a:t>Weight decay factor, normalization ?</a:t>
-                </a:r>
-              </a:p>
-              <a:p>
-                <a:pPr lvl="1">
-                  <a:buFont typeface="Arial" panose="020B0604020202020204" pitchFamily="34" charset="0"/>
-                  <a:buChar char="•"/>
-                </a:pPr>
-                <a:r>
-                  <a:rPr lang="en-US" dirty="0"/>
-                  <a:t>In practice non-biologically inspired algorithms perform better</a:t>
-                </a:r>
-              </a:p>
-              <a:p>
-                <a:pPr>
-                  <a:buFont typeface="Arial" panose="020B0604020202020204" pitchFamily="34" charset="0"/>
-                  <a:buChar char="•"/>
-                </a:pPr>
-                <a:endParaRPr lang="en-US" dirty="0">
-                  <a:solidFill>
-                    <a:srgbClr val="000000"/>
-                  </a:solidFill>
-                </a:endParaRPr>
-              </a:p>
-              <a:p>
-                <a:pPr>
-                  <a:buFont typeface="Arial" panose="020B0604020202020204" pitchFamily="34" charset="0"/>
-                  <a:buChar char="•"/>
-                </a:pPr>
-                <a:endParaRPr lang="en-US" dirty="0"/>
-              </a:p>
-            </p:txBody>
-          </p:sp>
-        </mc:Choice>
-        <mc:Fallback xmlns="">
-          <p:sp>
-            <p:nvSpPr>
-              <p:cNvPr id="3" name="Content Placeholder 2"/>
-              <p:cNvSpPr>
-                <a:spLocks noGrp="1" noRot="1" noChangeAspect="1" noMove="1" noResize="1" noEditPoints="1" noAdjustHandles="1" noChangeArrowheads="1" noChangeShapeType="1" noTextEdit="1"/>
-              </p:cNvSpPr>
-              <p:nvPr>
-                <p:ph idx="1"/>
-              </p:nvPr>
-            </p:nvSpPr>
-            <p:spPr>
-              <a:xfrm>
-                <a:off x="457200" y="1600200"/>
-                <a:ext cx="8229600" cy="4781128"/>
-              </a:xfrm>
-              <a:blipFill>
-                <a:blip r:embed="rId3"/>
-                <a:stretch>
-                  <a:fillRect l="-1407" t="-1276" b="-2679"/>
-                </a:stretch>
-              </a:blipFill>
-            </p:spPr>
-            <p:txBody>
-              <a:bodyPr/>
-              <a:lstStyle/>
-              <a:p>
-                <a:r>
-                  <a:rPr lang="hr-HR">
-                    <a:noFill/>
-                  </a:rPr>
-                  <a:t> </a:t>
-                </a:r>
-              </a:p>
-            </p:txBody>
-          </p:sp>
-        </mc:Fallback>
-      </mc:AlternateContent>
-    </p:spTree>
-    <p:extLst>
-      <p:ext uri="{BB962C8B-B14F-4D97-AF65-F5344CB8AC3E}">
-        <p14:creationId xmlns:p14="http://schemas.microsoft.com/office/powerpoint/2010/main" val="2187387182"/>
       </p:ext>
     </p:extLst>
   </p:cSld>
@@ -27506,6 +28302,1143 @@
           <a:p>
             <a:r>
               <a:rPr lang="en-US" dirty="0"/>
+              <a:t>Error surface</a:t>
+            </a:r>
+          </a:p>
+        </p:txBody>
+      </p:sp>
+      <mc:AlternateContent xmlns:mc="http://schemas.openxmlformats.org/markup-compatibility/2006" xmlns:a14="http://schemas.microsoft.com/office/drawing/2010/main">
+        <mc:Choice Requires="a14">
+          <p:sp>
+            <p:nvSpPr>
+              <p:cNvPr id="3" name="Content Placeholder 2"/>
+              <p:cNvSpPr>
+                <a:spLocks noGrp="1"/>
+              </p:cNvSpPr>
+              <p:nvPr>
+                <p:ph idx="1"/>
+              </p:nvPr>
+            </p:nvSpPr>
+            <p:spPr>
+              <a:xfrm>
+                <a:off x="457200" y="1600200"/>
+                <a:ext cx="8229600" cy="4781128"/>
+              </a:xfrm>
+            </p:spPr>
+            <p:txBody>
+              <a:bodyPr/>
+              <a:lstStyle/>
+              <a:p>
+                <a:pPr>
+                  <a:buFont typeface="Arial" panose="020B0604020202020204" pitchFamily="34" charset="0"/>
+                  <a:buChar char="•"/>
+                </a:pPr>
+                <a:endParaRPr lang="en-US" dirty="0">
+                  <a:solidFill>
+                    <a:srgbClr val="000000"/>
+                  </a:solidFill>
+                </a:endParaRPr>
+              </a:p>
+              <a:p>
+                <a:pPr>
+                  <a:buFont typeface="Arial" panose="020B0604020202020204" pitchFamily="34" charset="0"/>
+                  <a:buChar char="•"/>
+                </a:pPr>
+                <a:endParaRPr lang="en-US" dirty="0">
+                  <a:solidFill>
+                    <a:srgbClr val="000000"/>
+                  </a:solidFill>
+                </a:endParaRPr>
+              </a:p>
+              <a:p>
+                <a:pPr>
+                  <a:buFont typeface="Arial" panose="020B0604020202020204" pitchFamily="34" charset="0"/>
+                  <a:buChar char="•"/>
+                </a:pPr>
+                <a:endParaRPr lang="en-US" dirty="0">
+                  <a:solidFill>
+                    <a:srgbClr val="000000"/>
+                  </a:solidFill>
+                </a:endParaRPr>
+              </a:p>
+              <a:p>
+                <a:pPr>
+                  <a:buFont typeface="Arial" panose="020B0604020202020204" pitchFamily="34" charset="0"/>
+                  <a:buChar char="•"/>
+                </a:pPr>
+                <a:endParaRPr lang="en-US" dirty="0">
+                  <a:solidFill>
+                    <a:srgbClr val="000000"/>
+                  </a:solidFill>
+                </a:endParaRPr>
+              </a:p>
+              <a:p>
+                <a:pPr>
+                  <a:buFont typeface="Arial" panose="020B0604020202020204" pitchFamily="34" charset="0"/>
+                  <a:buChar char="•"/>
+                </a:pPr>
+                <a:endParaRPr lang="en-US" dirty="0">
+                  <a:solidFill>
+                    <a:srgbClr val="000000"/>
+                  </a:solidFill>
+                </a:endParaRPr>
+              </a:p>
+              <a:p>
+                <a:pPr marL="0" indent="0">
+                  <a:buNone/>
+                </a:pPr>
+                <a:endParaRPr lang="en-US" dirty="0">
+                  <a:solidFill>
+                    <a:srgbClr val="000000"/>
+                  </a:solidFill>
+                </a:endParaRPr>
+              </a:p>
+              <a:p>
+                <a:pPr lvl="1">
+                  <a:buFont typeface="Arial" panose="020B0604020202020204" pitchFamily="34" charset="0"/>
+                  <a:buChar char="•"/>
+                </a:pPr>
+                <a:r>
+                  <a:rPr lang="en-US" sz="1600" dirty="0">
+                    <a:solidFill>
+                      <a:srgbClr val="000000"/>
+                    </a:solidFill>
+                    <a:hlinkClick r:id="rId3"/>
+                  </a:rPr>
+                  <a:t>https://qph.ec.quoracdn.net/main-qimg-abfbe698dd41306dc2691e8d0c3182a0.webp</a:t>
+                </a:r>
+                <a:endParaRPr lang="en-US" sz="1600" dirty="0">
+                  <a:solidFill>
+                    <a:srgbClr val="000000"/>
+                  </a:solidFill>
+                </a:endParaRPr>
+              </a:p>
+              <a:p>
+                <a:pPr>
+                  <a:buFont typeface="Arial" panose="020B0604020202020204" pitchFamily="34" charset="0"/>
+                  <a:buChar char="•"/>
+                </a:pPr>
+                <a:r>
+                  <a:rPr lang="en-US" dirty="0"/>
+                  <a:t>Local vs Global minima</a:t>
+                </a:r>
+              </a:p>
+              <a:p>
+                <a:pPr lvl="1">
+                  <a:buFont typeface="Arial" panose="020B0604020202020204" pitchFamily="34" charset="0"/>
+                  <a:buChar char="•"/>
+                </a:pPr>
+                <a14:m>
+                  <m:oMath xmlns:m="http://schemas.openxmlformats.org/officeDocument/2006/math">
+                    <m:r>
+                      <m:rPr>
+                        <m:nor/>
+                      </m:rPr>
+                      <a:rPr lang="el-GR" sz="2000" dirty="0"/>
+                      <m:t>η</m:t>
+                    </m:r>
+                  </m:oMath>
+                </a14:m>
+                <a:r>
+                  <a:rPr lang="en-US" sz="2000" dirty="0"/>
+                  <a:t>: learning rate factor</a:t>
+                </a:r>
+                <a:endParaRPr lang="en-US" sz="1600" dirty="0">
+                  <a:solidFill>
+                    <a:srgbClr val="000000"/>
+                  </a:solidFill>
+                </a:endParaRPr>
+              </a:p>
+              <a:p>
+                <a:pPr lvl="1">
+                  <a:buFont typeface="Arial" panose="020B0604020202020204" pitchFamily="34" charset="0"/>
+                  <a:buChar char="•"/>
+                </a:pPr>
+                <a:endParaRPr lang="en-US" sz="1600" dirty="0">
+                  <a:solidFill>
+                    <a:srgbClr val="000000"/>
+                  </a:solidFill>
+                </a:endParaRPr>
+              </a:p>
+              <a:p>
+                <a:pPr>
+                  <a:buFont typeface="Arial" panose="020B0604020202020204" pitchFamily="34" charset="0"/>
+                  <a:buChar char="•"/>
+                </a:pPr>
+                <a:endParaRPr lang="en-US" sz="1900" dirty="0">
+                  <a:solidFill>
+                    <a:srgbClr val="000000"/>
+                  </a:solidFill>
+                </a:endParaRPr>
+              </a:p>
+            </p:txBody>
+          </p:sp>
+        </mc:Choice>
+        <mc:Fallback xmlns="">
+          <p:sp>
+            <p:nvSpPr>
+              <p:cNvPr id="3" name="Content Placeholder 2"/>
+              <p:cNvSpPr>
+                <a:spLocks noGrp="1" noRot="1" noChangeAspect="1" noMove="1" noResize="1" noEditPoints="1" noAdjustHandles="1" noChangeArrowheads="1" noChangeShapeType="1" noTextEdit="1"/>
+              </p:cNvSpPr>
+              <p:nvPr>
+                <p:ph idx="1"/>
+              </p:nvPr>
+            </p:nvSpPr>
+            <p:spPr>
+              <a:xfrm>
+                <a:off x="457200" y="1600200"/>
+                <a:ext cx="8229600" cy="4781128"/>
+              </a:xfrm>
+              <a:blipFill>
+                <a:blip r:embed="rId4"/>
+                <a:stretch>
+                  <a:fillRect l="-1407"/>
+                </a:stretch>
+              </a:blipFill>
+            </p:spPr>
+            <p:txBody>
+              <a:bodyPr/>
+              <a:lstStyle/>
+              <a:p>
+                <a:r>
+                  <a:rPr lang="hr-HR">
+                    <a:noFill/>
+                  </a:rPr>
+                  <a:t> </a:t>
+                </a:r>
+              </a:p>
+            </p:txBody>
+          </p:sp>
+        </mc:Fallback>
+      </mc:AlternateContent>
+      <p:pic>
+        <p:nvPicPr>
+          <p:cNvPr id="5" name="Picture 4"/>
+          <p:cNvPicPr>
+            <a:picLocks noChangeAspect="1"/>
+          </p:cNvPicPr>
+          <p:nvPr/>
+        </p:nvPicPr>
+        <p:blipFill>
+          <a:blip r:embed="rId5">
+            <a:extLst>
+              <a:ext uri="{28A0092B-C50C-407E-A947-70E740481C1C}">
+                <a14:useLocalDpi xmlns:a14="http://schemas.microsoft.com/office/drawing/2010/main" val="0"/>
+              </a:ext>
+            </a:extLst>
+          </a:blip>
+          <a:stretch>
+            <a:fillRect/>
+          </a:stretch>
+        </p:blipFill>
+        <p:spPr>
+          <a:xfrm>
+            <a:off x="971600" y="1844824"/>
+            <a:ext cx="4896544" cy="2664296"/>
+          </a:xfrm>
+          <a:prstGeom prst="rect">
+            <a:avLst/>
+          </a:prstGeom>
+        </p:spPr>
+      </p:pic>
+    </p:spTree>
+    <p:extLst>
+      <p:ext uri="{BB962C8B-B14F-4D97-AF65-F5344CB8AC3E}">
+        <p14:creationId xmlns:p14="http://schemas.microsoft.com/office/powerpoint/2010/main" val="130177745"/>
+      </p:ext>
+    </p:extLst>
+  </p:cSld>
+  <p:clrMapOvr>
+    <a:masterClrMapping/>
+  </p:clrMapOvr>
+  <p:transition>
+    <p:fade thruBlk="1"/>
+  </p:transition>
+</p:sld>
+</file>
+
+<file path=ppt/slides/slide51.xml><?xml version="1.0" encoding="utf-8"?>
+<p:sld xmlns:a="http://schemas.openxmlformats.org/drawingml/2006/main" xmlns:r="http://schemas.openxmlformats.org/officeDocument/2006/relationships" xmlns:p="http://schemas.openxmlformats.org/presentationml/2006/main">
+  <p:cSld>
+    <p:spTree>
+      <p:nvGrpSpPr>
+        <p:cNvPr id="1" name=""/>
+        <p:cNvGrpSpPr/>
+        <p:nvPr/>
+      </p:nvGrpSpPr>
+      <p:grpSpPr>
+        <a:xfrm>
+          <a:off x="0" y="0"/>
+          <a:ext cx="0" cy="0"/>
+          <a:chOff x="0" y="0"/>
+          <a:chExt cx="0" cy="0"/>
+        </a:xfrm>
+      </p:grpSpPr>
+      <p:sp>
+        <p:nvSpPr>
+          <p:cNvPr id="2" name="Title 1"/>
+          <p:cNvSpPr>
+            <a:spLocks noGrp="1"/>
+          </p:cNvSpPr>
+          <p:nvPr>
+            <p:ph type="title"/>
+          </p:nvPr>
+        </p:nvSpPr>
+        <p:spPr/>
+        <p:txBody>
+          <a:bodyPr/>
+          <a:lstStyle/>
+          <a:p>
+            <a:r>
+              <a:rPr lang="en-US" dirty="0"/>
+              <a:t>Stopping criteria</a:t>
+            </a:r>
+          </a:p>
+        </p:txBody>
+      </p:sp>
+      <mc:AlternateContent xmlns:mc="http://schemas.openxmlformats.org/markup-compatibility/2006" xmlns:a14="http://schemas.microsoft.com/office/drawing/2010/main">
+        <mc:Choice Requires="a14">
+          <p:sp>
+            <p:nvSpPr>
+              <p:cNvPr id="3" name="Content Placeholder 2"/>
+              <p:cNvSpPr>
+                <a:spLocks noGrp="1"/>
+              </p:cNvSpPr>
+              <p:nvPr>
+                <p:ph idx="1"/>
+              </p:nvPr>
+            </p:nvSpPr>
+            <p:spPr>
+              <a:xfrm>
+                <a:off x="457200" y="1600200"/>
+                <a:ext cx="8229600" cy="4781128"/>
+              </a:xfrm>
+            </p:spPr>
+            <p:txBody>
+              <a:bodyPr/>
+              <a:lstStyle/>
+              <a:p>
+                <a:pPr>
+                  <a:buFont typeface="Arial" panose="020B0604020202020204" pitchFamily="34" charset="0"/>
+                  <a:buChar char="•"/>
+                </a:pPr>
+                <a:r>
+                  <a:rPr lang="en-US" dirty="0"/>
+                  <a:t>Total squared error: E(n) =  </a:t>
+                </a:r>
+                <a14:m>
+                  <m:oMath xmlns:m="http://schemas.openxmlformats.org/officeDocument/2006/math">
+                    <m:f>
+                      <m:fPr>
+                        <m:ctrlPr>
+                          <a:rPr lang="en-US" i="1">
+                            <a:latin typeface="Cambria Math" panose="02040503050406030204" pitchFamily="18" charset="0"/>
+                          </a:rPr>
+                        </m:ctrlPr>
+                      </m:fPr>
+                      <m:num>
+                        <m:r>
+                          <a:rPr lang="en-US" i="1">
+                            <a:latin typeface="Cambria Math" panose="02040503050406030204" pitchFamily="18" charset="0"/>
+                          </a:rPr>
+                          <m:t>1</m:t>
+                        </m:r>
+                      </m:num>
+                      <m:den>
+                        <m:r>
+                          <a:rPr lang="en-US" i="1">
+                            <a:latin typeface="Cambria Math" panose="02040503050406030204" pitchFamily="18" charset="0"/>
+                          </a:rPr>
+                          <m:t>2</m:t>
+                        </m:r>
+                      </m:den>
+                    </m:f>
+                    <m:nary>
+                      <m:naryPr>
+                        <m:chr m:val="∑"/>
+                        <m:supHide m:val="on"/>
+                        <m:ctrlPr>
+                          <a:rPr lang="en-US" i="1">
+                            <a:latin typeface="Cambria Math" panose="02040503050406030204" pitchFamily="18" charset="0"/>
+                          </a:rPr>
+                        </m:ctrlPr>
+                      </m:naryPr>
+                      <m:sub>
+                        <m:r>
+                          <m:rPr>
+                            <m:brk m:alnAt="7"/>
+                          </m:rPr>
+                          <a:rPr lang="en-US" i="1">
+                            <a:latin typeface="Cambria Math" panose="02040503050406030204" pitchFamily="18" charset="0"/>
+                          </a:rPr>
+                          <m:t>𝑘</m:t>
+                        </m:r>
+                      </m:sub>
+                      <m:sup/>
+                      <m:e>
+                        <m:r>
+                          <a:rPr lang="en-US" i="1">
+                            <a:latin typeface="Cambria Math" panose="02040503050406030204" pitchFamily="18" charset="0"/>
+                          </a:rPr>
+                          <m:t>𝑒</m:t>
+                        </m:r>
+                        <m:r>
+                          <a:rPr lang="en-US" i="1" baseline="30000">
+                            <a:latin typeface="Cambria Math" panose="02040503050406030204" pitchFamily="18" charset="0"/>
+                          </a:rPr>
+                          <m:t>2</m:t>
+                        </m:r>
+                        <m:r>
+                          <a:rPr lang="en-US" i="1" baseline="-25000">
+                            <a:latin typeface="Cambria Math" panose="02040503050406030204" pitchFamily="18" charset="0"/>
+                          </a:rPr>
+                          <m:t>𝑘</m:t>
+                        </m:r>
+                        <m:r>
+                          <a:rPr lang="en-US" i="1">
+                            <a:latin typeface="Cambria Math" panose="02040503050406030204" pitchFamily="18" charset="0"/>
+                          </a:rPr>
+                          <m:t>(</m:t>
+                        </m:r>
+                        <m:r>
+                          <a:rPr lang="en-US" i="1">
+                            <a:latin typeface="Cambria Math" panose="02040503050406030204" pitchFamily="18" charset="0"/>
+                          </a:rPr>
+                          <m:t>𝑛</m:t>
+                        </m:r>
+                        <m:r>
+                          <a:rPr lang="en-US" i="1">
+                            <a:latin typeface="Cambria Math" panose="02040503050406030204" pitchFamily="18" charset="0"/>
+                          </a:rPr>
+                          <m:t>)</m:t>
+                        </m:r>
+                      </m:e>
+                    </m:nary>
+                  </m:oMath>
+                </a14:m>
+                <a:endParaRPr lang="en-US" dirty="0"/>
+              </a:p>
+              <a:p>
+                <a:pPr lvl="1">
+                  <a:buFont typeface="Arial" panose="020B0604020202020204" pitchFamily="34" charset="0"/>
+                  <a:buChar char="•"/>
+                </a:pPr>
+                <a:r>
+                  <a:rPr lang="en-US" dirty="0"/>
+                  <a:t>stopping condition: E(n) &lt;= </a:t>
+                </a:r>
+                <a:r>
+                  <a:rPr lang="el-GR" dirty="0">
+                    <a:solidFill>
+                      <a:srgbClr val="000000"/>
+                    </a:solidFill>
+                    <a:latin typeface="Arial" panose="020B0604020202020204" pitchFamily="34" charset="0"/>
+                  </a:rPr>
+                  <a:t>ε</a:t>
+                </a:r>
+                <a:r>
+                  <a:rPr lang="en-US" dirty="0">
+                    <a:solidFill>
+                      <a:srgbClr val="000000"/>
+                    </a:solidFill>
+                    <a:latin typeface="Arial" panose="020B0604020202020204" pitchFamily="34" charset="0"/>
+                  </a:rPr>
+                  <a:t> </a:t>
+                </a:r>
+                <a:r>
+                  <a:rPr lang="en-US" dirty="0"/>
+                  <a:t>for all input samples </a:t>
+                </a:r>
+              </a:p>
+              <a:p>
+                <a:pPr lvl="1">
+                  <a:buFont typeface="Arial" panose="020B0604020202020204" pitchFamily="34" charset="0"/>
+                  <a:buChar char="•"/>
+                </a:pPr>
+                <a:r>
+                  <a:rPr lang="en-US" b="1" dirty="0"/>
+                  <a:t>overall</a:t>
+                </a:r>
+                <a:r>
+                  <a:rPr lang="en-US" dirty="0"/>
+                  <a:t> activation of output layer neurons should converge to desired activation</a:t>
+                </a:r>
+              </a:p>
+              <a:p>
+                <a:pPr lvl="1">
+                  <a:buFont typeface="Arial" panose="020B0604020202020204" pitchFamily="34" charset="0"/>
+                  <a:buChar char="•"/>
+                </a:pPr>
+                <a:r>
+                  <a:rPr lang="en-US" dirty="0"/>
+                  <a:t>network may learn to recognize some samples really well and some not at all</a:t>
+                </a:r>
+              </a:p>
+              <a:p>
+                <a:pPr>
+                  <a:buFont typeface="Arial" panose="020B0604020202020204" pitchFamily="34" charset="0"/>
+                  <a:buChar char="•"/>
+                </a:pPr>
+                <a:r>
+                  <a:rPr lang="en-US" dirty="0"/>
+                  <a:t>Max error per sample: e</a:t>
+                </a:r>
+                <a:r>
+                  <a:rPr lang="en-US" baseline="-25000" dirty="0"/>
+                  <a:t>k</a:t>
+                </a:r>
+                <a:r>
+                  <a:rPr lang="en-US" dirty="0"/>
+                  <a:t>(n) &lt;= </a:t>
+                </a:r>
+                <a:r>
+                  <a:rPr lang="el-GR" dirty="0">
+                    <a:solidFill>
+                      <a:srgbClr val="000000"/>
+                    </a:solidFill>
+                    <a:latin typeface="Arial" panose="020B0604020202020204" pitchFamily="34" charset="0"/>
+                  </a:rPr>
+                  <a:t>ε</a:t>
+                </a:r>
+                <a:endParaRPr lang="en-US" dirty="0"/>
+              </a:p>
+              <a:p>
+                <a:pPr>
+                  <a:buFont typeface="Arial" panose="020B0604020202020204" pitchFamily="34" charset="0"/>
+                  <a:buChar char="•"/>
+                </a:pPr>
+                <a:r>
+                  <a:rPr lang="en-US" dirty="0"/>
+                  <a:t>Fixed number of iterations</a:t>
+                </a:r>
+              </a:p>
+              <a:p>
+                <a:pPr>
+                  <a:buFont typeface="Arial" panose="020B0604020202020204" pitchFamily="34" charset="0"/>
+                  <a:buChar char="•"/>
+                </a:pPr>
+                <a:r>
+                  <a:rPr lang="en-US" dirty="0"/>
+                  <a:t>Cross validation</a:t>
+                </a:r>
+              </a:p>
+              <a:p>
+                <a:pPr lvl="1">
+                  <a:buFont typeface="Arial" panose="020B0604020202020204" pitchFamily="34" charset="0"/>
+                  <a:buChar char="•"/>
+                </a:pPr>
+                <a:r>
+                  <a:rPr lang="en-US" dirty="0"/>
+                  <a:t>70/30 rule</a:t>
+                </a:r>
+              </a:p>
+              <a:p>
+                <a:pPr marL="388937" lvl="1" indent="0">
+                  <a:buNone/>
+                </a:pPr>
+                <a:endParaRPr lang="en-US" dirty="0"/>
+              </a:p>
+              <a:p>
+                <a:pPr marL="388937" lvl="1" indent="0">
+                  <a:buNone/>
+                </a:pPr>
+                <a:endParaRPr lang="en-US" dirty="0"/>
+              </a:p>
+              <a:p>
+                <a:pPr>
+                  <a:buFont typeface="Arial" panose="020B0604020202020204" pitchFamily="34" charset="0"/>
+                  <a:buChar char="•"/>
+                </a:pPr>
+                <a:endParaRPr lang="en-US" dirty="0">
+                  <a:solidFill>
+                    <a:srgbClr val="000000"/>
+                  </a:solidFill>
+                </a:endParaRPr>
+              </a:p>
+              <a:p>
+                <a:pPr>
+                  <a:buFont typeface="Arial" panose="020B0604020202020204" pitchFamily="34" charset="0"/>
+                  <a:buChar char="•"/>
+                </a:pPr>
+                <a:endParaRPr lang="en-US" dirty="0"/>
+              </a:p>
+            </p:txBody>
+          </p:sp>
+        </mc:Choice>
+        <mc:Fallback xmlns="">
+          <p:sp>
+            <p:nvSpPr>
+              <p:cNvPr id="3" name="Content Placeholder 2"/>
+              <p:cNvSpPr>
+                <a:spLocks noGrp="1" noRot="1" noChangeAspect="1" noMove="1" noResize="1" noEditPoints="1" noAdjustHandles="1" noChangeArrowheads="1" noChangeShapeType="1" noTextEdit="1"/>
+              </p:cNvSpPr>
+              <p:nvPr>
+                <p:ph idx="1"/>
+              </p:nvPr>
+            </p:nvSpPr>
+            <p:spPr>
+              <a:xfrm>
+                <a:off x="457200" y="1600200"/>
+                <a:ext cx="8229600" cy="4781128"/>
+              </a:xfrm>
+              <a:blipFill>
+                <a:blip r:embed="rId3"/>
+                <a:stretch>
+                  <a:fillRect l="-1407"/>
+                </a:stretch>
+              </a:blipFill>
+            </p:spPr>
+            <p:txBody>
+              <a:bodyPr/>
+              <a:lstStyle/>
+              <a:p>
+                <a:r>
+                  <a:rPr lang="hr-HR">
+                    <a:noFill/>
+                  </a:rPr>
+                  <a:t> </a:t>
+                </a:r>
+              </a:p>
+            </p:txBody>
+          </p:sp>
+        </mc:Fallback>
+      </mc:AlternateContent>
+    </p:spTree>
+    <p:extLst>
+      <p:ext uri="{BB962C8B-B14F-4D97-AF65-F5344CB8AC3E}">
+        <p14:creationId xmlns:p14="http://schemas.microsoft.com/office/powerpoint/2010/main" val="1496173640"/>
+      </p:ext>
+    </p:extLst>
+  </p:cSld>
+  <p:clrMapOvr>
+    <a:masterClrMapping/>
+  </p:clrMapOvr>
+  <p:transition>
+    <p:fade thruBlk="1"/>
+  </p:transition>
+</p:sld>
+</file>
+
+<file path=ppt/slides/slide52.xml><?xml version="1.0" encoding="utf-8"?>
+<p:sld xmlns:a="http://schemas.openxmlformats.org/drawingml/2006/main" xmlns:r="http://schemas.openxmlformats.org/officeDocument/2006/relationships" xmlns:p="http://schemas.openxmlformats.org/presentationml/2006/main">
+  <p:cSld>
+    <p:spTree>
+      <p:nvGrpSpPr>
+        <p:cNvPr id="1" name=""/>
+        <p:cNvGrpSpPr/>
+        <p:nvPr/>
+      </p:nvGrpSpPr>
+      <p:grpSpPr>
+        <a:xfrm>
+          <a:off x="0" y="0"/>
+          <a:ext cx="0" cy="0"/>
+          <a:chOff x="0" y="0"/>
+          <a:chExt cx="0" cy="0"/>
+        </a:xfrm>
+      </p:grpSpPr>
+      <p:sp>
+        <p:nvSpPr>
+          <p:cNvPr id="2" name="Title 1"/>
+          <p:cNvSpPr>
+            <a:spLocks noGrp="1"/>
+          </p:cNvSpPr>
+          <p:nvPr>
+            <p:ph type="title"/>
+          </p:nvPr>
+        </p:nvSpPr>
+        <p:spPr/>
+        <p:txBody>
+          <a:bodyPr/>
+          <a:lstStyle/>
+          <a:p>
+            <a:r>
+              <a:rPr lang="en-US" dirty="0"/>
+              <a:t>Hebb learning</a:t>
+            </a:r>
+          </a:p>
+        </p:txBody>
+      </p:sp>
+      <mc:AlternateContent xmlns:mc="http://schemas.openxmlformats.org/markup-compatibility/2006" xmlns:a14="http://schemas.microsoft.com/office/drawing/2010/main">
+        <mc:Choice Requires="a14">
+          <p:sp>
+            <p:nvSpPr>
+              <p:cNvPr id="3" name="Content Placeholder 2"/>
+              <p:cNvSpPr>
+                <a:spLocks noGrp="1"/>
+              </p:cNvSpPr>
+              <p:nvPr>
+                <p:ph idx="1"/>
+              </p:nvPr>
+            </p:nvSpPr>
+            <p:spPr>
+              <a:xfrm>
+                <a:off x="457200" y="1600200"/>
+                <a:ext cx="8229600" cy="4781128"/>
+              </a:xfrm>
+            </p:spPr>
+            <p:txBody>
+              <a:bodyPr/>
+              <a:lstStyle/>
+              <a:p>
+                <a:pPr>
+                  <a:buFont typeface="Arial" panose="020B0604020202020204" pitchFamily="34" charset="0"/>
+                  <a:buChar char="•"/>
+                </a:pPr>
+                <a:r>
+                  <a:rPr lang="en-US" dirty="0"/>
+                  <a:t>Recall Hebb’s observation:</a:t>
+                </a:r>
+              </a:p>
+              <a:p>
+                <a:pPr lvl="1">
+                  <a:buFont typeface="Arial" panose="020B0604020202020204" pitchFamily="34" charset="0"/>
+                  <a:buChar char="•"/>
+                </a:pPr>
+                <a:r>
+                  <a:rPr lang="en-US" dirty="0"/>
+                  <a:t>If two neurons on either side of a synapse (connection) are activated simultaneously then the strength of that synapse is increased.</a:t>
+                </a:r>
+              </a:p>
+              <a:p>
+                <a:pPr lvl="1">
+                  <a:buFont typeface="Arial" panose="020B0604020202020204" pitchFamily="34" charset="0"/>
+                  <a:buChar char="•"/>
+                </a:pPr>
+                <a:r>
+                  <a:rPr lang="en-US" b="1" dirty="0"/>
+                  <a:t>Unsupervised</a:t>
+                </a:r>
+                <a:r>
+                  <a:rPr lang="en-US" dirty="0"/>
+                  <a:t> learning – unlabeled examples</a:t>
+                </a:r>
+                <a:endParaRPr lang="en-US" i="1" dirty="0"/>
+              </a:p>
+              <a:p>
+                <a:pPr>
+                  <a:buFont typeface="Arial" panose="020B0604020202020204" pitchFamily="34" charset="0"/>
+                  <a:buChar char="•"/>
+                </a:pPr>
+                <a:r>
+                  <a:rPr lang="el-GR" b="1" dirty="0">
+                    <a:latin typeface="times new roman" panose="02020603050405020304" pitchFamily="18" charset="0"/>
+                  </a:rPr>
+                  <a:t>Δ</a:t>
+                </a:r>
+                <a:r>
+                  <a:rPr lang="en-US" b="1" dirty="0">
+                    <a:latin typeface="times new roman" panose="02020603050405020304" pitchFamily="18" charset="0"/>
+                  </a:rPr>
+                  <a:t> </a:t>
+                </a:r>
+                <a:r>
+                  <a:rPr lang="en-US" b="1" dirty="0" err="1"/>
+                  <a:t>Wk</a:t>
+                </a:r>
+                <a:r>
+                  <a:rPr lang="en-US" b="1" dirty="0"/>
+                  <a:t>(n) </a:t>
+                </a:r>
+                <a:r>
+                  <a:rPr lang="en-US" dirty="0"/>
+                  <a:t>= </a:t>
+                </a:r>
+                <a:r>
+                  <a:rPr lang="el-GR" dirty="0"/>
+                  <a:t> </a:t>
+                </a:r>
+                <a14:m>
+                  <m:oMath xmlns:m="http://schemas.openxmlformats.org/officeDocument/2006/math">
+                    <m:r>
+                      <m:rPr>
+                        <m:nor/>
+                      </m:rPr>
+                      <a:rPr lang="en-US" dirty="0">
+                        <a:latin typeface="Cambria Math" panose="02040503050406030204" pitchFamily="18" charset="0"/>
+                      </a:rPr>
+                      <m:t>F</m:t>
+                    </m:r>
+                    <m:r>
+                      <m:rPr>
+                        <m:nor/>
+                      </m:rPr>
+                      <a:rPr lang="en-US" b="0" i="0" dirty="0" smtClean="0">
+                        <a:latin typeface="Cambria Math" panose="02040503050406030204" pitchFamily="18" charset="0"/>
+                      </a:rPr>
+                      <m:t>(</m:t>
+                    </m:r>
+                    <m:r>
+                      <a:rPr lang="en-US" b="0" i="1" dirty="0" smtClean="0">
+                        <a:latin typeface="Cambria Math" panose="02040503050406030204" pitchFamily="18" charset="0"/>
+                      </a:rPr>
+                      <m:t>𝑦</m:t>
+                    </m:r>
+                    <m:d>
+                      <m:dPr>
+                        <m:ctrlPr>
+                          <a:rPr lang="en-US" i="1">
+                            <a:latin typeface="Cambria Math" panose="02040503050406030204" pitchFamily="18" charset="0"/>
+                          </a:rPr>
+                        </m:ctrlPr>
+                      </m:dPr>
+                      <m:e>
+                        <m:r>
+                          <a:rPr lang="en-US" i="1">
+                            <a:latin typeface="Cambria Math" panose="02040503050406030204" pitchFamily="18" charset="0"/>
+                          </a:rPr>
+                          <m:t>𝑛</m:t>
+                        </m:r>
+                      </m:e>
+                    </m:d>
+                    <m:r>
+                      <a:rPr lang="en-US" b="0" i="1" smtClean="0">
+                        <a:latin typeface="Cambria Math" panose="02040503050406030204" pitchFamily="18" charset="0"/>
+                      </a:rPr>
+                      <m:t>,</m:t>
+                    </m:r>
+                    <m:r>
+                      <a:rPr lang="en-US" b="0" i="1" smtClean="0">
+                        <a:latin typeface="Cambria Math" panose="02040503050406030204" pitchFamily="18" charset="0"/>
+                      </a:rPr>
+                      <m:t>𝑥</m:t>
+                    </m:r>
+                    <m:d>
+                      <m:dPr>
+                        <m:ctrlPr>
+                          <a:rPr lang="en-US" b="0" i="1" smtClean="0">
+                            <a:latin typeface="Cambria Math" panose="02040503050406030204" pitchFamily="18" charset="0"/>
+                          </a:rPr>
+                        </m:ctrlPr>
+                      </m:dPr>
+                      <m:e>
+                        <m:r>
+                          <a:rPr lang="en-US" b="0" i="1" smtClean="0">
+                            <a:latin typeface="Cambria Math" panose="02040503050406030204" pitchFamily="18" charset="0"/>
+                          </a:rPr>
+                          <m:t>𝑛</m:t>
+                        </m:r>
+                      </m:e>
+                    </m:d>
+                    <m:r>
+                      <a:rPr lang="en-US" b="0" i="1" smtClean="0">
+                        <a:latin typeface="Cambria Math" panose="02040503050406030204" pitchFamily="18" charset="0"/>
+                      </a:rPr>
+                      <m:t>)</m:t>
+                    </m:r>
+                  </m:oMath>
+                </a14:m>
+                <a:endParaRPr lang="en-US" dirty="0"/>
+              </a:p>
+              <a:p>
+                <a:pPr lvl="1">
+                  <a:buFont typeface="Arial" panose="020B0604020202020204" pitchFamily="34" charset="0"/>
+                  <a:buChar char="•"/>
+                </a:pPr>
+                <a:r>
+                  <a:rPr lang="en-US" dirty="0"/>
+                  <a:t>Special case: </a:t>
+                </a:r>
+                <a14:m>
+                  <m:oMath xmlns:m="http://schemas.openxmlformats.org/officeDocument/2006/math">
+                    <m:r>
+                      <m:rPr>
+                        <m:nor/>
+                      </m:rPr>
+                      <a:rPr lang="en-US" dirty="0">
+                        <a:latin typeface="Cambria Math" panose="02040503050406030204" pitchFamily="18" charset="0"/>
+                      </a:rPr>
+                      <m:t>F</m:t>
+                    </m:r>
+                    <m:r>
+                      <m:rPr>
+                        <m:nor/>
+                      </m:rPr>
+                      <a:rPr lang="en-US" dirty="0">
+                        <a:latin typeface="Cambria Math" panose="02040503050406030204" pitchFamily="18" charset="0"/>
+                      </a:rPr>
+                      <m:t>(</m:t>
+                    </m:r>
+                    <m:r>
+                      <a:rPr lang="en-US" i="1" dirty="0">
+                        <a:latin typeface="Cambria Math" panose="02040503050406030204" pitchFamily="18" charset="0"/>
+                      </a:rPr>
+                      <m:t>𝑦</m:t>
+                    </m:r>
+                    <m:d>
+                      <m:dPr>
+                        <m:ctrlPr>
+                          <a:rPr lang="en-US" i="1">
+                            <a:latin typeface="Cambria Math" panose="02040503050406030204" pitchFamily="18" charset="0"/>
+                          </a:rPr>
+                        </m:ctrlPr>
+                      </m:dPr>
+                      <m:e>
+                        <m:r>
+                          <a:rPr lang="en-US" i="1">
+                            <a:latin typeface="Cambria Math" panose="02040503050406030204" pitchFamily="18" charset="0"/>
+                          </a:rPr>
+                          <m:t>𝑛</m:t>
+                        </m:r>
+                      </m:e>
+                    </m:d>
+                    <m:r>
+                      <a:rPr lang="en-US" i="1">
+                        <a:latin typeface="Cambria Math" panose="02040503050406030204" pitchFamily="18" charset="0"/>
+                      </a:rPr>
+                      <m:t>,</m:t>
+                    </m:r>
+                    <m:r>
+                      <a:rPr lang="en-US" i="1">
+                        <a:latin typeface="Cambria Math" panose="02040503050406030204" pitchFamily="18" charset="0"/>
+                      </a:rPr>
+                      <m:t>𝑥</m:t>
+                    </m:r>
+                    <m:d>
+                      <m:dPr>
+                        <m:ctrlPr>
+                          <a:rPr lang="en-US" i="1">
+                            <a:latin typeface="Cambria Math" panose="02040503050406030204" pitchFamily="18" charset="0"/>
+                          </a:rPr>
+                        </m:ctrlPr>
+                      </m:dPr>
+                      <m:e>
+                        <m:r>
+                          <a:rPr lang="en-US" i="1">
+                            <a:latin typeface="Cambria Math" panose="02040503050406030204" pitchFamily="18" charset="0"/>
+                          </a:rPr>
+                          <m:t>𝑛</m:t>
+                        </m:r>
+                      </m:e>
+                    </m:d>
+                    <m:r>
+                      <a:rPr lang="en-US" i="1">
+                        <a:latin typeface="Cambria Math" panose="02040503050406030204" pitchFamily="18" charset="0"/>
+                      </a:rPr>
+                      <m:t>)</m:t>
+                    </m:r>
+                    <m:r>
+                      <a:rPr lang="en-US" b="0" i="0" smtClean="0">
+                        <a:latin typeface="Cambria Math" panose="02040503050406030204" pitchFamily="18" charset="0"/>
+                      </a:rPr>
+                      <m:t>=</m:t>
+                    </m:r>
+                  </m:oMath>
+                </a14:m>
+                <a:r>
+                  <a:rPr lang="en-US" dirty="0"/>
+                  <a:t> </a:t>
+                </a:r>
+                <a14:m>
+                  <m:oMath xmlns:m="http://schemas.openxmlformats.org/officeDocument/2006/math">
+                    <m:r>
+                      <m:rPr>
+                        <m:nor/>
+                      </m:rPr>
+                      <a:rPr lang="el-GR" dirty="0"/>
+                      <m:t>η</m:t>
+                    </m:r>
+                    <m:r>
+                      <a:rPr lang="en-US" i="1">
+                        <a:latin typeface="Cambria Math" panose="02040503050406030204" pitchFamily="18" charset="0"/>
+                      </a:rPr>
+                      <m:t>∗</m:t>
+                    </m:r>
+                    <m:r>
+                      <a:rPr lang="en-US" b="0" i="1" smtClean="0">
+                        <a:latin typeface="Cambria Math" panose="02040503050406030204" pitchFamily="18" charset="0"/>
+                      </a:rPr>
+                      <m:t>𝑦</m:t>
+                    </m:r>
+                    <m:d>
+                      <m:dPr>
+                        <m:ctrlPr>
+                          <a:rPr lang="en-US" i="1">
+                            <a:latin typeface="Cambria Math" panose="02040503050406030204" pitchFamily="18" charset="0"/>
+                          </a:rPr>
+                        </m:ctrlPr>
+                      </m:dPr>
+                      <m:e>
+                        <m:r>
+                          <a:rPr lang="en-US" i="1">
+                            <a:latin typeface="Cambria Math" panose="02040503050406030204" pitchFamily="18" charset="0"/>
+                          </a:rPr>
+                          <m:t>𝑛</m:t>
+                        </m:r>
+                      </m:e>
+                    </m:d>
+                    <m:r>
+                      <a:rPr lang="en-US" i="1">
+                        <a:latin typeface="Cambria Math" panose="02040503050406030204" pitchFamily="18" charset="0"/>
+                      </a:rPr>
+                      <m:t>∗</m:t>
+                    </m:r>
+                    <m:r>
+                      <a:rPr lang="en-US" i="1">
+                        <a:latin typeface="Cambria Math" panose="02040503050406030204" pitchFamily="18" charset="0"/>
+                      </a:rPr>
+                      <m:t>𝑥</m:t>
+                    </m:r>
+                    <m:d>
+                      <m:dPr>
+                        <m:ctrlPr>
+                          <a:rPr lang="en-US" i="1">
+                            <a:latin typeface="Cambria Math" panose="02040503050406030204" pitchFamily="18" charset="0"/>
+                          </a:rPr>
+                        </m:ctrlPr>
+                      </m:dPr>
+                      <m:e>
+                        <m:r>
+                          <a:rPr lang="en-US" i="1">
+                            <a:latin typeface="Cambria Math" panose="02040503050406030204" pitchFamily="18" charset="0"/>
+                          </a:rPr>
+                          <m:t>𝑛</m:t>
+                        </m:r>
+                      </m:e>
+                    </m:d>
+                  </m:oMath>
+                </a14:m>
+                <a:endParaRPr lang="en-US" dirty="0"/>
+              </a:p>
+              <a:p>
+                <a:pPr>
+                  <a:buFont typeface="Arial" panose="020B0604020202020204" pitchFamily="34" charset="0"/>
+                  <a:buChar char="•"/>
+                </a:pPr>
+                <a:r>
+                  <a:rPr lang="en-US" dirty="0"/>
+                  <a:t>Unstable - may indefinitely increase weights</a:t>
+                </a:r>
+              </a:p>
+              <a:p>
+                <a:pPr lvl="1">
+                  <a:buFont typeface="Arial" panose="020B0604020202020204" pitchFamily="34" charset="0"/>
+                  <a:buChar char="•"/>
+                </a:pPr>
+                <a:r>
+                  <a:rPr lang="en-US" dirty="0"/>
+                  <a:t>Weight decay factor, normalization ?</a:t>
+                </a:r>
+              </a:p>
+              <a:p>
+                <a:pPr lvl="1">
+                  <a:buFont typeface="Arial" panose="020B0604020202020204" pitchFamily="34" charset="0"/>
+                  <a:buChar char="•"/>
+                </a:pPr>
+                <a:r>
+                  <a:rPr lang="en-US" dirty="0"/>
+                  <a:t>In practice non-biologically inspired algorithms perform better</a:t>
+                </a:r>
+              </a:p>
+              <a:p>
+                <a:pPr>
+                  <a:buFont typeface="Arial" panose="020B0604020202020204" pitchFamily="34" charset="0"/>
+                  <a:buChar char="•"/>
+                </a:pPr>
+                <a:endParaRPr lang="en-US" dirty="0">
+                  <a:solidFill>
+                    <a:srgbClr val="000000"/>
+                  </a:solidFill>
+                </a:endParaRPr>
+              </a:p>
+              <a:p>
+                <a:pPr>
+                  <a:buFont typeface="Arial" panose="020B0604020202020204" pitchFamily="34" charset="0"/>
+                  <a:buChar char="•"/>
+                </a:pPr>
+                <a:endParaRPr lang="en-US" dirty="0"/>
+              </a:p>
+            </p:txBody>
+          </p:sp>
+        </mc:Choice>
+        <mc:Fallback xmlns="">
+          <p:sp>
+            <p:nvSpPr>
+              <p:cNvPr id="3" name="Content Placeholder 2"/>
+              <p:cNvSpPr>
+                <a:spLocks noGrp="1" noRot="1" noChangeAspect="1" noMove="1" noResize="1" noEditPoints="1" noAdjustHandles="1" noChangeArrowheads="1" noChangeShapeType="1" noTextEdit="1"/>
+              </p:cNvSpPr>
+              <p:nvPr>
+                <p:ph idx="1"/>
+              </p:nvPr>
+            </p:nvSpPr>
+            <p:spPr>
+              <a:xfrm>
+                <a:off x="457200" y="1600200"/>
+                <a:ext cx="8229600" cy="4781128"/>
+              </a:xfrm>
+              <a:blipFill>
+                <a:blip r:embed="rId3"/>
+                <a:stretch>
+                  <a:fillRect l="-1407" t="-1276" b="-2679"/>
+                </a:stretch>
+              </a:blipFill>
+            </p:spPr>
+            <p:txBody>
+              <a:bodyPr/>
+              <a:lstStyle/>
+              <a:p>
+                <a:r>
+                  <a:rPr lang="hr-HR">
+                    <a:noFill/>
+                  </a:rPr>
+                  <a:t> </a:t>
+                </a:r>
+              </a:p>
+            </p:txBody>
+          </p:sp>
+        </mc:Fallback>
+      </mc:AlternateContent>
+    </p:spTree>
+    <p:extLst>
+      <p:ext uri="{BB962C8B-B14F-4D97-AF65-F5344CB8AC3E}">
+        <p14:creationId xmlns:p14="http://schemas.microsoft.com/office/powerpoint/2010/main" val="2187387182"/>
+      </p:ext>
+    </p:extLst>
+  </p:cSld>
+  <p:clrMapOvr>
+    <a:masterClrMapping/>
+  </p:clrMapOvr>
+  <p:transition>
+    <p:fade thruBlk="1"/>
+  </p:transition>
+</p:sld>
+</file>
+
+<file path=ppt/slides/slide53.xml><?xml version="1.0" encoding="utf-8"?>
+<p:sld xmlns:a="http://schemas.openxmlformats.org/drawingml/2006/main" xmlns:r="http://schemas.openxmlformats.org/officeDocument/2006/relationships" xmlns:p="http://schemas.openxmlformats.org/presentationml/2006/main">
+  <p:cSld>
+    <p:spTree>
+      <p:nvGrpSpPr>
+        <p:cNvPr id="1" name=""/>
+        <p:cNvGrpSpPr/>
+        <p:nvPr/>
+      </p:nvGrpSpPr>
+      <p:grpSpPr>
+        <a:xfrm>
+          <a:off x="0" y="0"/>
+          <a:ext cx="0" cy="0"/>
+          <a:chOff x="0" y="0"/>
+          <a:chExt cx="0" cy="0"/>
+        </a:xfrm>
+      </p:grpSpPr>
+      <p:sp>
+        <p:nvSpPr>
+          <p:cNvPr id="2" name="Title 1"/>
+          <p:cNvSpPr>
+            <a:spLocks noGrp="1"/>
+          </p:cNvSpPr>
+          <p:nvPr>
+            <p:ph type="title"/>
+          </p:nvPr>
+        </p:nvSpPr>
+        <p:spPr/>
+        <p:txBody>
+          <a:bodyPr/>
+          <a:lstStyle/>
+          <a:p>
+            <a:r>
+              <a:rPr lang="en-US" dirty="0"/>
               <a:t>Feed forward network</a:t>
             </a:r>
           </a:p>
@@ -27637,7 +29570,7 @@
 </p:sld>
 </file>
 
-<file path=ppt/slides/slide51.xml><?xml version="1.0" encoding="utf-8"?>
+<file path=ppt/slides/slide54.xml><?xml version="1.0" encoding="utf-8"?>
 <p:sld xmlns:a="http://schemas.openxmlformats.org/drawingml/2006/main" xmlns:r="http://schemas.openxmlformats.org/officeDocument/2006/relationships" xmlns:p="http://schemas.openxmlformats.org/presentationml/2006/main">
   <p:cSld>
     <p:spTree>
@@ -27817,7 +29750,7 @@
 </p:sld>
 </file>
 
-<file path=ppt/slides/slide52.xml><?xml version="1.0" encoding="utf-8"?>
+<file path=ppt/slides/slide55.xml><?xml version="1.0" encoding="utf-8"?>
 <p:sld xmlns:a="http://schemas.openxmlformats.org/drawingml/2006/main" xmlns:r="http://schemas.openxmlformats.org/officeDocument/2006/relationships" xmlns:p="http://schemas.openxmlformats.org/presentationml/2006/main">
   <p:cSld>
     <p:spTree>
@@ -27995,7 +29928,7 @@
 </p:sld>
 </file>
 
-<file path=ppt/slides/slide53.xml><?xml version="1.0" encoding="utf-8"?>
+<file path=ppt/slides/slide56.xml><?xml version="1.0" encoding="utf-8"?>
 <p:sld xmlns:a="http://schemas.openxmlformats.org/drawingml/2006/main" xmlns:r="http://schemas.openxmlformats.org/officeDocument/2006/relationships" xmlns:p="http://schemas.openxmlformats.org/presentationml/2006/main">
   <p:cSld>
     <p:spTree>
@@ -28447,7 +30380,7 @@
           <a:p>
             <a:r>
               <a:rPr lang="en-US" dirty="0"/>
-              <a:t>Bayes theorem</a:t>
+              <a:t>Conditional probability</a:t>
             </a:r>
           </a:p>
         </p:txBody>
@@ -28476,8 +30409,662 @@
               <a:p>
                 <a:r>
                   <a:rPr lang="en-US" dirty="0"/>
+                  <a:t>measure of the probability of an event given that </a:t>
+                </a:r>
+                <a:r>
+                  <a:rPr lang="en-US" b="1" dirty="0"/>
+                  <a:t>another</a:t>
+                </a:r>
+                <a:r>
+                  <a:rPr lang="en-US" dirty="0"/>
+                  <a:t> event has occurred</a:t>
+                </a:r>
+              </a:p>
+              <a:p>
+                <a14:m>
+                  <m:oMath xmlns:m="http://schemas.openxmlformats.org/officeDocument/2006/math">
+                    <m:r>
+                      <a:rPr lang="en-US" i="1">
+                        <a:latin typeface="Cambria Math" panose="02040503050406030204" pitchFamily="18" charset="0"/>
+                      </a:rPr>
+                      <m:t>𝑃</m:t>
+                    </m:r>
+                    <m:d>
+                      <m:dPr>
+                        <m:ctrlPr>
+                          <a:rPr lang="en-US" i="1">
+                            <a:latin typeface="Cambria Math" panose="02040503050406030204" pitchFamily="18" charset="0"/>
+                          </a:rPr>
+                        </m:ctrlPr>
+                      </m:dPr>
+                      <m:e>
+                        <m:r>
+                          <a:rPr lang="en-US" i="1">
+                            <a:latin typeface="Cambria Math" panose="02040503050406030204" pitchFamily="18" charset="0"/>
+                          </a:rPr>
+                          <m:t>𝐴</m:t>
+                        </m:r>
+                      </m:e>
+                      <m:e>
+                        <m:r>
+                          <a:rPr lang="en-US" i="1">
+                            <a:latin typeface="Cambria Math" panose="02040503050406030204" pitchFamily="18" charset="0"/>
+                          </a:rPr>
+                          <m:t>𝐵</m:t>
+                        </m:r>
+                      </m:e>
+                    </m:d>
+                    <m:r>
+                      <a:rPr lang="en-US" i="1">
+                        <a:latin typeface="Cambria Math" panose="02040503050406030204" pitchFamily="18" charset="0"/>
+                      </a:rPr>
+                      <m:t>=</m:t>
+                    </m:r>
+                    <m:f>
+                      <m:fPr>
+                        <m:ctrlPr>
+                          <a:rPr lang="en-US" i="1" smtClean="0">
+                            <a:latin typeface="Cambria Math" panose="02040503050406030204" pitchFamily="18" charset="0"/>
+                          </a:rPr>
+                        </m:ctrlPr>
+                      </m:fPr>
+                      <m:num>
+                        <m:r>
+                          <a:rPr lang="en-US" b="0" i="1" smtClean="0">
+                            <a:latin typeface="Cambria Math" panose="02040503050406030204" pitchFamily="18" charset="0"/>
+                          </a:rPr>
+                          <m:t>𝑃</m:t>
+                        </m:r>
+                        <m:r>
+                          <a:rPr lang="en-US" b="0" i="1" smtClean="0">
+                            <a:latin typeface="Cambria Math" panose="02040503050406030204" pitchFamily="18" charset="0"/>
+                          </a:rPr>
+                          <m:t>(</m:t>
+                        </m:r>
+                        <m:r>
+                          <a:rPr lang="en-US" b="0" i="1" smtClean="0">
+                            <a:latin typeface="Cambria Math" panose="02040503050406030204" pitchFamily="18" charset="0"/>
+                          </a:rPr>
+                          <m:t>𝐴</m:t>
+                        </m:r>
+                        <m:r>
+                          <m:rPr>
+                            <m:nor/>
+                          </m:rPr>
+                          <a:rPr lang="hr-HR" sz="2800"/>
+                          <m:t>∩</m:t>
+                        </m:r>
+                        <m:r>
+                          <a:rPr lang="en-US" b="0" i="1" smtClean="0">
+                            <a:latin typeface="Cambria Math" panose="02040503050406030204" pitchFamily="18" charset="0"/>
+                          </a:rPr>
+                          <m:t>𝐵</m:t>
+                        </m:r>
+                        <m:r>
+                          <a:rPr lang="en-US" b="0" i="1" smtClean="0">
+                            <a:latin typeface="Cambria Math" panose="02040503050406030204" pitchFamily="18" charset="0"/>
+                          </a:rPr>
+                          <m:t>)</m:t>
+                        </m:r>
+                      </m:num>
+                      <m:den>
+                        <m:r>
+                          <a:rPr lang="en-US" b="0" i="1" smtClean="0">
+                            <a:latin typeface="Cambria Math" panose="02040503050406030204" pitchFamily="18" charset="0"/>
+                          </a:rPr>
+                          <m:t>𝑃</m:t>
+                        </m:r>
+                        <m:r>
+                          <a:rPr lang="en-US" b="0" i="1" smtClean="0">
+                            <a:latin typeface="Cambria Math" panose="02040503050406030204" pitchFamily="18" charset="0"/>
+                          </a:rPr>
+                          <m:t>(</m:t>
+                        </m:r>
+                        <m:r>
+                          <a:rPr lang="en-US" b="0" i="1" smtClean="0">
+                            <a:latin typeface="Cambria Math" panose="02040503050406030204" pitchFamily="18" charset="0"/>
+                          </a:rPr>
+                          <m:t>𝐵</m:t>
+                        </m:r>
+                        <m:r>
+                          <a:rPr lang="en-US" b="0" i="1" smtClean="0">
+                            <a:latin typeface="Cambria Math" panose="02040503050406030204" pitchFamily="18" charset="0"/>
+                          </a:rPr>
+                          <m:t>)</m:t>
+                        </m:r>
+                      </m:den>
+                    </m:f>
+                  </m:oMath>
+                </a14:m>
+                <a:r>
+                  <a:rPr lang="en-US" dirty="0"/>
+                  <a:t> ---&gt; </a:t>
+                </a:r>
+                <a14:m>
+                  <m:oMath xmlns:m="http://schemas.openxmlformats.org/officeDocument/2006/math">
+                    <m:r>
+                      <a:rPr lang="en-US" i="1">
+                        <a:latin typeface="Cambria Math" panose="02040503050406030204" pitchFamily="18" charset="0"/>
+                      </a:rPr>
+                      <m:t>𝑃</m:t>
+                    </m:r>
+                    <m:r>
+                      <a:rPr lang="en-US" i="1">
+                        <a:latin typeface="Cambria Math" panose="02040503050406030204" pitchFamily="18" charset="0"/>
+                      </a:rPr>
+                      <m:t>(</m:t>
+                    </m:r>
+                    <m:r>
+                      <a:rPr lang="en-US" i="1">
+                        <a:latin typeface="Cambria Math" panose="02040503050406030204" pitchFamily="18" charset="0"/>
+                      </a:rPr>
+                      <m:t>𝐴</m:t>
+                    </m:r>
+                    <m:r>
+                      <m:rPr>
+                        <m:nor/>
+                      </m:rPr>
+                      <a:rPr lang="hr-HR" sz="2800"/>
+                      <m:t>∩</m:t>
+                    </m:r>
+                    <m:r>
+                      <a:rPr lang="en-US" i="1">
+                        <a:latin typeface="Cambria Math" panose="02040503050406030204" pitchFamily="18" charset="0"/>
+                      </a:rPr>
+                      <m:t>𝐵</m:t>
+                    </m:r>
+                    <m:r>
+                      <a:rPr lang="en-US" i="1">
+                        <a:latin typeface="Cambria Math" panose="02040503050406030204" pitchFamily="18" charset="0"/>
+                      </a:rPr>
+                      <m:t>)</m:t>
+                    </m:r>
+                  </m:oMath>
+                </a14:m>
+                <a:r>
+                  <a:rPr lang="en-US" dirty="0"/>
+                  <a:t> = </a:t>
+                </a:r>
+                <a14:m>
+                  <m:oMath xmlns:m="http://schemas.openxmlformats.org/officeDocument/2006/math">
+                    <m:r>
+                      <a:rPr lang="en-US" i="1">
+                        <a:latin typeface="Cambria Math" panose="02040503050406030204" pitchFamily="18" charset="0"/>
+                      </a:rPr>
+                      <m:t>𝑃</m:t>
+                    </m:r>
+                    <m:d>
+                      <m:dPr>
+                        <m:ctrlPr>
+                          <a:rPr lang="en-US" i="1">
+                            <a:latin typeface="Cambria Math" panose="02040503050406030204" pitchFamily="18" charset="0"/>
+                          </a:rPr>
+                        </m:ctrlPr>
+                      </m:dPr>
+                      <m:e>
+                        <m:r>
+                          <a:rPr lang="en-US" i="1">
+                            <a:latin typeface="Cambria Math" panose="02040503050406030204" pitchFamily="18" charset="0"/>
+                          </a:rPr>
+                          <m:t>𝐴</m:t>
+                        </m:r>
+                      </m:e>
+                      <m:e>
+                        <m:r>
+                          <a:rPr lang="en-US" i="1">
+                            <a:latin typeface="Cambria Math" panose="02040503050406030204" pitchFamily="18" charset="0"/>
+                          </a:rPr>
+                          <m:t>𝐵</m:t>
+                        </m:r>
+                      </m:e>
+                    </m:d>
+                    <m:r>
+                      <a:rPr lang="en-US" b="0" i="1" smtClean="0">
+                        <a:latin typeface="Cambria Math" panose="02040503050406030204" pitchFamily="18" charset="0"/>
+                      </a:rPr>
+                      <m:t> ∗ </m:t>
+                    </m:r>
+                    <m:r>
+                      <a:rPr lang="en-US" i="1">
+                        <a:latin typeface="Cambria Math" panose="02040503050406030204" pitchFamily="18" charset="0"/>
+                      </a:rPr>
+                      <m:t>𝑃</m:t>
+                    </m:r>
+                    <m:r>
+                      <a:rPr lang="en-US" i="1">
+                        <a:latin typeface="Cambria Math" panose="02040503050406030204" pitchFamily="18" charset="0"/>
+                      </a:rPr>
+                      <m:t>(</m:t>
+                    </m:r>
+                    <m:r>
+                      <a:rPr lang="en-US" i="1">
+                        <a:latin typeface="Cambria Math" panose="02040503050406030204" pitchFamily="18" charset="0"/>
+                      </a:rPr>
+                      <m:t>𝐵</m:t>
+                    </m:r>
+                    <m:r>
+                      <a:rPr lang="en-US" b="0" i="0" smtClean="0">
+                        <a:latin typeface="Cambria Math" panose="02040503050406030204" pitchFamily="18" charset="0"/>
+                      </a:rPr>
+                      <m:t>)</m:t>
+                    </m:r>
+                  </m:oMath>
+                </a14:m>
+                <a:endParaRPr lang="en-US" dirty="0"/>
+              </a:p>
+              <a:p>
+                <a:pPr lvl="1"/>
+                <a14:m>
+                  <m:oMath xmlns:m="http://schemas.openxmlformats.org/officeDocument/2006/math">
+                    <m:r>
+                      <a:rPr lang="en-US" i="1">
+                        <a:latin typeface="Cambria Math" panose="02040503050406030204" pitchFamily="18" charset="0"/>
+                      </a:rPr>
+                      <m:t>𝑃</m:t>
+                    </m:r>
+                    <m:r>
+                      <a:rPr lang="en-US" i="1">
+                        <a:latin typeface="Cambria Math" panose="02040503050406030204" pitchFamily="18" charset="0"/>
+                      </a:rPr>
+                      <m:t>(</m:t>
+                    </m:r>
+                    <m:r>
+                      <a:rPr lang="en-US" i="1">
+                        <a:latin typeface="Cambria Math" panose="02040503050406030204" pitchFamily="18" charset="0"/>
+                      </a:rPr>
+                      <m:t>𝐴</m:t>
+                    </m:r>
+                    <m:r>
+                      <m:rPr>
+                        <m:nor/>
+                      </m:rPr>
+                      <a:rPr lang="hr-HR"/>
+                      <m:t>∩</m:t>
+                    </m:r>
+                    <m:r>
+                      <a:rPr lang="en-US" i="1">
+                        <a:latin typeface="Cambria Math" panose="02040503050406030204" pitchFamily="18" charset="0"/>
+                      </a:rPr>
+                      <m:t>𝐵</m:t>
+                    </m:r>
+                    <m:r>
+                      <a:rPr lang="en-US" i="1">
+                        <a:latin typeface="Cambria Math" panose="02040503050406030204" pitchFamily="18" charset="0"/>
+                      </a:rPr>
+                      <m:t>)</m:t>
+                    </m:r>
+                  </m:oMath>
+                </a14:m>
+                <a:r>
+                  <a:rPr lang="en-US" dirty="0"/>
+                  <a:t> = probability that </a:t>
+                </a:r>
+                <a:r>
+                  <a:rPr lang="en-US" b="1" dirty="0"/>
+                  <a:t>both</a:t>
+                </a:r>
+                <a:r>
+                  <a:rPr lang="en-US" dirty="0"/>
+                  <a:t> events occurred</a:t>
+                </a:r>
+              </a:p>
+              <a:p>
+                <a:pPr lvl="1"/>
+                <a:r>
+                  <a:rPr lang="en-US" dirty="0"/>
+                  <a:t>Given two dices, probability that both are </a:t>
+                </a:r>
+                <a:r>
+                  <a:rPr lang="en-US" b="1" dirty="0"/>
+                  <a:t>odd</a:t>
+                </a:r>
+                <a:r>
+                  <a:rPr lang="en-US" dirty="0"/>
+                  <a:t> and </a:t>
+                </a:r>
+                <a:r>
+                  <a:rPr lang="en-US" b="1" dirty="0"/>
+                  <a:t>sum</a:t>
+                </a:r>
+                <a:r>
+                  <a:rPr lang="en-US" dirty="0"/>
+                  <a:t> = 6</a:t>
+                </a:r>
+              </a:p>
+              <a:p>
+                <a:pPr lvl="1"/>
+                <a:r>
+                  <a:rPr lang="en-US" dirty="0"/>
+                  <a:t>P(sum </a:t>
+                </a:r>
+                <a14:m>
+                  <m:oMath xmlns:m="http://schemas.openxmlformats.org/officeDocument/2006/math">
+                    <m:r>
+                      <m:rPr>
+                        <m:nor/>
+                      </m:rPr>
+                      <a:rPr lang="hr-HR"/>
+                      <m:t>∩</m:t>
+                    </m:r>
+                  </m:oMath>
+                </a14:m>
+                <a:r>
+                  <a:rPr lang="en-US" dirty="0"/>
+                  <a:t> odd) ?</a:t>
+                </a:r>
+              </a:p>
+              <a:p>
+                <a:pPr lvl="1"/>
+                <a:r>
+                  <a:rPr lang="en-US" dirty="0"/>
+                  <a:t>N = 36 (possible events)</a:t>
+                </a:r>
+              </a:p>
+              <a:p>
+                <a:pPr lvl="1"/>
+                <a:r>
+                  <a:rPr lang="en-US" dirty="0"/>
+                  <a:t>{1,5}, {2,4}, {3,3}, {4,2}, {5,1}</a:t>
+                </a:r>
+              </a:p>
+              <a:p>
+                <a:pPr lvl="2"/>
+                <a:r>
+                  <a:rPr lang="en-US" dirty="0"/>
+                  <a:t>Both odd = {1,5}, {3,3}, {5,1}</a:t>
+                </a:r>
+              </a:p>
+              <a:p>
+                <a:pPr lvl="2"/>
+                <a:r>
+                  <a:rPr lang="en-US" b="1" dirty="0"/>
+                  <a:t>3 / 36</a:t>
+                </a:r>
+              </a:p>
+              <a:p>
+                <a:endParaRPr lang="en-US" dirty="0"/>
+              </a:p>
+              <a:p>
+                <a:pPr marL="388937" lvl="1" indent="0">
+                  <a:buNone/>
+                </a:pPr>
+                <a:endParaRPr lang="en-US" dirty="0"/>
+              </a:p>
+              <a:p>
+                <a:endParaRPr lang="en-US" dirty="0"/>
+              </a:p>
+            </p:txBody>
+          </p:sp>
+        </mc:Choice>
+        <mc:Fallback xmlns="">
+          <p:sp>
+            <p:nvSpPr>
+              <p:cNvPr id="3" name="Content Placeholder 2"/>
+              <p:cNvSpPr>
+                <a:spLocks noGrp="1" noRot="1" noChangeAspect="1" noMove="1" noResize="1" noEditPoints="1" noAdjustHandles="1" noChangeArrowheads="1" noChangeShapeType="1" noTextEdit="1"/>
+              </p:cNvSpPr>
+              <p:nvPr>
+                <p:ph idx="1"/>
+              </p:nvPr>
+            </p:nvSpPr>
+            <p:spPr>
+              <a:xfrm>
+                <a:off x="457200" y="1600200"/>
+                <a:ext cx="8229600" cy="4781128"/>
+              </a:xfrm>
+              <a:blipFill>
+                <a:blip r:embed="rId3"/>
+                <a:stretch>
+                  <a:fillRect l="-1407" t="-1276"/>
+                </a:stretch>
+              </a:blipFill>
+            </p:spPr>
+            <p:txBody>
+              <a:bodyPr/>
+              <a:lstStyle/>
+              <a:p>
+                <a:r>
+                  <a:rPr lang="hr-HR">
+                    <a:noFill/>
+                  </a:rPr>
+                  <a:t> </a:t>
+                </a:r>
+              </a:p>
+            </p:txBody>
+          </p:sp>
+        </mc:Fallback>
+      </mc:AlternateContent>
+      <p:pic>
+        <p:nvPicPr>
+          <p:cNvPr id="5" name="Picture 4">
+            <a:extLst>
+              <a:ext uri="{FF2B5EF4-FFF2-40B4-BE49-F238E27FC236}">
+                <a16:creationId xmlns:a16="http://schemas.microsoft.com/office/drawing/2014/main" id="{A20858A7-5700-4A6B-9DA3-7E3BB7C43081}"/>
+              </a:ext>
+            </a:extLst>
+          </p:cNvPr>
+          <p:cNvPicPr>
+            <a:picLocks noChangeAspect="1"/>
+          </p:cNvPicPr>
+          <p:nvPr/>
+        </p:nvPicPr>
+        <p:blipFill>
+          <a:blip r:embed="rId4">
+            <a:extLst>
+              <a:ext uri="{28A0092B-C50C-407E-A947-70E740481C1C}">
+                <a14:useLocalDpi xmlns:a14="http://schemas.microsoft.com/office/drawing/2010/main" val="0"/>
+              </a:ext>
+            </a:extLst>
+          </a:blip>
+          <a:stretch>
+            <a:fillRect/>
+          </a:stretch>
+        </p:blipFill>
+        <p:spPr>
+          <a:xfrm>
+            <a:off x="5292080" y="4293096"/>
+            <a:ext cx="2248214" cy="1733792"/>
+          </a:xfrm>
+          <a:prstGeom prst="rect">
+            <a:avLst/>
+          </a:prstGeom>
+        </p:spPr>
+      </p:pic>
+    </p:spTree>
+    <p:extLst>
+      <p:ext uri="{BB962C8B-B14F-4D97-AF65-F5344CB8AC3E}">
+        <p14:creationId xmlns:p14="http://schemas.microsoft.com/office/powerpoint/2010/main" val="2015139490"/>
+      </p:ext>
+    </p:extLst>
+  </p:cSld>
+  <p:clrMapOvr>
+    <a:masterClrMapping/>
+  </p:clrMapOvr>
+  <p:transition>
+    <p:fade thruBlk="1"/>
+  </p:transition>
+</p:sld>
+</file>
+
+<file path=ppt/slides/slide8.xml><?xml version="1.0" encoding="utf-8"?>
+<p:sld xmlns:a="http://schemas.openxmlformats.org/drawingml/2006/main" xmlns:r="http://schemas.openxmlformats.org/officeDocument/2006/relationships" xmlns:p="http://schemas.openxmlformats.org/presentationml/2006/main">
+  <p:cSld>
+    <p:spTree>
+      <p:nvGrpSpPr>
+        <p:cNvPr id="1" name=""/>
+        <p:cNvGrpSpPr/>
+        <p:nvPr/>
+      </p:nvGrpSpPr>
+      <p:grpSpPr>
+        <a:xfrm>
+          <a:off x="0" y="0"/>
+          <a:ext cx="0" cy="0"/>
+          <a:chOff x="0" y="0"/>
+          <a:chExt cx="0" cy="0"/>
+        </a:xfrm>
+      </p:grpSpPr>
+      <p:sp>
+        <p:nvSpPr>
+          <p:cNvPr id="2" name="Title 1"/>
+          <p:cNvSpPr>
+            <a:spLocks noGrp="1"/>
+          </p:cNvSpPr>
+          <p:nvPr>
+            <p:ph type="title"/>
+          </p:nvPr>
+        </p:nvSpPr>
+        <p:spPr/>
+        <p:txBody>
+          <a:bodyPr/>
+          <a:lstStyle/>
+          <a:p>
+            <a:r>
+              <a:rPr lang="en-US" dirty="0"/>
+              <a:t>Bayes theorem</a:t>
+            </a:r>
+          </a:p>
+        </p:txBody>
+      </p:sp>
+      <mc:AlternateContent xmlns:mc="http://schemas.openxmlformats.org/markup-compatibility/2006" xmlns:a14="http://schemas.microsoft.com/office/drawing/2010/main">
+        <mc:Choice Requires="a14">
+          <p:sp>
+            <p:nvSpPr>
+              <p:cNvPr id="3" name="Content Placeholder 2"/>
+              <p:cNvSpPr>
+                <a:spLocks noGrp="1"/>
+              </p:cNvSpPr>
+              <p:nvPr>
+                <p:ph idx="1"/>
+              </p:nvPr>
+            </p:nvSpPr>
+            <p:spPr>
+              <a:xfrm>
+                <a:off x="457200" y="1600200"/>
+                <a:ext cx="8229600" cy="4781128"/>
+              </a:xfrm>
+            </p:spPr>
+            <p:txBody>
+              <a:bodyPr/>
+              <a:lstStyle/>
+              <a:p>
+                <a:r>
+                  <a:rPr lang="en-US" dirty="0"/>
                   <a:t>Conditional probability P(A|B) </a:t>
                 </a:r>
+              </a:p>
+              <a:p>
+                <a:pPr lvl="1"/>
+                <a14:m>
+                  <m:oMath xmlns:m="http://schemas.openxmlformats.org/officeDocument/2006/math">
+                    <m:r>
+                      <a:rPr lang="en-US" i="1">
+                        <a:latin typeface="Cambria Math" panose="02040503050406030204" pitchFamily="18" charset="0"/>
+                      </a:rPr>
+                      <m:t>𝑃</m:t>
+                    </m:r>
+                    <m:r>
+                      <a:rPr lang="en-US" i="1">
+                        <a:latin typeface="Cambria Math" panose="02040503050406030204" pitchFamily="18" charset="0"/>
+                      </a:rPr>
+                      <m:t>(</m:t>
+                    </m:r>
+                    <m:r>
+                      <a:rPr lang="en-US" i="1">
+                        <a:latin typeface="Cambria Math" panose="02040503050406030204" pitchFamily="18" charset="0"/>
+                      </a:rPr>
+                      <m:t>𝐴</m:t>
+                    </m:r>
+                    <m:r>
+                      <m:rPr>
+                        <m:nor/>
+                      </m:rPr>
+                      <a:rPr lang="hr-HR"/>
+                      <m:t>∩</m:t>
+                    </m:r>
+                    <m:r>
+                      <a:rPr lang="en-US" i="1">
+                        <a:latin typeface="Cambria Math" panose="02040503050406030204" pitchFamily="18" charset="0"/>
+                      </a:rPr>
+                      <m:t>𝐵</m:t>
+                    </m:r>
+                    <m:r>
+                      <a:rPr lang="en-US" i="1">
+                        <a:latin typeface="Cambria Math" panose="02040503050406030204" pitchFamily="18" charset="0"/>
+                      </a:rPr>
+                      <m:t>)</m:t>
+                    </m:r>
+                  </m:oMath>
+                </a14:m>
+                <a:r>
+                  <a:rPr lang="en-US" dirty="0"/>
+                  <a:t> = </a:t>
+                </a:r>
+                <a14:m>
+                  <m:oMath xmlns:m="http://schemas.openxmlformats.org/officeDocument/2006/math">
+                    <m:r>
+                      <a:rPr lang="en-US" i="1">
+                        <a:latin typeface="Cambria Math" panose="02040503050406030204" pitchFamily="18" charset="0"/>
+                      </a:rPr>
+                      <m:t>𝑃</m:t>
+                    </m:r>
+                    <m:d>
+                      <m:dPr>
+                        <m:ctrlPr>
+                          <a:rPr lang="en-US" i="1">
+                            <a:latin typeface="Cambria Math" panose="02040503050406030204" pitchFamily="18" charset="0"/>
+                          </a:rPr>
+                        </m:ctrlPr>
+                      </m:dPr>
+                      <m:e>
+                        <m:r>
+                          <a:rPr lang="en-US" i="1">
+                            <a:latin typeface="Cambria Math" panose="02040503050406030204" pitchFamily="18" charset="0"/>
+                          </a:rPr>
+                          <m:t>𝐴</m:t>
+                        </m:r>
+                      </m:e>
+                      <m:e>
+                        <m:r>
+                          <a:rPr lang="en-US" i="1">
+                            <a:latin typeface="Cambria Math" panose="02040503050406030204" pitchFamily="18" charset="0"/>
+                          </a:rPr>
+                          <m:t>𝐵</m:t>
+                        </m:r>
+                      </m:e>
+                    </m:d>
+                    <m:r>
+                      <a:rPr lang="en-US" i="1">
+                        <a:latin typeface="Cambria Math" panose="02040503050406030204" pitchFamily="18" charset="0"/>
+                      </a:rPr>
+                      <m:t> ∗ </m:t>
+                    </m:r>
+                    <m:r>
+                      <a:rPr lang="en-US" i="1">
+                        <a:latin typeface="Cambria Math" panose="02040503050406030204" pitchFamily="18" charset="0"/>
+                      </a:rPr>
+                      <m:t>𝑃</m:t>
+                    </m:r>
+                    <m:r>
+                      <a:rPr lang="en-US" i="1">
+                        <a:latin typeface="Cambria Math" panose="02040503050406030204" pitchFamily="18" charset="0"/>
+                      </a:rPr>
+                      <m:t>(</m:t>
+                    </m:r>
+                    <m:r>
+                      <a:rPr lang="en-US" i="1">
+                        <a:latin typeface="Cambria Math" panose="02040503050406030204" pitchFamily="18" charset="0"/>
+                      </a:rPr>
+                      <m:t>𝐵</m:t>
+                    </m:r>
+                    <m:r>
+                      <a:rPr lang="en-US">
+                        <a:latin typeface="Cambria Math" panose="02040503050406030204" pitchFamily="18" charset="0"/>
+                      </a:rPr>
+                      <m:t>)</m:t>
+                    </m:r>
+                  </m:oMath>
+                </a14:m>
+                <a:endParaRPr lang="en-US" dirty="0"/>
               </a:p>
               <a:p>
                 <a:pPr lvl="1">
@@ -28670,36 +31257,42 @@
                       </a:rPr>
                       <m:t>𝑃</m:t>
                     </m:r>
-                    <m:d>
-                      <m:dPr>
-                        <m:ctrlPr>
-                          <a:rPr lang="en-US" sz="2000" b="0" i="1" smtClean="0">
-                            <a:latin typeface="Cambria Math" panose="02040503050406030204" pitchFamily="18" charset="0"/>
-                          </a:rPr>
-                        </m:ctrlPr>
-                      </m:dPr>
-                      <m:e>
-                        <m:r>
-                          <a:rPr lang="en-US" sz="2000" b="0" i="1" smtClean="0">
-                            <a:latin typeface="Cambria Math" panose="02040503050406030204" pitchFamily="18" charset="0"/>
-                          </a:rPr>
-                          <m:t>𝑀𝑜𝑛𝑑𝑎𝑦</m:t>
-                        </m:r>
-                      </m:e>
-                      <m:e>
-                        <m:r>
-                          <a:rPr lang="en-US" sz="2000" b="0" i="1" smtClean="0">
-                            <a:latin typeface="Cambria Math" panose="02040503050406030204" pitchFamily="18" charset="0"/>
-                          </a:rPr>
-                          <m:t>𝑅𝑎𝑖𝑛𝑠</m:t>
-                        </m:r>
-                      </m:e>
-                    </m:d>
+                    <m:r>
+                      <a:rPr lang="en-US" sz="2000" i="1">
+                        <a:latin typeface="Cambria Math" panose="02040503050406030204" pitchFamily="18" charset="0"/>
+                      </a:rPr>
+                      <m:t>(</m:t>
+                    </m:r>
+                    <m:r>
+                      <a:rPr lang="en-US" sz="2000" i="1">
+                        <a:latin typeface="Cambria Math" panose="02040503050406030204" pitchFamily="18" charset="0"/>
+                      </a:rPr>
+                      <m:t>𝑀𝑜𝑛𝑑𝑎𝑦</m:t>
+                    </m:r>
+                    <m:r>
+                      <m:rPr>
+                        <m:nor/>
+                      </m:rPr>
+                      <a:rPr lang="hr-HR" sz="2000"/>
+                      <m:t>∩</m:t>
+                    </m:r>
+                    <m:r>
+                      <a:rPr lang="en-US" sz="2000" i="1">
+                        <a:latin typeface="Cambria Math" panose="02040503050406030204" pitchFamily="18" charset="0"/>
+                      </a:rPr>
+                      <m:t>𝑅𝑎𝑖𝑛</m:t>
+                    </m:r>
                     <m:r>
                       <a:rPr lang="en-US" sz="2000" b="0" i="1" smtClean="0">
                         <a:latin typeface="Cambria Math" panose="02040503050406030204" pitchFamily="18" charset="0"/>
                       </a:rPr>
-                      <m:t>=</m:t>
+                      <m:t>𝑠</m:t>
+                    </m:r>
+                    <m:r>
+                      <a:rPr lang="en-US" sz="2000" b="0" i="1" smtClean="0">
+                        <a:latin typeface="Cambria Math" panose="02040503050406030204" pitchFamily="18" charset="0"/>
+                      </a:rPr>
+                      <m:t>)=</m:t>
                     </m:r>
                     <m:r>
                       <a:rPr lang="en-US" sz="2000" i="1">
@@ -28725,7 +31318,7 @@
                       </m:e>
                     </m:d>
                     <m:r>
-                      <a:rPr lang="en-US" sz="2000" i="1">
+                      <a:rPr lang="en-US" sz="2000" b="0" i="1" smtClean="0">
                         <a:latin typeface="Cambria Math" panose="02040503050406030204" pitchFamily="18" charset="0"/>
                       </a:rPr>
                       <m:t>∗</m:t>
@@ -28736,34 +31329,36 @@
                       </a:rPr>
                       <m:t>𝑃</m:t>
                     </m:r>
-                    <m:d>
-                      <m:dPr>
-                        <m:ctrlPr>
-                          <a:rPr lang="en-US" sz="2000" i="1">
-                            <a:latin typeface="Cambria Math" panose="02040503050406030204" pitchFamily="18" charset="0"/>
-                          </a:rPr>
-                        </m:ctrlPr>
-                      </m:dPr>
-                      <m:e>
-                        <m:r>
-                          <a:rPr lang="en-US" sz="2000" i="1">
-                            <a:latin typeface="Cambria Math" panose="02040503050406030204" pitchFamily="18" charset="0"/>
-                          </a:rPr>
-                          <m:t>𝑀𝑜𝑛𝑑𝑎𝑦</m:t>
-                        </m:r>
-                      </m:e>
-                      <m:e>
-                        <m:r>
-                          <a:rPr lang="en-US" sz="2000" i="1">
-                            <a:latin typeface="Cambria Math" panose="02040503050406030204" pitchFamily="18" charset="0"/>
-                          </a:rPr>
-                          <m:t>𝑅𝑎𝑖𝑛𝑠</m:t>
-                        </m:r>
-                      </m:e>
-                    </m:d>
+                    <m:r>
+                      <a:rPr lang="en-US" sz="2000" i="1">
+                        <a:latin typeface="Cambria Math" panose="02040503050406030204" pitchFamily="18" charset="0"/>
+                      </a:rPr>
+                      <m:t>(</m:t>
+                    </m:r>
+                    <m:r>
+                      <a:rPr lang="en-US" sz="2000" b="0" i="1" smtClean="0">
+                        <a:latin typeface="Cambria Math" panose="02040503050406030204" pitchFamily="18" charset="0"/>
+                      </a:rPr>
+                      <m:t>𝑀𝑜𝑛𝑑𝑎𝑦</m:t>
+                    </m:r>
+                    <m:r>
+                      <a:rPr lang="en-US" sz="2000" i="1">
+                        <a:latin typeface="Cambria Math" panose="02040503050406030204" pitchFamily="18" charset="0"/>
+                      </a:rPr>
+                      <m:t>|</m:t>
+                    </m:r>
+                    <m:r>
+                      <a:rPr lang="en-US" sz="2000" b="0" i="1" smtClean="0">
+                        <a:latin typeface="Cambria Math" panose="02040503050406030204" pitchFamily="18" charset="0"/>
+                      </a:rPr>
+                      <m:t>𝑅𝑎𝑖𝑛𝑠</m:t>
+                    </m:r>
                   </m:oMath>
                 </a14:m>
-                <a:endParaRPr lang="en-US" sz="2000" dirty="0"/>
+                <a:r>
+                  <a:rPr lang="en-US" sz="2000" dirty="0"/>
+                  <a:t>)</a:t>
+                </a:r>
               </a:p>
               <a:p>
                 <a:pPr>
@@ -28778,36 +31373,36 @@
                       </a:rPr>
                       <m:t>𝑃</m:t>
                     </m:r>
-                    <m:d>
-                      <m:dPr>
-                        <m:ctrlPr>
-                          <a:rPr lang="en-US" sz="2000" b="0" i="1" smtClean="0">
-                            <a:latin typeface="Cambria Math" panose="02040503050406030204" pitchFamily="18" charset="0"/>
-                          </a:rPr>
-                        </m:ctrlPr>
-                      </m:dPr>
-                      <m:e>
-                        <m:r>
-                          <a:rPr lang="en-US" sz="2000" b="0" i="1" smtClean="0">
-                            <a:latin typeface="Cambria Math" panose="02040503050406030204" pitchFamily="18" charset="0"/>
-                          </a:rPr>
-                          <m:t>𝑅𝑎𝑖𝑛𝑠</m:t>
-                        </m:r>
-                      </m:e>
-                      <m:e>
-                        <m:r>
-                          <a:rPr lang="en-US" sz="2000" b="0" i="1" smtClean="0">
-                            <a:latin typeface="Cambria Math" panose="02040503050406030204" pitchFamily="18" charset="0"/>
-                          </a:rPr>
-                          <m:t>𝑀𝑜𝑛𝑑𝑎𝑦</m:t>
-                        </m:r>
-                      </m:e>
-                    </m:d>
                     <m:r>
                       <a:rPr lang="en-US" sz="2000" b="0" i="1" smtClean="0">
                         <a:latin typeface="Cambria Math" panose="02040503050406030204" pitchFamily="18" charset="0"/>
                       </a:rPr>
-                      <m:t>=</m:t>
+                      <m:t>(</m:t>
+                    </m:r>
+                    <m:r>
+                      <a:rPr lang="en-US" sz="2000" b="0" i="1" smtClean="0">
+                        <a:latin typeface="Cambria Math" panose="02040503050406030204" pitchFamily="18" charset="0"/>
+                      </a:rPr>
+                      <m:t>𝑅𝑎𝑖𝑛𝑠</m:t>
+                    </m:r>
+                    <m:r>
+                      <m:rPr>
+                        <m:nor/>
+                      </m:rPr>
+                      <a:rPr lang="hr-HR" sz="2000"/>
+                      <m:t>∩</m:t>
+                    </m:r>
+                    <m:r>
+                      <a:rPr lang="en-US" sz="2000" b="0" i="1" smtClean="0">
+                        <a:latin typeface="Cambria Math" panose="02040503050406030204" pitchFamily="18" charset="0"/>
+                      </a:rPr>
+                      <m:t>𝑀𝑜𝑛𝑑𝑎𝑦</m:t>
+                    </m:r>
+                    <m:r>
+                      <a:rPr lang="en-US" sz="2000" b="0" i="1" smtClean="0">
+                        <a:latin typeface="Cambria Math" panose="02040503050406030204" pitchFamily="18" charset="0"/>
+                      </a:rPr>
+                      <m:t>)=</m:t>
                     </m:r>
                   </m:oMath>
                 </a14:m>
@@ -28852,98 +31447,10 @@
                       </a:rPr>
                       <m:t>𝑃</m:t>
                     </m:r>
-                    <m:r>
-                      <a:rPr lang="en-US" sz="2000" i="1">
-                        <a:latin typeface="Cambria Math" panose="02040503050406030204" pitchFamily="18" charset="0"/>
-                      </a:rPr>
-                      <m:t>(</m:t>
-                    </m:r>
-                    <m:r>
-                      <a:rPr lang="en-US" sz="2000" i="1">
-                        <a:latin typeface="Cambria Math" panose="02040503050406030204" pitchFamily="18" charset="0"/>
-                      </a:rPr>
-                      <m:t>𝑅𝑎𝑖𝑛𝑠</m:t>
-                    </m:r>
-                    <m:r>
-                      <a:rPr lang="en-US" sz="2000" i="1">
-                        <a:latin typeface="Cambria Math" panose="02040503050406030204" pitchFamily="18" charset="0"/>
-                      </a:rPr>
-                      <m:t>|</m:t>
-                    </m:r>
-                    <m:r>
-                      <a:rPr lang="en-US" sz="2000" i="1">
-                        <a:latin typeface="Cambria Math" panose="02040503050406030204" pitchFamily="18" charset="0"/>
-                      </a:rPr>
-                      <m:t>𝑀𝑜𝑛𝑑𝑎𝑦</m:t>
-                    </m:r>
-                    <m:r>
-                      <a:rPr lang="en-US" sz="2000" i="1">
-                        <a:latin typeface="Cambria Math" panose="02040503050406030204" pitchFamily="18" charset="0"/>
-                      </a:rPr>
-                      <m:t>)</m:t>
-                    </m:r>
-                  </m:oMath>
-                </a14:m>
-                <a:r>
-                  <a:rPr lang="en-US" sz="2000" dirty="0"/>
-                  <a:t> </a:t>
-                </a:r>
-                <a:endParaRPr lang="en-US" sz="2000" b="0" dirty="0"/>
-              </a:p>
-              <a:p>
-                <a:pPr>
-                  <a:buFont typeface="Arial" panose="020B0604020202020204" pitchFamily="34" charset="0"/>
-                  <a:buChar char="•"/>
-                </a:pPr>
-                <a14:m>
-                  <m:oMath xmlns:m="http://schemas.openxmlformats.org/officeDocument/2006/math">
-                    <m:r>
-                      <a:rPr lang="en-US" sz="2000" b="0" i="1" smtClean="0">
-                        <a:latin typeface="Cambria Math" panose="02040503050406030204" pitchFamily="18" charset="0"/>
-                      </a:rPr>
-                      <m:t>𝑃</m:t>
-                    </m:r>
                     <m:d>
                       <m:dPr>
                         <m:ctrlPr>
-                          <a:rPr lang="en-US" sz="2000" b="0" i="1" smtClean="0">
-                            <a:latin typeface="Cambria Math" panose="02040503050406030204" pitchFamily="18" charset="0"/>
-                          </a:rPr>
-                        </m:ctrlPr>
-                      </m:dPr>
-                      <m:e>
-                        <m:r>
-                          <a:rPr lang="en-US" sz="2000" b="0" i="1" smtClean="0">
-                            <a:latin typeface="Cambria Math" panose="02040503050406030204" pitchFamily="18" charset="0"/>
-                          </a:rPr>
-                          <m:t>𝑀𝑜𝑛𝑑𝑎𝑦</m:t>
-                        </m:r>
-                      </m:e>
-                      <m:e>
-                        <m:r>
-                          <a:rPr lang="en-US" sz="2000" b="0" i="1" smtClean="0">
-                            <a:latin typeface="Cambria Math" panose="02040503050406030204" pitchFamily="18" charset="0"/>
-                          </a:rPr>
-                          <m:t>𝑅𝑎𝑖𝑛𝑠</m:t>
-                        </m:r>
-                      </m:e>
-                    </m:d>
-                    <m:r>
-                      <a:rPr lang="en-US" sz="2000" b="0" i="1" smtClean="0">
-                        <a:latin typeface="Cambria Math" panose="02040503050406030204" pitchFamily="18" charset="0"/>
-                      </a:rPr>
-                      <m:t>=</m:t>
-                    </m:r>
-                    <m:r>
-                      <a:rPr lang="en-US" sz="2000" b="0" i="1" smtClean="0">
-                        <a:latin typeface="Cambria Math" panose="02040503050406030204" pitchFamily="18" charset="0"/>
-                      </a:rPr>
-                      <m:t>𝑃</m:t>
-                    </m:r>
-                    <m:d>
-                      <m:dPr>
-                        <m:ctrlPr>
-                          <a:rPr lang="en-US" sz="2000" b="0" i="1" smtClean="0">
+                          <a:rPr lang="en-US" sz="2000" i="1">
                             <a:latin typeface="Cambria Math" panose="02040503050406030204" pitchFamily="18" charset="0"/>
                           </a:rPr>
                         </m:ctrlPr>
@@ -28968,6 +31475,88 @@
                   </m:oMath>
                 </a14:m>
                 <a:endParaRPr lang="en-US" sz="2000" b="0" dirty="0"/>
+              </a:p>
+              <a:p>
+                <a:pPr>
+                  <a:buFont typeface="Arial" panose="020B0604020202020204" pitchFamily="34" charset="0"/>
+                  <a:buChar char="•"/>
+                </a:pPr>
+                <a14:m>
+                  <m:oMath xmlns:m="http://schemas.openxmlformats.org/officeDocument/2006/math">
+                    <m:r>
+                      <a:rPr lang="en-US" sz="2000" b="0" i="1" smtClean="0">
+                        <a:latin typeface="Cambria Math" panose="02040503050406030204" pitchFamily="18" charset="0"/>
+                      </a:rPr>
+                      <m:t>𝑃</m:t>
+                    </m:r>
+                    <m:r>
+                      <a:rPr lang="en-US" sz="2000" b="0" i="1" smtClean="0">
+                        <a:latin typeface="Cambria Math" panose="02040503050406030204" pitchFamily="18" charset="0"/>
+                      </a:rPr>
+                      <m:t>(</m:t>
+                    </m:r>
+                    <m:r>
+                      <a:rPr lang="en-US" sz="2000" i="1">
+                        <a:latin typeface="Cambria Math" panose="02040503050406030204" pitchFamily="18" charset="0"/>
+                      </a:rPr>
+                      <m:t>𝑀𝑜𝑛𝑑𝑎𝑦</m:t>
+                    </m:r>
+                    <m:r>
+                      <m:rPr>
+                        <m:nor/>
+                      </m:rPr>
+                      <a:rPr lang="hr-HR" sz="2000"/>
+                      <m:t>∩</m:t>
+                    </m:r>
+                    <m:r>
+                      <a:rPr lang="en-US" sz="2000" i="1">
+                        <a:latin typeface="Cambria Math" panose="02040503050406030204" pitchFamily="18" charset="0"/>
+                      </a:rPr>
+                      <m:t>𝑅𝑎𝑖𝑛𝑠</m:t>
+                    </m:r>
+                    <m:r>
+                      <a:rPr lang="en-US" sz="2000" b="0" i="1" smtClean="0">
+                        <a:latin typeface="Cambria Math" panose="02040503050406030204" pitchFamily="18" charset="0"/>
+                      </a:rPr>
+                      <m:t>)=</m:t>
+                    </m:r>
+                    <m:r>
+                      <a:rPr lang="en-US" sz="2000" b="0" i="1" smtClean="0">
+                        <a:latin typeface="Cambria Math" panose="02040503050406030204" pitchFamily="18" charset="0"/>
+                      </a:rPr>
+                      <m:t>𝑃</m:t>
+                    </m:r>
+                    <m:r>
+                      <a:rPr lang="en-US" sz="2000" b="0" i="1" smtClean="0">
+                        <a:latin typeface="Cambria Math" panose="02040503050406030204" pitchFamily="18" charset="0"/>
+                      </a:rPr>
+                      <m:t>(</m:t>
+                    </m:r>
+                    <m:r>
+                      <a:rPr lang="en-US" sz="2000" i="1">
+                        <a:latin typeface="Cambria Math" panose="02040503050406030204" pitchFamily="18" charset="0"/>
+                      </a:rPr>
+                      <m:t>𝑅𝑎𝑖𝑛𝑠</m:t>
+                    </m:r>
+                    <m:r>
+                      <m:rPr>
+                        <m:nor/>
+                      </m:rPr>
+                      <a:rPr lang="hr-HR" sz="2000"/>
+                      <m:t>∩</m:t>
+                    </m:r>
+                    <m:r>
+                      <a:rPr lang="en-US" sz="2000" i="1">
+                        <a:latin typeface="Cambria Math" panose="02040503050406030204" pitchFamily="18" charset="0"/>
+                      </a:rPr>
+                      <m:t>𝑀𝑜𝑛𝑑𝑎𝑦</m:t>
+                    </m:r>
+                  </m:oMath>
+                </a14:m>
+                <a:r>
+                  <a:rPr lang="en-US" sz="2000" b="0" dirty="0"/>
+                  <a:t>)</a:t>
+                </a:r>
               </a:p>
               <a:p>
                 <a:pPr>
@@ -29309,27 +31898,6 @@
                 </a:r>
               </a:p>
               <a:p>
-                <a:pPr>
-                  <a:buFont typeface="Arial" panose="020B0604020202020204" pitchFamily="34" charset="0"/>
-                  <a:buChar char="•"/>
-                </a:pPr>
-                <a:r>
-                  <a:rPr lang="en-US" sz="2000" b="0" dirty="0"/>
-                  <a:t>Proof</a:t>
-                </a:r>
-                <a:r>
-                  <a:rPr lang="en-US" sz="2000" dirty="0"/>
-                  <a:t> might be easier to understand than to remember formula, really </a:t>
-                </a:r>
-                <a:r>
-                  <a:rPr lang="en-US" sz="2000" dirty="0">
-                    <a:sym typeface="Wingdings" panose="05000000000000000000" pitchFamily="2" charset="2"/>
-                  </a:rPr>
-                  <a:t></a:t>
-                </a:r>
-                <a:endParaRPr lang="en-US" sz="2000" b="0" dirty="0"/>
-              </a:p>
-              <a:p>
                 <a:pPr marL="0" indent="0">
                   <a:buNone/>
                 </a:pPr>
@@ -29388,688 +31956,7 @@
     </p:spTree>
     <p:extLst>
       <p:ext uri="{BB962C8B-B14F-4D97-AF65-F5344CB8AC3E}">
-        <p14:creationId xmlns:p14="http://schemas.microsoft.com/office/powerpoint/2010/main" val="498941316"/>
-      </p:ext>
-    </p:extLst>
-  </p:cSld>
-  <p:clrMapOvr>
-    <a:masterClrMapping/>
-  </p:clrMapOvr>
-  <p:transition>
-    <p:fade thruBlk="1"/>
-  </p:transition>
-</p:sld>
-</file>
-
-<file path=ppt/slides/slide8.xml><?xml version="1.0" encoding="utf-8"?>
-<p:sld xmlns:a="http://schemas.openxmlformats.org/drawingml/2006/main" xmlns:r="http://schemas.openxmlformats.org/officeDocument/2006/relationships" xmlns:p="http://schemas.openxmlformats.org/presentationml/2006/main">
-  <p:cSld>
-    <p:spTree>
-      <p:nvGrpSpPr>
-        <p:cNvPr id="1" name=""/>
-        <p:cNvGrpSpPr/>
-        <p:nvPr/>
-      </p:nvGrpSpPr>
-      <p:grpSpPr>
-        <a:xfrm>
-          <a:off x="0" y="0"/>
-          <a:ext cx="0" cy="0"/>
-          <a:chOff x="0" y="0"/>
-          <a:chExt cx="0" cy="0"/>
-        </a:xfrm>
-      </p:grpSpPr>
-      <p:sp>
-        <p:nvSpPr>
-          <p:cNvPr id="2" name="Title 1"/>
-          <p:cNvSpPr>
-            <a:spLocks noGrp="1"/>
-          </p:cNvSpPr>
-          <p:nvPr>
-            <p:ph type="title"/>
-          </p:nvPr>
-        </p:nvSpPr>
-        <p:spPr/>
-        <p:txBody>
-          <a:bodyPr/>
-          <a:lstStyle/>
-          <a:p>
-            <a:r>
-              <a:rPr lang="en-US" dirty="0"/>
-              <a:t>Bayes theorem</a:t>
-            </a:r>
-          </a:p>
-        </p:txBody>
-      </p:sp>
-      <mc:AlternateContent xmlns:mc="http://schemas.openxmlformats.org/markup-compatibility/2006" xmlns:a14="http://schemas.microsoft.com/office/drawing/2010/main">
-        <mc:Choice Requires="a14">
-          <p:sp>
-            <p:nvSpPr>
-              <p:cNvPr id="3" name="Content Placeholder 2"/>
-              <p:cNvSpPr>
-                <a:spLocks noGrp="1"/>
-              </p:cNvSpPr>
-              <p:nvPr>
-                <p:ph idx="1"/>
-              </p:nvPr>
-            </p:nvSpPr>
-            <p:spPr>
-              <a:xfrm>
-                <a:off x="457200" y="1600200"/>
-                <a:ext cx="8229600" cy="4781128"/>
-              </a:xfrm>
-            </p:spPr>
-            <p:txBody>
-              <a:bodyPr/>
-              <a:lstStyle/>
-              <a:p>
-                <a:r>
-                  <a:rPr lang="en-US" dirty="0"/>
-                  <a:t>Back to our animal example:</a:t>
-                </a:r>
-              </a:p>
-              <a:p>
-                <a:pPr lvl="1">
-                  <a:buFont typeface="Arial" panose="020B0604020202020204" pitchFamily="34" charset="0"/>
-                  <a:buChar char="•"/>
-                </a:pPr>
-                <a14:m>
-                  <m:oMath xmlns:m="http://schemas.openxmlformats.org/officeDocument/2006/math">
-                    <m:r>
-                      <a:rPr lang="en-US" sz="1800" b="0" i="1" smtClean="0">
-                        <a:latin typeface="Cambria Math" panose="02040503050406030204" pitchFamily="18" charset="0"/>
-                      </a:rPr>
-                      <m:t>𝑃</m:t>
-                    </m:r>
-                    <m:d>
-                      <m:dPr>
-                        <m:ctrlPr>
-                          <a:rPr lang="en-US" sz="1800" b="0" i="1" smtClean="0">
-                            <a:latin typeface="Cambria Math" panose="02040503050406030204" pitchFamily="18" charset="0"/>
-                          </a:rPr>
-                        </m:ctrlPr>
-                      </m:dPr>
-                      <m:e>
-                        <m:r>
-                          <a:rPr lang="en-US" sz="1800" b="0" i="1" smtClean="0">
-                            <a:latin typeface="Cambria Math" panose="02040503050406030204" pitchFamily="18" charset="0"/>
-                          </a:rPr>
-                          <m:t>𝑐𝑎𝑡</m:t>
-                        </m:r>
-                      </m:e>
-                      <m:e>
-                        <m:r>
-                          <a:rPr lang="en-US" sz="1800" b="0" i="1" smtClean="0">
-                            <a:latin typeface="Cambria Math" panose="02040503050406030204" pitchFamily="18" charset="0"/>
-                          </a:rPr>
-                          <m:t>𝑐h𝑒𝑒𝑟𝑓𝑢𝑙</m:t>
-                        </m:r>
-                        <m:r>
-                          <a:rPr lang="en-US" sz="1800" b="0" i="1" smtClean="0">
-                            <a:latin typeface="Cambria Math" panose="02040503050406030204" pitchFamily="18" charset="0"/>
-                          </a:rPr>
-                          <m:t>, </m:t>
-                        </m:r>
-                        <m:r>
-                          <a:rPr lang="en-US" sz="1800" b="0" i="1" smtClean="0">
-                            <a:latin typeface="Cambria Math" panose="02040503050406030204" pitchFamily="18" charset="0"/>
-                          </a:rPr>
-                          <m:t>𝑤𝑒𝑖𝑔h𝑡</m:t>
-                        </m:r>
-                        <m:r>
-                          <a:rPr lang="en-US" sz="1800" b="0" i="1" smtClean="0">
-                            <a:latin typeface="Cambria Math" panose="02040503050406030204" pitchFamily="18" charset="0"/>
-                          </a:rPr>
-                          <m:t>, </m:t>
-                        </m:r>
-                        <m:r>
-                          <a:rPr lang="en-US" sz="1800" b="0" i="1" smtClean="0">
-                            <a:latin typeface="Cambria Math" panose="02040503050406030204" pitchFamily="18" charset="0"/>
-                          </a:rPr>
-                          <m:t>𝑙𝑜𝑦𝑎𝑙</m:t>
-                        </m:r>
-                      </m:e>
-                    </m:d>
-                    <m:r>
-                      <a:rPr lang="en-US" sz="1800" b="0" i="1" smtClean="0">
-                        <a:latin typeface="Cambria Math" panose="02040503050406030204" pitchFamily="18" charset="0"/>
-                      </a:rPr>
-                      <m:t>= </m:t>
-                    </m:r>
-                    <m:f>
-                      <m:fPr>
-                        <m:ctrlPr>
-                          <a:rPr lang="en-US" sz="1800" b="0" i="1" smtClean="0">
-                            <a:latin typeface="Cambria Math" panose="02040503050406030204" pitchFamily="18" charset="0"/>
-                          </a:rPr>
-                        </m:ctrlPr>
-                      </m:fPr>
-                      <m:num>
-                        <m:r>
-                          <m:rPr>
-                            <m:nor/>
-                          </m:rPr>
-                          <a:rPr lang="en-US" sz="1800" b="0" i="0" smtClean="0">
-                            <a:latin typeface="Cambria Math" panose="02040503050406030204" pitchFamily="18" charset="0"/>
-                          </a:rPr>
-                          <m:t>P</m:t>
-                        </m:r>
-                        <m:r>
-                          <m:rPr>
-                            <m:nor/>
-                          </m:rPr>
-                          <a:rPr lang="en-US" sz="1800" b="0" i="0" smtClean="0">
-                            <a:latin typeface="Cambria Math" panose="02040503050406030204" pitchFamily="18" charset="0"/>
-                          </a:rPr>
-                          <m:t>(</m:t>
-                        </m:r>
-                        <m:r>
-                          <m:rPr>
-                            <m:nor/>
-                          </m:rPr>
-                          <a:rPr lang="en-US" sz="1800" b="0" i="0" smtClean="0">
-                            <a:latin typeface="Cambria Math" panose="02040503050406030204" pitchFamily="18" charset="0"/>
-                          </a:rPr>
-                          <m:t>cheerful</m:t>
-                        </m:r>
-                        <m:r>
-                          <m:rPr>
-                            <m:nor/>
-                          </m:rPr>
-                          <a:rPr lang="en-US" sz="1800" b="0" i="0" smtClean="0">
-                            <a:latin typeface="Cambria Math" panose="02040503050406030204" pitchFamily="18" charset="0"/>
-                          </a:rPr>
-                          <m:t>, </m:t>
-                        </m:r>
-                        <m:r>
-                          <m:rPr>
-                            <m:nor/>
-                          </m:rPr>
-                          <a:rPr lang="en-US" sz="1800" b="0" i="0" smtClean="0">
-                            <a:latin typeface="Cambria Math" panose="02040503050406030204" pitchFamily="18" charset="0"/>
-                          </a:rPr>
-                          <m:t>weight</m:t>
-                        </m:r>
-                        <m:r>
-                          <m:rPr>
-                            <m:nor/>
-                          </m:rPr>
-                          <a:rPr lang="en-US" sz="1800" b="0" i="0" smtClean="0">
-                            <a:latin typeface="Cambria Math" panose="02040503050406030204" pitchFamily="18" charset="0"/>
-                          </a:rPr>
-                          <m:t>, </m:t>
-                        </m:r>
-                        <m:r>
-                          <m:rPr>
-                            <m:nor/>
-                          </m:rPr>
-                          <a:rPr lang="en-US" sz="1800" b="0" i="0" smtClean="0">
-                            <a:latin typeface="Cambria Math" panose="02040503050406030204" pitchFamily="18" charset="0"/>
-                          </a:rPr>
-                          <m:t>loyal</m:t>
-                        </m:r>
-                        <m:r>
-                          <m:rPr>
-                            <m:nor/>
-                          </m:rPr>
-                          <a:rPr lang="en-US" sz="1800" b="0" i="0" smtClean="0">
-                            <a:latin typeface="Cambria Math" panose="02040503050406030204" pitchFamily="18" charset="0"/>
-                          </a:rPr>
-                          <m:t>|</m:t>
-                        </m:r>
-                        <m:r>
-                          <m:rPr>
-                            <m:nor/>
-                          </m:rPr>
-                          <a:rPr lang="en-US" sz="1800" b="0" i="0" smtClean="0">
-                            <a:latin typeface="Cambria Math" panose="02040503050406030204" pitchFamily="18" charset="0"/>
-                          </a:rPr>
-                          <m:t>cat</m:t>
-                        </m:r>
-                        <m:r>
-                          <m:rPr>
-                            <m:nor/>
-                          </m:rPr>
-                          <a:rPr lang="en-US" sz="1800" b="0" i="0" smtClean="0">
-                            <a:latin typeface="Cambria Math" panose="02040503050406030204" pitchFamily="18" charset="0"/>
-                          </a:rPr>
-                          <m:t>) ∗ </m:t>
-                        </m:r>
-                        <m:r>
-                          <m:rPr>
-                            <m:nor/>
-                          </m:rPr>
-                          <a:rPr lang="en-US" sz="1800" b="0" i="0" smtClean="0">
-                            <a:latin typeface="Cambria Math" panose="02040503050406030204" pitchFamily="18" charset="0"/>
-                          </a:rPr>
-                          <m:t>P</m:t>
-                        </m:r>
-                        <m:r>
-                          <m:rPr>
-                            <m:nor/>
-                          </m:rPr>
-                          <a:rPr lang="en-US" sz="1800" b="0" i="0" smtClean="0">
-                            <a:latin typeface="Cambria Math" panose="02040503050406030204" pitchFamily="18" charset="0"/>
-                          </a:rPr>
-                          <m:t>(</m:t>
-                        </m:r>
-                        <m:r>
-                          <m:rPr>
-                            <m:nor/>
-                          </m:rPr>
-                          <a:rPr lang="en-US" sz="1800" b="0" i="0" smtClean="0">
-                            <a:latin typeface="Cambria Math" panose="02040503050406030204" pitchFamily="18" charset="0"/>
-                          </a:rPr>
-                          <m:t>cat</m:t>
-                        </m:r>
-                        <m:r>
-                          <m:rPr>
-                            <m:nor/>
-                          </m:rPr>
-                          <a:rPr lang="en-US" sz="1800" b="0" i="0" smtClean="0">
-                            <a:latin typeface="Cambria Math" panose="02040503050406030204" pitchFamily="18" charset="0"/>
-                          </a:rPr>
-                          <m:t>)</m:t>
-                        </m:r>
-                        <m:r>
-                          <m:rPr>
-                            <m:nor/>
-                          </m:rPr>
-                          <a:rPr lang="en-US" sz="1800" dirty="0"/>
-                          <m:t> </m:t>
-                        </m:r>
-                      </m:num>
-                      <m:den>
-                        <m:r>
-                          <a:rPr lang="en-US" sz="1800" b="0" i="1" smtClean="0">
-                            <a:latin typeface="Cambria Math" panose="02040503050406030204" pitchFamily="18" charset="0"/>
-                          </a:rPr>
-                          <m:t>𝑃</m:t>
-                        </m:r>
-                        <m:d>
-                          <m:dPr>
-                            <m:ctrlPr>
-                              <a:rPr lang="en-US" sz="1800" b="0" i="1" smtClean="0">
-                                <a:latin typeface="Cambria Math" panose="02040503050406030204" pitchFamily="18" charset="0"/>
-                              </a:rPr>
-                            </m:ctrlPr>
-                          </m:dPr>
-                          <m:e>
-                            <m:r>
-                              <a:rPr lang="en-US" sz="1800" b="0" i="1" smtClean="0">
-                                <a:latin typeface="Cambria Math" panose="02040503050406030204" pitchFamily="18" charset="0"/>
-                              </a:rPr>
-                              <m:t>𝑓𝑒𝑎𝑡𝑢𝑟𝑒𝑠</m:t>
-                            </m:r>
-                            <m:r>
-                              <a:rPr lang="en-US" sz="1800" b="0" i="1" smtClean="0">
-                                <a:latin typeface="Cambria Math" panose="02040503050406030204" pitchFamily="18" charset="0"/>
-                              </a:rPr>
-                              <m:t> </m:t>
-                            </m:r>
-                            <m:r>
-                              <a:rPr lang="en-US" sz="1800" i="1">
-                                <a:latin typeface="Cambria Math" panose="02040503050406030204" pitchFamily="18" charset="0"/>
-                              </a:rPr>
-                              <m:t>𝑖𝑛𝑑𝑒𝑝𝑒𝑛𝑑𝑒𝑛𝑡</m:t>
-                            </m:r>
-                            <m:r>
-                              <a:rPr lang="en-US" sz="1800" b="0" i="1" smtClean="0">
-                                <a:latin typeface="Cambria Math" panose="02040503050406030204" pitchFamily="18" charset="0"/>
-                              </a:rPr>
-                              <m:t> </m:t>
-                            </m:r>
-                            <m:r>
-                              <a:rPr lang="en-US" sz="1800" b="0" i="1" smtClean="0">
-                                <a:latin typeface="Cambria Math" panose="02040503050406030204" pitchFamily="18" charset="0"/>
-                              </a:rPr>
-                              <m:t>𝑜𝑓</m:t>
-                            </m:r>
-                            <m:r>
-                              <a:rPr lang="en-US" sz="1800" b="0" i="1" smtClean="0">
-                                <a:latin typeface="Cambria Math" panose="02040503050406030204" pitchFamily="18" charset="0"/>
-                              </a:rPr>
-                              <m:t> </m:t>
-                            </m:r>
-                            <m:r>
-                              <a:rPr lang="en-US" sz="1800" b="0" i="1" smtClean="0">
-                                <a:latin typeface="Cambria Math" panose="02040503050406030204" pitchFamily="18" charset="0"/>
-                              </a:rPr>
-                              <m:t>𝑐𝑙𝑎𝑠𝑠</m:t>
-                            </m:r>
-                          </m:e>
-                        </m:d>
-                        <m:r>
-                          <a:rPr lang="en-US" sz="1800" b="0" i="1" smtClean="0">
-                            <a:latin typeface="Cambria Math" panose="02040503050406030204" pitchFamily="18" charset="0"/>
-                          </a:rPr>
-                          <m:t> </m:t>
-                        </m:r>
-                      </m:den>
-                    </m:f>
-                  </m:oMath>
-                </a14:m>
-                <a:endParaRPr lang="en-US" sz="1800" dirty="0"/>
-              </a:p>
-              <a:p>
-                <a:pPr lvl="1">
-                  <a:buFont typeface="Arial" panose="020B0604020202020204" pitchFamily="34" charset="0"/>
-                  <a:buChar char="•"/>
-                </a:pPr>
-                <a14:m>
-                  <m:oMath xmlns:m="http://schemas.openxmlformats.org/officeDocument/2006/math">
-                    <m:r>
-                      <m:rPr>
-                        <m:nor/>
-                      </m:rPr>
-                      <a:rPr lang="en-US" smtClean="0">
-                        <a:latin typeface="Cambria Math" panose="02040503050406030204" pitchFamily="18" charset="0"/>
-                      </a:rPr>
-                      <m:t>P</m:t>
-                    </m:r>
-                    <m:r>
-                      <m:rPr>
-                        <m:nor/>
-                      </m:rPr>
-                      <a:rPr lang="en-US" smtClean="0">
-                        <a:latin typeface="Cambria Math" panose="02040503050406030204" pitchFamily="18" charset="0"/>
-                      </a:rPr>
-                      <m:t>(</m:t>
-                    </m:r>
-                    <m:r>
-                      <m:rPr>
-                        <m:nor/>
-                      </m:rPr>
-                      <a:rPr lang="en-US" b="0" i="0" smtClean="0">
-                        <a:latin typeface="Cambria Math" panose="02040503050406030204" pitchFamily="18" charset="0"/>
-                      </a:rPr>
-                      <m:t>c</m:t>
-                    </m:r>
-                    <m:r>
-                      <m:rPr>
-                        <m:nor/>
-                      </m:rPr>
-                      <a:rPr lang="en-US" smtClean="0">
-                        <a:latin typeface="Cambria Math" panose="02040503050406030204" pitchFamily="18" charset="0"/>
-                      </a:rPr>
-                      <m:t>heerful</m:t>
-                    </m:r>
-                    <m:r>
-                      <m:rPr>
-                        <m:nor/>
-                      </m:rPr>
-                      <a:rPr lang="en-US" smtClean="0">
-                        <a:latin typeface="Cambria Math" panose="02040503050406030204" pitchFamily="18" charset="0"/>
-                      </a:rPr>
-                      <m:t>, </m:t>
-                    </m:r>
-                    <m:r>
-                      <m:rPr>
-                        <m:nor/>
-                      </m:rPr>
-                      <a:rPr lang="en-US" smtClean="0">
-                        <a:latin typeface="Cambria Math" panose="02040503050406030204" pitchFamily="18" charset="0"/>
-                      </a:rPr>
-                      <m:t>weight</m:t>
-                    </m:r>
-                    <m:r>
-                      <m:rPr>
-                        <m:nor/>
-                      </m:rPr>
-                      <a:rPr lang="en-US" smtClean="0">
-                        <a:latin typeface="Cambria Math" panose="02040503050406030204" pitchFamily="18" charset="0"/>
-                      </a:rPr>
-                      <m:t>, </m:t>
-                    </m:r>
-                    <m:r>
-                      <m:rPr>
-                        <m:nor/>
-                      </m:rPr>
-                      <a:rPr lang="en-US" smtClean="0">
-                        <a:latin typeface="Cambria Math" panose="02040503050406030204" pitchFamily="18" charset="0"/>
-                      </a:rPr>
-                      <m:t>loyal</m:t>
-                    </m:r>
-                    <m:r>
-                      <m:rPr>
-                        <m:nor/>
-                      </m:rPr>
-                      <a:rPr lang="en-US" smtClean="0">
-                        <a:latin typeface="Cambria Math" panose="02040503050406030204" pitchFamily="18" charset="0"/>
-                      </a:rPr>
-                      <m:t>|</m:t>
-                    </m:r>
-                    <m:r>
-                      <m:rPr>
-                        <m:nor/>
-                      </m:rPr>
-                      <a:rPr lang="en-US" b="0" i="0" smtClean="0">
-                        <a:latin typeface="Cambria Math" panose="02040503050406030204" pitchFamily="18" charset="0"/>
-                      </a:rPr>
-                      <m:t>c</m:t>
-                    </m:r>
-                    <m:r>
-                      <m:rPr>
-                        <m:nor/>
-                      </m:rPr>
-                      <a:rPr lang="en-US" smtClean="0">
-                        <a:latin typeface="Cambria Math" panose="02040503050406030204" pitchFamily="18" charset="0"/>
-                      </a:rPr>
-                      <m:t>at</m:t>
-                    </m:r>
-                    <m:r>
-                      <m:rPr>
-                        <m:nor/>
-                      </m:rPr>
-                      <a:rPr lang="en-US" smtClean="0">
-                        <a:latin typeface="Cambria Math" panose="02040503050406030204" pitchFamily="18" charset="0"/>
-                      </a:rPr>
-                      <m:t>) </m:t>
-                    </m:r>
-                  </m:oMath>
-                </a14:m>
-                <a:endParaRPr lang="en-US" dirty="0"/>
-              </a:p>
-              <a:p>
-                <a:pPr lvl="2">
-                  <a:buFont typeface="Arial" panose="020B0604020202020204" pitchFamily="34" charset="0"/>
-                  <a:buChar char="•"/>
-                </a:pPr>
-                <a:r>
-                  <a:rPr lang="en-US" dirty="0"/>
-                  <a:t>this is what we calculated, sort of, in animals example</a:t>
-                </a:r>
-              </a:p>
-              <a:p>
-                <a:pPr lvl="1">
-                  <a:buFont typeface="Arial" panose="020B0604020202020204" pitchFamily="34" charset="0"/>
-                  <a:buChar char="•"/>
-                </a:pPr>
-                <a14:m>
-                  <m:oMath xmlns:m="http://schemas.openxmlformats.org/officeDocument/2006/math">
-                    <m:r>
-                      <a:rPr lang="en-US" i="1" dirty="0" smtClean="0">
-                        <a:latin typeface="Cambria Math" panose="02040503050406030204" pitchFamily="18" charset="0"/>
-                      </a:rPr>
-                      <m:t>𝑃</m:t>
-                    </m:r>
-                    <m:r>
-                      <a:rPr lang="en-US" i="1" dirty="0" smtClean="0">
-                        <a:latin typeface="Cambria Math" panose="02040503050406030204" pitchFamily="18" charset="0"/>
-                      </a:rPr>
-                      <m:t>(</m:t>
-                    </m:r>
-                    <m:r>
-                      <a:rPr lang="en-US" i="1" dirty="0" smtClean="0">
-                        <a:latin typeface="Cambria Math" panose="02040503050406030204" pitchFamily="18" charset="0"/>
-                      </a:rPr>
-                      <m:t>𝑐𝑎𝑡</m:t>
-                    </m:r>
-                    <m:r>
-                      <a:rPr lang="en-US" i="1" dirty="0" smtClean="0">
-                        <a:latin typeface="Cambria Math" panose="02040503050406030204" pitchFamily="18" charset="0"/>
-                      </a:rPr>
-                      <m:t>) </m:t>
-                    </m:r>
-                  </m:oMath>
-                </a14:m>
-                <a:r>
-                  <a:rPr lang="en-US" dirty="0"/>
-                  <a:t> </a:t>
-                </a:r>
-              </a:p>
-              <a:p>
-                <a:pPr lvl="2">
-                  <a:buFont typeface="Arial" panose="020B0604020202020204" pitchFamily="34" charset="0"/>
-                  <a:buChar char="•"/>
-                </a:pPr>
-                <a:r>
-                  <a:rPr lang="en-US" dirty="0"/>
-                  <a:t>what percentage of all animals are cats</a:t>
-                </a:r>
-              </a:p>
-              <a:p>
-                <a:pPr lvl="1">
-                  <a:buFont typeface="Arial" panose="020B0604020202020204" pitchFamily="34" charset="0"/>
-                  <a:buChar char="•"/>
-                </a:pPr>
-                <a14:m>
-                  <m:oMath xmlns:m="http://schemas.openxmlformats.org/officeDocument/2006/math">
-                    <m:r>
-                      <a:rPr lang="en-US" i="1" dirty="0" smtClean="0">
-                        <a:latin typeface="Cambria Math" panose="02040503050406030204" pitchFamily="18" charset="0"/>
-                      </a:rPr>
-                      <m:t>𝑃</m:t>
-                    </m:r>
-                    <m:r>
-                      <a:rPr lang="en-US" i="1" dirty="0" smtClean="0">
-                        <a:latin typeface="Cambria Math" panose="02040503050406030204" pitchFamily="18" charset="0"/>
-                      </a:rPr>
-                      <m:t>(</m:t>
-                    </m:r>
-                    <m:r>
-                      <a:rPr lang="en-US" i="1" dirty="0" smtClean="0">
-                        <a:latin typeface="Cambria Math" panose="02040503050406030204" pitchFamily="18" charset="0"/>
-                      </a:rPr>
-                      <m:t>𝑓𝑒𝑎𝑡𝑢𝑟𝑒𝑠</m:t>
-                    </m:r>
-                    <m:r>
-                      <a:rPr lang="en-US" b="0" i="1" dirty="0" smtClean="0">
-                        <a:latin typeface="Cambria Math" panose="02040503050406030204" pitchFamily="18" charset="0"/>
-                      </a:rPr>
-                      <m:t> </m:t>
-                    </m:r>
-                    <m:r>
-                      <a:rPr lang="en-US" i="1" dirty="0">
-                        <a:latin typeface="Cambria Math" panose="02040503050406030204" pitchFamily="18" charset="0"/>
-                      </a:rPr>
-                      <m:t>𝑖𝑛𝑑𝑒𝑝𝑒𝑛𝑑𝑒𝑛𝑡</m:t>
-                    </m:r>
-                    <m:r>
-                      <a:rPr lang="en-US" b="0" i="1" dirty="0" smtClean="0">
-                        <a:latin typeface="Cambria Math" panose="02040503050406030204" pitchFamily="18" charset="0"/>
-                      </a:rPr>
-                      <m:t> </m:t>
-                    </m:r>
-                    <m:r>
-                      <a:rPr lang="en-US" b="0" i="1" dirty="0" smtClean="0">
-                        <a:latin typeface="Cambria Math" panose="02040503050406030204" pitchFamily="18" charset="0"/>
-                      </a:rPr>
-                      <m:t>𝑜𝑓</m:t>
-                    </m:r>
-                    <m:r>
-                      <a:rPr lang="en-US" b="0" i="1" dirty="0" smtClean="0">
-                        <a:latin typeface="Cambria Math" panose="02040503050406030204" pitchFamily="18" charset="0"/>
-                      </a:rPr>
-                      <m:t> </m:t>
-                    </m:r>
-                    <m:r>
-                      <a:rPr lang="en-US" b="0" i="1" dirty="0" smtClean="0">
-                        <a:latin typeface="Cambria Math" panose="02040503050406030204" pitchFamily="18" charset="0"/>
-                      </a:rPr>
-                      <m:t>𝑐𝑙𝑎𝑠𝑠</m:t>
-                    </m:r>
-                    <m:r>
-                      <a:rPr lang="en-US" i="1" dirty="0" smtClean="0">
-                        <a:latin typeface="Cambria Math" panose="02040503050406030204" pitchFamily="18" charset="0"/>
-                      </a:rPr>
-                      <m:t>) </m:t>
-                    </m:r>
-                  </m:oMath>
-                </a14:m>
-                <a:r>
-                  <a:rPr lang="en-US" dirty="0"/>
-                  <a:t> </a:t>
-                </a:r>
-              </a:p>
-              <a:p>
-                <a:pPr lvl="2">
-                  <a:buFont typeface="Arial" panose="020B0604020202020204" pitchFamily="34" charset="0"/>
-                  <a:buChar char="•"/>
-                </a:pPr>
-                <a:r>
-                  <a:rPr lang="en-US" dirty="0"/>
-                  <a:t>hard, but we won’t need to calculate this since all classes will be divided by this (constant)factor</a:t>
-                </a:r>
-              </a:p>
-              <a:p>
-                <a:pPr lvl="1">
-                  <a:buFont typeface="Arial" panose="020B0604020202020204" pitchFamily="34" charset="0"/>
-                  <a:buChar char="•"/>
-                </a:pPr>
-                <a:endParaRPr lang="en-US" dirty="0"/>
-              </a:p>
-              <a:p>
-                <a:pPr lvl="2">
-                  <a:buFont typeface="Arial" panose="020B0604020202020204" pitchFamily="34" charset="0"/>
-                  <a:buChar char="•"/>
-                </a:pPr>
-                <a:endParaRPr lang="en-US" dirty="0"/>
-              </a:p>
-            </p:txBody>
-          </p:sp>
-        </mc:Choice>
-        <mc:Fallback xmlns="">
-          <p:sp>
-            <p:nvSpPr>
-              <p:cNvPr id="3" name="Content Placeholder 2"/>
-              <p:cNvSpPr>
-                <a:spLocks noGrp="1" noRot="1" noChangeAspect="1" noMove="1" noResize="1" noEditPoints="1" noAdjustHandles="1" noChangeArrowheads="1" noChangeShapeType="1" noTextEdit="1"/>
-              </p:cNvSpPr>
-              <p:nvPr>
-                <p:ph idx="1"/>
-              </p:nvPr>
-            </p:nvSpPr>
-            <p:spPr>
-              <a:xfrm>
-                <a:off x="457200" y="1600200"/>
-                <a:ext cx="8229600" cy="4781128"/>
-              </a:xfrm>
-              <a:blipFill>
-                <a:blip r:embed="rId3"/>
-                <a:stretch>
-                  <a:fillRect l="-1407" t="-1276"/>
-                </a:stretch>
-              </a:blipFill>
-            </p:spPr>
-            <p:txBody>
-              <a:bodyPr/>
-              <a:lstStyle/>
-              <a:p>
-                <a:r>
-                  <a:rPr lang="hr-HR">
-                    <a:noFill/>
-                  </a:rPr>
-                  <a:t> </a:t>
-                </a:r>
-              </a:p>
-            </p:txBody>
-          </p:sp>
-        </mc:Fallback>
-      </mc:AlternateContent>
-    </p:spTree>
-    <p:extLst>
-      <p:ext uri="{BB962C8B-B14F-4D97-AF65-F5344CB8AC3E}">
-        <p14:creationId xmlns:p14="http://schemas.microsoft.com/office/powerpoint/2010/main" val="2676498437"/>
+        <p14:creationId xmlns:p14="http://schemas.microsoft.com/office/powerpoint/2010/main" val="3145717306"/>
       </p:ext>
     </p:extLst>
   </p:cSld>
@@ -30116,323 +32003,149 @@
           <a:p>
             <a:r>
               <a:rPr lang="en-US" dirty="0"/>
-              <a:t>Naïve Bayes</a:t>
+              <a:t>Bayes theorem</a:t>
             </a:r>
           </a:p>
         </p:txBody>
       </p:sp>
-      <mc:AlternateContent xmlns:mc="http://schemas.openxmlformats.org/markup-compatibility/2006" xmlns:a14="http://schemas.microsoft.com/office/drawing/2010/main">
-        <mc:Choice Requires="a14">
-          <p:sp>
-            <p:nvSpPr>
-              <p:cNvPr id="3" name="Content Placeholder 2"/>
-              <p:cNvSpPr>
-                <a:spLocks noGrp="1"/>
-              </p:cNvSpPr>
-              <p:nvPr>
-                <p:ph idx="1"/>
-              </p:nvPr>
-            </p:nvSpPr>
-            <p:spPr>
-              <a:xfrm>
-                <a:off x="457200" y="1600200"/>
-                <a:ext cx="8229600" cy="4781128"/>
-              </a:xfrm>
-            </p:spPr>
-            <p:txBody>
-              <a:bodyPr/>
-              <a:lstStyle/>
-              <a:p>
-                <a:r>
-                  <a:rPr lang="en-US" dirty="0">
-                    <a:latin typeface="Cambria Math" panose="02040503050406030204" pitchFamily="18" charset="0"/>
-                  </a:rPr>
-                  <a:t>Calculate product of probabilities for </a:t>
-                </a:r>
-                <a:r>
-                  <a:rPr lang="en-US" b="1" dirty="0">
-                    <a:latin typeface="Cambria Math" panose="02040503050406030204" pitchFamily="18" charset="0"/>
-                  </a:rPr>
-                  <a:t>independently</a:t>
-                </a:r>
-                <a:r>
-                  <a:rPr lang="en-US" dirty="0">
-                    <a:latin typeface="Cambria Math" panose="02040503050406030204" pitchFamily="18" charset="0"/>
-                  </a:rPr>
-                  <a:t>(hence naïve) distributed features and multiply by class probability</a:t>
-                </a:r>
-              </a:p>
-              <a:p>
-                <a:r>
-                  <a:rPr lang="en-US" dirty="0">
-                    <a:latin typeface="Cambria Math" panose="02040503050406030204" pitchFamily="18" charset="0"/>
-                  </a:rPr>
-                  <a:t>Do this for all classes and chose label associated with class of a maximal probability</a:t>
-                </a:r>
-              </a:p>
-              <a:p>
-                <a14:m>
-                  <m:oMath xmlns:m="http://schemas.openxmlformats.org/officeDocument/2006/math">
-                    <m:r>
-                      <a:rPr lang="en-US" b="0" i="1" smtClean="0">
-                        <a:latin typeface="Cambria Math" panose="02040503050406030204" pitchFamily="18" charset="0"/>
-                      </a:rPr>
-                      <m:t>𝑦</m:t>
-                    </m:r>
-                    <m:r>
-                      <a:rPr lang="en-US" b="0" i="1" smtClean="0">
-                        <a:latin typeface="Cambria Math" panose="02040503050406030204" pitchFamily="18" charset="0"/>
-                      </a:rPr>
-                      <m:t>=</m:t>
-                    </m:r>
-                    <m:r>
-                      <a:rPr lang="en-US" b="0" i="1" smtClean="0">
-                        <a:latin typeface="Cambria Math" panose="02040503050406030204" pitchFamily="18" charset="0"/>
-                      </a:rPr>
-                      <m:t>𝑎𝑟𝑔𝑚𝑎𝑥</m:t>
-                    </m:r>
-                    <m:r>
-                      <a:rPr lang="en-US" b="0" i="1" smtClean="0">
-                        <a:latin typeface="Cambria Math" panose="02040503050406030204" pitchFamily="18" charset="0"/>
-                      </a:rPr>
-                      <m:t> </m:t>
-                    </m:r>
-                    <m:r>
-                      <a:rPr lang="en-US" b="0" i="1" smtClean="0">
-                        <a:latin typeface="Cambria Math" panose="02040503050406030204" pitchFamily="18" charset="0"/>
-                      </a:rPr>
-                      <m:t>𝑃</m:t>
-                    </m:r>
-                    <m:r>
-                      <a:rPr lang="en-US" b="0" i="1" smtClean="0">
-                        <a:latin typeface="Cambria Math" panose="02040503050406030204" pitchFamily="18" charset="0"/>
-                      </a:rPr>
-                      <m:t>(</m:t>
-                    </m:r>
-                    <m:r>
-                      <a:rPr lang="en-US" b="0" i="1" smtClean="0">
-                        <a:latin typeface="Cambria Math" panose="02040503050406030204" pitchFamily="18" charset="0"/>
-                      </a:rPr>
-                      <m:t>𝐶𝑘</m:t>
-                    </m:r>
-                    <m:r>
-                      <a:rPr lang="en-US" b="0" i="1" smtClean="0">
-                        <a:latin typeface="Cambria Math" panose="02040503050406030204" pitchFamily="18" charset="0"/>
-                      </a:rPr>
-                      <m:t>)</m:t>
-                    </m:r>
-                    <m:nary>
-                      <m:naryPr>
-                        <m:chr m:val="∏"/>
-                        <m:ctrlPr>
-                          <a:rPr lang="en-US" b="0" i="1" smtClean="0">
-                            <a:latin typeface="Cambria Math" panose="02040503050406030204" pitchFamily="18" charset="0"/>
-                          </a:rPr>
-                        </m:ctrlPr>
-                      </m:naryPr>
-                      <m:sub>
-                        <m:r>
-                          <m:rPr>
-                            <m:brk m:alnAt="23"/>
-                          </m:rPr>
-                          <a:rPr lang="en-US" b="0" i="1" smtClean="0">
-                            <a:latin typeface="Cambria Math" panose="02040503050406030204" pitchFamily="18" charset="0"/>
-                          </a:rPr>
-                          <m:t>𝑖</m:t>
-                        </m:r>
-                        <m:r>
-                          <a:rPr lang="en-US" b="0" i="1" smtClean="0">
-                            <a:latin typeface="Cambria Math" panose="02040503050406030204" pitchFamily="18" charset="0"/>
-                          </a:rPr>
-                          <m:t>=1</m:t>
-                        </m:r>
-                      </m:sub>
-                      <m:sup>
-                        <m:r>
-                          <a:rPr lang="en-US" b="0" i="1" smtClean="0">
-                            <a:latin typeface="Cambria Math" panose="02040503050406030204" pitchFamily="18" charset="0"/>
-                          </a:rPr>
-                          <m:t>𝑛</m:t>
-                        </m:r>
-                      </m:sup>
-                      <m:e>
-                        <m:r>
-                          <a:rPr lang="en-US" b="0" i="1" smtClean="0">
-                            <a:latin typeface="Cambria Math" panose="02040503050406030204" pitchFamily="18" charset="0"/>
-                          </a:rPr>
-                          <m:t>𝑃</m:t>
-                        </m:r>
-                        <m:r>
-                          <a:rPr lang="en-US" b="0" i="1" smtClean="0">
-                            <a:latin typeface="Cambria Math" panose="02040503050406030204" pitchFamily="18" charset="0"/>
-                          </a:rPr>
-                          <m:t>(</m:t>
-                        </m:r>
-                        <m:r>
-                          <a:rPr lang="en-US" b="0" i="1" smtClean="0">
-                            <a:latin typeface="Cambria Math" panose="02040503050406030204" pitchFamily="18" charset="0"/>
-                          </a:rPr>
-                          <m:t>𝑋𝑖</m:t>
-                        </m:r>
-                        <m:r>
-                          <a:rPr lang="en-US" b="0" i="1" smtClean="0">
-                            <a:latin typeface="Cambria Math" panose="02040503050406030204" pitchFamily="18" charset="0"/>
-                          </a:rPr>
-                          <m:t>|</m:t>
-                        </m:r>
-                        <m:r>
-                          <a:rPr lang="en-US" b="0" i="1" smtClean="0">
-                            <a:latin typeface="Cambria Math" panose="02040503050406030204" pitchFamily="18" charset="0"/>
-                          </a:rPr>
-                          <m:t>𝐶𝑘</m:t>
-                        </m:r>
-                        <m:r>
-                          <a:rPr lang="en-US" b="0" i="1" smtClean="0">
-                            <a:latin typeface="Cambria Math" panose="02040503050406030204" pitchFamily="18" charset="0"/>
-                          </a:rPr>
-                          <m:t>)</m:t>
-                        </m:r>
-                      </m:e>
-                    </m:nary>
-                  </m:oMath>
-                </a14:m>
-                <a:endParaRPr lang="en-US" dirty="0"/>
-              </a:p>
-              <a:p>
-                <a:pPr lvl="1">
-                  <a:buFont typeface="Arial" panose="020B0604020202020204" pitchFamily="34" charset="0"/>
-                  <a:buChar char="•"/>
-                </a:pPr>
-                <a:r>
-                  <a:rPr lang="en-US" dirty="0"/>
-                  <a:t>Y class label</a:t>
-                </a:r>
-              </a:p>
-              <a:p>
-                <a:pPr lvl="1">
-                  <a:buFont typeface="Arial" panose="020B0604020202020204" pitchFamily="34" charset="0"/>
-                  <a:buChar char="•"/>
-                </a:pPr>
-                <a:r>
-                  <a:rPr lang="en-US" dirty="0" err="1"/>
-                  <a:t>C</a:t>
-                </a:r>
-                <a:r>
-                  <a:rPr lang="en-US" baseline="-25000" dirty="0" err="1"/>
-                  <a:t>k</a:t>
-                </a:r>
-                <a:r>
-                  <a:rPr lang="en-US" dirty="0"/>
-                  <a:t> class k</a:t>
-                </a:r>
-              </a:p>
-              <a:p>
-                <a:pPr lvl="1">
-                  <a:buFont typeface="Arial" panose="020B0604020202020204" pitchFamily="34" charset="0"/>
-                  <a:buChar char="•"/>
-                </a:pPr>
-                <a:r>
-                  <a:rPr lang="en-US" dirty="0"/>
-                  <a:t>X</a:t>
-                </a:r>
-                <a:r>
-                  <a:rPr lang="en-US" baseline="-25000" dirty="0"/>
-                  <a:t>i</a:t>
-                </a:r>
-                <a:r>
-                  <a:rPr lang="en-US" dirty="0"/>
-                  <a:t> feature </a:t>
-                </a:r>
-                <a:r>
-                  <a:rPr lang="en-US" dirty="0" err="1"/>
-                  <a:t>i</a:t>
-                </a:r>
-                <a:endParaRPr lang="en-US" dirty="0"/>
-              </a:p>
-              <a:p>
-                <a:pPr>
-                  <a:buFont typeface="Arial" panose="020B0604020202020204" pitchFamily="34" charset="0"/>
-                  <a:buChar char="•"/>
-                </a:pPr>
-                <a:r>
-                  <a:rPr lang="en-US" dirty="0"/>
-                  <a:t>This is what we did in our animals example, without </a:t>
-                </a:r>
-                <a14:m>
-                  <m:oMath xmlns:m="http://schemas.openxmlformats.org/officeDocument/2006/math">
-                    <m:r>
-                      <a:rPr lang="en-US" i="1">
-                        <a:latin typeface="Cambria Math" panose="02040503050406030204" pitchFamily="18" charset="0"/>
-                      </a:rPr>
-                      <m:t>𝑃</m:t>
-                    </m:r>
-                    <m:r>
-                      <a:rPr lang="en-US" i="1">
-                        <a:latin typeface="Cambria Math" panose="02040503050406030204" pitchFamily="18" charset="0"/>
-                      </a:rPr>
-                      <m:t>(</m:t>
-                    </m:r>
-                    <m:r>
-                      <a:rPr lang="en-US" i="1">
-                        <a:latin typeface="Cambria Math" panose="02040503050406030204" pitchFamily="18" charset="0"/>
-                      </a:rPr>
-                      <m:t>𝐶𝑘</m:t>
-                    </m:r>
-                    <m:r>
-                      <a:rPr lang="en-US" i="1">
-                        <a:latin typeface="Cambria Math" panose="02040503050406030204" pitchFamily="18" charset="0"/>
-                      </a:rPr>
-                      <m:t>)</m:t>
-                    </m:r>
-                  </m:oMath>
-                </a14:m>
-                <a:endParaRPr lang="en-US" dirty="0"/>
-              </a:p>
-            </p:txBody>
-          </p:sp>
-        </mc:Choice>
-        <mc:Fallback xmlns="">
-          <p:sp>
-            <p:nvSpPr>
-              <p:cNvPr id="3" name="Content Placeholder 2"/>
-              <p:cNvSpPr>
-                <a:spLocks noGrp="1" noRot="1" noChangeAspect="1" noMove="1" noResize="1" noEditPoints="1" noAdjustHandles="1" noChangeArrowheads="1" noChangeShapeType="1" noTextEdit="1"/>
-              </p:cNvSpPr>
-              <p:nvPr>
-                <p:ph idx="1"/>
-              </p:nvPr>
-            </p:nvSpPr>
-            <p:spPr>
-              <a:xfrm>
-                <a:off x="457200" y="1600200"/>
-                <a:ext cx="8229600" cy="4781128"/>
-              </a:xfrm>
-              <a:blipFill>
-                <a:blip r:embed="rId3"/>
-                <a:stretch>
-                  <a:fillRect l="-1407" t="-1403" r="-1852" b="-2168"/>
-                </a:stretch>
-              </a:blipFill>
-            </p:spPr>
-            <p:txBody>
-              <a:bodyPr/>
-              <a:lstStyle/>
-              <a:p>
-                <a:r>
-                  <a:rPr lang="hr-HR">
-                    <a:noFill/>
-                  </a:rPr>
-                  <a:t> </a:t>
-                </a:r>
-              </a:p>
-            </p:txBody>
-          </p:sp>
-        </mc:Fallback>
-      </mc:AlternateContent>
+      <p:sp>
+        <p:nvSpPr>
+          <p:cNvPr id="3" name="Content Placeholder 2"/>
+          <p:cNvSpPr>
+            <a:spLocks noGrp="1"/>
+          </p:cNvSpPr>
+          <p:nvPr>
+            <p:ph idx="1"/>
+          </p:nvPr>
+        </p:nvSpPr>
+        <p:spPr>
+          <a:xfrm>
+            <a:off x="457200" y="1600200"/>
+            <a:ext cx="8229600" cy="4781128"/>
+          </a:xfrm>
+        </p:spPr>
+        <p:txBody>
+          <a:bodyPr/>
+          <a:lstStyle/>
+          <a:p>
+            <a:r>
+              <a:rPr lang="en-US" dirty="0"/>
+              <a:t>1% of women have breast cancer</a:t>
+            </a:r>
+          </a:p>
+          <a:p>
+            <a:r>
+              <a:rPr lang="en-US" dirty="0"/>
+              <a:t>80% of mammograms detect breast cancer when it is there</a:t>
+            </a:r>
+          </a:p>
+          <a:p>
+            <a:r>
+              <a:rPr lang="en-US" dirty="0"/>
+              <a:t>9.6% of mammograms detect breast cancer when it’s </a:t>
+            </a:r>
+            <a:r>
+              <a:rPr lang="en-US" b="1" dirty="0"/>
+              <a:t>not</a:t>
+            </a:r>
+            <a:r>
+              <a:rPr lang="en-US" dirty="0"/>
+              <a:t> there</a:t>
+            </a:r>
+          </a:p>
+          <a:p>
+            <a:endParaRPr lang="en-US" dirty="0"/>
+          </a:p>
+          <a:p>
+            <a:pPr marL="388937" lvl="1" indent="0">
+              <a:buNone/>
+            </a:pPr>
+            <a:endParaRPr lang="en-US" dirty="0"/>
+          </a:p>
+          <a:p>
+            <a:r>
+              <a:rPr lang="en-US" dirty="0"/>
+              <a:t>Chances of cancer, given positive mammogram?</a:t>
+            </a:r>
+          </a:p>
+          <a:p>
+            <a:pPr lvl="1"/>
+            <a:r>
+              <a:rPr lang="en-US" dirty="0"/>
+              <a:t>P(cancer|</a:t>
+            </a:r>
+            <a:r>
+              <a:rPr lang="hr-HR" dirty="0"/>
+              <a:t>mammogram </a:t>
+            </a:r>
+            <a:r>
+              <a:rPr lang="en-US" dirty="0"/>
+              <a:t>) = 7.8 %</a:t>
+            </a:r>
+          </a:p>
+          <a:p>
+            <a:r>
+              <a:rPr lang="en-US" dirty="0"/>
+              <a:t>Bayes let’s us correct for false positives</a:t>
+            </a:r>
+          </a:p>
+          <a:p>
+            <a:pPr lvl="1"/>
+            <a:endParaRPr lang="en-US" dirty="0"/>
+          </a:p>
+        </p:txBody>
+      </p:sp>
+      <p:pic>
+        <p:nvPicPr>
+          <p:cNvPr id="1032" name="Picture 8" descr="bayes table">
+            <a:extLst>
+              <a:ext uri="{FF2B5EF4-FFF2-40B4-BE49-F238E27FC236}">
+                <a16:creationId xmlns:a16="http://schemas.microsoft.com/office/drawing/2014/main" id="{4E54AD56-07AA-42AC-ACB7-04402B0C3571}"/>
+              </a:ext>
+            </a:extLst>
+          </p:cNvPr>
+          <p:cNvPicPr>
+            <a:picLocks noChangeAspect="1" noChangeArrowheads="1"/>
+          </p:cNvPicPr>
+          <p:nvPr/>
+        </p:nvPicPr>
+        <p:blipFill>
+          <a:blip r:embed="rId3">
+            <a:extLst>
+              <a:ext uri="{28A0092B-C50C-407E-A947-70E740481C1C}">
+                <a14:useLocalDpi xmlns:a14="http://schemas.microsoft.com/office/drawing/2010/main" val="0"/>
+              </a:ext>
+            </a:extLst>
+          </a:blip>
+          <a:srcRect/>
+          <a:stretch>
+            <a:fillRect/>
+          </a:stretch>
+        </p:blipFill>
+        <p:spPr bwMode="auto">
+          <a:xfrm>
+            <a:off x="827584" y="3933056"/>
+            <a:ext cx="4876800" cy="971550"/>
+          </a:xfrm>
+          <a:prstGeom prst="rect">
+            <a:avLst/>
+          </a:prstGeom>
+          <a:noFill/>
+          <a:extLst>
+            <a:ext uri="{909E8E84-426E-40DD-AFC4-6F175D3DCCD1}">
+              <a14:hiddenFill xmlns:a14="http://schemas.microsoft.com/office/drawing/2010/main">
+                <a:solidFill>
+                  <a:srgbClr val="FFFFFF"/>
+                </a:solidFill>
+              </a14:hiddenFill>
+            </a:ext>
+          </a:extLst>
+        </p:spPr>
+      </p:pic>
     </p:spTree>
     <p:extLst>
       <p:ext uri="{BB962C8B-B14F-4D97-AF65-F5344CB8AC3E}">
-        <p14:creationId xmlns:p14="http://schemas.microsoft.com/office/powerpoint/2010/main" val="96132736"/>
+        <p14:creationId xmlns:p14="http://schemas.microsoft.com/office/powerpoint/2010/main" val="498941316"/>
       </p:ext>
     </p:extLst>
   </p:cSld>
@@ -30442,6 +32155,134 @@
   <p:transition>
     <p:fade thruBlk="1"/>
   </p:transition>
+  <p:timing>
+    <p:tnLst>
+      <p:par>
+        <p:cTn id="1" dur="indefinite" restart="never" nodeType="tmRoot">
+          <p:childTnLst>
+            <p:seq concurrent="1" nextAc="seek">
+              <p:cTn id="2" dur="indefinite" nodeType="mainSeq">
+                <p:childTnLst>
+                  <p:par>
+                    <p:cTn id="3" fill="hold">
+                      <p:stCondLst>
+                        <p:cond delay="indefinite"/>
+                      </p:stCondLst>
+                      <p:childTnLst>
+                        <p:par>
+                          <p:cTn id="4" fill="hold">
+                            <p:stCondLst>
+                              <p:cond delay="0"/>
+                            </p:stCondLst>
+                            <p:childTnLst>
+                              <p:par>
+                                <p:cTn id="5" presetID="1" presetClass="entr" presetSubtype="0" fill="hold" nodeType="clickEffect">
+                                  <p:stCondLst>
+                                    <p:cond delay="0"/>
+                                  </p:stCondLst>
+                                  <p:childTnLst>
+                                    <p:set>
+                                      <p:cBhvr>
+                                        <p:cTn id="6" dur="1" fill="hold">
+                                          <p:stCondLst>
+                                            <p:cond delay="0"/>
+                                          </p:stCondLst>
+                                        </p:cTn>
+                                        <p:tgtEl>
+                                          <p:spTgt spid="3">
+                                            <p:txEl>
+                                              <p:pRg st="6" end="6"/>
+                                            </p:txEl>
+                                          </p:spTgt>
+                                        </p:tgtEl>
+                                        <p:attrNameLst>
+                                          <p:attrName>style.visibility</p:attrName>
+                                        </p:attrNameLst>
+                                      </p:cBhvr>
+                                      <p:to>
+                                        <p:strVal val="visible"/>
+                                      </p:to>
+                                    </p:set>
+                                  </p:childTnLst>
+                                </p:cTn>
+                              </p:par>
+                            </p:childTnLst>
+                          </p:cTn>
+                        </p:par>
+                      </p:childTnLst>
+                    </p:cTn>
+                  </p:par>
+                  <p:par>
+                    <p:cTn id="7" fill="hold">
+                      <p:stCondLst>
+                        <p:cond delay="indefinite"/>
+                      </p:stCondLst>
+                      <p:childTnLst>
+                        <p:par>
+                          <p:cTn id="8" fill="hold">
+                            <p:stCondLst>
+                              <p:cond delay="0"/>
+                            </p:stCondLst>
+                            <p:childTnLst>
+                              <p:par>
+                                <p:cTn id="9" presetID="1" presetClass="entr" presetSubtype="0" fill="hold" nodeType="clickEffect">
+                                  <p:stCondLst>
+                                    <p:cond delay="0"/>
+                                  </p:stCondLst>
+                                  <p:childTnLst>
+                                    <p:set>
+                                      <p:cBhvr>
+                                        <p:cTn id="10" dur="1" fill="hold">
+                                          <p:stCondLst>
+                                            <p:cond delay="0"/>
+                                          </p:stCondLst>
+                                        </p:cTn>
+                                        <p:tgtEl>
+                                          <p:spTgt spid="3">
+                                            <p:txEl>
+                                              <p:pRg st="7" end="7"/>
+                                            </p:txEl>
+                                          </p:spTgt>
+                                        </p:tgtEl>
+                                        <p:attrNameLst>
+                                          <p:attrName>style.visibility</p:attrName>
+                                        </p:attrNameLst>
+                                      </p:cBhvr>
+                                      <p:to>
+                                        <p:strVal val="visible"/>
+                                      </p:to>
+                                    </p:set>
+                                  </p:childTnLst>
+                                </p:cTn>
+                              </p:par>
+                            </p:childTnLst>
+                          </p:cTn>
+                        </p:par>
+                      </p:childTnLst>
+                    </p:cTn>
+                  </p:par>
+                </p:childTnLst>
+              </p:cTn>
+              <p:prevCondLst>
+                <p:cond evt="onPrev" delay="0">
+                  <p:tgtEl>
+                    <p:sldTgt/>
+                  </p:tgtEl>
+                </p:cond>
+              </p:prevCondLst>
+              <p:nextCondLst>
+                <p:cond evt="onNext" delay="0">
+                  <p:tgtEl>
+                    <p:sldTgt/>
+                  </p:tgtEl>
+                </p:cond>
+              </p:nextCondLst>
+            </p:seq>
+          </p:childTnLst>
+        </p:cTn>
+      </p:par>
+    </p:tnLst>
+  </p:timing>
 </p:sld>
 </file>
 

--- a/src/main/resources/nn.pptx
+++ b/src/main/resources/nn.pptx
@@ -5,10 +5,10 @@
     <p:sldMasterId id="2147483648" r:id="rId1"/>
   </p:sldMasterIdLst>
   <p:notesMasterIdLst>
-    <p:notesMasterId r:id="rId58"/>
+    <p:notesMasterId r:id="rId57"/>
   </p:notesMasterIdLst>
   <p:handoutMasterIdLst>
-    <p:handoutMasterId r:id="rId59"/>
+    <p:handoutMasterId r:id="rId58"/>
   </p:handoutMasterIdLst>
   <p:sldIdLst>
     <p:sldId id="271" r:id="rId2"/>
@@ -30,43 +30,42 @@
     <p:sldId id="380" r:id="rId18"/>
     <p:sldId id="387" r:id="rId19"/>
     <p:sldId id="378" r:id="rId20"/>
-    <p:sldId id="388" r:id="rId21"/>
-    <p:sldId id="389" r:id="rId22"/>
-    <p:sldId id="327" r:id="rId23"/>
-    <p:sldId id="329" r:id="rId24"/>
-    <p:sldId id="328" r:id="rId25"/>
-    <p:sldId id="331" r:id="rId26"/>
-    <p:sldId id="330" r:id="rId27"/>
-    <p:sldId id="333" r:id="rId28"/>
-    <p:sldId id="334" r:id="rId29"/>
-    <p:sldId id="335" r:id="rId30"/>
-    <p:sldId id="336" r:id="rId31"/>
-    <p:sldId id="339" r:id="rId32"/>
-    <p:sldId id="337" r:id="rId33"/>
-    <p:sldId id="354" r:id="rId34"/>
-    <p:sldId id="355" r:id="rId35"/>
-    <p:sldId id="356" r:id="rId36"/>
-    <p:sldId id="358" r:id="rId37"/>
-    <p:sldId id="360" r:id="rId38"/>
-    <p:sldId id="361" r:id="rId39"/>
-    <p:sldId id="362" r:id="rId40"/>
-    <p:sldId id="364" r:id="rId41"/>
-    <p:sldId id="344" r:id="rId42"/>
-    <p:sldId id="346" r:id="rId43"/>
-    <p:sldId id="366" r:id="rId44"/>
-    <p:sldId id="365" r:id="rId45"/>
-    <p:sldId id="341" r:id="rId46"/>
-    <p:sldId id="340" r:id="rId47"/>
-    <p:sldId id="369" r:id="rId48"/>
-    <p:sldId id="348" r:id="rId49"/>
-    <p:sldId id="370" r:id="rId50"/>
-    <p:sldId id="353" r:id="rId51"/>
-    <p:sldId id="372" r:id="rId52"/>
-    <p:sldId id="352" r:id="rId53"/>
-    <p:sldId id="347" r:id="rId54"/>
-    <p:sldId id="368" r:id="rId55"/>
-    <p:sldId id="367" r:id="rId56"/>
-    <p:sldId id="371" r:id="rId57"/>
+    <p:sldId id="389" r:id="rId21"/>
+    <p:sldId id="327" r:id="rId22"/>
+    <p:sldId id="329" r:id="rId23"/>
+    <p:sldId id="328" r:id="rId24"/>
+    <p:sldId id="331" r:id="rId25"/>
+    <p:sldId id="330" r:id="rId26"/>
+    <p:sldId id="333" r:id="rId27"/>
+    <p:sldId id="334" r:id="rId28"/>
+    <p:sldId id="335" r:id="rId29"/>
+    <p:sldId id="336" r:id="rId30"/>
+    <p:sldId id="339" r:id="rId31"/>
+    <p:sldId id="337" r:id="rId32"/>
+    <p:sldId id="354" r:id="rId33"/>
+    <p:sldId id="355" r:id="rId34"/>
+    <p:sldId id="356" r:id="rId35"/>
+    <p:sldId id="358" r:id="rId36"/>
+    <p:sldId id="360" r:id="rId37"/>
+    <p:sldId id="361" r:id="rId38"/>
+    <p:sldId id="362" r:id="rId39"/>
+    <p:sldId id="364" r:id="rId40"/>
+    <p:sldId id="344" r:id="rId41"/>
+    <p:sldId id="346" r:id="rId42"/>
+    <p:sldId id="366" r:id="rId43"/>
+    <p:sldId id="365" r:id="rId44"/>
+    <p:sldId id="341" r:id="rId45"/>
+    <p:sldId id="340" r:id="rId46"/>
+    <p:sldId id="369" r:id="rId47"/>
+    <p:sldId id="348" r:id="rId48"/>
+    <p:sldId id="370" r:id="rId49"/>
+    <p:sldId id="353" r:id="rId50"/>
+    <p:sldId id="372" r:id="rId51"/>
+    <p:sldId id="352" r:id="rId52"/>
+    <p:sldId id="347" r:id="rId53"/>
+    <p:sldId id="368" r:id="rId54"/>
+    <p:sldId id="367" r:id="rId55"/>
+    <p:sldId id="371" r:id="rId56"/>
   </p:sldIdLst>
   <p:sldSz cx="9144000" cy="6858000" type="screen4x3"/>
   <p:notesSz cx="6858000" cy="9144000"/>
@@ -223,7 +222,6 @@
             <p14:sldId id="380"/>
             <p14:sldId id="387"/>
             <p14:sldId id="378"/>
-            <p14:sldId id="388"/>
             <p14:sldId id="389"/>
             <p14:sldId id="327"/>
             <p14:sldId id="329"/>
@@ -294,10 +292,6 @@
 </p:cmAuthorLst>
 </file>
 
-<file path=ppt/revisionInfo.xml><?xml version="1.0" encoding="utf-8"?>
-<p1510:revInfo xmlns:a="http://schemas.openxmlformats.org/drawingml/2006/main" xmlns:r="http://schemas.openxmlformats.org/officeDocument/2006/relationships" xmlns:p1510="http://schemas.microsoft.com/office/powerpoint/2015/10/main"/>
-</file>
-
 <file path=ppt/handoutMasters/handoutMaster1.xml><?xml version="1.0" encoding="utf-8"?>
 <p:handoutMaster xmlns:a="http://schemas.openxmlformats.org/drawingml/2006/main" xmlns:r="http://schemas.openxmlformats.org/officeDocument/2006/relationships" xmlns:p="http://schemas.openxmlformats.org/presentationml/2006/main">
   <p:cSld>
@@ -407,7 +401,7 @@
               <a:pPr>
                 <a:defRPr/>
               </a:pPr>
-              <a:t>6/8/2018</a:t>
+              <a:t>5/30/19</a:t>
             </a:fld>
             <a:endParaRPr lang="en-US"/>
           </a:p>
@@ -627,7 +621,7 @@
               <a:pPr>
                 <a:defRPr/>
               </a:pPr>
-              <a:t>6/8/2018</a:t>
+              <a:t>5/30/19</a:t>
             </a:fld>
             <a:endParaRPr lang="en-US"/>
           </a:p>
@@ -1637,7 +1631,7 @@
     </p:spTree>
     <p:extLst>
       <p:ext uri="{BB962C8B-B14F-4D97-AF65-F5344CB8AC3E}">
-        <p14:creationId xmlns:p14="http://schemas.microsoft.com/office/powerpoint/2010/main" val="2862081802"/>
+        <p14:creationId xmlns:p14="http://schemas.microsoft.com/office/powerpoint/2010/main" val="4199838056"/>
       </p:ext>
     </p:extLst>
   </p:cSld>
@@ -1759,7 +1753,7 @@
     </p:spTree>
     <p:extLst>
       <p:ext uri="{BB962C8B-B14F-4D97-AF65-F5344CB8AC3E}">
-        <p14:creationId xmlns:p14="http://schemas.microsoft.com/office/powerpoint/2010/main" val="4199838056"/>
+        <p14:creationId xmlns:p14="http://schemas.microsoft.com/office/powerpoint/2010/main" val="1923953388"/>
       </p:ext>
     </p:extLst>
   </p:cSld>
@@ -1813,6 +1807,24 @@
           <a:bodyPr/>
           <a:lstStyle/>
           <a:p>
+            <a:r>
+              <a:rPr lang="en-US" dirty="0"/>
+              <a:t>When we</a:t>
+            </a:r>
+            <a:r>
+              <a:rPr lang="en-US" baseline="0" dirty="0"/>
+              <a:t> see an image of a pet, we are able to see a pattern.</a:t>
+            </a:r>
+          </a:p>
+          <a:p>
+            <a:r>
+              <a:rPr lang="en-US" dirty="0"/>
+              <a:t>We have seen</a:t>
+            </a:r>
+            <a:r>
+              <a:rPr lang="en-US" baseline="0" dirty="0"/>
+              <a:t> fair share of pets from an early age, knowledge gained by this experience formed our neural connections and so we are able to recognize a pet pattern.</a:t>
+            </a:r>
             <a:endParaRPr lang="hr-HR" dirty="0"/>
           </a:p>
         </p:txBody>
@@ -1820,7 +1832,7 @@
     </p:spTree>
     <p:extLst>
       <p:ext uri="{BB962C8B-B14F-4D97-AF65-F5344CB8AC3E}">
-        <p14:creationId xmlns:p14="http://schemas.microsoft.com/office/powerpoint/2010/main" val="1923953388"/>
+        <p14:creationId xmlns:p14="http://schemas.microsoft.com/office/powerpoint/2010/main" val="2433263102"/>
       </p:ext>
     </p:extLst>
   </p:cSld>
@@ -1876,21 +1888,17 @@
           <a:p>
             <a:r>
               <a:rPr lang="en-US" dirty="0"/>
-              <a:t>When we</a:t>
+              <a:t>Initially,</a:t>
             </a:r>
             <a:r>
               <a:rPr lang="en-US" baseline="0" dirty="0"/>
-              <a:t> see an image of a pet, we are able to see a pattern.</a:t>
-            </a:r>
-          </a:p>
-          <a:p>
-            <a:r>
-              <a:rPr lang="en-US" dirty="0"/>
-              <a:t>We have seen</a:t>
-            </a:r>
+              <a:t> small child might have a bunch of green toys, of which none is ‘pointy’. When it first encounters cacti, it might decide to play with it since it green, just like other toys, ignoring the pointy property al together.</a:t>
+            </a:r>
+          </a:p>
+          <a:p>
             <a:r>
               <a:rPr lang="en-US" baseline="0" dirty="0"/>
-              <a:t> fair share of pets from an early age, knowledge gained by this experience formed our neural connections and so we are able to recognize a pet pattern.</a:t>
+              <a:t>After a couple of painful experiences, the child learns that the color might not be so important for the future toys and that he should chose ones which are not pointy.</a:t>
             </a:r>
             <a:endParaRPr lang="hr-HR" dirty="0"/>
           </a:p>
@@ -1899,7 +1907,7 @@
     </p:spTree>
     <p:extLst>
       <p:ext uri="{BB962C8B-B14F-4D97-AF65-F5344CB8AC3E}">
-        <p14:creationId xmlns:p14="http://schemas.microsoft.com/office/powerpoint/2010/main" val="2433263102"/>
+        <p14:creationId xmlns:p14="http://schemas.microsoft.com/office/powerpoint/2010/main" val="2617474416"/>
       </p:ext>
     </p:extLst>
   </p:cSld>
@@ -1955,17 +1963,11 @@
           <a:p>
             <a:r>
               <a:rPr lang="en-US" dirty="0"/>
-              <a:t>Initially,</a:t>
+              <a:t>Neurons accumulate</a:t>
             </a:r>
             <a:r>
               <a:rPr lang="en-US" baseline="0" dirty="0"/>
-              <a:t> small child might have a bunch of green toys, of which none is ‘pointy’. When it first encounters cacti, it might decide to play with it since it green, just like other toys, ignoring the pointy property al together.</a:t>
-            </a:r>
-          </a:p>
-          <a:p>
-            <a:r>
-              <a:rPr lang="en-US" baseline="0" dirty="0"/>
-              <a:t>After a couple of painful experiences, the child learns that the color might not be so important for the future toys and that he should chose ones which are not pointy.</a:t>
+              <a:t> charge from other neurons continuously until the charge passes a threshold, this will cause neurons to activate.</a:t>
             </a:r>
             <a:endParaRPr lang="hr-HR" dirty="0"/>
           </a:p>
@@ -1974,7 +1976,7 @@
     </p:spTree>
     <p:extLst>
       <p:ext uri="{BB962C8B-B14F-4D97-AF65-F5344CB8AC3E}">
-        <p14:creationId xmlns:p14="http://schemas.microsoft.com/office/powerpoint/2010/main" val="2617474416"/>
+        <p14:creationId xmlns:p14="http://schemas.microsoft.com/office/powerpoint/2010/main" val="1036909889"/>
       </p:ext>
     </p:extLst>
   </p:cSld>
@@ -2028,14 +2030,6 @@
           <a:bodyPr/>
           <a:lstStyle/>
           <a:p>
-            <a:r>
-              <a:rPr lang="en-US" dirty="0"/>
-              <a:t>Neurons accumulate</a:t>
-            </a:r>
-            <a:r>
-              <a:rPr lang="en-US" baseline="0" dirty="0"/>
-              <a:t> charge from other neurons continuously until the charge passes a threshold, this will cause neurons to activate.</a:t>
-            </a:r>
             <a:endParaRPr lang="hr-HR" dirty="0"/>
           </a:p>
         </p:txBody>
@@ -2043,7 +2037,7 @@
     </p:spTree>
     <p:extLst>
       <p:ext uri="{BB962C8B-B14F-4D97-AF65-F5344CB8AC3E}">
-        <p14:creationId xmlns:p14="http://schemas.microsoft.com/office/powerpoint/2010/main" val="1036909889"/>
+        <p14:creationId xmlns:p14="http://schemas.microsoft.com/office/powerpoint/2010/main" val="2843035520"/>
       </p:ext>
     </p:extLst>
   </p:cSld>
@@ -2097,6 +2091,14 @@
           <a:bodyPr/>
           <a:lstStyle/>
           <a:p>
+            <a:r>
+              <a:rPr lang="en-US" dirty="0"/>
+              <a:t>If</a:t>
+            </a:r>
+            <a:r>
+              <a:rPr lang="en-US" baseline="0" dirty="0"/>
+              <a:t> the sum of neurons is say 5, and threshold is -2, we can simply replace threshold with always active X0 neuron with weight -2. The sum remains same, but we can dynamically adjust this weight -2.</a:t>
+            </a:r>
             <a:endParaRPr lang="hr-HR" dirty="0"/>
           </a:p>
         </p:txBody>
@@ -2104,7 +2106,7 @@
     </p:spTree>
     <p:extLst>
       <p:ext uri="{BB962C8B-B14F-4D97-AF65-F5344CB8AC3E}">
-        <p14:creationId xmlns:p14="http://schemas.microsoft.com/office/powerpoint/2010/main" val="2843035520"/>
+        <p14:creationId xmlns:p14="http://schemas.microsoft.com/office/powerpoint/2010/main" val="2796733879"/>
       </p:ext>
     </p:extLst>
   </p:cSld>
@@ -2159,21 +2161,16 @@
           <a:lstStyle/>
           <a:p>
             <a:r>
-              <a:rPr lang="en-US" dirty="0"/>
-              <a:t>If</a:t>
-            </a:r>
-            <a:r>
               <a:rPr lang="en-US" baseline="0" dirty="0"/>
-              <a:t> the sum of neurons is say 5, and threshold is -2, we can simply replace threshold with always active X0 neuron with weight -2. The sum remains same, but we can dynamically adjust this weight -2.</a:t>
-            </a:r>
-            <a:endParaRPr lang="hr-HR" dirty="0"/>
+              <a:t>Consider ELU and PRELU</a:t>
+            </a:r>
           </a:p>
         </p:txBody>
       </p:sp>
     </p:spTree>
     <p:extLst>
       <p:ext uri="{BB962C8B-B14F-4D97-AF65-F5344CB8AC3E}">
-        <p14:creationId xmlns:p14="http://schemas.microsoft.com/office/powerpoint/2010/main" val="2796733879"/>
+        <p14:creationId xmlns:p14="http://schemas.microsoft.com/office/powerpoint/2010/main" val="2056288039"/>
       </p:ext>
     </p:extLst>
   </p:cSld>
@@ -2227,17 +2224,14 @@
           <a:bodyPr/>
           <a:lstStyle/>
           <a:p>
-            <a:r>
-              <a:rPr lang="en-US" baseline="0" dirty="0"/>
-              <a:t>Consider ELU and PRELU</a:t>
-            </a:r>
+            <a:endParaRPr lang="hr-HR" dirty="0"/>
           </a:p>
         </p:txBody>
       </p:sp>
     </p:spTree>
     <p:extLst>
       <p:ext uri="{BB962C8B-B14F-4D97-AF65-F5344CB8AC3E}">
-        <p14:creationId xmlns:p14="http://schemas.microsoft.com/office/powerpoint/2010/main" val="2056288039"/>
+        <p14:creationId xmlns:p14="http://schemas.microsoft.com/office/powerpoint/2010/main" val="3477218919"/>
       </p:ext>
     </p:extLst>
   </p:cSld>
@@ -2298,7 +2292,7 @@
     </p:spTree>
     <p:extLst>
       <p:ext uri="{BB962C8B-B14F-4D97-AF65-F5344CB8AC3E}">
-        <p14:creationId xmlns:p14="http://schemas.microsoft.com/office/powerpoint/2010/main" val="3477218919"/>
+        <p14:creationId xmlns:p14="http://schemas.microsoft.com/office/powerpoint/2010/main" val="1456180756"/>
       </p:ext>
     </p:extLst>
   </p:cSld>
@@ -2359,7 +2353,7 @@
     </p:spTree>
     <p:extLst>
       <p:ext uri="{BB962C8B-B14F-4D97-AF65-F5344CB8AC3E}">
-        <p14:creationId xmlns:p14="http://schemas.microsoft.com/office/powerpoint/2010/main" val="1456180756"/>
+        <p14:creationId xmlns:p14="http://schemas.microsoft.com/office/powerpoint/2010/main" val="3204426231"/>
       </p:ext>
     </p:extLst>
   </p:cSld>
@@ -2481,7 +2475,7 @@
     </p:spTree>
     <p:extLst>
       <p:ext uri="{BB962C8B-B14F-4D97-AF65-F5344CB8AC3E}">
-        <p14:creationId xmlns:p14="http://schemas.microsoft.com/office/powerpoint/2010/main" val="3204426231"/>
+        <p14:creationId xmlns:p14="http://schemas.microsoft.com/office/powerpoint/2010/main" val="3724857274"/>
       </p:ext>
     </p:extLst>
   </p:cSld>
@@ -2542,7 +2536,7 @@
     </p:spTree>
     <p:extLst>
       <p:ext uri="{BB962C8B-B14F-4D97-AF65-F5344CB8AC3E}">
-        <p14:creationId xmlns:p14="http://schemas.microsoft.com/office/powerpoint/2010/main" val="3724857274"/>
+        <p14:creationId xmlns:p14="http://schemas.microsoft.com/office/powerpoint/2010/main" val="2372541462"/>
       </p:ext>
     </p:extLst>
   </p:cSld>
@@ -2603,7 +2597,7 @@
     </p:spTree>
     <p:extLst>
       <p:ext uri="{BB962C8B-B14F-4D97-AF65-F5344CB8AC3E}">
-        <p14:creationId xmlns:p14="http://schemas.microsoft.com/office/powerpoint/2010/main" val="2372541462"/>
+        <p14:creationId xmlns:p14="http://schemas.microsoft.com/office/powerpoint/2010/main" val="973504301"/>
       </p:ext>
     </p:extLst>
   </p:cSld>
@@ -2664,7 +2658,7 @@
     </p:spTree>
     <p:extLst>
       <p:ext uri="{BB962C8B-B14F-4D97-AF65-F5344CB8AC3E}">
-        <p14:creationId xmlns:p14="http://schemas.microsoft.com/office/powerpoint/2010/main" val="973504301"/>
+        <p14:creationId xmlns:p14="http://schemas.microsoft.com/office/powerpoint/2010/main" val="4270349681"/>
       </p:ext>
     </p:extLst>
   </p:cSld>
@@ -2725,7 +2719,7 @@
     </p:spTree>
     <p:extLst>
       <p:ext uri="{BB962C8B-B14F-4D97-AF65-F5344CB8AC3E}">
-        <p14:creationId xmlns:p14="http://schemas.microsoft.com/office/powerpoint/2010/main" val="4270349681"/>
+        <p14:creationId xmlns:p14="http://schemas.microsoft.com/office/powerpoint/2010/main" val="1661450298"/>
       </p:ext>
     </p:extLst>
   </p:cSld>
@@ -2786,7 +2780,7 @@
     </p:spTree>
     <p:extLst>
       <p:ext uri="{BB962C8B-B14F-4D97-AF65-F5344CB8AC3E}">
-        <p14:creationId xmlns:p14="http://schemas.microsoft.com/office/powerpoint/2010/main" val="1661450298"/>
+        <p14:creationId xmlns:p14="http://schemas.microsoft.com/office/powerpoint/2010/main" val="59482424"/>
       </p:ext>
     </p:extLst>
   </p:cSld>
@@ -2840,14 +2834,14 @@
           <a:bodyPr/>
           <a:lstStyle/>
           <a:p>
-            <a:endParaRPr lang="hr-HR" dirty="0"/>
+            <a:endParaRPr lang="en-US" dirty="0"/>
           </a:p>
         </p:txBody>
       </p:sp>
     </p:spTree>
     <p:extLst>
       <p:ext uri="{BB962C8B-B14F-4D97-AF65-F5344CB8AC3E}">
-        <p14:creationId xmlns:p14="http://schemas.microsoft.com/office/powerpoint/2010/main" val="59482424"/>
+        <p14:creationId xmlns:p14="http://schemas.microsoft.com/office/powerpoint/2010/main" val="4064727088"/>
       </p:ext>
     </p:extLst>
   </p:cSld>
@@ -2901,14 +2895,14 @@
           <a:bodyPr/>
           <a:lstStyle/>
           <a:p>
-            <a:endParaRPr lang="en-US" dirty="0"/>
+            <a:endParaRPr lang="hr-HR" dirty="0"/>
           </a:p>
         </p:txBody>
       </p:sp>
     </p:spTree>
     <p:extLst>
       <p:ext uri="{BB962C8B-B14F-4D97-AF65-F5344CB8AC3E}">
-        <p14:creationId xmlns:p14="http://schemas.microsoft.com/office/powerpoint/2010/main" val="4064727088"/>
+        <p14:creationId xmlns:p14="http://schemas.microsoft.com/office/powerpoint/2010/main" val="1724004156"/>
       </p:ext>
     </p:extLst>
   </p:cSld>
@@ -2969,7 +2963,7 @@
     </p:spTree>
     <p:extLst>
       <p:ext uri="{BB962C8B-B14F-4D97-AF65-F5344CB8AC3E}">
-        <p14:creationId xmlns:p14="http://schemas.microsoft.com/office/powerpoint/2010/main" val="1724004156"/>
+        <p14:creationId xmlns:p14="http://schemas.microsoft.com/office/powerpoint/2010/main" val="3073801589"/>
       </p:ext>
     </p:extLst>
   </p:cSld>
@@ -3030,7 +3024,7 @@
     </p:spTree>
     <p:extLst>
       <p:ext uri="{BB962C8B-B14F-4D97-AF65-F5344CB8AC3E}">
-        <p14:creationId xmlns:p14="http://schemas.microsoft.com/office/powerpoint/2010/main" val="3073801589"/>
+        <p14:creationId xmlns:p14="http://schemas.microsoft.com/office/powerpoint/2010/main" val="2809889704"/>
       </p:ext>
     </p:extLst>
   </p:cSld>
@@ -3152,7 +3146,7 @@
     </p:spTree>
     <p:extLst>
       <p:ext uri="{BB962C8B-B14F-4D97-AF65-F5344CB8AC3E}">
-        <p14:creationId xmlns:p14="http://schemas.microsoft.com/office/powerpoint/2010/main" val="2809889704"/>
+        <p14:creationId xmlns:p14="http://schemas.microsoft.com/office/powerpoint/2010/main" val="2638958660"/>
       </p:ext>
     </p:extLst>
   </p:cSld>
@@ -3213,7 +3207,7 @@
     </p:spTree>
     <p:extLst>
       <p:ext uri="{BB962C8B-B14F-4D97-AF65-F5344CB8AC3E}">
-        <p14:creationId xmlns:p14="http://schemas.microsoft.com/office/powerpoint/2010/main" val="2638958660"/>
+        <p14:creationId xmlns:p14="http://schemas.microsoft.com/office/powerpoint/2010/main" val="1305071474"/>
       </p:ext>
     </p:extLst>
   </p:cSld>
@@ -3267,14 +3261,22 @@
           <a:bodyPr/>
           <a:lstStyle/>
           <a:p>
-            <a:endParaRPr lang="hr-HR" dirty="0"/>
+            <a:endParaRPr lang="en-US" sz="1000" b="0" i="0" kern="1200" dirty="0">
+              <a:solidFill>
+                <a:schemeClr val="tx1"/>
+              </a:solidFill>
+              <a:effectLst/>
+              <a:latin typeface="+mn-lt"/>
+              <a:ea typeface="+mn-ea"/>
+              <a:cs typeface="+mn-cs"/>
+            </a:endParaRPr>
           </a:p>
         </p:txBody>
       </p:sp>
     </p:spTree>
     <p:extLst>
       <p:ext uri="{BB962C8B-B14F-4D97-AF65-F5344CB8AC3E}">
-        <p14:creationId xmlns:p14="http://schemas.microsoft.com/office/powerpoint/2010/main" val="1305071474"/>
+        <p14:creationId xmlns:p14="http://schemas.microsoft.com/office/powerpoint/2010/main" val="4017352246"/>
       </p:ext>
     </p:extLst>
   </p:cSld>
@@ -3328,22 +3330,31 @@
           <a:bodyPr/>
           <a:lstStyle/>
           <a:p>
-            <a:endParaRPr lang="en-US" sz="1000" b="0" i="0" kern="1200" dirty="0">
-              <a:solidFill>
-                <a:schemeClr val="tx1"/>
-              </a:solidFill>
-              <a:effectLst/>
-              <a:latin typeface="+mn-lt"/>
-              <a:ea typeface="+mn-ea"/>
-              <a:cs typeface="+mn-cs"/>
-            </a:endParaRPr>
+            <a:pPr marL="0" marR="0" lvl="0" indent="0" algn="l" defTabSz="777875" rtl="0" eaLnBrk="0" fontAlgn="base" latinLnBrk="0" hangingPunct="0">
+              <a:lnSpc>
+                <a:spcPct val="100000"/>
+              </a:lnSpc>
+              <a:spcBef>
+                <a:spcPct val="30000"/>
+              </a:spcBef>
+              <a:spcAft>
+                <a:spcPct val="0"/>
+              </a:spcAft>
+              <a:buClrTx/>
+              <a:buSzTx/>
+              <a:buFontTx/>
+              <a:buNone/>
+              <a:tabLst/>
+              <a:defRPr/>
+            </a:pPr>
+            <a:endParaRPr lang="hr-HR" dirty="0"/>
           </a:p>
         </p:txBody>
       </p:sp>
     </p:spTree>
     <p:extLst>
       <p:ext uri="{BB962C8B-B14F-4D97-AF65-F5344CB8AC3E}">
-        <p14:creationId xmlns:p14="http://schemas.microsoft.com/office/powerpoint/2010/main" val="4017352246"/>
+        <p14:creationId xmlns:p14="http://schemas.microsoft.com/office/powerpoint/2010/main" val="2961484045"/>
       </p:ext>
     </p:extLst>
   </p:cSld>
@@ -3397,23 +3408,42 @@
           <a:bodyPr/>
           <a:lstStyle/>
           <a:p>
-            <a:pPr marL="0" marR="0" lvl="0" indent="0" algn="l" defTabSz="777875" rtl="0" eaLnBrk="0" fontAlgn="base" latinLnBrk="0" hangingPunct="0">
-              <a:lnSpc>
-                <a:spcPct val="100000"/>
-              </a:lnSpc>
-              <a:spcBef>
-                <a:spcPct val="30000"/>
-              </a:spcBef>
-              <a:spcAft>
-                <a:spcPct val="0"/>
-              </a:spcAft>
-              <a:buClrTx/>
-              <a:buSzTx/>
-              <a:buFontTx/>
-              <a:buNone/>
-              <a:tabLst/>
-              <a:defRPr/>
-            </a:pPr>
+            <a:r>
+              <a:rPr lang="en-US" sz="1000" b="0" i="0" kern="1200" dirty="0">
+                <a:solidFill>
+                  <a:schemeClr val="tx1"/>
+                </a:solidFill>
+                <a:effectLst/>
+                <a:latin typeface="+mn-lt"/>
+                <a:ea typeface="+mn-ea"/>
+                <a:cs typeface="+mn-cs"/>
+              </a:rPr>
+              <a:t>The gradient at any location points in the direction of </a:t>
+            </a:r>
+            <a:r>
+              <a:rPr lang="en-US" sz="1000" b="1" i="0" kern="1200" dirty="0">
+                <a:solidFill>
+                  <a:schemeClr val="tx1"/>
+                </a:solidFill>
+                <a:effectLst/>
+                <a:latin typeface="+mn-lt"/>
+                <a:ea typeface="+mn-ea"/>
+                <a:cs typeface="+mn-cs"/>
+              </a:rPr>
+              <a:t>greatest increase</a:t>
+            </a:r>
+            <a:r>
+              <a:rPr lang="en-US" sz="1000" b="0" i="0" kern="1200" dirty="0">
+                <a:solidFill>
+                  <a:schemeClr val="tx1"/>
+                </a:solidFill>
+                <a:effectLst/>
+                <a:latin typeface="+mn-lt"/>
+                <a:ea typeface="+mn-ea"/>
+                <a:cs typeface="+mn-cs"/>
+              </a:rPr>
+              <a:t> of a function.  </a:t>
+            </a:r>
             <a:endParaRPr lang="hr-HR" dirty="0"/>
           </a:p>
         </p:txBody>
@@ -3421,7 +3451,7 @@
     </p:spTree>
     <p:extLst>
       <p:ext uri="{BB962C8B-B14F-4D97-AF65-F5344CB8AC3E}">
-        <p14:creationId xmlns:p14="http://schemas.microsoft.com/office/powerpoint/2010/main" val="2961484045"/>
+        <p14:creationId xmlns:p14="http://schemas.microsoft.com/office/powerpoint/2010/main" val="2654509603"/>
       </p:ext>
     </p:extLst>
   </p:cSld>
@@ -3475,42 +3505,6 @@
           <a:bodyPr/>
           <a:lstStyle/>
           <a:p>
-            <a:r>
-              <a:rPr lang="en-US" sz="1000" b="0" i="0" kern="1200" dirty="0">
-                <a:solidFill>
-                  <a:schemeClr val="tx1"/>
-                </a:solidFill>
-                <a:effectLst/>
-                <a:latin typeface="+mn-lt"/>
-                <a:ea typeface="+mn-ea"/>
-                <a:cs typeface="+mn-cs"/>
-              </a:rPr>
-              <a:t>The gradient at any location points in the direction of </a:t>
-            </a:r>
-            <a:r>
-              <a:rPr lang="en-US" sz="1000" b="1" i="0" kern="1200" dirty="0">
-                <a:solidFill>
-                  <a:schemeClr val="tx1"/>
-                </a:solidFill>
-                <a:effectLst/>
-                <a:latin typeface="+mn-lt"/>
-                <a:ea typeface="+mn-ea"/>
-                <a:cs typeface="+mn-cs"/>
-              </a:rPr>
-              <a:t>greatest increase</a:t>
-            </a:r>
-            <a:r>
-              <a:rPr lang="en-US" sz="1000" b="0" i="0" kern="1200" dirty="0">
-                <a:solidFill>
-                  <a:schemeClr val="tx1"/>
-                </a:solidFill>
-                <a:effectLst/>
-                <a:latin typeface="+mn-lt"/>
-                <a:ea typeface="+mn-ea"/>
-                <a:cs typeface="+mn-cs"/>
-              </a:rPr>
-              <a:t> of a function.  </a:t>
-            </a:r>
             <a:endParaRPr lang="hr-HR" dirty="0"/>
           </a:p>
         </p:txBody>
@@ -3518,7 +3512,7 @@
     </p:spTree>
     <p:extLst>
       <p:ext uri="{BB962C8B-B14F-4D97-AF65-F5344CB8AC3E}">
-        <p14:creationId xmlns:p14="http://schemas.microsoft.com/office/powerpoint/2010/main" val="2654509603"/>
+        <p14:creationId xmlns:p14="http://schemas.microsoft.com/office/powerpoint/2010/main" val="1701097455"/>
       </p:ext>
     </p:extLst>
   </p:cSld>
@@ -3579,7 +3573,7 @@
     </p:spTree>
     <p:extLst>
       <p:ext uri="{BB962C8B-B14F-4D97-AF65-F5344CB8AC3E}">
-        <p14:creationId xmlns:p14="http://schemas.microsoft.com/office/powerpoint/2010/main" val="1701097455"/>
+        <p14:creationId xmlns:p14="http://schemas.microsoft.com/office/powerpoint/2010/main" val="2488180712"/>
       </p:ext>
     </p:extLst>
   </p:cSld>
@@ -3633,6 +3627,23 @@
           <a:bodyPr/>
           <a:lstStyle/>
           <a:p>
+            <a:pPr marL="0" marR="0" lvl="0" indent="0" algn="l" defTabSz="777875" rtl="0" eaLnBrk="0" fontAlgn="base" latinLnBrk="0" hangingPunct="0">
+              <a:lnSpc>
+                <a:spcPct val="100000"/>
+              </a:lnSpc>
+              <a:spcBef>
+                <a:spcPct val="30000"/>
+              </a:spcBef>
+              <a:spcAft>
+                <a:spcPct val="0"/>
+              </a:spcAft>
+              <a:buClrTx/>
+              <a:buSzTx/>
+              <a:buFontTx/>
+              <a:buNone/>
+              <a:tabLst/>
+              <a:defRPr/>
+            </a:pPr>
             <a:endParaRPr lang="hr-HR" dirty="0"/>
           </a:p>
         </p:txBody>
@@ -3640,7 +3651,7 @@
     </p:spTree>
     <p:extLst>
       <p:ext uri="{BB962C8B-B14F-4D97-AF65-F5344CB8AC3E}">
-        <p14:creationId xmlns:p14="http://schemas.microsoft.com/office/powerpoint/2010/main" val="2488180712"/>
+        <p14:creationId xmlns:p14="http://schemas.microsoft.com/office/powerpoint/2010/main" val="4120606570"/>
       </p:ext>
     </p:extLst>
   </p:cSld>
@@ -3718,7 +3729,7 @@
     </p:spTree>
     <p:extLst>
       <p:ext uri="{BB962C8B-B14F-4D97-AF65-F5344CB8AC3E}">
-        <p14:creationId xmlns:p14="http://schemas.microsoft.com/office/powerpoint/2010/main" val="4120606570"/>
+        <p14:creationId xmlns:p14="http://schemas.microsoft.com/office/powerpoint/2010/main" val="2303629728"/>
       </p:ext>
     </p:extLst>
   </p:cSld>
@@ -3769,7 +3780,9 @@
         </p:nvSpPr>
         <p:spPr/>
         <p:txBody>
-          <a:bodyPr/>
+          <a:bodyPr>
+            <a:normAutofit/>
+          </a:bodyPr>
           <a:lstStyle/>
           <a:p>
             <a:pPr marL="0" marR="0" lvl="0" indent="0" algn="l" defTabSz="777875" rtl="0" eaLnBrk="0" fontAlgn="base" latinLnBrk="0" hangingPunct="0">
@@ -3796,7 +3809,7 @@
     </p:spTree>
     <p:extLst>
       <p:ext uri="{BB962C8B-B14F-4D97-AF65-F5344CB8AC3E}">
-        <p14:creationId xmlns:p14="http://schemas.microsoft.com/office/powerpoint/2010/main" val="2303629728"/>
+        <p14:creationId xmlns:p14="http://schemas.microsoft.com/office/powerpoint/2010/main" val="461251805"/>
       </p:ext>
     </p:extLst>
   </p:cSld>
@@ -3908,28 +3921,9 @@
         </p:nvSpPr>
         <p:spPr/>
         <p:txBody>
-          <a:bodyPr>
-            <a:normAutofit/>
-          </a:bodyPr>
+          <a:bodyPr/>
           <a:lstStyle/>
           <a:p>
-            <a:pPr marL="0" marR="0" lvl="0" indent="0" algn="l" defTabSz="777875" rtl="0" eaLnBrk="0" fontAlgn="base" latinLnBrk="0" hangingPunct="0">
-              <a:lnSpc>
-                <a:spcPct val="100000"/>
-              </a:lnSpc>
-              <a:spcBef>
-                <a:spcPct val="30000"/>
-              </a:spcBef>
-              <a:spcAft>
-                <a:spcPct val="0"/>
-              </a:spcAft>
-              <a:buClrTx/>
-              <a:buSzTx/>
-              <a:buFontTx/>
-              <a:buNone/>
-              <a:tabLst/>
-              <a:defRPr/>
-            </a:pPr>
             <a:endParaRPr lang="hr-HR" dirty="0"/>
           </a:p>
         </p:txBody>
@@ -3937,7 +3931,7 @@
     </p:spTree>
     <p:extLst>
       <p:ext uri="{BB962C8B-B14F-4D97-AF65-F5344CB8AC3E}">
-        <p14:creationId xmlns:p14="http://schemas.microsoft.com/office/powerpoint/2010/main" val="461251805"/>
+        <p14:creationId xmlns:p14="http://schemas.microsoft.com/office/powerpoint/2010/main" val="467874003"/>
       </p:ext>
     </p:extLst>
   </p:cSld>
@@ -3998,7 +3992,7 @@
     </p:spTree>
     <p:extLst>
       <p:ext uri="{BB962C8B-B14F-4D97-AF65-F5344CB8AC3E}">
-        <p14:creationId xmlns:p14="http://schemas.microsoft.com/office/powerpoint/2010/main" val="467874003"/>
+        <p14:creationId xmlns:p14="http://schemas.microsoft.com/office/powerpoint/2010/main" val="1502465416"/>
       </p:ext>
     </p:extLst>
   </p:cSld>
@@ -4059,7 +4053,7 @@
     </p:spTree>
     <p:extLst>
       <p:ext uri="{BB962C8B-B14F-4D97-AF65-F5344CB8AC3E}">
-        <p14:creationId xmlns:p14="http://schemas.microsoft.com/office/powerpoint/2010/main" val="1502465416"/>
+        <p14:creationId xmlns:p14="http://schemas.microsoft.com/office/powerpoint/2010/main" val="1167325578"/>
       </p:ext>
     </p:extLst>
   </p:cSld>
@@ -4070,67 +4064,6 @@
 </file>
 
 <file path=ppt/notesSlides/notesSlide53.xml><?xml version="1.0" encoding="utf-8"?>
-<p:notes xmlns:a="http://schemas.openxmlformats.org/drawingml/2006/main" xmlns:r="http://schemas.openxmlformats.org/officeDocument/2006/relationships" xmlns:p="http://schemas.openxmlformats.org/presentationml/2006/main">
-  <p:cSld>
-    <p:spTree>
-      <p:nvGrpSpPr>
-        <p:cNvPr id="1" name=""/>
-        <p:cNvGrpSpPr/>
-        <p:nvPr/>
-      </p:nvGrpSpPr>
-      <p:grpSpPr>
-        <a:xfrm>
-          <a:off x="0" y="0"/>
-          <a:ext cx="0" cy="0"/>
-          <a:chOff x="0" y="0"/>
-          <a:chExt cx="0" cy="0"/>
-        </a:xfrm>
-      </p:grpSpPr>
-      <p:sp>
-        <p:nvSpPr>
-          <p:cNvPr id="2" name="Slide Image Placeholder 1"/>
-          <p:cNvSpPr>
-            <a:spLocks noGrp="1" noRot="1" noChangeAspect="1"/>
-          </p:cNvSpPr>
-          <p:nvPr>
-            <p:ph type="sldImg"/>
-          </p:nvPr>
-        </p:nvSpPr>
-        <p:spPr/>
-      </p:sp>
-      <p:sp>
-        <p:nvSpPr>
-          <p:cNvPr id="3" name="Notes Placeholder 2"/>
-          <p:cNvSpPr>
-            <a:spLocks noGrp="1"/>
-          </p:cNvSpPr>
-          <p:nvPr>
-            <p:ph type="body" idx="1"/>
-          </p:nvPr>
-        </p:nvSpPr>
-        <p:spPr/>
-        <p:txBody>
-          <a:bodyPr/>
-          <a:lstStyle/>
-          <a:p>
-            <a:endParaRPr lang="hr-HR" dirty="0"/>
-          </a:p>
-        </p:txBody>
-      </p:sp>
-    </p:spTree>
-    <p:extLst>
-      <p:ext uri="{BB962C8B-B14F-4D97-AF65-F5344CB8AC3E}">
-        <p14:creationId xmlns:p14="http://schemas.microsoft.com/office/powerpoint/2010/main" val="1167325578"/>
-      </p:ext>
-    </p:extLst>
-  </p:cSld>
-  <p:clrMapOvr>
-    <a:masterClrMapping/>
-  </p:clrMapOvr>
-</p:notes>
-</file>
-
-<file path=ppt/notesSlides/notesSlide54.xml><?xml version="1.0" encoding="utf-8"?>
 <p:notes xmlns:a="http://schemas.openxmlformats.org/drawingml/2006/main" xmlns:r="http://schemas.openxmlformats.org/officeDocument/2006/relationships" xmlns:p="http://schemas.openxmlformats.org/presentationml/2006/main">
   <p:cSld>
     <p:spTree>
@@ -4657,7 +4590,7 @@
               <a:pPr>
                 <a:defRPr/>
               </a:pPr>
-              <a:t>Friday, June 8, 2018</a:t>
+              <a:t>Thursday, May 30, 2019</a:t>
             </a:fld>
             <a:endParaRPr lang="en-US"/>
           </a:p>
@@ -4850,7 +4783,7 @@
               <a:pPr>
                 <a:defRPr/>
               </a:pPr>
-              <a:t>Friday, June 8, 2018</a:t>
+              <a:t>Thursday, May 30, 2019</a:t>
             </a:fld>
             <a:endParaRPr lang="en-US"/>
           </a:p>
@@ -5053,7 +4986,7 @@
               <a:pPr>
                 <a:defRPr/>
               </a:pPr>
-              <a:t>Friday, June 8, 2018</a:t>
+              <a:t>Thursday, May 30, 2019</a:t>
             </a:fld>
             <a:endParaRPr lang="en-US"/>
           </a:p>
@@ -5246,7 +5179,7 @@
               <a:pPr>
                 <a:defRPr/>
               </a:pPr>
-              <a:t>Friday, June 8, 2018</a:t>
+              <a:t>Thursday, May 30, 2019</a:t>
             </a:fld>
             <a:endParaRPr lang="en-US"/>
           </a:p>
@@ -5516,7 +5449,7 @@
               <a:pPr>
                 <a:defRPr/>
               </a:pPr>
-              <a:t>Friday, June 8, 2018</a:t>
+              <a:t>Thursday, May 30, 2019</a:t>
             </a:fld>
             <a:endParaRPr lang="en-US"/>
           </a:p>
@@ -5826,7 +5759,7 @@
               <a:pPr>
                 <a:defRPr/>
               </a:pPr>
-              <a:t>Friday, June 8, 2018</a:t>
+              <a:t>Thursday, May 30, 2019</a:t>
             </a:fld>
             <a:endParaRPr lang="en-US"/>
           </a:p>
@@ -6270,7 +6203,7 @@
               <a:pPr>
                 <a:defRPr/>
               </a:pPr>
-              <a:t>Friday, June 8, 2018</a:t>
+              <a:t>Thursday, May 30, 2019</a:t>
             </a:fld>
             <a:endParaRPr lang="en-US"/>
           </a:p>
@@ -6412,7 +6345,7 @@
               <a:pPr>
                 <a:defRPr/>
               </a:pPr>
-              <a:t>Friday, June 8, 2018</a:t>
+              <a:t>Thursday, May 30, 2019</a:t>
             </a:fld>
             <a:endParaRPr lang="en-US"/>
           </a:p>
@@ -6532,7 +6465,7 @@
               <a:pPr>
                 <a:defRPr/>
               </a:pPr>
-              <a:t>Friday, June 8, 2018</a:t>
+              <a:t>Thursday, May 30, 2019</a:t>
             </a:fld>
             <a:endParaRPr lang="en-US"/>
           </a:p>
@@ -6832,7 +6765,7 @@
               <a:pPr>
                 <a:defRPr/>
               </a:pPr>
-              <a:t>Friday, June 8, 2018</a:t>
+              <a:t>Thursday, May 30, 2019</a:t>
             </a:fld>
             <a:endParaRPr lang="en-US"/>
           </a:p>
@@ -7112,7 +7045,7 @@
               <a:pPr>
                 <a:defRPr/>
               </a:pPr>
-              <a:t>Friday, June 8, 2018</a:t>
+              <a:t>Thursday, May 30, 2019</a:t>
             </a:fld>
             <a:endParaRPr lang="en-US"/>
           </a:p>
@@ -7378,7 +7311,7 @@
               <a:pPr>
                 <a:defRPr/>
               </a:pPr>
-              <a:t>Friday, June 8, 2018</a:t>
+              <a:t>Thursday, May 30, 2019</a:t>
             </a:fld>
             <a:endParaRPr lang="en-US"/>
           </a:p>
@@ -15099,191 +15032,6 @@
       </p:grpSpPr>
       <p:sp>
         <p:nvSpPr>
-          <p:cNvPr id="2" name="Title 1"/>
-          <p:cNvSpPr>
-            <a:spLocks noGrp="1"/>
-          </p:cNvSpPr>
-          <p:nvPr>
-            <p:ph type="title"/>
-          </p:nvPr>
-        </p:nvSpPr>
-        <p:spPr/>
-        <p:txBody>
-          <a:bodyPr/>
-          <a:lstStyle/>
-          <a:p>
-            <a:r>
-              <a:rPr lang="en-US" dirty="0"/>
-              <a:t>Alternative solutions</a:t>
-            </a:r>
-          </a:p>
-        </p:txBody>
-      </p:sp>
-      <p:sp>
-        <p:nvSpPr>
-          <p:cNvPr id="3" name="Content Placeholder 2"/>
-          <p:cNvSpPr>
-            <a:spLocks noGrp="1"/>
-          </p:cNvSpPr>
-          <p:nvPr>
-            <p:ph idx="1"/>
-          </p:nvPr>
-        </p:nvSpPr>
-        <p:spPr>
-          <a:xfrm>
-            <a:off x="457200" y="1600200"/>
-            <a:ext cx="8229600" cy="4781128"/>
-          </a:xfrm>
-        </p:spPr>
-        <p:txBody>
-          <a:bodyPr/>
-          <a:lstStyle/>
-          <a:p>
-            <a:r>
-              <a:rPr lang="en-US" dirty="0"/>
-              <a:t>Naïve Bayes is a linear classifier and therefore will give poor results for </a:t>
-            </a:r>
-            <a:r>
-              <a:rPr lang="en-US" i="1" dirty="0"/>
-              <a:t>non-linearly separable </a:t>
-            </a:r>
-            <a:r>
-              <a:rPr lang="en-US" dirty="0"/>
-              <a:t>problems</a:t>
-            </a:r>
-          </a:p>
-          <a:p>
-            <a:pPr lvl="1">
-              <a:buFont typeface="Arial" panose="020B0604020202020204" pitchFamily="34" charset="0"/>
-              <a:buChar char="•"/>
-            </a:pPr>
-            <a:r>
-              <a:rPr lang="en-US" dirty="0"/>
-              <a:t>stay tuned for </a:t>
-            </a:r>
-            <a:r>
-              <a:rPr lang="en-US" b="1" dirty="0"/>
-              <a:t>linearly separable </a:t>
-            </a:r>
-            <a:r>
-              <a:rPr lang="en-US" dirty="0"/>
-              <a:t>problems</a:t>
-            </a:r>
-          </a:p>
-          <a:p>
-            <a:pPr lvl="1">
-              <a:buFont typeface="Arial" panose="020B0604020202020204" pitchFamily="34" charset="0"/>
-              <a:buChar char="•"/>
-            </a:pPr>
-            <a:r>
-              <a:rPr lang="en-US" dirty="0"/>
-              <a:t>text classification is largely linearly separable problem, although we cannot prove this</a:t>
-            </a:r>
-          </a:p>
-          <a:p>
-            <a:pPr>
-              <a:buFont typeface="Arial" panose="020B0604020202020204" pitchFamily="34" charset="0"/>
-              <a:buChar char="•"/>
-            </a:pPr>
-            <a:r>
-              <a:rPr lang="en-US" dirty="0"/>
-              <a:t>Fast and easy to implement, gives really good results</a:t>
-            </a:r>
-          </a:p>
-          <a:p>
-            <a:pPr>
-              <a:buFont typeface="Arial" panose="020B0604020202020204" pitchFamily="34" charset="0"/>
-              <a:buChar char="•"/>
-            </a:pPr>
-            <a:r>
-              <a:rPr lang="en-US" b="1" dirty="0"/>
-              <a:t>Generative</a:t>
-            </a:r>
-            <a:r>
-              <a:rPr lang="en-US" dirty="0"/>
-              <a:t> model </a:t>
-            </a:r>
-          </a:p>
-          <a:p>
-            <a:pPr>
-              <a:buFont typeface="Arial" panose="020B0604020202020204" pitchFamily="34" charset="0"/>
-              <a:buChar char="•"/>
-            </a:pPr>
-            <a:r>
-              <a:rPr lang="en-US" dirty="0"/>
-              <a:t>For non-linearly separable problems consider Random forest, KNN,</a:t>
-            </a:r>
-            <a:r>
-              <a:rPr lang="en-US" b="1" dirty="0"/>
-              <a:t> </a:t>
-            </a:r>
-            <a:r>
-              <a:rPr lang="en-US" dirty="0"/>
-              <a:t>SVM and </a:t>
-            </a:r>
-            <a:r>
-              <a:rPr lang="en-US" b="1" dirty="0"/>
-              <a:t>Neural networks</a:t>
-            </a:r>
-            <a:endParaRPr lang="en-US" dirty="0"/>
-          </a:p>
-          <a:p>
-            <a:pPr lvl="1"/>
-            <a:r>
-              <a:rPr lang="en-US" dirty="0"/>
-              <a:t>by the order of headache these will give you </a:t>
-            </a:r>
-            <a:r>
-              <a:rPr lang="en-US" dirty="0">
-                <a:sym typeface="Wingdings" panose="05000000000000000000" pitchFamily="2" charset="2"/>
-              </a:rPr>
-              <a:t></a:t>
-            </a:r>
-            <a:endParaRPr lang="en-US" dirty="0"/>
-          </a:p>
-          <a:p>
-            <a:endParaRPr lang="en-US" dirty="0"/>
-          </a:p>
-          <a:p>
-            <a:endParaRPr lang="en-US" dirty="0"/>
-          </a:p>
-        </p:txBody>
-      </p:sp>
-    </p:spTree>
-    <p:extLst>
-      <p:ext uri="{BB962C8B-B14F-4D97-AF65-F5344CB8AC3E}">
-        <p14:creationId xmlns:p14="http://schemas.microsoft.com/office/powerpoint/2010/main" val="2872328556"/>
-      </p:ext>
-    </p:extLst>
-  </p:cSld>
-  <p:clrMapOvr>
-    <a:masterClrMapping/>
-  </p:clrMapOvr>
-  <p:transition>
-    <p:fade thruBlk="1"/>
-  </p:transition>
-</p:sld>
-</file>
-
-<file path=ppt/slides/slide21.xml><?xml version="1.0" encoding="utf-8"?>
-<p:sld xmlns:a="http://schemas.openxmlformats.org/drawingml/2006/main" xmlns:r="http://schemas.openxmlformats.org/officeDocument/2006/relationships" xmlns:p="http://schemas.openxmlformats.org/presentationml/2006/main">
-  <p:cSld>
-    <p:spTree>
-      <p:nvGrpSpPr>
-        <p:cNvPr id="1" name=""/>
-        <p:cNvGrpSpPr/>
-        <p:nvPr/>
-      </p:nvGrpSpPr>
-      <p:grpSpPr>
-        <a:xfrm>
-          <a:off x="0" y="0"/>
-          <a:ext cx="0" cy="0"/>
-          <a:chOff x="0" y="0"/>
-          <a:chExt cx="0" cy="0"/>
-        </a:xfrm>
-      </p:grpSpPr>
-      <p:sp>
-        <p:nvSpPr>
           <p:cNvPr id="5" name="Title 4"/>
           <p:cNvSpPr>
             <a:spLocks noGrp="1"/>
@@ -15341,7 +15089,7 @@
 </p:sld>
 </file>
 
-<file path=ppt/slides/slide22.xml><?xml version="1.0" encoding="utf-8"?>
+<file path=ppt/slides/slide21.xml><?xml version="1.0" encoding="utf-8"?>
 <p:sld xmlns:a="http://schemas.openxmlformats.org/drawingml/2006/main" xmlns:r="http://schemas.openxmlformats.org/officeDocument/2006/relationships" xmlns:p="http://schemas.openxmlformats.org/presentationml/2006/main">
   <p:cSld>
     <p:spTree>
@@ -15469,7 +15217,7 @@
 </p:sld>
 </file>
 
-<file path=ppt/slides/slide23.xml><?xml version="1.0" encoding="utf-8"?>
+<file path=ppt/slides/slide22.xml><?xml version="1.0" encoding="utf-8"?>
 <p:sld xmlns:a="http://schemas.openxmlformats.org/drawingml/2006/main" xmlns:r="http://schemas.openxmlformats.org/officeDocument/2006/relationships" xmlns:p="http://schemas.openxmlformats.org/presentationml/2006/main">
   <p:cSld>
     <p:spTree>
@@ -15593,7 +15341,7 @@
 </p:sld>
 </file>
 
-<file path=ppt/slides/slide24.xml><?xml version="1.0" encoding="utf-8"?>
+<file path=ppt/slides/slide23.xml><?xml version="1.0" encoding="utf-8"?>
 <p:sld xmlns:a="http://schemas.openxmlformats.org/drawingml/2006/main" xmlns:r="http://schemas.openxmlformats.org/officeDocument/2006/relationships" xmlns:p="http://schemas.openxmlformats.org/presentationml/2006/main">
   <p:cSld>
     <p:spTree>
@@ -15978,7 +15726,7 @@
 </p:sld>
 </file>
 
-<file path=ppt/slides/slide25.xml><?xml version="1.0" encoding="utf-8"?>
+<file path=ppt/slides/slide24.xml><?xml version="1.0" encoding="utf-8"?>
 <p:sld xmlns:a="http://schemas.openxmlformats.org/drawingml/2006/main" xmlns:r="http://schemas.openxmlformats.org/officeDocument/2006/relationships" xmlns:p="http://schemas.openxmlformats.org/presentationml/2006/main">
   <p:cSld>
     <p:spTree>
@@ -16062,7 +15810,7 @@
 </p:sld>
 </file>
 
-<file path=ppt/slides/slide26.xml><?xml version="1.0" encoding="utf-8"?>
+<file path=ppt/slides/slide25.xml><?xml version="1.0" encoding="utf-8"?>
 <p:sld xmlns:a="http://schemas.openxmlformats.org/drawingml/2006/main" xmlns:r="http://schemas.openxmlformats.org/officeDocument/2006/relationships" xmlns:p="http://schemas.openxmlformats.org/presentationml/2006/main">
   <p:cSld>
     <p:spTree>
@@ -16248,7 +15996,7 @@
 </p:sld>
 </file>
 
-<file path=ppt/slides/slide27.xml><?xml version="1.0" encoding="utf-8"?>
+<file path=ppt/slides/slide26.xml><?xml version="1.0" encoding="utf-8"?>
 <p:sld xmlns:a="http://schemas.openxmlformats.org/drawingml/2006/main" xmlns:r="http://schemas.openxmlformats.org/officeDocument/2006/relationships" xmlns:p="http://schemas.openxmlformats.org/presentationml/2006/main">
   <p:cSld>
     <p:spTree>
@@ -16595,7 +16343,7 @@
 </p:sld>
 </file>
 
-<file path=ppt/slides/slide28.xml><?xml version="1.0" encoding="utf-8"?>
+<file path=ppt/slides/slide27.xml><?xml version="1.0" encoding="utf-8"?>
 <p:sld xmlns:a="http://schemas.openxmlformats.org/drawingml/2006/main" xmlns:r="http://schemas.openxmlformats.org/officeDocument/2006/relationships" xmlns:p="http://schemas.openxmlformats.org/presentationml/2006/main">
   <p:cSld>
     <p:spTree>
@@ -16801,7 +16549,7 @@
 </p:sld>
 </file>
 
-<file path=ppt/slides/slide29.xml><?xml version="1.0" encoding="utf-8"?>
+<file path=ppt/slides/slide28.xml><?xml version="1.0" encoding="utf-8"?>
 <p:sld xmlns:a="http://schemas.openxmlformats.org/drawingml/2006/main" xmlns:r="http://schemas.openxmlformats.org/officeDocument/2006/relationships" xmlns:p="http://schemas.openxmlformats.org/presentationml/2006/main">
   <p:cSld>
     <p:spTree>
@@ -17161,6 +16909,263 @@
 </p:sld>
 </file>
 
+<file path=ppt/slides/slide29.xml><?xml version="1.0" encoding="utf-8"?>
+<p:sld xmlns:a="http://schemas.openxmlformats.org/drawingml/2006/main" xmlns:r="http://schemas.openxmlformats.org/officeDocument/2006/relationships" xmlns:p="http://schemas.openxmlformats.org/presentationml/2006/main">
+  <p:cSld>
+    <p:spTree>
+      <p:nvGrpSpPr>
+        <p:cNvPr id="1" name=""/>
+        <p:cNvGrpSpPr/>
+        <p:nvPr/>
+      </p:nvGrpSpPr>
+      <p:grpSpPr>
+        <a:xfrm>
+          <a:off x="0" y="0"/>
+          <a:ext cx="0" cy="0"/>
+          <a:chOff x="0" y="0"/>
+          <a:chExt cx="0" cy="0"/>
+        </a:xfrm>
+      </p:grpSpPr>
+      <p:sp>
+        <p:nvSpPr>
+          <p:cNvPr id="2" name="Title 1"/>
+          <p:cNvSpPr>
+            <a:spLocks noGrp="1"/>
+          </p:cNvSpPr>
+          <p:nvPr>
+            <p:ph type="title"/>
+          </p:nvPr>
+        </p:nvSpPr>
+        <p:spPr/>
+        <p:txBody>
+          <a:bodyPr/>
+          <a:lstStyle/>
+          <a:p>
+            <a:r>
+              <a:rPr lang="en-US" dirty="0"/>
+              <a:t>Learning – adjusting weights </a:t>
+            </a:r>
+          </a:p>
+        </p:txBody>
+      </p:sp>
+      <p:sp>
+        <p:nvSpPr>
+          <p:cNvPr id="3" name="Content Placeholder 2"/>
+          <p:cNvSpPr>
+            <a:spLocks noGrp="1"/>
+          </p:cNvSpPr>
+          <p:nvPr>
+            <p:ph idx="1"/>
+          </p:nvPr>
+        </p:nvSpPr>
+        <p:spPr>
+          <a:xfrm>
+            <a:off x="457200" y="1600200"/>
+            <a:ext cx="8229600" cy="4781128"/>
+          </a:xfrm>
+        </p:spPr>
+        <p:txBody>
+          <a:bodyPr/>
+          <a:lstStyle/>
+          <a:p>
+            <a:pPr>
+              <a:buFont typeface="Arial" panose="020B0604020202020204" pitchFamily="34" charset="0"/>
+              <a:buChar char="•"/>
+            </a:pPr>
+            <a:r>
+              <a:rPr lang="en-US" dirty="0"/>
+              <a:t>Adjust weights until some stopping criteria is met</a:t>
+            </a:r>
+          </a:p>
+          <a:p>
+            <a:pPr>
+              <a:buFont typeface="Arial" panose="020B0604020202020204" pitchFamily="34" charset="0"/>
+              <a:buChar char="•"/>
+            </a:pPr>
+            <a:r>
+              <a:rPr lang="en-US" dirty="0"/>
+              <a:t>Weight update is calculated from previous weight</a:t>
+            </a:r>
+          </a:p>
+          <a:p>
+            <a:pPr lvl="1">
+              <a:buFont typeface="Arial" panose="020B0604020202020204" pitchFamily="34" charset="0"/>
+              <a:buChar char="•"/>
+            </a:pPr>
+            <a:r>
+              <a:rPr lang="en-US" dirty="0" err="1"/>
+              <a:t>Wk</a:t>
+            </a:r>
+            <a:r>
+              <a:rPr lang="en-US" dirty="0"/>
+              <a:t>(n+1) = </a:t>
+            </a:r>
+            <a:r>
+              <a:rPr lang="en-US" dirty="0" err="1"/>
+              <a:t>Wk</a:t>
+            </a:r>
+            <a:r>
+              <a:rPr lang="en-US" dirty="0"/>
+              <a:t>(n) + </a:t>
+            </a:r>
+            <a:r>
+              <a:rPr lang="el-GR" dirty="0">
+                <a:latin typeface="times new roman" panose="02020603050405020304" pitchFamily="18" charset="0"/>
+              </a:rPr>
+              <a:t>Δ</a:t>
+            </a:r>
+            <a:r>
+              <a:rPr lang="en-US" dirty="0">
+                <a:latin typeface="times new roman" panose="02020603050405020304" pitchFamily="18" charset="0"/>
+              </a:rPr>
+              <a:t> </a:t>
+            </a:r>
+            <a:r>
+              <a:rPr lang="en-US" dirty="0" err="1"/>
+              <a:t>Wk</a:t>
+            </a:r>
+            <a:r>
+              <a:rPr lang="en-US" dirty="0"/>
+              <a:t>(n)</a:t>
+            </a:r>
+          </a:p>
+          <a:p>
+            <a:pPr lvl="1">
+              <a:buFont typeface="Arial" panose="020B0604020202020204" pitchFamily="34" charset="0"/>
+              <a:buChar char="•"/>
+            </a:pPr>
+            <a:r>
+              <a:rPr lang="en-US" dirty="0"/>
+              <a:t>Learning algorithms differ in calculation of </a:t>
+            </a:r>
+            <a:r>
+              <a:rPr lang="el-GR" b="1" dirty="0">
+                <a:solidFill>
+                  <a:srgbClr val="000000"/>
+                </a:solidFill>
+                <a:latin typeface="times new roman" panose="02020603050405020304" pitchFamily="18" charset="0"/>
+              </a:rPr>
+              <a:t>Δ</a:t>
+            </a:r>
+            <a:r>
+              <a:rPr lang="en-US" b="1" dirty="0">
+                <a:solidFill>
+                  <a:srgbClr val="000000"/>
+                </a:solidFill>
+                <a:latin typeface="times new roman" panose="02020603050405020304" pitchFamily="18" charset="0"/>
+              </a:rPr>
+              <a:t> </a:t>
+            </a:r>
+            <a:r>
+              <a:rPr lang="en-US" b="1" dirty="0" err="1">
+                <a:solidFill>
+                  <a:srgbClr val="000000"/>
+                </a:solidFill>
+              </a:rPr>
+              <a:t>Wk</a:t>
+            </a:r>
+            <a:r>
+              <a:rPr lang="en-US" b="1" dirty="0">
+                <a:solidFill>
+                  <a:srgbClr val="000000"/>
+                </a:solidFill>
+              </a:rPr>
+              <a:t>(n)</a:t>
+            </a:r>
+          </a:p>
+          <a:p>
+            <a:pPr>
+              <a:buFont typeface="Arial" panose="020B0604020202020204" pitchFamily="34" charset="0"/>
+              <a:buChar char="•"/>
+            </a:pPr>
+            <a:r>
+              <a:rPr lang="en-US" dirty="0"/>
+              <a:t>There isn’t a single best learning algorithm</a:t>
+            </a:r>
+          </a:p>
+          <a:p>
+            <a:pPr>
+              <a:buFont typeface="Arial" panose="020B0604020202020204" pitchFamily="34" charset="0"/>
+              <a:buChar char="•"/>
+            </a:pPr>
+            <a:r>
+              <a:rPr lang="en-US" dirty="0"/>
+              <a:t>Learning paradigms:</a:t>
+            </a:r>
+          </a:p>
+          <a:p>
+            <a:pPr lvl="1">
+              <a:buFont typeface="Arial" panose="020B0604020202020204" pitchFamily="34" charset="0"/>
+              <a:buChar char="•"/>
+            </a:pPr>
+            <a:r>
+              <a:rPr lang="en-US" b="1" dirty="0"/>
+              <a:t>supervised</a:t>
+            </a:r>
+          </a:p>
+          <a:p>
+            <a:pPr lvl="1">
+              <a:buFont typeface="Arial" panose="020B0604020202020204" pitchFamily="34" charset="0"/>
+              <a:buChar char="•"/>
+            </a:pPr>
+            <a:r>
+              <a:rPr lang="en-US" dirty="0"/>
+              <a:t>unsupervised</a:t>
+            </a:r>
+          </a:p>
+          <a:p>
+            <a:pPr lvl="1">
+              <a:buFont typeface="Arial" panose="020B0604020202020204" pitchFamily="34" charset="0"/>
+              <a:buChar char="•"/>
+            </a:pPr>
+            <a:r>
+              <a:rPr lang="en-US" dirty="0"/>
+              <a:t>reinforced</a:t>
+            </a:r>
+          </a:p>
+          <a:p>
+            <a:pPr lvl="1">
+              <a:buFont typeface="Arial" panose="020B0604020202020204" pitchFamily="34" charset="0"/>
+              <a:buChar char="•"/>
+            </a:pPr>
+            <a:endParaRPr lang="en-US" dirty="0"/>
+          </a:p>
+          <a:p>
+            <a:pPr>
+              <a:buFont typeface="Arial" panose="020B0604020202020204" pitchFamily="34" charset="0"/>
+              <a:buChar char="•"/>
+            </a:pPr>
+            <a:endParaRPr lang="en-US" dirty="0">
+              <a:solidFill>
+                <a:srgbClr val="000000"/>
+              </a:solidFill>
+            </a:endParaRPr>
+          </a:p>
+          <a:p>
+            <a:pPr>
+              <a:buFont typeface="Arial" panose="020B0604020202020204" pitchFamily="34" charset="0"/>
+              <a:buChar char="•"/>
+            </a:pPr>
+            <a:endParaRPr lang="en-US" dirty="0"/>
+          </a:p>
+        </p:txBody>
+      </p:sp>
+    </p:spTree>
+    <p:extLst>
+      <p:ext uri="{BB962C8B-B14F-4D97-AF65-F5344CB8AC3E}">
+        <p14:creationId xmlns:p14="http://schemas.microsoft.com/office/powerpoint/2010/main" val="1187519242"/>
+      </p:ext>
+    </p:extLst>
+  </p:cSld>
+  <p:clrMapOvr>
+    <a:masterClrMapping/>
+  </p:clrMapOvr>
+  <p:transition>
+    <p:fade thruBlk="1"/>
+  </p:transition>
+</p:sld>
+</file>
+
 <file path=ppt/slides/slide3.xml><?xml version="1.0" encoding="utf-8"?>
 <p:sld xmlns:a="http://schemas.openxmlformats.org/drawingml/2006/main" xmlns:r="http://schemas.openxmlformats.org/officeDocument/2006/relationships" xmlns:p="http://schemas.openxmlformats.org/presentationml/2006/main">
   <p:cSld>
@@ -17277,263 +17282,6 @@
 </file>
 
 <file path=ppt/slides/slide30.xml><?xml version="1.0" encoding="utf-8"?>
-<p:sld xmlns:a="http://schemas.openxmlformats.org/drawingml/2006/main" xmlns:r="http://schemas.openxmlformats.org/officeDocument/2006/relationships" xmlns:p="http://schemas.openxmlformats.org/presentationml/2006/main">
-  <p:cSld>
-    <p:spTree>
-      <p:nvGrpSpPr>
-        <p:cNvPr id="1" name=""/>
-        <p:cNvGrpSpPr/>
-        <p:nvPr/>
-      </p:nvGrpSpPr>
-      <p:grpSpPr>
-        <a:xfrm>
-          <a:off x="0" y="0"/>
-          <a:ext cx="0" cy="0"/>
-          <a:chOff x="0" y="0"/>
-          <a:chExt cx="0" cy="0"/>
-        </a:xfrm>
-      </p:grpSpPr>
-      <p:sp>
-        <p:nvSpPr>
-          <p:cNvPr id="2" name="Title 1"/>
-          <p:cNvSpPr>
-            <a:spLocks noGrp="1"/>
-          </p:cNvSpPr>
-          <p:nvPr>
-            <p:ph type="title"/>
-          </p:nvPr>
-        </p:nvSpPr>
-        <p:spPr/>
-        <p:txBody>
-          <a:bodyPr/>
-          <a:lstStyle/>
-          <a:p>
-            <a:r>
-              <a:rPr lang="en-US" dirty="0"/>
-              <a:t>Learning – adjusting weights </a:t>
-            </a:r>
-          </a:p>
-        </p:txBody>
-      </p:sp>
-      <p:sp>
-        <p:nvSpPr>
-          <p:cNvPr id="3" name="Content Placeholder 2"/>
-          <p:cNvSpPr>
-            <a:spLocks noGrp="1"/>
-          </p:cNvSpPr>
-          <p:nvPr>
-            <p:ph idx="1"/>
-          </p:nvPr>
-        </p:nvSpPr>
-        <p:spPr>
-          <a:xfrm>
-            <a:off x="457200" y="1600200"/>
-            <a:ext cx="8229600" cy="4781128"/>
-          </a:xfrm>
-        </p:spPr>
-        <p:txBody>
-          <a:bodyPr/>
-          <a:lstStyle/>
-          <a:p>
-            <a:pPr>
-              <a:buFont typeface="Arial" panose="020B0604020202020204" pitchFamily="34" charset="0"/>
-              <a:buChar char="•"/>
-            </a:pPr>
-            <a:r>
-              <a:rPr lang="en-US" dirty="0"/>
-              <a:t>Adjust weights until some stopping criteria is met</a:t>
-            </a:r>
-          </a:p>
-          <a:p>
-            <a:pPr>
-              <a:buFont typeface="Arial" panose="020B0604020202020204" pitchFamily="34" charset="0"/>
-              <a:buChar char="•"/>
-            </a:pPr>
-            <a:r>
-              <a:rPr lang="en-US" dirty="0"/>
-              <a:t>Weight update is calculated from previous weight</a:t>
-            </a:r>
-          </a:p>
-          <a:p>
-            <a:pPr lvl="1">
-              <a:buFont typeface="Arial" panose="020B0604020202020204" pitchFamily="34" charset="0"/>
-              <a:buChar char="•"/>
-            </a:pPr>
-            <a:r>
-              <a:rPr lang="en-US" dirty="0" err="1"/>
-              <a:t>Wk</a:t>
-            </a:r>
-            <a:r>
-              <a:rPr lang="en-US" dirty="0"/>
-              <a:t>(n+1) = </a:t>
-            </a:r>
-            <a:r>
-              <a:rPr lang="en-US" dirty="0" err="1"/>
-              <a:t>Wk</a:t>
-            </a:r>
-            <a:r>
-              <a:rPr lang="en-US" dirty="0"/>
-              <a:t>(n) + </a:t>
-            </a:r>
-            <a:r>
-              <a:rPr lang="el-GR" dirty="0">
-                <a:latin typeface="times new roman" panose="02020603050405020304" pitchFamily="18" charset="0"/>
-              </a:rPr>
-              <a:t>Δ</a:t>
-            </a:r>
-            <a:r>
-              <a:rPr lang="en-US" dirty="0">
-                <a:latin typeface="times new roman" panose="02020603050405020304" pitchFamily="18" charset="0"/>
-              </a:rPr>
-              <a:t> </a:t>
-            </a:r>
-            <a:r>
-              <a:rPr lang="en-US" dirty="0" err="1"/>
-              <a:t>Wk</a:t>
-            </a:r>
-            <a:r>
-              <a:rPr lang="en-US" dirty="0"/>
-              <a:t>(n)</a:t>
-            </a:r>
-          </a:p>
-          <a:p>
-            <a:pPr lvl="1">
-              <a:buFont typeface="Arial" panose="020B0604020202020204" pitchFamily="34" charset="0"/>
-              <a:buChar char="•"/>
-            </a:pPr>
-            <a:r>
-              <a:rPr lang="en-US" dirty="0"/>
-              <a:t>Learning algorithms differ in calculation of </a:t>
-            </a:r>
-            <a:r>
-              <a:rPr lang="el-GR" b="1" dirty="0">
-                <a:solidFill>
-                  <a:srgbClr val="000000"/>
-                </a:solidFill>
-                <a:latin typeface="times new roman" panose="02020603050405020304" pitchFamily="18" charset="0"/>
-              </a:rPr>
-              <a:t>Δ</a:t>
-            </a:r>
-            <a:r>
-              <a:rPr lang="en-US" b="1" dirty="0">
-                <a:solidFill>
-                  <a:srgbClr val="000000"/>
-                </a:solidFill>
-                <a:latin typeface="times new roman" panose="02020603050405020304" pitchFamily="18" charset="0"/>
-              </a:rPr>
-              <a:t> </a:t>
-            </a:r>
-            <a:r>
-              <a:rPr lang="en-US" b="1" dirty="0" err="1">
-                <a:solidFill>
-                  <a:srgbClr val="000000"/>
-                </a:solidFill>
-              </a:rPr>
-              <a:t>Wk</a:t>
-            </a:r>
-            <a:r>
-              <a:rPr lang="en-US" b="1" dirty="0">
-                <a:solidFill>
-                  <a:srgbClr val="000000"/>
-                </a:solidFill>
-              </a:rPr>
-              <a:t>(n)</a:t>
-            </a:r>
-          </a:p>
-          <a:p>
-            <a:pPr>
-              <a:buFont typeface="Arial" panose="020B0604020202020204" pitchFamily="34" charset="0"/>
-              <a:buChar char="•"/>
-            </a:pPr>
-            <a:r>
-              <a:rPr lang="en-US" dirty="0"/>
-              <a:t>There isn’t a single best learning algorithm</a:t>
-            </a:r>
-          </a:p>
-          <a:p>
-            <a:pPr>
-              <a:buFont typeface="Arial" panose="020B0604020202020204" pitchFamily="34" charset="0"/>
-              <a:buChar char="•"/>
-            </a:pPr>
-            <a:r>
-              <a:rPr lang="en-US" dirty="0"/>
-              <a:t>Learning paradigms:</a:t>
-            </a:r>
-          </a:p>
-          <a:p>
-            <a:pPr lvl="1">
-              <a:buFont typeface="Arial" panose="020B0604020202020204" pitchFamily="34" charset="0"/>
-              <a:buChar char="•"/>
-            </a:pPr>
-            <a:r>
-              <a:rPr lang="en-US" b="1" dirty="0"/>
-              <a:t>supervised</a:t>
-            </a:r>
-          </a:p>
-          <a:p>
-            <a:pPr lvl="1">
-              <a:buFont typeface="Arial" panose="020B0604020202020204" pitchFamily="34" charset="0"/>
-              <a:buChar char="•"/>
-            </a:pPr>
-            <a:r>
-              <a:rPr lang="en-US" dirty="0"/>
-              <a:t>unsupervised</a:t>
-            </a:r>
-          </a:p>
-          <a:p>
-            <a:pPr lvl="1">
-              <a:buFont typeface="Arial" panose="020B0604020202020204" pitchFamily="34" charset="0"/>
-              <a:buChar char="•"/>
-            </a:pPr>
-            <a:r>
-              <a:rPr lang="en-US" dirty="0"/>
-              <a:t>reinforced</a:t>
-            </a:r>
-          </a:p>
-          <a:p>
-            <a:pPr lvl="1">
-              <a:buFont typeface="Arial" panose="020B0604020202020204" pitchFamily="34" charset="0"/>
-              <a:buChar char="•"/>
-            </a:pPr>
-            <a:endParaRPr lang="en-US" dirty="0"/>
-          </a:p>
-          <a:p>
-            <a:pPr>
-              <a:buFont typeface="Arial" panose="020B0604020202020204" pitchFamily="34" charset="0"/>
-              <a:buChar char="•"/>
-            </a:pPr>
-            <a:endParaRPr lang="en-US" dirty="0">
-              <a:solidFill>
-                <a:srgbClr val="000000"/>
-              </a:solidFill>
-            </a:endParaRPr>
-          </a:p>
-          <a:p>
-            <a:pPr>
-              <a:buFont typeface="Arial" panose="020B0604020202020204" pitchFamily="34" charset="0"/>
-              <a:buChar char="•"/>
-            </a:pPr>
-            <a:endParaRPr lang="en-US" dirty="0"/>
-          </a:p>
-        </p:txBody>
-      </p:sp>
-    </p:spTree>
-    <p:extLst>
-      <p:ext uri="{BB962C8B-B14F-4D97-AF65-F5344CB8AC3E}">
-        <p14:creationId xmlns:p14="http://schemas.microsoft.com/office/powerpoint/2010/main" val="1187519242"/>
-      </p:ext>
-    </p:extLst>
-  </p:cSld>
-  <p:clrMapOvr>
-    <a:masterClrMapping/>
-  </p:clrMapOvr>
-  <p:transition>
-    <p:fade thruBlk="1"/>
-  </p:transition>
-</p:sld>
-</file>
-
-<file path=ppt/slides/slide31.xml><?xml version="1.0" encoding="utf-8"?>
 <p:sld xmlns:a="http://schemas.openxmlformats.org/drawingml/2006/main" xmlns:r="http://schemas.openxmlformats.org/officeDocument/2006/relationships" xmlns:p="http://schemas.openxmlformats.org/presentationml/2006/main">
   <p:cSld>
     <p:spTree>
@@ -17739,7 +17487,7 @@
 </p:sld>
 </file>
 
-<file path=ppt/slides/slide32.xml><?xml version="1.0" encoding="utf-8"?>
+<file path=ppt/slides/slide31.xml><?xml version="1.0" encoding="utf-8"?>
 <p:sld xmlns:a="http://schemas.openxmlformats.org/drawingml/2006/main" xmlns:r="http://schemas.openxmlformats.org/officeDocument/2006/relationships" xmlns:p="http://schemas.openxmlformats.org/presentationml/2006/main">
   <p:cSld>
     <p:spTree>
@@ -17911,7 +17659,7 @@
 </p:sld>
 </file>
 
-<file path=ppt/slides/slide33.xml><?xml version="1.0" encoding="utf-8"?>
+<file path=ppt/slides/slide32.xml><?xml version="1.0" encoding="utf-8"?>
 <p:sld xmlns:a="http://schemas.openxmlformats.org/drawingml/2006/main" xmlns:r="http://schemas.openxmlformats.org/officeDocument/2006/relationships" xmlns:p="http://schemas.openxmlformats.org/presentationml/2006/main">
   <p:cSld>
     <p:spTree>
@@ -18692,7 +18440,7 @@
 </p:sld>
 </file>
 
-<file path=ppt/slides/slide34.xml><?xml version="1.0" encoding="utf-8"?>
+<file path=ppt/slides/slide33.xml><?xml version="1.0" encoding="utf-8"?>
 <p:sld xmlns:a="http://schemas.openxmlformats.org/drawingml/2006/main" xmlns:r="http://schemas.openxmlformats.org/officeDocument/2006/relationships" xmlns:p="http://schemas.openxmlformats.org/presentationml/2006/main">
   <p:cSld>
     <p:spTree>
@@ -19082,7 +18830,7 @@
 </p:sld>
 </file>
 
-<file path=ppt/slides/slide35.xml><?xml version="1.0" encoding="utf-8"?>
+<file path=ppt/slides/slide34.xml><?xml version="1.0" encoding="utf-8"?>
 <p:sld xmlns:a="http://schemas.openxmlformats.org/drawingml/2006/main" xmlns:r="http://schemas.openxmlformats.org/officeDocument/2006/relationships" xmlns:p="http://schemas.openxmlformats.org/presentationml/2006/main">
   <p:cSld>
     <p:spTree>
@@ -19766,7 +19514,7 @@
 </p:sld>
 </file>
 
-<file path=ppt/slides/slide36.xml><?xml version="1.0" encoding="utf-8"?>
+<file path=ppt/slides/slide35.xml><?xml version="1.0" encoding="utf-8"?>
 <p:sld xmlns:a="http://schemas.openxmlformats.org/drawingml/2006/main" xmlns:r="http://schemas.openxmlformats.org/officeDocument/2006/relationships" xmlns:p="http://schemas.openxmlformats.org/presentationml/2006/main">
   <p:cSld>
     <p:spTree>
@@ -20461,7 +20209,7 @@
 </p:sld>
 </file>
 
-<file path=ppt/slides/slide37.xml><?xml version="1.0" encoding="utf-8"?>
+<file path=ppt/slides/slide36.xml><?xml version="1.0" encoding="utf-8"?>
 <p:sld xmlns:a="http://schemas.openxmlformats.org/drawingml/2006/main" xmlns:r="http://schemas.openxmlformats.org/officeDocument/2006/relationships" xmlns:p="http://schemas.openxmlformats.org/presentationml/2006/main">
   <p:cSld>
     <p:spTree>
@@ -20801,7 +20549,7 @@
 </p:sld>
 </file>
 
-<file path=ppt/slides/slide38.xml><?xml version="1.0" encoding="utf-8"?>
+<file path=ppt/slides/slide37.xml><?xml version="1.0" encoding="utf-8"?>
 <p:sld xmlns:a="http://schemas.openxmlformats.org/drawingml/2006/main" xmlns:r="http://schemas.openxmlformats.org/officeDocument/2006/relationships" xmlns:p="http://schemas.openxmlformats.org/presentationml/2006/main">
   <p:cSld>
     <p:spTree>
@@ -21035,7 +20783,7 @@
 </p:sld>
 </file>
 
-<file path=ppt/slides/slide39.xml><?xml version="1.0" encoding="utf-8"?>
+<file path=ppt/slides/slide38.xml><?xml version="1.0" encoding="utf-8"?>
 <p:sld xmlns:a="http://schemas.openxmlformats.org/drawingml/2006/main" xmlns:r="http://schemas.openxmlformats.org/officeDocument/2006/relationships" xmlns:p="http://schemas.openxmlformats.org/presentationml/2006/main">
   <p:cSld>
     <p:spTree>
@@ -21620,146 +21368,7 @@
 </p:sld>
 </file>
 
-<file path=ppt/slides/slide4.xml><?xml version="1.0" encoding="utf-8"?>
-<p:sld xmlns:a="http://schemas.openxmlformats.org/drawingml/2006/main" xmlns:r="http://schemas.openxmlformats.org/officeDocument/2006/relationships" xmlns:p="http://schemas.openxmlformats.org/presentationml/2006/main">
-  <p:cSld>
-    <p:spTree>
-      <p:nvGrpSpPr>
-        <p:cNvPr id="1" name=""/>
-        <p:cNvGrpSpPr/>
-        <p:nvPr/>
-      </p:nvGrpSpPr>
-      <p:grpSpPr>
-        <a:xfrm>
-          <a:off x="0" y="0"/>
-          <a:ext cx="0" cy="0"/>
-          <a:chOff x="0" y="0"/>
-          <a:chExt cx="0" cy="0"/>
-        </a:xfrm>
-      </p:grpSpPr>
-      <p:sp>
-        <p:nvSpPr>
-          <p:cNvPr id="2" name="Title 1"/>
-          <p:cNvSpPr>
-            <a:spLocks noGrp="1"/>
-          </p:cNvSpPr>
-          <p:nvPr>
-            <p:ph type="title"/>
-          </p:nvPr>
-        </p:nvSpPr>
-        <p:spPr/>
-        <p:txBody>
-          <a:bodyPr/>
-          <a:lstStyle/>
-          <a:p>
-            <a:r>
-              <a:rPr lang="en-US" dirty="0"/>
-              <a:t>Agenda – part two</a:t>
-            </a:r>
-          </a:p>
-        </p:txBody>
-      </p:sp>
-      <p:sp>
-        <p:nvSpPr>
-          <p:cNvPr id="3" name="Content Placeholder 2"/>
-          <p:cNvSpPr>
-            <a:spLocks noGrp="1"/>
-          </p:cNvSpPr>
-          <p:nvPr>
-            <p:ph idx="1"/>
-          </p:nvPr>
-        </p:nvSpPr>
-        <p:spPr>
-          <a:xfrm>
-            <a:off x="457200" y="1600200"/>
-            <a:ext cx="8229600" cy="4781128"/>
-          </a:xfrm>
-        </p:spPr>
-        <p:txBody>
-          <a:bodyPr/>
-          <a:lstStyle/>
-          <a:p>
-            <a:r>
-              <a:rPr lang="en-US" dirty="0"/>
-              <a:t>Motivational example</a:t>
-            </a:r>
-          </a:p>
-          <a:p>
-            <a:r>
-              <a:rPr lang="en-US" dirty="0"/>
-              <a:t>Neuron model</a:t>
-            </a:r>
-          </a:p>
-          <a:p>
-            <a:r>
-              <a:rPr lang="en-US" dirty="0"/>
-              <a:t>Supervised learning</a:t>
-            </a:r>
-          </a:p>
-          <a:p>
-            <a:r>
-              <a:rPr lang="hr-HR" dirty="0"/>
-              <a:t>Linear separability</a:t>
-            </a:r>
-            <a:endParaRPr lang="en-US" dirty="0"/>
-          </a:p>
-          <a:p>
-            <a:r>
-              <a:rPr lang="en-US" dirty="0"/>
-              <a:t>Perceptron</a:t>
-            </a:r>
-            <a:endParaRPr lang="hr-HR" dirty="0"/>
-          </a:p>
-          <a:p>
-            <a:pPr lvl="1"/>
-            <a:r>
-              <a:rPr lang="en-US" dirty="0"/>
-              <a:t>AND, OR, NAND, XOR</a:t>
-            </a:r>
-          </a:p>
-          <a:p>
-            <a:r>
-              <a:rPr lang="en-US" dirty="0"/>
-              <a:t>Delta rule</a:t>
-            </a:r>
-          </a:p>
-          <a:p>
-            <a:r>
-              <a:rPr lang="en-US" dirty="0"/>
-              <a:t>Unsupervised learning</a:t>
-            </a:r>
-          </a:p>
-          <a:p>
-            <a:r>
-              <a:rPr lang="en-US" dirty="0"/>
-              <a:t>Feed forward networks</a:t>
-            </a:r>
-          </a:p>
-          <a:p>
-            <a:r>
-              <a:rPr lang="en-US" dirty="0"/>
-              <a:t>Backpropagation </a:t>
-            </a:r>
-          </a:p>
-        </p:txBody>
-      </p:sp>
-    </p:spTree>
-    <p:extLst>
-      <p:ext uri="{BB962C8B-B14F-4D97-AF65-F5344CB8AC3E}">
-        <p14:creationId xmlns:p14="http://schemas.microsoft.com/office/powerpoint/2010/main" val="1084645650"/>
-      </p:ext>
-    </p:extLst>
-  </p:cSld>
-  <p:clrMapOvr>
-    <a:masterClrMapping/>
-  </p:clrMapOvr>
-  <p:transition>
-    <p:fade thruBlk="1"/>
-  </p:transition>
-</p:sld>
-</file>
-
-<file path=ppt/slides/slide40.xml><?xml version="1.0" encoding="utf-8"?>
+<file path=ppt/slides/slide39.xml><?xml version="1.0" encoding="utf-8"?>
 <p:sld xmlns:a="http://schemas.openxmlformats.org/drawingml/2006/main" xmlns:r="http://schemas.openxmlformats.org/officeDocument/2006/relationships" xmlns:p="http://schemas.openxmlformats.org/presentationml/2006/main">
   <p:cSld>
     <p:spTree>
@@ -22325,7 +21934,146 @@
 </p:sld>
 </file>
 
-<file path=ppt/slides/slide41.xml><?xml version="1.0" encoding="utf-8"?>
+<file path=ppt/slides/slide4.xml><?xml version="1.0" encoding="utf-8"?>
+<p:sld xmlns:a="http://schemas.openxmlformats.org/drawingml/2006/main" xmlns:r="http://schemas.openxmlformats.org/officeDocument/2006/relationships" xmlns:p="http://schemas.openxmlformats.org/presentationml/2006/main">
+  <p:cSld>
+    <p:spTree>
+      <p:nvGrpSpPr>
+        <p:cNvPr id="1" name=""/>
+        <p:cNvGrpSpPr/>
+        <p:nvPr/>
+      </p:nvGrpSpPr>
+      <p:grpSpPr>
+        <a:xfrm>
+          <a:off x="0" y="0"/>
+          <a:ext cx="0" cy="0"/>
+          <a:chOff x="0" y="0"/>
+          <a:chExt cx="0" cy="0"/>
+        </a:xfrm>
+      </p:grpSpPr>
+      <p:sp>
+        <p:nvSpPr>
+          <p:cNvPr id="2" name="Title 1"/>
+          <p:cNvSpPr>
+            <a:spLocks noGrp="1"/>
+          </p:cNvSpPr>
+          <p:nvPr>
+            <p:ph type="title"/>
+          </p:nvPr>
+        </p:nvSpPr>
+        <p:spPr/>
+        <p:txBody>
+          <a:bodyPr/>
+          <a:lstStyle/>
+          <a:p>
+            <a:r>
+              <a:rPr lang="en-US" dirty="0"/>
+              <a:t>Agenda – part two</a:t>
+            </a:r>
+          </a:p>
+        </p:txBody>
+      </p:sp>
+      <p:sp>
+        <p:nvSpPr>
+          <p:cNvPr id="3" name="Content Placeholder 2"/>
+          <p:cNvSpPr>
+            <a:spLocks noGrp="1"/>
+          </p:cNvSpPr>
+          <p:nvPr>
+            <p:ph idx="1"/>
+          </p:nvPr>
+        </p:nvSpPr>
+        <p:spPr>
+          <a:xfrm>
+            <a:off x="457200" y="1600200"/>
+            <a:ext cx="8229600" cy="4781128"/>
+          </a:xfrm>
+        </p:spPr>
+        <p:txBody>
+          <a:bodyPr/>
+          <a:lstStyle/>
+          <a:p>
+            <a:r>
+              <a:rPr lang="en-US" dirty="0"/>
+              <a:t>Motivational example</a:t>
+            </a:r>
+          </a:p>
+          <a:p>
+            <a:r>
+              <a:rPr lang="en-US" dirty="0"/>
+              <a:t>Neuron model</a:t>
+            </a:r>
+          </a:p>
+          <a:p>
+            <a:r>
+              <a:rPr lang="en-US" dirty="0"/>
+              <a:t>Supervised learning</a:t>
+            </a:r>
+          </a:p>
+          <a:p>
+            <a:r>
+              <a:rPr lang="hr-HR" dirty="0"/>
+              <a:t>Linear separability</a:t>
+            </a:r>
+            <a:endParaRPr lang="en-US" dirty="0"/>
+          </a:p>
+          <a:p>
+            <a:r>
+              <a:rPr lang="en-US" dirty="0"/>
+              <a:t>Perceptron</a:t>
+            </a:r>
+            <a:endParaRPr lang="hr-HR" dirty="0"/>
+          </a:p>
+          <a:p>
+            <a:pPr lvl="1"/>
+            <a:r>
+              <a:rPr lang="en-US" dirty="0"/>
+              <a:t>AND, OR, NAND, XOR</a:t>
+            </a:r>
+          </a:p>
+          <a:p>
+            <a:r>
+              <a:rPr lang="en-US" dirty="0"/>
+              <a:t>Delta rule</a:t>
+            </a:r>
+          </a:p>
+          <a:p>
+            <a:r>
+              <a:rPr lang="en-US" dirty="0"/>
+              <a:t>Unsupervised learning</a:t>
+            </a:r>
+          </a:p>
+          <a:p>
+            <a:r>
+              <a:rPr lang="en-US" dirty="0"/>
+              <a:t>Feed forward networks</a:t>
+            </a:r>
+          </a:p>
+          <a:p>
+            <a:r>
+              <a:rPr lang="en-US" dirty="0"/>
+              <a:t>Backpropagation </a:t>
+            </a:r>
+          </a:p>
+        </p:txBody>
+      </p:sp>
+    </p:spTree>
+    <p:extLst>
+      <p:ext uri="{BB962C8B-B14F-4D97-AF65-F5344CB8AC3E}">
+        <p14:creationId xmlns:p14="http://schemas.microsoft.com/office/powerpoint/2010/main" val="1084645650"/>
+      </p:ext>
+    </p:extLst>
+  </p:cSld>
+  <p:clrMapOvr>
+    <a:masterClrMapping/>
+  </p:clrMapOvr>
+  <p:transition>
+    <p:fade thruBlk="1"/>
+  </p:transition>
+</p:sld>
+</file>
+
+<file path=ppt/slides/slide40.xml><?xml version="1.0" encoding="utf-8"?>
 <p:sld xmlns:a="http://schemas.openxmlformats.org/drawingml/2006/main" xmlns:r="http://schemas.openxmlformats.org/officeDocument/2006/relationships" xmlns:p="http://schemas.openxmlformats.org/presentationml/2006/main">
   <p:cSld>
     <p:spTree>
@@ -23342,7 +23090,7 @@
 </p:sld>
 </file>
 
-<file path=ppt/slides/slide42.xml><?xml version="1.0" encoding="utf-8"?>
+<file path=ppt/slides/slide41.xml><?xml version="1.0" encoding="utf-8"?>
 <p:sld xmlns:a="http://schemas.openxmlformats.org/drawingml/2006/main" xmlns:r="http://schemas.openxmlformats.org/officeDocument/2006/relationships" xmlns:p="http://schemas.openxmlformats.org/presentationml/2006/main">
   <p:cSld>
     <p:spTree>
@@ -23964,7 +23712,7 @@
 </p:sld>
 </file>
 
-<file path=ppt/slides/slide43.xml><?xml version="1.0" encoding="utf-8"?>
+<file path=ppt/slides/slide42.xml><?xml version="1.0" encoding="utf-8"?>
 <p:sld xmlns:a="http://schemas.openxmlformats.org/drawingml/2006/main" xmlns:r="http://schemas.openxmlformats.org/officeDocument/2006/relationships" xmlns:p="http://schemas.openxmlformats.org/presentationml/2006/main">
   <p:cSld>
     <p:spTree>
@@ -24280,7 +24028,7 @@
 </p:sld>
 </file>
 
-<file path=ppt/slides/slide44.xml><?xml version="1.0" encoding="utf-8"?>
+<file path=ppt/slides/slide43.xml><?xml version="1.0" encoding="utf-8"?>
 <p:sld xmlns:a="http://schemas.openxmlformats.org/drawingml/2006/main" xmlns:r="http://schemas.openxmlformats.org/officeDocument/2006/relationships" xmlns:p="http://schemas.openxmlformats.org/presentationml/2006/main">
   <p:cSld>
     <p:spTree>
@@ -25840,7 +25588,7 @@
 </p:sld>
 </file>
 
-<file path=ppt/slides/slide45.xml><?xml version="1.0" encoding="utf-8"?>
+<file path=ppt/slides/slide44.xml><?xml version="1.0" encoding="utf-8"?>
 <p:sld xmlns:a="http://schemas.openxmlformats.org/drawingml/2006/main" xmlns:r="http://schemas.openxmlformats.org/officeDocument/2006/relationships" xmlns:p="http://schemas.openxmlformats.org/presentationml/2006/main">
   <p:cSld>
     <p:spTree>
@@ -26518,7 +26266,7 @@
 </p:sld>
 </file>
 
-<file path=ppt/slides/slide46.xml><?xml version="1.0" encoding="utf-8"?>
+<file path=ppt/slides/slide45.xml><?xml version="1.0" encoding="utf-8"?>
 <p:sld xmlns:a="http://schemas.openxmlformats.org/drawingml/2006/main" xmlns:r="http://schemas.openxmlformats.org/officeDocument/2006/relationships" xmlns:p="http://schemas.openxmlformats.org/presentationml/2006/main">
   <p:cSld>
     <p:spTree>
@@ -26922,7 +26670,7 @@
 </p:sld>
 </file>
 
-<file path=ppt/slides/slide47.xml><?xml version="1.0" encoding="utf-8"?>
+<file path=ppt/slides/slide46.xml><?xml version="1.0" encoding="utf-8"?>
 <p:sld xmlns:a="http://schemas.openxmlformats.org/drawingml/2006/main" xmlns:r="http://schemas.openxmlformats.org/officeDocument/2006/relationships" xmlns:p="http://schemas.openxmlformats.org/presentationml/2006/main">
   <p:cSld>
     <p:spTree>
@@ -27062,7 +26810,7 @@
 </p:sld>
 </file>
 
-<file path=ppt/slides/slide48.xml><?xml version="1.0" encoding="utf-8"?>
+<file path=ppt/slides/slide47.xml><?xml version="1.0" encoding="utf-8"?>
 <p:sld xmlns:a="http://schemas.openxmlformats.org/drawingml/2006/main" xmlns:r="http://schemas.openxmlformats.org/officeDocument/2006/relationships" xmlns:p="http://schemas.openxmlformats.org/presentationml/2006/main">
   <p:cSld>
     <p:spTree>
@@ -27610,7 +27358,7 @@
 </p:sld>
 </file>
 
-<file path=ppt/slides/slide49.xml><?xml version="1.0" encoding="utf-8"?>
+<file path=ppt/slides/slide48.xml><?xml version="1.0" encoding="utf-8"?>
 <p:sld xmlns:a="http://schemas.openxmlformats.org/drawingml/2006/main" xmlns:r="http://schemas.openxmlformats.org/officeDocument/2006/relationships" xmlns:p="http://schemas.openxmlformats.org/presentationml/2006/main">
   <p:cSld>
     <p:spTree>
@@ -27821,6 +27569,296 @@
     <p:extLst>
       <p:ext uri="{BB962C8B-B14F-4D97-AF65-F5344CB8AC3E}">
         <p14:creationId xmlns:p14="http://schemas.microsoft.com/office/powerpoint/2010/main" val="3454918851"/>
+      </p:ext>
+    </p:extLst>
+  </p:cSld>
+  <p:clrMapOvr>
+    <a:masterClrMapping/>
+  </p:clrMapOvr>
+  <p:transition>
+    <p:fade thruBlk="1"/>
+  </p:transition>
+</p:sld>
+</file>
+
+<file path=ppt/slides/slide49.xml><?xml version="1.0" encoding="utf-8"?>
+<p:sld xmlns:a="http://schemas.openxmlformats.org/drawingml/2006/main" xmlns:r="http://schemas.openxmlformats.org/officeDocument/2006/relationships" xmlns:p="http://schemas.openxmlformats.org/presentationml/2006/main">
+  <p:cSld>
+    <p:spTree>
+      <p:nvGrpSpPr>
+        <p:cNvPr id="1" name=""/>
+        <p:cNvGrpSpPr/>
+        <p:nvPr/>
+      </p:nvGrpSpPr>
+      <p:grpSpPr>
+        <a:xfrm>
+          <a:off x="0" y="0"/>
+          <a:ext cx="0" cy="0"/>
+          <a:chOff x="0" y="0"/>
+          <a:chExt cx="0" cy="0"/>
+        </a:xfrm>
+      </p:grpSpPr>
+      <p:sp>
+        <p:nvSpPr>
+          <p:cNvPr id="2" name="Title 1"/>
+          <p:cNvSpPr>
+            <a:spLocks noGrp="1"/>
+          </p:cNvSpPr>
+          <p:nvPr>
+            <p:ph type="title"/>
+          </p:nvPr>
+        </p:nvSpPr>
+        <p:spPr/>
+        <p:txBody>
+          <a:bodyPr/>
+          <a:lstStyle/>
+          <a:p>
+            <a:r>
+              <a:rPr lang="en-US" dirty="0"/>
+              <a:t>Error surface</a:t>
+            </a:r>
+          </a:p>
+        </p:txBody>
+      </p:sp>
+      <mc:AlternateContent xmlns:mc="http://schemas.openxmlformats.org/markup-compatibility/2006" xmlns:a14="http://schemas.microsoft.com/office/drawing/2010/main">
+        <mc:Choice Requires="a14">
+          <p:sp>
+            <p:nvSpPr>
+              <p:cNvPr id="3" name="Content Placeholder 2"/>
+              <p:cNvSpPr>
+                <a:spLocks noGrp="1"/>
+              </p:cNvSpPr>
+              <p:nvPr>
+                <p:ph idx="1"/>
+              </p:nvPr>
+            </p:nvSpPr>
+            <p:spPr>
+              <a:xfrm>
+                <a:off x="457200" y="1600200"/>
+                <a:ext cx="8229600" cy="4781128"/>
+              </a:xfrm>
+            </p:spPr>
+            <p:txBody>
+              <a:bodyPr/>
+              <a:lstStyle/>
+              <a:p>
+                <a:pPr>
+                  <a:buFont typeface="Arial" panose="020B0604020202020204" pitchFamily="34" charset="0"/>
+                  <a:buChar char="•"/>
+                </a:pPr>
+                <a:endParaRPr lang="en-US" dirty="0">
+                  <a:solidFill>
+                    <a:srgbClr val="000000"/>
+                  </a:solidFill>
+                </a:endParaRPr>
+              </a:p>
+              <a:p>
+                <a:pPr>
+                  <a:buFont typeface="Arial" panose="020B0604020202020204" pitchFamily="34" charset="0"/>
+                  <a:buChar char="•"/>
+                </a:pPr>
+                <a:endParaRPr lang="en-US" dirty="0">
+                  <a:solidFill>
+                    <a:srgbClr val="000000"/>
+                  </a:solidFill>
+                </a:endParaRPr>
+              </a:p>
+              <a:p>
+                <a:pPr>
+                  <a:buFont typeface="Arial" panose="020B0604020202020204" pitchFamily="34" charset="0"/>
+                  <a:buChar char="•"/>
+                </a:pPr>
+                <a:endParaRPr lang="en-US" dirty="0">
+                  <a:solidFill>
+                    <a:srgbClr val="000000"/>
+                  </a:solidFill>
+                </a:endParaRPr>
+              </a:p>
+              <a:p>
+                <a:pPr>
+                  <a:buFont typeface="Arial" panose="020B0604020202020204" pitchFamily="34" charset="0"/>
+                  <a:buChar char="•"/>
+                </a:pPr>
+                <a:endParaRPr lang="en-US" dirty="0">
+                  <a:solidFill>
+                    <a:srgbClr val="000000"/>
+                  </a:solidFill>
+                </a:endParaRPr>
+              </a:p>
+              <a:p>
+                <a:pPr>
+                  <a:buFont typeface="Arial" panose="020B0604020202020204" pitchFamily="34" charset="0"/>
+                  <a:buChar char="•"/>
+                </a:pPr>
+                <a:endParaRPr lang="en-US" dirty="0">
+                  <a:solidFill>
+                    <a:srgbClr val="000000"/>
+                  </a:solidFill>
+                </a:endParaRPr>
+              </a:p>
+              <a:p>
+                <a:pPr marL="0" indent="0">
+                  <a:buNone/>
+                </a:pPr>
+                <a:endParaRPr lang="en-US" dirty="0">
+                  <a:solidFill>
+                    <a:srgbClr val="000000"/>
+                  </a:solidFill>
+                </a:endParaRPr>
+              </a:p>
+              <a:p>
+                <a:pPr lvl="1">
+                  <a:buFont typeface="Arial" panose="020B0604020202020204" pitchFamily="34" charset="0"/>
+                  <a:buChar char="•"/>
+                </a:pPr>
+                <a:r>
+                  <a:rPr lang="en-US" sz="1600" dirty="0">
+                    <a:solidFill>
+                      <a:srgbClr val="000000"/>
+                    </a:solidFill>
+                    <a:hlinkClick r:id="rId3"/>
+                  </a:rPr>
+                  <a:t>https://qph.ec.quoracdn.net/main-qimg-abfbe698dd41306dc2691e8d0c3182a0.webp</a:t>
+                </a:r>
+                <a:endParaRPr lang="en-US" sz="1600" dirty="0">
+                  <a:solidFill>
+                    <a:srgbClr val="000000"/>
+                  </a:solidFill>
+                </a:endParaRPr>
+              </a:p>
+              <a:p>
+                <a:pPr>
+                  <a:buFont typeface="Arial" panose="020B0604020202020204" pitchFamily="34" charset="0"/>
+                  <a:buChar char="•"/>
+                </a:pPr>
+                <a:r>
+                  <a:rPr lang="en-US" dirty="0"/>
+                  <a:t>Local vs Global minima</a:t>
+                </a:r>
+              </a:p>
+              <a:p>
+                <a:pPr lvl="1">
+                  <a:buFont typeface="Arial" panose="020B0604020202020204" pitchFamily="34" charset="0"/>
+                  <a:buChar char="•"/>
+                </a:pPr>
+                <a14:m>
+                  <m:oMath xmlns:m="http://schemas.openxmlformats.org/officeDocument/2006/math">
+                    <m:r>
+                      <m:rPr>
+                        <m:nor/>
+                      </m:rPr>
+                      <a:rPr lang="el-GR" sz="2000" dirty="0"/>
+                      <m:t>η</m:t>
+                    </m:r>
+                  </m:oMath>
+                </a14:m>
+                <a:r>
+                  <a:rPr lang="en-US" sz="2000" dirty="0"/>
+                  <a:t>: learning rate factor</a:t>
+                </a:r>
+                <a:endParaRPr lang="en-US" sz="1600" dirty="0">
+                  <a:solidFill>
+                    <a:srgbClr val="000000"/>
+                  </a:solidFill>
+                </a:endParaRPr>
+              </a:p>
+              <a:p>
+                <a:pPr lvl="1">
+                  <a:buFont typeface="Arial" panose="020B0604020202020204" pitchFamily="34" charset="0"/>
+                  <a:buChar char="•"/>
+                </a:pPr>
+                <a:endParaRPr lang="en-US" sz="1600" dirty="0">
+                  <a:solidFill>
+                    <a:srgbClr val="000000"/>
+                  </a:solidFill>
+                </a:endParaRPr>
+              </a:p>
+              <a:p>
+                <a:pPr>
+                  <a:buFont typeface="Arial" panose="020B0604020202020204" pitchFamily="34" charset="0"/>
+                  <a:buChar char="•"/>
+                </a:pPr>
+                <a:endParaRPr lang="en-US" sz="1900" dirty="0">
+                  <a:solidFill>
+                    <a:srgbClr val="000000"/>
+                  </a:solidFill>
+                </a:endParaRPr>
+              </a:p>
+            </p:txBody>
+          </p:sp>
+        </mc:Choice>
+        <mc:Fallback xmlns="">
+          <p:sp>
+            <p:nvSpPr>
+              <p:cNvPr id="3" name="Content Placeholder 2"/>
+              <p:cNvSpPr>
+                <a:spLocks noGrp="1" noRot="1" noChangeAspect="1" noMove="1" noResize="1" noEditPoints="1" noAdjustHandles="1" noChangeArrowheads="1" noChangeShapeType="1" noTextEdit="1"/>
+              </p:cNvSpPr>
+              <p:nvPr>
+                <p:ph idx="1"/>
+              </p:nvPr>
+            </p:nvSpPr>
+            <p:spPr>
+              <a:xfrm>
+                <a:off x="457200" y="1600200"/>
+                <a:ext cx="8229600" cy="4781128"/>
+              </a:xfrm>
+              <a:blipFill>
+                <a:blip r:embed="rId4"/>
+                <a:stretch>
+                  <a:fillRect l="-1407"/>
+                </a:stretch>
+              </a:blipFill>
+            </p:spPr>
+            <p:txBody>
+              <a:bodyPr/>
+              <a:lstStyle/>
+              <a:p>
+                <a:r>
+                  <a:rPr lang="hr-HR">
+                    <a:noFill/>
+                  </a:rPr>
+                  <a:t> </a:t>
+                </a:r>
+              </a:p>
+            </p:txBody>
+          </p:sp>
+        </mc:Fallback>
+      </mc:AlternateContent>
+      <p:pic>
+        <p:nvPicPr>
+          <p:cNvPr id="5" name="Picture 4"/>
+          <p:cNvPicPr>
+            <a:picLocks noChangeAspect="1"/>
+          </p:cNvPicPr>
+          <p:nvPr/>
+        </p:nvPicPr>
+        <p:blipFill>
+          <a:blip r:embed="rId5">
+            <a:extLst>
+              <a:ext uri="{28A0092B-C50C-407E-A947-70E740481C1C}">
+                <a14:useLocalDpi xmlns:a14="http://schemas.microsoft.com/office/drawing/2010/main" val="0"/>
+              </a:ext>
+            </a:extLst>
+          </a:blip>
+          <a:stretch>
+            <a:fillRect/>
+          </a:stretch>
+        </p:blipFill>
+        <p:spPr>
+          <a:xfrm>
+            <a:off x="971600" y="1844824"/>
+            <a:ext cx="4896544" cy="2664296"/>
+          </a:xfrm>
+          <a:prstGeom prst="rect">
+            <a:avLst/>
+          </a:prstGeom>
+        </p:spPr>
+      </p:pic>
+    </p:spTree>
+    <p:extLst>
+      <p:ext uri="{BB962C8B-B14F-4D97-AF65-F5344CB8AC3E}">
+        <p14:creationId xmlns:p14="http://schemas.microsoft.com/office/powerpoint/2010/main" val="130177745"/>
       </p:ext>
     </p:extLst>
   </p:cSld>
@@ -28302,296 +28340,6 @@
           <a:p>
             <a:r>
               <a:rPr lang="en-US" dirty="0"/>
-              <a:t>Error surface</a:t>
-            </a:r>
-          </a:p>
-        </p:txBody>
-      </p:sp>
-      <mc:AlternateContent xmlns:mc="http://schemas.openxmlformats.org/markup-compatibility/2006" xmlns:a14="http://schemas.microsoft.com/office/drawing/2010/main">
-        <mc:Choice Requires="a14">
-          <p:sp>
-            <p:nvSpPr>
-              <p:cNvPr id="3" name="Content Placeholder 2"/>
-              <p:cNvSpPr>
-                <a:spLocks noGrp="1"/>
-              </p:cNvSpPr>
-              <p:nvPr>
-                <p:ph idx="1"/>
-              </p:nvPr>
-            </p:nvSpPr>
-            <p:spPr>
-              <a:xfrm>
-                <a:off x="457200" y="1600200"/>
-                <a:ext cx="8229600" cy="4781128"/>
-              </a:xfrm>
-            </p:spPr>
-            <p:txBody>
-              <a:bodyPr/>
-              <a:lstStyle/>
-              <a:p>
-                <a:pPr>
-                  <a:buFont typeface="Arial" panose="020B0604020202020204" pitchFamily="34" charset="0"/>
-                  <a:buChar char="•"/>
-                </a:pPr>
-                <a:endParaRPr lang="en-US" dirty="0">
-                  <a:solidFill>
-                    <a:srgbClr val="000000"/>
-                  </a:solidFill>
-                </a:endParaRPr>
-              </a:p>
-              <a:p>
-                <a:pPr>
-                  <a:buFont typeface="Arial" panose="020B0604020202020204" pitchFamily="34" charset="0"/>
-                  <a:buChar char="•"/>
-                </a:pPr>
-                <a:endParaRPr lang="en-US" dirty="0">
-                  <a:solidFill>
-                    <a:srgbClr val="000000"/>
-                  </a:solidFill>
-                </a:endParaRPr>
-              </a:p>
-              <a:p>
-                <a:pPr>
-                  <a:buFont typeface="Arial" panose="020B0604020202020204" pitchFamily="34" charset="0"/>
-                  <a:buChar char="•"/>
-                </a:pPr>
-                <a:endParaRPr lang="en-US" dirty="0">
-                  <a:solidFill>
-                    <a:srgbClr val="000000"/>
-                  </a:solidFill>
-                </a:endParaRPr>
-              </a:p>
-              <a:p>
-                <a:pPr>
-                  <a:buFont typeface="Arial" panose="020B0604020202020204" pitchFamily="34" charset="0"/>
-                  <a:buChar char="•"/>
-                </a:pPr>
-                <a:endParaRPr lang="en-US" dirty="0">
-                  <a:solidFill>
-                    <a:srgbClr val="000000"/>
-                  </a:solidFill>
-                </a:endParaRPr>
-              </a:p>
-              <a:p>
-                <a:pPr>
-                  <a:buFont typeface="Arial" panose="020B0604020202020204" pitchFamily="34" charset="0"/>
-                  <a:buChar char="•"/>
-                </a:pPr>
-                <a:endParaRPr lang="en-US" dirty="0">
-                  <a:solidFill>
-                    <a:srgbClr val="000000"/>
-                  </a:solidFill>
-                </a:endParaRPr>
-              </a:p>
-              <a:p>
-                <a:pPr marL="0" indent="0">
-                  <a:buNone/>
-                </a:pPr>
-                <a:endParaRPr lang="en-US" dirty="0">
-                  <a:solidFill>
-                    <a:srgbClr val="000000"/>
-                  </a:solidFill>
-                </a:endParaRPr>
-              </a:p>
-              <a:p>
-                <a:pPr lvl="1">
-                  <a:buFont typeface="Arial" panose="020B0604020202020204" pitchFamily="34" charset="0"/>
-                  <a:buChar char="•"/>
-                </a:pPr>
-                <a:r>
-                  <a:rPr lang="en-US" sz="1600" dirty="0">
-                    <a:solidFill>
-                      <a:srgbClr val="000000"/>
-                    </a:solidFill>
-                    <a:hlinkClick r:id="rId3"/>
-                  </a:rPr>
-                  <a:t>https://qph.ec.quoracdn.net/main-qimg-abfbe698dd41306dc2691e8d0c3182a0.webp</a:t>
-                </a:r>
-                <a:endParaRPr lang="en-US" sz="1600" dirty="0">
-                  <a:solidFill>
-                    <a:srgbClr val="000000"/>
-                  </a:solidFill>
-                </a:endParaRPr>
-              </a:p>
-              <a:p>
-                <a:pPr>
-                  <a:buFont typeface="Arial" panose="020B0604020202020204" pitchFamily="34" charset="0"/>
-                  <a:buChar char="•"/>
-                </a:pPr>
-                <a:r>
-                  <a:rPr lang="en-US" dirty="0"/>
-                  <a:t>Local vs Global minima</a:t>
-                </a:r>
-              </a:p>
-              <a:p>
-                <a:pPr lvl="1">
-                  <a:buFont typeface="Arial" panose="020B0604020202020204" pitchFamily="34" charset="0"/>
-                  <a:buChar char="•"/>
-                </a:pPr>
-                <a14:m>
-                  <m:oMath xmlns:m="http://schemas.openxmlformats.org/officeDocument/2006/math">
-                    <m:r>
-                      <m:rPr>
-                        <m:nor/>
-                      </m:rPr>
-                      <a:rPr lang="el-GR" sz="2000" dirty="0"/>
-                      <m:t>η</m:t>
-                    </m:r>
-                  </m:oMath>
-                </a14:m>
-                <a:r>
-                  <a:rPr lang="en-US" sz="2000" dirty="0"/>
-                  <a:t>: learning rate factor</a:t>
-                </a:r>
-                <a:endParaRPr lang="en-US" sz="1600" dirty="0">
-                  <a:solidFill>
-                    <a:srgbClr val="000000"/>
-                  </a:solidFill>
-                </a:endParaRPr>
-              </a:p>
-              <a:p>
-                <a:pPr lvl="1">
-                  <a:buFont typeface="Arial" panose="020B0604020202020204" pitchFamily="34" charset="0"/>
-                  <a:buChar char="•"/>
-                </a:pPr>
-                <a:endParaRPr lang="en-US" sz="1600" dirty="0">
-                  <a:solidFill>
-                    <a:srgbClr val="000000"/>
-                  </a:solidFill>
-                </a:endParaRPr>
-              </a:p>
-              <a:p>
-                <a:pPr>
-                  <a:buFont typeface="Arial" panose="020B0604020202020204" pitchFamily="34" charset="0"/>
-                  <a:buChar char="•"/>
-                </a:pPr>
-                <a:endParaRPr lang="en-US" sz="1900" dirty="0">
-                  <a:solidFill>
-                    <a:srgbClr val="000000"/>
-                  </a:solidFill>
-                </a:endParaRPr>
-              </a:p>
-            </p:txBody>
-          </p:sp>
-        </mc:Choice>
-        <mc:Fallback xmlns="">
-          <p:sp>
-            <p:nvSpPr>
-              <p:cNvPr id="3" name="Content Placeholder 2"/>
-              <p:cNvSpPr>
-                <a:spLocks noGrp="1" noRot="1" noChangeAspect="1" noMove="1" noResize="1" noEditPoints="1" noAdjustHandles="1" noChangeArrowheads="1" noChangeShapeType="1" noTextEdit="1"/>
-              </p:cNvSpPr>
-              <p:nvPr>
-                <p:ph idx="1"/>
-              </p:nvPr>
-            </p:nvSpPr>
-            <p:spPr>
-              <a:xfrm>
-                <a:off x="457200" y="1600200"/>
-                <a:ext cx="8229600" cy="4781128"/>
-              </a:xfrm>
-              <a:blipFill>
-                <a:blip r:embed="rId4"/>
-                <a:stretch>
-                  <a:fillRect l="-1407"/>
-                </a:stretch>
-              </a:blipFill>
-            </p:spPr>
-            <p:txBody>
-              <a:bodyPr/>
-              <a:lstStyle/>
-              <a:p>
-                <a:r>
-                  <a:rPr lang="hr-HR">
-                    <a:noFill/>
-                  </a:rPr>
-                  <a:t> </a:t>
-                </a:r>
-              </a:p>
-            </p:txBody>
-          </p:sp>
-        </mc:Fallback>
-      </mc:AlternateContent>
-      <p:pic>
-        <p:nvPicPr>
-          <p:cNvPr id="5" name="Picture 4"/>
-          <p:cNvPicPr>
-            <a:picLocks noChangeAspect="1"/>
-          </p:cNvPicPr>
-          <p:nvPr/>
-        </p:nvPicPr>
-        <p:blipFill>
-          <a:blip r:embed="rId5">
-            <a:extLst>
-              <a:ext uri="{28A0092B-C50C-407E-A947-70E740481C1C}">
-                <a14:useLocalDpi xmlns:a14="http://schemas.microsoft.com/office/drawing/2010/main" val="0"/>
-              </a:ext>
-            </a:extLst>
-          </a:blip>
-          <a:stretch>
-            <a:fillRect/>
-          </a:stretch>
-        </p:blipFill>
-        <p:spPr>
-          <a:xfrm>
-            <a:off x="971600" y="1844824"/>
-            <a:ext cx="4896544" cy="2664296"/>
-          </a:xfrm>
-          <a:prstGeom prst="rect">
-            <a:avLst/>
-          </a:prstGeom>
-        </p:spPr>
-      </p:pic>
-    </p:spTree>
-    <p:extLst>
-      <p:ext uri="{BB962C8B-B14F-4D97-AF65-F5344CB8AC3E}">
-        <p14:creationId xmlns:p14="http://schemas.microsoft.com/office/powerpoint/2010/main" val="130177745"/>
-      </p:ext>
-    </p:extLst>
-  </p:cSld>
-  <p:clrMapOvr>
-    <a:masterClrMapping/>
-  </p:clrMapOvr>
-  <p:transition>
-    <p:fade thruBlk="1"/>
-  </p:transition>
-</p:sld>
-</file>
-
-<file path=ppt/slides/slide51.xml><?xml version="1.0" encoding="utf-8"?>
-<p:sld xmlns:a="http://schemas.openxmlformats.org/drawingml/2006/main" xmlns:r="http://schemas.openxmlformats.org/officeDocument/2006/relationships" xmlns:p="http://schemas.openxmlformats.org/presentationml/2006/main">
-  <p:cSld>
-    <p:spTree>
-      <p:nvGrpSpPr>
-        <p:cNvPr id="1" name=""/>
-        <p:cNvGrpSpPr/>
-        <p:nvPr/>
-      </p:nvGrpSpPr>
-      <p:grpSpPr>
-        <a:xfrm>
-          <a:off x="0" y="0"/>
-          <a:ext cx="0" cy="0"/>
-          <a:chOff x="0" y="0"/>
-          <a:chExt cx="0" cy="0"/>
-        </a:xfrm>
-      </p:grpSpPr>
-      <p:sp>
-        <p:nvSpPr>
-          <p:cNvPr id="2" name="Title 1"/>
-          <p:cNvSpPr>
-            <a:spLocks noGrp="1"/>
-          </p:cNvSpPr>
-          <p:nvPr>
-            <p:ph type="title"/>
-          </p:nvPr>
-        </p:nvSpPr>
-        <p:spPr/>
-        <p:txBody>
-          <a:bodyPr/>
-          <a:lstStyle/>
-          <a:p>
-            <a:r>
-              <a:rPr lang="en-US" dirty="0"/>
               <a:t>Stopping criteria</a:t>
             </a:r>
           </a:p>
@@ -28920,7 +28668,7 @@
 </p:sld>
 </file>
 
-<file path=ppt/slides/slide52.xml><?xml version="1.0" encoding="utf-8"?>
+<file path=ppt/slides/slide51.xml><?xml version="1.0" encoding="utf-8"?>
 <p:sld xmlns:a="http://schemas.openxmlformats.org/drawingml/2006/main" xmlns:r="http://schemas.openxmlformats.org/officeDocument/2006/relationships" xmlns:p="http://schemas.openxmlformats.org/presentationml/2006/main">
   <p:cSld>
     <p:spTree>
@@ -29405,7 +29153,7 @@
 </p:sld>
 </file>
 
-<file path=ppt/slides/slide53.xml><?xml version="1.0" encoding="utf-8"?>
+<file path=ppt/slides/slide52.xml><?xml version="1.0" encoding="utf-8"?>
 <p:sld xmlns:a="http://schemas.openxmlformats.org/drawingml/2006/main" xmlns:r="http://schemas.openxmlformats.org/officeDocument/2006/relationships" xmlns:p="http://schemas.openxmlformats.org/presentationml/2006/main">
   <p:cSld>
     <p:spTree>
@@ -29570,6 +29318,186 @@
 </p:sld>
 </file>
 
+<file path=ppt/slides/slide53.xml><?xml version="1.0" encoding="utf-8"?>
+<p:sld xmlns:a="http://schemas.openxmlformats.org/drawingml/2006/main" xmlns:r="http://schemas.openxmlformats.org/officeDocument/2006/relationships" xmlns:p="http://schemas.openxmlformats.org/presentationml/2006/main">
+  <p:cSld>
+    <p:spTree>
+      <p:nvGrpSpPr>
+        <p:cNvPr id="1" name=""/>
+        <p:cNvGrpSpPr/>
+        <p:nvPr/>
+      </p:nvGrpSpPr>
+      <p:grpSpPr>
+        <a:xfrm>
+          <a:off x="0" y="0"/>
+          <a:ext cx="0" cy="0"/>
+          <a:chOff x="0" y="0"/>
+          <a:chExt cx="0" cy="0"/>
+        </a:xfrm>
+      </p:grpSpPr>
+      <p:sp>
+        <p:nvSpPr>
+          <p:cNvPr id="2" name="Title 1"/>
+          <p:cNvSpPr>
+            <a:spLocks noGrp="1"/>
+          </p:cNvSpPr>
+          <p:nvPr>
+            <p:ph type="title"/>
+          </p:nvPr>
+        </p:nvSpPr>
+        <p:spPr/>
+        <p:txBody>
+          <a:bodyPr/>
+          <a:lstStyle/>
+          <a:p>
+            <a:r>
+              <a:rPr lang="en-US" dirty="0"/>
+              <a:t>Feed forward network</a:t>
+            </a:r>
+          </a:p>
+        </p:txBody>
+      </p:sp>
+      <p:sp>
+        <p:nvSpPr>
+          <p:cNvPr id="3" name="Content Placeholder 2"/>
+          <p:cNvSpPr>
+            <a:spLocks noGrp="1"/>
+          </p:cNvSpPr>
+          <p:nvPr>
+            <p:ph idx="1"/>
+          </p:nvPr>
+        </p:nvSpPr>
+        <p:spPr>
+          <a:xfrm>
+            <a:off x="457200" y="1600200"/>
+            <a:ext cx="8229600" cy="4781128"/>
+          </a:xfrm>
+        </p:spPr>
+        <p:txBody>
+          <a:bodyPr/>
+          <a:lstStyle/>
+          <a:p>
+            <a:pPr>
+              <a:buFont typeface="Arial" panose="020B0604020202020204" pitchFamily="34" charset="0"/>
+              <a:buChar char="•"/>
+            </a:pPr>
+            <a:r>
+              <a:rPr lang="en-US" dirty="0"/>
+              <a:t>Single </a:t>
+            </a:r>
+            <a:r>
+              <a:rPr lang="en-US" b="1" dirty="0"/>
+              <a:t>input</a:t>
+            </a:r>
+            <a:r>
+              <a:rPr lang="en-US" dirty="0"/>
+              <a:t> layer</a:t>
+            </a:r>
+          </a:p>
+          <a:p>
+            <a:pPr lvl="1">
+              <a:buFont typeface="Arial" panose="020B0604020202020204" pitchFamily="34" charset="0"/>
+              <a:buChar char="•"/>
+            </a:pPr>
+            <a:r>
+              <a:rPr lang="en-US" dirty="0"/>
+              <a:t>One neuron for each data feature</a:t>
+            </a:r>
+          </a:p>
+          <a:p>
+            <a:pPr>
+              <a:buFont typeface="Arial" panose="020B0604020202020204" pitchFamily="34" charset="0"/>
+              <a:buChar char="•"/>
+            </a:pPr>
+            <a:r>
+              <a:rPr lang="en-US" dirty="0"/>
+              <a:t>Single </a:t>
+            </a:r>
+            <a:r>
+              <a:rPr lang="en-US" b="1" dirty="0"/>
+              <a:t>output</a:t>
+            </a:r>
+            <a:r>
+              <a:rPr lang="en-US" dirty="0"/>
+              <a:t> layer</a:t>
+            </a:r>
+          </a:p>
+          <a:p>
+            <a:pPr lvl="1">
+              <a:buFont typeface="Arial" panose="020B0604020202020204" pitchFamily="34" charset="0"/>
+              <a:buChar char="•"/>
+            </a:pPr>
+            <a:r>
+              <a:rPr lang="en-US" dirty="0"/>
+              <a:t>One neuron for binary classification</a:t>
+            </a:r>
+          </a:p>
+          <a:p>
+            <a:pPr lvl="1">
+              <a:buFont typeface="Arial" panose="020B0604020202020204" pitchFamily="34" charset="0"/>
+              <a:buChar char="•"/>
+            </a:pPr>
+            <a:r>
+              <a:rPr lang="en-US" dirty="0"/>
+              <a:t>One neuron for each class in multi-class classification</a:t>
+            </a:r>
+          </a:p>
+          <a:p>
+            <a:pPr lvl="2">
+              <a:buFont typeface="Arial" panose="020B0604020202020204" pitchFamily="34" charset="0"/>
+              <a:buChar char="•"/>
+            </a:pPr>
+            <a:r>
+              <a:rPr lang="en-US" dirty="0" err="1"/>
+              <a:t>Softmax</a:t>
+            </a:r>
+            <a:r>
+              <a:rPr lang="en-US" dirty="0"/>
+              <a:t> activation as final output</a:t>
+            </a:r>
+          </a:p>
+          <a:p>
+            <a:pPr lvl="3">
+              <a:buFont typeface="Arial" panose="020B0604020202020204" pitchFamily="34" charset="0"/>
+              <a:buChar char="•"/>
+            </a:pPr>
+            <a:r>
+              <a:rPr lang="en-US" dirty="0"/>
+              <a:t>Probability that sample belongs to each class, normalized to 1</a:t>
+            </a:r>
+          </a:p>
+          <a:p>
+            <a:pPr>
+              <a:buFont typeface="Arial" panose="020B0604020202020204" pitchFamily="34" charset="0"/>
+              <a:buChar char="•"/>
+            </a:pPr>
+            <a:endParaRPr lang="en-US" dirty="0"/>
+          </a:p>
+          <a:p>
+            <a:pPr lvl="1">
+              <a:buFont typeface="Arial" panose="020B0604020202020204" pitchFamily="34" charset="0"/>
+              <a:buChar char="•"/>
+            </a:pPr>
+            <a:endParaRPr lang="en-US" dirty="0"/>
+          </a:p>
+        </p:txBody>
+      </p:sp>
+    </p:spTree>
+    <p:extLst>
+      <p:ext uri="{BB962C8B-B14F-4D97-AF65-F5344CB8AC3E}">
+        <p14:creationId xmlns:p14="http://schemas.microsoft.com/office/powerpoint/2010/main" val="1538897934"/>
+      </p:ext>
+    </p:extLst>
+  </p:cSld>
+  <p:clrMapOvr>
+    <a:masterClrMapping/>
+  </p:clrMapOvr>
+  <p:transition>
+    <p:fade thruBlk="1"/>
+  </p:transition>
+</p:sld>
+</file>
+
 <file path=ppt/slides/slide54.xml><?xml version="1.0" encoding="utf-8"?>
 <p:sld xmlns:a="http://schemas.openxmlformats.org/drawingml/2006/main" xmlns:r="http://schemas.openxmlformats.org/officeDocument/2006/relationships" xmlns:p="http://schemas.openxmlformats.org/presentationml/2006/main">
   <p:cSld>
@@ -29635,186 +29563,6 @@
             </a:pPr>
             <a:r>
               <a:rPr lang="en-US" dirty="0"/>
-              <a:t>Single </a:t>
-            </a:r>
-            <a:r>
-              <a:rPr lang="en-US" b="1" dirty="0"/>
-              <a:t>input</a:t>
-            </a:r>
-            <a:r>
-              <a:rPr lang="en-US" dirty="0"/>
-              <a:t> layer</a:t>
-            </a:r>
-          </a:p>
-          <a:p>
-            <a:pPr lvl="1">
-              <a:buFont typeface="Arial" panose="020B0604020202020204" pitchFamily="34" charset="0"/>
-              <a:buChar char="•"/>
-            </a:pPr>
-            <a:r>
-              <a:rPr lang="en-US" dirty="0"/>
-              <a:t>One neuron for each data feature</a:t>
-            </a:r>
-          </a:p>
-          <a:p>
-            <a:pPr>
-              <a:buFont typeface="Arial" panose="020B0604020202020204" pitchFamily="34" charset="0"/>
-              <a:buChar char="•"/>
-            </a:pPr>
-            <a:r>
-              <a:rPr lang="en-US" dirty="0"/>
-              <a:t>Single </a:t>
-            </a:r>
-            <a:r>
-              <a:rPr lang="en-US" b="1" dirty="0"/>
-              <a:t>output</a:t>
-            </a:r>
-            <a:r>
-              <a:rPr lang="en-US" dirty="0"/>
-              <a:t> layer</a:t>
-            </a:r>
-          </a:p>
-          <a:p>
-            <a:pPr lvl="1">
-              <a:buFont typeface="Arial" panose="020B0604020202020204" pitchFamily="34" charset="0"/>
-              <a:buChar char="•"/>
-            </a:pPr>
-            <a:r>
-              <a:rPr lang="en-US" dirty="0"/>
-              <a:t>One neuron for binary classification</a:t>
-            </a:r>
-          </a:p>
-          <a:p>
-            <a:pPr lvl="1">
-              <a:buFont typeface="Arial" panose="020B0604020202020204" pitchFamily="34" charset="0"/>
-              <a:buChar char="•"/>
-            </a:pPr>
-            <a:r>
-              <a:rPr lang="en-US" dirty="0"/>
-              <a:t>One neuron for each class in multi-class classification</a:t>
-            </a:r>
-          </a:p>
-          <a:p>
-            <a:pPr lvl="2">
-              <a:buFont typeface="Arial" panose="020B0604020202020204" pitchFamily="34" charset="0"/>
-              <a:buChar char="•"/>
-            </a:pPr>
-            <a:r>
-              <a:rPr lang="en-US" dirty="0" err="1"/>
-              <a:t>Softmax</a:t>
-            </a:r>
-            <a:r>
-              <a:rPr lang="en-US" dirty="0"/>
-              <a:t> activation as final output</a:t>
-            </a:r>
-          </a:p>
-          <a:p>
-            <a:pPr lvl="3">
-              <a:buFont typeface="Arial" panose="020B0604020202020204" pitchFamily="34" charset="0"/>
-              <a:buChar char="•"/>
-            </a:pPr>
-            <a:r>
-              <a:rPr lang="en-US" dirty="0"/>
-              <a:t>Probability that sample belongs to each class, normalized to 1</a:t>
-            </a:r>
-          </a:p>
-          <a:p>
-            <a:pPr>
-              <a:buFont typeface="Arial" panose="020B0604020202020204" pitchFamily="34" charset="0"/>
-              <a:buChar char="•"/>
-            </a:pPr>
-            <a:endParaRPr lang="en-US" dirty="0"/>
-          </a:p>
-          <a:p>
-            <a:pPr lvl="1">
-              <a:buFont typeface="Arial" panose="020B0604020202020204" pitchFamily="34" charset="0"/>
-              <a:buChar char="•"/>
-            </a:pPr>
-            <a:endParaRPr lang="en-US" dirty="0"/>
-          </a:p>
-        </p:txBody>
-      </p:sp>
-    </p:spTree>
-    <p:extLst>
-      <p:ext uri="{BB962C8B-B14F-4D97-AF65-F5344CB8AC3E}">
-        <p14:creationId xmlns:p14="http://schemas.microsoft.com/office/powerpoint/2010/main" val="1538897934"/>
-      </p:ext>
-    </p:extLst>
-  </p:cSld>
-  <p:clrMapOvr>
-    <a:masterClrMapping/>
-  </p:clrMapOvr>
-  <p:transition>
-    <p:fade thruBlk="1"/>
-  </p:transition>
-</p:sld>
-</file>
-
-<file path=ppt/slides/slide55.xml><?xml version="1.0" encoding="utf-8"?>
-<p:sld xmlns:a="http://schemas.openxmlformats.org/drawingml/2006/main" xmlns:r="http://schemas.openxmlformats.org/officeDocument/2006/relationships" xmlns:p="http://schemas.openxmlformats.org/presentationml/2006/main">
-  <p:cSld>
-    <p:spTree>
-      <p:nvGrpSpPr>
-        <p:cNvPr id="1" name=""/>
-        <p:cNvGrpSpPr/>
-        <p:nvPr/>
-      </p:nvGrpSpPr>
-      <p:grpSpPr>
-        <a:xfrm>
-          <a:off x="0" y="0"/>
-          <a:ext cx="0" cy="0"/>
-          <a:chOff x="0" y="0"/>
-          <a:chExt cx="0" cy="0"/>
-        </a:xfrm>
-      </p:grpSpPr>
-      <p:sp>
-        <p:nvSpPr>
-          <p:cNvPr id="2" name="Title 1"/>
-          <p:cNvSpPr>
-            <a:spLocks noGrp="1"/>
-          </p:cNvSpPr>
-          <p:nvPr>
-            <p:ph type="title"/>
-          </p:nvPr>
-        </p:nvSpPr>
-        <p:spPr/>
-        <p:txBody>
-          <a:bodyPr/>
-          <a:lstStyle/>
-          <a:p>
-            <a:r>
-              <a:rPr lang="en-US" dirty="0"/>
-              <a:t>Feed forward network</a:t>
-            </a:r>
-          </a:p>
-        </p:txBody>
-      </p:sp>
-      <p:sp>
-        <p:nvSpPr>
-          <p:cNvPr id="3" name="Content Placeholder 2"/>
-          <p:cNvSpPr>
-            <a:spLocks noGrp="1"/>
-          </p:cNvSpPr>
-          <p:nvPr>
-            <p:ph idx="1"/>
-          </p:nvPr>
-        </p:nvSpPr>
-        <p:spPr>
-          <a:xfrm>
-            <a:off x="457200" y="1600200"/>
-            <a:ext cx="8229600" cy="4781128"/>
-          </a:xfrm>
-        </p:spPr>
-        <p:txBody>
-          <a:bodyPr/>
-          <a:lstStyle/>
-          <a:p>
-            <a:pPr>
-              <a:buFont typeface="Arial" panose="020B0604020202020204" pitchFamily="34" charset="0"/>
-              <a:buChar char="•"/>
-            </a:pPr>
-            <a:r>
-              <a:rPr lang="en-US" dirty="0"/>
               <a:t>0 to N </a:t>
             </a:r>
             <a:r>
@@ -29928,7 +29676,7 @@
 </p:sld>
 </file>
 
-<file path=ppt/slides/slide56.xml><?xml version="1.0" encoding="utf-8"?>
+<file path=ppt/slides/slide55.xml><?xml version="1.0" encoding="utf-8"?>
 <p:sld xmlns:a="http://schemas.openxmlformats.org/drawingml/2006/main" xmlns:r="http://schemas.openxmlformats.org/officeDocument/2006/relationships" xmlns:p="http://schemas.openxmlformats.org/presentationml/2006/main">
   <p:cSld>
     <p:spTree>
